--- a/Assignment3_DSA.pptx
+++ b/Assignment3_DSA.pptx
@@ -10,6 +10,15 @@
     <p:sldId id="258" r:id="rId4"/>
     <p:sldId id="259" r:id="rId5"/>
     <p:sldId id="260" r:id="rId6"/>
+    <p:sldId id="265" r:id="rId7"/>
+    <p:sldId id="261" r:id="rId8"/>
+    <p:sldId id="264" r:id="rId9"/>
+    <p:sldId id="267" r:id="rId10"/>
+    <p:sldId id="266" r:id="rId11"/>
+    <p:sldId id="270" r:id="rId12"/>
+    <p:sldId id="268" r:id="rId13"/>
+    <p:sldId id="269" r:id="rId14"/>
+    <p:sldId id="271" r:id="rId15"/>
   </p:sldIdLst>
   <p:sldSz cx="12192000" cy="6858000"/>
   <p:notesSz cx="6858000" cy="9144000"/>
@@ -108,6 +117,11 @@
       </a:defRPr>
     </a:lvl9pPr>
   </p:defaultTextStyle>
+  <p:extLst>
+    <p:ext uri="{EFAFB233-063F-42B5-8137-9DF3F51BA10A}">
+      <p15:sldGuideLst xmlns:p15="http://schemas.microsoft.com/office/powerpoint/2012/main"/>
+    </p:ext>
+  </p:extLst>
 </p:presentation>
 </file>
 
@@ -3031,6 +3045,2413 @@
   <p:clrMapOvr>
     <a:masterClrMapping/>
   </p:clrMapOvr>
+  <p:timing>
+    <p:tnLst>
+      <p:par>
+        <p:cTn id="1" dur="indefinite" restart="never" nodeType="tmRoot"/>
+      </p:par>
+    </p:tnLst>
+  </p:timing>
+</p:sld>
+</file>
+
+<file path=ppt/slides/slide10.xml><?xml version="1.0" encoding="utf-8"?>
+<p:sld xmlns:a="http://schemas.openxmlformats.org/drawingml/2006/main" xmlns:r="http://schemas.openxmlformats.org/officeDocument/2006/relationships" xmlns:p="http://schemas.openxmlformats.org/presentationml/2006/main">
+  <p:cSld>
+    <p:spTree>
+      <p:nvGrpSpPr>
+        <p:cNvPr id="1" name=""/>
+        <p:cNvGrpSpPr/>
+        <p:nvPr/>
+      </p:nvGrpSpPr>
+      <p:grpSpPr>
+        <a:xfrm>
+          <a:off x="0" y="0"/>
+          <a:ext cx="0" cy="0"/>
+          <a:chOff x="0" y="0"/>
+          <a:chExt cx="0" cy="0"/>
+        </a:xfrm>
+      </p:grpSpPr>
+      <p:sp>
+        <p:nvSpPr>
+          <p:cNvPr id="2" name="Title 1"/>
+          <p:cNvSpPr>
+            <a:spLocks noGrp="1"/>
+          </p:cNvSpPr>
+          <p:nvPr>
+            <p:ph type="title"/>
+          </p:nvPr>
+        </p:nvSpPr>
+        <p:spPr/>
+        <p:txBody>
+          <a:bodyPr/>
+          <a:lstStyle/>
+          <a:p>
+            <a:r>
+              <a:rPr lang="en-US" dirty="0" smtClean="0"/>
+              <a:t>C++ Code Sample – Step 2</a:t>
+            </a:r>
+            <a:endParaRPr lang="en-US" dirty="0"/>
+          </a:p>
+        </p:txBody>
+      </p:sp>
+      <p:pic>
+        <p:nvPicPr>
+          <p:cNvPr id="6" name="Content Placeholder 5"/>
+          <p:cNvPicPr>
+            <a:picLocks noGrp="1" noChangeAspect="1"/>
+          </p:cNvPicPr>
+          <p:nvPr>
+            <p:ph idx="1"/>
+          </p:nvPr>
+        </p:nvPicPr>
+        <p:blipFill>
+          <a:blip r:embed="rId2"/>
+          <a:stretch>
+            <a:fillRect/>
+          </a:stretch>
+        </p:blipFill>
+        <p:spPr>
+          <a:xfrm>
+            <a:off x="861646" y="1690688"/>
+            <a:ext cx="5442813" cy="4495278"/>
+          </a:xfrm>
+          <a:prstGeom prst="rect">
+            <a:avLst/>
+          </a:prstGeom>
+        </p:spPr>
+      </p:pic>
+      <p:sp>
+        <p:nvSpPr>
+          <p:cNvPr id="10" name="TextBox 9"/>
+          <p:cNvSpPr txBox="1"/>
+          <p:nvPr/>
+        </p:nvSpPr>
+        <p:spPr>
+          <a:xfrm>
+            <a:off x="5667943" y="2092921"/>
+            <a:ext cx="4315027" cy="923330"/>
+          </a:xfrm>
+          <a:prstGeom prst="rect">
+            <a:avLst/>
+          </a:prstGeom>
+          <a:noFill/>
+        </p:spPr>
+        <p:txBody>
+          <a:bodyPr wrap="none" rtlCol="0">
+            <a:spAutoFit/>
+          </a:bodyPr>
+          <a:lstStyle/>
+          <a:p>
+            <a:r>
+              <a:rPr lang="en-US" dirty="0" smtClean="0">
+                <a:solidFill>
+                  <a:schemeClr val="tx1">
+                    <a:lumMod val="50000"/>
+                    <a:lumOff val="50000"/>
+                  </a:schemeClr>
+                </a:solidFill>
+              </a:rPr>
+              <a:t>- Pick the node with the minimum distance  </a:t>
+            </a:r>
+          </a:p>
+          <a:p>
+            <a:r>
+              <a:rPr lang="en-US" dirty="0">
+                <a:solidFill>
+                  <a:schemeClr val="tx1">
+                    <a:lumMod val="50000"/>
+                    <a:lumOff val="50000"/>
+                  </a:schemeClr>
+                </a:solidFill>
+              </a:rPr>
+              <a:t> </a:t>
+            </a:r>
+            <a:r>
+              <a:rPr lang="en-US" dirty="0" smtClean="0">
+                <a:solidFill>
+                  <a:schemeClr val="tx1">
+                    <a:lumMod val="50000"/>
+                    <a:lumOff val="50000"/>
+                  </a:schemeClr>
+                </a:solidFill>
+              </a:rPr>
+              <a:t> That is not yet processed</a:t>
+            </a:r>
+          </a:p>
+          <a:p>
+            <a:r>
+              <a:rPr lang="en-US" dirty="0" smtClean="0">
+                <a:solidFill>
+                  <a:schemeClr val="tx1">
+                    <a:lumMod val="50000"/>
+                    <a:lumOff val="50000"/>
+                  </a:schemeClr>
+                </a:solidFill>
+              </a:rPr>
+              <a:t>-  Mark it as visited vertex</a:t>
+            </a:r>
+            <a:endParaRPr lang="en-US" dirty="0">
+              <a:solidFill>
+                <a:schemeClr val="tx1">
+                  <a:lumMod val="50000"/>
+                  <a:lumOff val="50000"/>
+                </a:schemeClr>
+              </a:solidFill>
+            </a:endParaRPr>
+          </a:p>
+        </p:txBody>
+      </p:sp>
+      <p:cxnSp>
+        <p:nvCxnSpPr>
+          <p:cNvPr id="15" name="Straight Arrow Connector 14"/>
+          <p:cNvCxnSpPr/>
+          <p:nvPr/>
+        </p:nvCxnSpPr>
+        <p:spPr>
+          <a:xfrm>
+            <a:off x="451339" y="4571136"/>
+            <a:ext cx="644769" cy="0"/>
+          </a:xfrm>
+          <a:prstGeom prst="straightConnector1">
+            <a:avLst/>
+          </a:prstGeom>
+          <a:ln>
+            <a:tailEnd type="triangle"/>
+          </a:ln>
+        </p:spPr>
+        <p:style>
+          <a:lnRef idx="1">
+            <a:schemeClr val="accent1"/>
+          </a:lnRef>
+          <a:fillRef idx="0">
+            <a:schemeClr val="accent1"/>
+          </a:fillRef>
+          <a:effectRef idx="0">
+            <a:schemeClr val="accent1"/>
+          </a:effectRef>
+          <a:fontRef idx="minor">
+            <a:schemeClr val="tx1"/>
+          </a:fontRef>
+        </p:style>
+      </p:cxnSp>
+      <p:cxnSp>
+        <p:nvCxnSpPr>
+          <p:cNvPr id="18" name="Straight Connector 17"/>
+          <p:cNvCxnSpPr/>
+          <p:nvPr/>
+        </p:nvCxnSpPr>
+        <p:spPr>
+          <a:xfrm>
+            <a:off x="1195754" y="3480739"/>
+            <a:ext cx="0" cy="2138183"/>
+          </a:xfrm>
+          <a:prstGeom prst="line">
+            <a:avLst/>
+          </a:prstGeom>
+        </p:spPr>
+        <p:style>
+          <a:lnRef idx="1">
+            <a:schemeClr val="accent1"/>
+          </a:lnRef>
+          <a:fillRef idx="0">
+            <a:schemeClr val="accent1"/>
+          </a:fillRef>
+          <a:effectRef idx="0">
+            <a:schemeClr val="accent1"/>
+          </a:effectRef>
+          <a:fontRef idx="minor">
+            <a:schemeClr val="tx1"/>
+          </a:fontRef>
+        </p:style>
+      </p:cxnSp>
+      <p:cxnSp>
+        <p:nvCxnSpPr>
+          <p:cNvPr id="13" name="Elbow Connector 12"/>
+          <p:cNvCxnSpPr/>
+          <p:nvPr/>
+        </p:nvCxnSpPr>
+        <p:spPr>
+          <a:xfrm rot="5400000">
+            <a:off x="5317364" y="3256543"/>
+            <a:ext cx="1211364" cy="730784"/>
+          </a:xfrm>
+          <a:prstGeom prst="bentConnector3">
+            <a:avLst/>
+          </a:prstGeom>
+        </p:spPr>
+        <p:style>
+          <a:lnRef idx="1">
+            <a:schemeClr val="accent1"/>
+          </a:lnRef>
+          <a:fillRef idx="0">
+            <a:schemeClr val="accent1"/>
+          </a:fillRef>
+          <a:effectRef idx="0">
+            <a:schemeClr val="accent1"/>
+          </a:effectRef>
+          <a:fontRef idx="minor">
+            <a:schemeClr val="tx1"/>
+          </a:fontRef>
+        </p:style>
+      </p:cxnSp>
+      <p:cxnSp>
+        <p:nvCxnSpPr>
+          <p:cNvPr id="19" name="Straight Arrow Connector 18"/>
+          <p:cNvCxnSpPr/>
+          <p:nvPr/>
+        </p:nvCxnSpPr>
+        <p:spPr>
+          <a:xfrm flipH="1">
+            <a:off x="4987636" y="3938327"/>
+            <a:ext cx="570016" cy="0"/>
+          </a:xfrm>
+          <a:prstGeom prst="straightConnector1">
+            <a:avLst/>
+          </a:prstGeom>
+          <a:ln>
+            <a:tailEnd type="triangle"/>
+          </a:ln>
+        </p:spPr>
+        <p:style>
+          <a:lnRef idx="1">
+            <a:schemeClr val="accent1"/>
+          </a:lnRef>
+          <a:fillRef idx="0">
+            <a:schemeClr val="accent1"/>
+          </a:fillRef>
+          <a:effectRef idx="0">
+            <a:schemeClr val="accent1"/>
+          </a:effectRef>
+          <a:fontRef idx="minor">
+            <a:schemeClr val="tx1"/>
+          </a:fontRef>
+        </p:style>
+      </p:cxnSp>
+      <p:cxnSp>
+        <p:nvCxnSpPr>
+          <p:cNvPr id="21" name="Straight Arrow Connector 20"/>
+          <p:cNvCxnSpPr/>
+          <p:nvPr/>
+        </p:nvCxnSpPr>
+        <p:spPr>
+          <a:xfrm flipH="1">
+            <a:off x="3583052" y="4144488"/>
+            <a:ext cx="1974600" cy="0"/>
+          </a:xfrm>
+          <a:prstGeom prst="straightConnector1">
+            <a:avLst/>
+          </a:prstGeom>
+          <a:ln>
+            <a:tailEnd type="triangle"/>
+          </a:ln>
+        </p:spPr>
+        <p:style>
+          <a:lnRef idx="1">
+            <a:schemeClr val="accent1"/>
+          </a:lnRef>
+          <a:fillRef idx="0">
+            <a:schemeClr val="accent1"/>
+          </a:fillRef>
+          <a:effectRef idx="0">
+            <a:schemeClr val="accent1"/>
+          </a:effectRef>
+          <a:fontRef idx="minor">
+            <a:schemeClr val="tx1"/>
+          </a:fontRef>
+        </p:style>
+      </p:cxnSp>
+    </p:spTree>
+    <p:extLst>
+      <p:ext uri="{BB962C8B-B14F-4D97-AF65-F5344CB8AC3E}">
+        <p14:creationId xmlns:p14="http://schemas.microsoft.com/office/powerpoint/2010/main" val="3800639555"/>
+      </p:ext>
+    </p:extLst>
+  </p:cSld>
+  <p:clrMapOvr>
+    <a:masterClrMapping/>
+  </p:clrMapOvr>
+  <p:timing>
+    <p:tnLst>
+      <p:par>
+        <p:cTn id="1" dur="indefinite" restart="never" nodeType="tmRoot"/>
+      </p:par>
+    </p:tnLst>
+  </p:timing>
+</p:sld>
+</file>
+
+<file path=ppt/slides/slide11.xml><?xml version="1.0" encoding="utf-8"?>
+<p:sld xmlns:a="http://schemas.openxmlformats.org/drawingml/2006/main" xmlns:r="http://schemas.openxmlformats.org/officeDocument/2006/relationships" xmlns:p="http://schemas.openxmlformats.org/presentationml/2006/main">
+  <p:cSld>
+    <p:spTree>
+      <p:nvGrpSpPr>
+        <p:cNvPr id="1" name=""/>
+        <p:cNvGrpSpPr/>
+        <p:nvPr/>
+      </p:nvGrpSpPr>
+      <p:grpSpPr>
+        <a:xfrm>
+          <a:off x="0" y="0"/>
+          <a:ext cx="0" cy="0"/>
+          <a:chOff x="0" y="0"/>
+          <a:chExt cx="0" cy="0"/>
+        </a:xfrm>
+      </p:grpSpPr>
+      <p:sp>
+        <p:nvSpPr>
+          <p:cNvPr id="2" name="Title 1"/>
+          <p:cNvSpPr>
+            <a:spLocks noGrp="1"/>
+          </p:cNvSpPr>
+          <p:nvPr>
+            <p:ph type="title"/>
+          </p:nvPr>
+        </p:nvSpPr>
+        <p:spPr/>
+        <p:txBody>
+          <a:bodyPr/>
+          <a:lstStyle/>
+          <a:p>
+            <a:r>
+              <a:rPr lang="en-US" dirty="0" smtClean="0"/>
+              <a:t>C++ Code Sample – Step 2</a:t>
+            </a:r>
+            <a:endParaRPr lang="en-US" dirty="0"/>
+          </a:p>
+        </p:txBody>
+      </p:sp>
+      <p:pic>
+        <p:nvPicPr>
+          <p:cNvPr id="6" name="Content Placeholder 5"/>
+          <p:cNvPicPr>
+            <a:picLocks noGrp="1" noChangeAspect="1"/>
+          </p:cNvPicPr>
+          <p:nvPr>
+            <p:ph idx="1"/>
+          </p:nvPr>
+        </p:nvPicPr>
+        <p:blipFill>
+          <a:blip r:embed="rId2"/>
+          <a:stretch>
+            <a:fillRect/>
+          </a:stretch>
+        </p:blipFill>
+        <p:spPr>
+          <a:xfrm>
+            <a:off x="861646" y="1690688"/>
+            <a:ext cx="5442813" cy="4495278"/>
+          </a:xfrm>
+          <a:prstGeom prst="rect">
+            <a:avLst/>
+          </a:prstGeom>
+        </p:spPr>
+      </p:pic>
+      <p:sp>
+        <p:nvSpPr>
+          <p:cNvPr id="10" name="TextBox 9"/>
+          <p:cNvSpPr txBox="1"/>
+          <p:nvPr/>
+        </p:nvSpPr>
+        <p:spPr>
+          <a:xfrm>
+            <a:off x="5667943" y="2092921"/>
+            <a:ext cx="4315027" cy="923330"/>
+          </a:xfrm>
+          <a:prstGeom prst="rect">
+            <a:avLst/>
+          </a:prstGeom>
+          <a:noFill/>
+        </p:spPr>
+        <p:txBody>
+          <a:bodyPr wrap="none" rtlCol="0">
+            <a:spAutoFit/>
+          </a:bodyPr>
+          <a:lstStyle/>
+          <a:p>
+            <a:r>
+              <a:rPr lang="en-US" dirty="0" smtClean="0">
+                <a:solidFill>
+                  <a:schemeClr val="tx1">
+                    <a:lumMod val="50000"/>
+                    <a:lumOff val="50000"/>
+                  </a:schemeClr>
+                </a:solidFill>
+              </a:rPr>
+              <a:t>- Pick the node with the minimum distance  </a:t>
+            </a:r>
+          </a:p>
+          <a:p>
+            <a:r>
+              <a:rPr lang="en-US" dirty="0">
+                <a:solidFill>
+                  <a:schemeClr val="tx1">
+                    <a:lumMod val="50000"/>
+                    <a:lumOff val="50000"/>
+                  </a:schemeClr>
+                </a:solidFill>
+              </a:rPr>
+              <a:t> </a:t>
+            </a:r>
+            <a:r>
+              <a:rPr lang="en-US" dirty="0" smtClean="0">
+                <a:solidFill>
+                  <a:schemeClr val="tx1">
+                    <a:lumMod val="50000"/>
+                    <a:lumOff val="50000"/>
+                  </a:schemeClr>
+                </a:solidFill>
+              </a:rPr>
+              <a:t> That is not yet processed</a:t>
+            </a:r>
+          </a:p>
+          <a:p>
+            <a:r>
+              <a:rPr lang="en-US" dirty="0" smtClean="0">
+                <a:solidFill>
+                  <a:schemeClr val="tx1">
+                    <a:lumMod val="50000"/>
+                    <a:lumOff val="50000"/>
+                  </a:schemeClr>
+                </a:solidFill>
+              </a:rPr>
+              <a:t>-  Mark it as visited vertex</a:t>
+            </a:r>
+            <a:endParaRPr lang="en-US" dirty="0">
+              <a:solidFill>
+                <a:schemeClr val="tx1">
+                  <a:lumMod val="50000"/>
+                  <a:lumOff val="50000"/>
+                </a:schemeClr>
+              </a:solidFill>
+            </a:endParaRPr>
+          </a:p>
+        </p:txBody>
+      </p:sp>
+      <p:cxnSp>
+        <p:nvCxnSpPr>
+          <p:cNvPr id="15" name="Straight Arrow Connector 14"/>
+          <p:cNvCxnSpPr/>
+          <p:nvPr/>
+        </p:nvCxnSpPr>
+        <p:spPr>
+          <a:xfrm>
+            <a:off x="451339" y="4571136"/>
+            <a:ext cx="644769" cy="0"/>
+          </a:xfrm>
+          <a:prstGeom prst="straightConnector1">
+            <a:avLst/>
+          </a:prstGeom>
+          <a:ln>
+            <a:tailEnd type="triangle"/>
+          </a:ln>
+        </p:spPr>
+        <p:style>
+          <a:lnRef idx="1">
+            <a:schemeClr val="accent1"/>
+          </a:lnRef>
+          <a:fillRef idx="0">
+            <a:schemeClr val="accent1"/>
+          </a:fillRef>
+          <a:effectRef idx="0">
+            <a:schemeClr val="accent1"/>
+          </a:effectRef>
+          <a:fontRef idx="minor">
+            <a:schemeClr val="tx1"/>
+          </a:fontRef>
+        </p:style>
+      </p:cxnSp>
+      <p:cxnSp>
+        <p:nvCxnSpPr>
+          <p:cNvPr id="18" name="Straight Connector 17"/>
+          <p:cNvCxnSpPr/>
+          <p:nvPr/>
+        </p:nvCxnSpPr>
+        <p:spPr>
+          <a:xfrm>
+            <a:off x="1195754" y="3480739"/>
+            <a:ext cx="0" cy="2138183"/>
+          </a:xfrm>
+          <a:prstGeom prst="line">
+            <a:avLst/>
+          </a:prstGeom>
+        </p:spPr>
+        <p:style>
+          <a:lnRef idx="1">
+            <a:schemeClr val="accent1"/>
+          </a:lnRef>
+          <a:fillRef idx="0">
+            <a:schemeClr val="accent1"/>
+          </a:fillRef>
+          <a:effectRef idx="0">
+            <a:schemeClr val="accent1"/>
+          </a:effectRef>
+          <a:fontRef idx="minor">
+            <a:schemeClr val="tx1"/>
+          </a:fontRef>
+        </p:style>
+      </p:cxnSp>
+      <p:cxnSp>
+        <p:nvCxnSpPr>
+          <p:cNvPr id="13" name="Elbow Connector 12"/>
+          <p:cNvCxnSpPr/>
+          <p:nvPr/>
+        </p:nvCxnSpPr>
+        <p:spPr>
+          <a:xfrm rot="5400000">
+            <a:off x="5317364" y="3256543"/>
+            <a:ext cx="1211364" cy="730784"/>
+          </a:xfrm>
+          <a:prstGeom prst="bentConnector3">
+            <a:avLst/>
+          </a:prstGeom>
+        </p:spPr>
+        <p:style>
+          <a:lnRef idx="1">
+            <a:schemeClr val="accent1"/>
+          </a:lnRef>
+          <a:fillRef idx="0">
+            <a:schemeClr val="accent1"/>
+          </a:fillRef>
+          <a:effectRef idx="0">
+            <a:schemeClr val="accent1"/>
+          </a:effectRef>
+          <a:fontRef idx="minor">
+            <a:schemeClr val="tx1"/>
+          </a:fontRef>
+        </p:style>
+      </p:cxnSp>
+      <p:cxnSp>
+        <p:nvCxnSpPr>
+          <p:cNvPr id="19" name="Straight Arrow Connector 18"/>
+          <p:cNvCxnSpPr/>
+          <p:nvPr/>
+        </p:nvCxnSpPr>
+        <p:spPr>
+          <a:xfrm flipH="1">
+            <a:off x="4987636" y="3938327"/>
+            <a:ext cx="570016" cy="0"/>
+          </a:xfrm>
+          <a:prstGeom prst="straightConnector1">
+            <a:avLst/>
+          </a:prstGeom>
+          <a:ln>
+            <a:tailEnd type="triangle"/>
+          </a:ln>
+        </p:spPr>
+        <p:style>
+          <a:lnRef idx="1">
+            <a:schemeClr val="accent1"/>
+          </a:lnRef>
+          <a:fillRef idx="0">
+            <a:schemeClr val="accent1"/>
+          </a:fillRef>
+          <a:effectRef idx="0">
+            <a:schemeClr val="accent1"/>
+          </a:effectRef>
+          <a:fontRef idx="minor">
+            <a:schemeClr val="tx1"/>
+          </a:fontRef>
+        </p:style>
+      </p:cxnSp>
+      <p:cxnSp>
+        <p:nvCxnSpPr>
+          <p:cNvPr id="21" name="Straight Arrow Connector 20"/>
+          <p:cNvCxnSpPr/>
+          <p:nvPr/>
+        </p:nvCxnSpPr>
+        <p:spPr>
+          <a:xfrm flipH="1">
+            <a:off x="3583052" y="4144488"/>
+            <a:ext cx="1974600" cy="0"/>
+          </a:xfrm>
+          <a:prstGeom prst="straightConnector1">
+            <a:avLst/>
+          </a:prstGeom>
+          <a:ln>
+            <a:tailEnd type="triangle"/>
+          </a:ln>
+        </p:spPr>
+        <p:style>
+          <a:lnRef idx="1">
+            <a:schemeClr val="accent1"/>
+          </a:lnRef>
+          <a:fillRef idx="0">
+            <a:schemeClr val="accent1"/>
+          </a:fillRef>
+          <a:effectRef idx="0">
+            <a:schemeClr val="accent1"/>
+          </a:effectRef>
+          <a:fontRef idx="minor">
+            <a:schemeClr val="tx1"/>
+          </a:fontRef>
+        </p:style>
+      </p:cxnSp>
+      <p:pic>
+        <p:nvPicPr>
+          <p:cNvPr id="24" name="Picture 23"/>
+          <p:cNvPicPr>
+            <a:picLocks noChangeAspect="1"/>
+          </p:cNvPicPr>
+          <p:nvPr/>
+        </p:nvPicPr>
+        <p:blipFill>
+          <a:blip r:embed="rId3"/>
+          <a:stretch>
+            <a:fillRect/>
+          </a:stretch>
+        </p:blipFill>
+        <p:spPr>
+          <a:xfrm>
+            <a:off x="6990520" y="3938327"/>
+            <a:ext cx="4363280" cy="1900632"/>
+          </a:xfrm>
+          <a:prstGeom prst="rect">
+            <a:avLst/>
+          </a:prstGeom>
+        </p:spPr>
+      </p:pic>
+    </p:spTree>
+    <p:extLst>
+      <p:ext uri="{BB962C8B-B14F-4D97-AF65-F5344CB8AC3E}">
+        <p14:creationId xmlns:p14="http://schemas.microsoft.com/office/powerpoint/2010/main" val="3923609831"/>
+      </p:ext>
+    </p:extLst>
+  </p:cSld>
+  <p:clrMapOvr>
+    <a:masterClrMapping/>
+  </p:clrMapOvr>
+  <p:timing>
+    <p:tnLst>
+      <p:par>
+        <p:cTn id="1" dur="indefinite" restart="never" nodeType="tmRoot"/>
+      </p:par>
+    </p:tnLst>
+  </p:timing>
+</p:sld>
+</file>
+
+<file path=ppt/slides/slide12.xml><?xml version="1.0" encoding="utf-8"?>
+<p:sld xmlns:a="http://schemas.openxmlformats.org/drawingml/2006/main" xmlns:r="http://schemas.openxmlformats.org/officeDocument/2006/relationships" xmlns:p="http://schemas.openxmlformats.org/presentationml/2006/main">
+  <p:cSld>
+    <p:spTree>
+      <p:nvGrpSpPr>
+        <p:cNvPr id="1" name=""/>
+        <p:cNvGrpSpPr/>
+        <p:nvPr/>
+      </p:nvGrpSpPr>
+      <p:grpSpPr>
+        <a:xfrm>
+          <a:off x="0" y="0"/>
+          <a:ext cx="0" cy="0"/>
+          <a:chOff x="0" y="0"/>
+          <a:chExt cx="0" cy="0"/>
+        </a:xfrm>
+      </p:grpSpPr>
+      <p:pic>
+        <p:nvPicPr>
+          <p:cNvPr id="14" name="Picture 13"/>
+          <p:cNvPicPr>
+            <a:picLocks noChangeAspect="1"/>
+          </p:cNvPicPr>
+          <p:nvPr/>
+        </p:nvPicPr>
+        <p:blipFill>
+          <a:blip r:embed="rId2"/>
+          <a:stretch>
+            <a:fillRect/>
+          </a:stretch>
+        </p:blipFill>
+        <p:spPr>
+          <a:xfrm>
+            <a:off x="6714766" y="3785515"/>
+            <a:ext cx="3820058" cy="2133898"/>
+          </a:xfrm>
+          <a:prstGeom prst="rect">
+            <a:avLst/>
+          </a:prstGeom>
+        </p:spPr>
+      </p:pic>
+      <p:sp>
+        <p:nvSpPr>
+          <p:cNvPr id="2" name="Title 1"/>
+          <p:cNvSpPr>
+            <a:spLocks noGrp="1"/>
+          </p:cNvSpPr>
+          <p:nvPr>
+            <p:ph type="title"/>
+          </p:nvPr>
+        </p:nvSpPr>
+        <p:spPr/>
+        <p:txBody>
+          <a:bodyPr/>
+          <a:lstStyle/>
+          <a:p>
+            <a:r>
+              <a:rPr lang="en-US" dirty="0" smtClean="0"/>
+              <a:t>C++ Code Sample – Step 2</a:t>
+            </a:r>
+            <a:endParaRPr lang="en-US" dirty="0"/>
+          </a:p>
+        </p:txBody>
+      </p:sp>
+      <p:pic>
+        <p:nvPicPr>
+          <p:cNvPr id="6" name="Content Placeholder 5"/>
+          <p:cNvPicPr>
+            <a:picLocks noGrp="1" noChangeAspect="1"/>
+          </p:cNvPicPr>
+          <p:nvPr>
+            <p:ph idx="1"/>
+          </p:nvPr>
+        </p:nvPicPr>
+        <p:blipFill>
+          <a:blip r:embed="rId3"/>
+          <a:stretch>
+            <a:fillRect/>
+          </a:stretch>
+        </p:blipFill>
+        <p:spPr>
+          <a:xfrm>
+            <a:off x="861646" y="1690688"/>
+            <a:ext cx="5442813" cy="4495278"/>
+          </a:xfrm>
+          <a:prstGeom prst="rect">
+            <a:avLst/>
+          </a:prstGeom>
+        </p:spPr>
+      </p:pic>
+      <p:sp>
+        <p:nvSpPr>
+          <p:cNvPr id="10" name="TextBox 9"/>
+          <p:cNvSpPr txBox="1"/>
+          <p:nvPr/>
+        </p:nvSpPr>
+        <p:spPr>
+          <a:xfrm>
+            <a:off x="5615691" y="2595633"/>
+            <a:ext cx="4315027" cy="923330"/>
+          </a:xfrm>
+          <a:prstGeom prst="rect">
+            <a:avLst/>
+          </a:prstGeom>
+          <a:noFill/>
+        </p:spPr>
+        <p:txBody>
+          <a:bodyPr wrap="none" rtlCol="0">
+            <a:spAutoFit/>
+          </a:bodyPr>
+          <a:lstStyle/>
+          <a:p>
+            <a:r>
+              <a:rPr lang="en-US" dirty="0" smtClean="0">
+                <a:solidFill>
+                  <a:schemeClr val="tx1">
+                    <a:lumMod val="50000"/>
+                    <a:lumOff val="50000"/>
+                  </a:schemeClr>
+                </a:solidFill>
+              </a:rPr>
+              <a:t>- Pick the node with the minimum distance  </a:t>
+            </a:r>
+          </a:p>
+          <a:p>
+            <a:r>
+              <a:rPr lang="en-US" dirty="0">
+                <a:solidFill>
+                  <a:schemeClr val="tx1">
+                    <a:lumMod val="50000"/>
+                    <a:lumOff val="50000"/>
+                  </a:schemeClr>
+                </a:solidFill>
+              </a:rPr>
+              <a:t> </a:t>
+            </a:r>
+            <a:r>
+              <a:rPr lang="en-US" dirty="0" smtClean="0">
+                <a:solidFill>
+                  <a:schemeClr val="tx1">
+                    <a:lumMod val="50000"/>
+                    <a:lumOff val="50000"/>
+                  </a:schemeClr>
+                </a:solidFill>
+              </a:rPr>
+              <a:t> That is not yet processed</a:t>
+            </a:r>
+          </a:p>
+          <a:p>
+            <a:r>
+              <a:rPr lang="en-US" dirty="0" smtClean="0">
+                <a:solidFill>
+                  <a:schemeClr val="tx1">
+                    <a:lumMod val="50000"/>
+                    <a:lumOff val="50000"/>
+                  </a:schemeClr>
+                </a:solidFill>
+              </a:rPr>
+              <a:t>-  Mark it as visited vertex</a:t>
+            </a:r>
+            <a:endParaRPr lang="en-US" dirty="0">
+              <a:solidFill>
+                <a:schemeClr val="tx1">
+                  <a:lumMod val="50000"/>
+                  <a:lumOff val="50000"/>
+                </a:schemeClr>
+              </a:solidFill>
+            </a:endParaRPr>
+          </a:p>
+        </p:txBody>
+      </p:sp>
+      <p:cxnSp>
+        <p:nvCxnSpPr>
+          <p:cNvPr id="15" name="Straight Arrow Connector 14"/>
+          <p:cNvCxnSpPr/>
+          <p:nvPr/>
+        </p:nvCxnSpPr>
+        <p:spPr>
+          <a:xfrm>
+            <a:off x="451339" y="4571136"/>
+            <a:ext cx="644769" cy="0"/>
+          </a:xfrm>
+          <a:prstGeom prst="straightConnector1">
+            <a:avLst/>
+          </a:prstGeom>
+          <a:ln>
+            <a:tailEnd type="triangle"/>
+          </a:ln>
+        </p:spPr>
+        <p:style>
+          <a:lnRef idx="1">
+            <a:schemeClr val="accent1"/>
+          </a:lnRef>
+          <a:fillRef idx="0">
+            <a:schemeClr val="accent1"/>
+          </a:fillRef>
+          <a:effectRef idx="0">
+            <a:schemeClr val="accent1"/>
+          </a:effectRef>
+          <a:fontRef idx="minor">
+            <a:schemeClr val="tx1"/>
+          </a:fontRef>
+        </p:style>
+      </p:cxnSp>
+      <p:cxnSp>
+        <p:nvCxnSpPr>
+          <p:cNvPr id="18" name="Straight Connector 17"/>
+          <p:cNvCxnSpPr/>
+          <p:nvPr/>
+        </p:nvCxnSpPr>
+        <p:spPr>
+          <a:xfrm>
+            <a:off x="1195754" y="3480739"/>
+            <a:ext cx="0" cy="2138183"/>
+          </a:xfrm>
+          <a:prstGeom prst="line">
+            <a:avLst/>
+          </a:prstGeom>
+        </p:spPr>
+        <p:style>
+          <a:lnRef idx="1">
+            <a:schemeClr val="accent1"/>
+          </a:lnRef>
+          <a:fillRef idx="0">
+            <a:schemeClr val="accent1"/>
+          </a:fillRef>
+          <a:effectRef idx="0">
+            <a:schemeClr val="accent1"/>
+          </a:effectRef>
+          <a:fontRef idx="minor">
+            <a:schemeClr val="tx1"/>
+          </a:fontRef>
+        </p:style>
+      </p:cxnSp>
+      <p:cxnSp>
+        <p:nvCxnSpPr>
+          <p:cNvPr id="13" name="Elbow Connector 12"/>
+          <p:cNvCxnSpPr/>
+          <p:nvPr/>
+        </p:nvCxnSpPr>
+        <p:spPr>
+          <a:xfrm rot="5400000">
+            <a:off x="5417081" y="3659535"/>
+            <a:ext cx="708655" cy="427512"/>
+          </a:xfrm>
+          <a:prstGeom prst="bentConnector3">
+            <a:avLst/>
+          </a:prstGeom>
+        </p:spPr>
+        <p:style>
+          <a:lnRef idx="1">
+            <a:schemeClr val="accent1"/>
+          </a:lnRef>
+          <a:fillRef idx="0">
+            <a:schemeClr val="accent1"/>
+          </a:fillRef>
+          <a:effectRef idx="0">
+            <a:schemeClr val="accent1"/>
+          </a:effectRef>
+          <a:fontRef idx="minor">
+            <a:schemeClr val="tx1"/>
+          </a:fontRef>
+        </p:style>
+      </p:cxnSp>
+      <p:cxnSp>
+        <p:nvCxnSpPr>
+          <p:cNvPr id="19" name="Straight Arrow Connector 18"/>
+          <p:cNvCxnSpPr/>
+          <p:nvPr/>
+        </p:nvCxnSpPr>
+        <p:spPr>
+          <a:xfrm flipH="1">
+            <a:off x="4987636" y="3938327"/>
+            <a:ext cx="570016" cy="0"/>
+          </a:xfrm>
+          <a:prstGeom prst="straightConnector1">
+            <a:avLst/>
+          </a:prstGeom>
+          <a:ln>
+            <a:tailEnd type="triangle"/>
+          </a:ln>
+        </p:spPr>
+        <p:style>
+          <a:lnRef idx="1">
+            <a:schemeClr val="accent1"/>
+          </a:lnRef>
+          <a:fillRef idx="0">
+            <a:schemeClr val="accent1"/>
+          </a:fillRef>
+          <a:effectRef idx="0">
+            <a:schemeClr val="accent1"/>
+          </a:effectRef>
+          <a:fontRef idx="minor">
+            <a:schemeClr val="tx1"/>
+          </a:fontRef>
+        </p:style>
+      </p:cxnSp>
+      <p:cxnSp>
+        <p:nvCxnSpPr>
+          <p:cNvPr id="21" name="Straight Arrow Connector 20"/>
+          <p:cNvCxnSpPr/>
+          <p:nvPr/>
+        </p:nvCxnSpPr>
+        <p:spPr>
+          <a:xfrm flipH="1">
+            <a:off x="3583052" y="4144488"/>
+            <a:ext cx="1974600" cy="0"/>
+          </a:xfrm>
+          <a:prstGeom prst="straightConnector1">
+            <a:avLst/>
+          </a:prstGeom>
+          <a:ln>
+            <a:tailEnd type="triangle"/>
+          </a:ln>
+        </p:spPr>
+        <p:style>
+          <a:lnRef idx="1">
+            <a:schemeClr val="accent1"/>
+          </a:lnRef>
+          <a:fillRef idx="0">
+            <a:schemeClr val="accent1"/>
+          </a:fillRef>
+          <a:effectRef idx="0">
+            <a:schemeClr val="accent1"/>
+          </a:effectRef>
+          <a:fontRef idx="minor">
+            <a:schemeClr val="tx1"/>
+          </a:fontRef>
+        </p:style>
+      </p:cxnSp>
+      <p:sp>
+        <p:nvSpPr>
+          <p:cNvPr id="3" name="Oval 2"/>
+          <p:cNvSpPr/>
+          <p:nvPr/>
+        </p:nvSpPr>
+        <p:spPr>
+          <a:xfrm>
+            <a:off x="6648399" y="4587976"/>
+            <a:ext cx="603227" cy="548640"/>
+          </a:xfrm>
+          <a:prstGeom prst="ellipse">
+            <a:avLst/>
+          </a:prstGeom>
+          <a:noFill/>
+        </p:spPr>
+        <p:style>
+          <a:lnRef idx="2">
+            <a:schemeClr val="accent6"/>
+          </a:lnRef>
+          <a:fillRef idx="1">
+            <a:schemeClr val="lt1"/>
+          </a:fillRef>
+          <a:effectRef idx="0">
+            <a:schemeClr val="accent6"/>
+          </a:effectRef>
+          <a:fontRef idx="minor">
+            <a:schemeClr val="dk1"/>
+          </a:fontRef>
+        </p:style>
+        <p:txBody>
+          <a:bodyPr rtlCol="0" anchor="ctr"/>
+          <a:lstStyle/>
+          <a:p>
+            <a:pPr algn="ctr"/>
+            <a:endParaRPr lang="en-US"/>
+          </a:p>
+        </p:txBody>
+      </p:sp>
+      <p:sp>
+        <p:nvSpPr>
+          <p:cNvPr id="12" name="Oval 11"/>
+          <p:cNvSpPr/>
+          <p:nvPr/>
+        </p:nvSpPr>
+        <p:spPr>
+          <a:xfrm>
+            <a:off x="7341722" y="3881329"/>
+            <a:ext cx="603227" cy="548640"/>
+          </a:xfrm>
+          <a:prstGeom prst="ellipse">
+            <a:avLst/>
+          </a:prstGeom>
+          <a:noFill/>
+        </p:spPr>
+        <p:style>
+          <a:lnRef idx="2">
+            <a:schemeClr val="accent6"/>
+          </a:lnRef>
+          <a:fillRef idx="1">
+            <a:schemeClr val="lt1"/>
+          </a:fillRef>
+          <a:effectRef idx="0">
+            <a:schemeClr val="accent6"/>
+          </a:effectRef>
+          <a:fontRef idx="minor">
+            <a:schemeClr val="dk1"/>
+          </a:fontRef>
+        </p:style>
+        <p:txBody>
+          <a:bodyPr rtlCol="0" anchor="ctr"/>
+          <a:lstStyle/>
+          <a:p>
+            <a:pPr algn="ctr"/>
+            <a:endParaRPr lang="en-US"/>
+          </a:p>
+        </p:txBody>
+      </p:sp>
+    </p:spTree>
+    <p:extLst>
+      <p:ext uri="{BB962C8B-B14F-4D97-AF65-F5344CB8AC3E}">
+        <p14:creationId xmlns:p14="http://schemas.microsoft.com/office/powerpoint/2010/main" val="1464339405"/>
+      </p:ext>
+    </p:extLst>
+  </p:cSld>
+  <p:clrMapOvr>
+    <a:masterClrMapping/>
+  </p:clrMapOvr>
+  <p:timing>
+    <p:tnLst>
+      <p:par>
+        <p:cTn id="1" dur="indefinite" restart="never" nodeType="tmRoot"/>
+      </p:par>
+    </p:tnLst>
+  </p:timing>
+</p:sld>
+</file>
+
+<file path=ppt/slides/slide13.xml><?xml version="1.0" encoding="utf-8"?>
+<p:sld xmlns:a="http://schemas.openxmlformats.org/drawingml/2006/main" xmlns:r="http://schemas.openxmlformats.org/officeDocument/2006/relationships" xmlns:p="http://schemas.openxmlformats.org/presentationml/2006/main">
+  <p:cSld>
+    <p:spTree>
+      <p:nvGrpSpPr>
+        <p:cNvPr id="1" name=""/>
+        <p:cNvGrpSpPr/>
+        <p:nvPr/>
+      </p:nvGrpSpPr>
+      <p:grpSpPr>
+        <a:xfrm>
+          <a:off x="0" y="0"/>
+          <a:ext cx="0" cy="0"/>
+          <a:chOff x="0" y="0"/>
+          <a:chExt cx="0" cy="0"/>
+        </a:xfrm>
+      </p:grpSpPr>
+      <p:sp>
+        <p:nvSpPr>
+          <p:cNvPr id="2" name="Title 1"/>
+          <p:cNvSpPr>
+            <a:spLocks noGrp="1"/>
+          </p:cNvSpPr>
+          <p:nvPr>
+            <p:ph type="title"/>
+          </p:nvPr>
+        </p:nvSpPr>
+        <p:spPr/>
+        <p:txBody>
+          <a:bodyPr/>
+          <a:lstStyle/>
+          <a:p>
+            <a:r>
+              <a:rPr lang="en-US" dirty="0" smtClean="0"/>
+              <a:t>C++ Code Sample – Step 3</a:t>
+            </a:r>
+            <a:endParaRPr lang="en-US" dirty="0"/>
+          </a:p>
+        </p:txBody>
+      </p:sp>
+      <p:pic>
+        <p:nvPicPr>
+          <p:cNvPr id="6" name="Content Placeholder 5"/>
+          <p:cNvPicPr>
+            <a:picLocks noGrp="1" noChangeAspect="1"/>
+          </p:cNvPicPr>
+          <p:nvPr>
+            <p:ph idx="1"/>
+          </p:nvPr>
+        </p:nvPicPr>
+        <p:blipFill>
+          <a:blip r:embed="rId2"/>
+          <a:stretch>
+            <a:fillRect/>
+          </a:stretch>
+        </p:blipFill>
+        <p:spPr>
+          <a:xfrm>
+            <a:off x="861646" y="1690688"/>
+            <a:ext cx="5442813" cy="4495278"/>
+          </a:xfrm>
+          <a:prstGeom prst="rect">
+            <a:avLst/>
+          </a:prstGeom>
+        </p:spPr>
+      </p:pic>
+      <p:sp>
+        <p:nvSpPr>
+          <p:cNvPr id="10" name="TextBox 9"/>
+          <p:cNvSpPr txBox="1"/>
+          <p:nvPr/>
+        </p:nvSpPr>
+        <p:spPr>
+          <a:xfrm>
+            <a:off x="5613725" y="3917557"/>
+            <a:ext cx="5980676" cy="923330"/>
+          </a:xfrm>
+          <a:prstGeom prst="rect">
+            <a:avLst/>
+          </a:prstGeom>
+          <a:noFill/>
+        </p:spPr>
+        <p:txBody>
+          <a:bodyPr wrap="none" rtlCol="0">
+            <a:spAutoFit/>
+          </a:bodyPr>
+          <a:lstStyle/>
+          <a:p>
+            <a:r>
+              <a:rPr lang="en-US" dirty="0" smtClean="0">
+                <a:solidFill>
+                  <a:schemeClr val="tx1">
+                    <a:lumMod val="50000"/>
+                    <a:lumOff val="50000"/>
+                  </a:schemeClr>
+                </a:solidFill>
+              </a:rPr>
+              <a:t>In this loop, we need to update </a:t>
+            </a:r>
+            <a:r>
+              <a:rPr lang="en-US" b="1" dirty="0" err="1" smtClean="0">
+                <a:solidFill>
+                  <a:schemeClr val="tx1">
+                    <a:lumMod val="50000"/>
+                    <a:lumOff val="50000"/>
+                  </a:schemeClr>
+                </a:solidFill>
+              </a:rPr>
+              <a:t>dist</a:t>
+            </a:r>
+            <a:r>
+              <a:rPr lang="en-US" dirty="0" smtClean="0">
+                <a:solidFill>
+                  <a:schemeClr val="tx1">
+                    <a:lumMod val="50000"/>
+                    <a:lumOff val="50000"/>
+                  </a:schemeClr>
+                </a:solidFill>
+              </a:rPr>
+              <a:t> ( array of shortest paths ) </a:t>
+            </a:r>
+          </a:p>
+          <a:p>
+            <a:r>
+              <a:rPr lang="en-US" b="1" dirty="0" smtClean="0">
+                <a:solidFill>
+                  <a:schemeClr val="tx1">
+                    <a:lumMod val="50000"/>
+                    <a:lumOff val="50000"/>
+                  </a:schemeClr>
+                </a:solidFill>
+              </a:rPr>
+              <a:t>	</a:t>
+            </a:r>
+            <a:r>
+              <a:rPr lang="en-US" b="1" dirty="0">
+                <a:solidFill>
+                  <a:schemeClr val="tx1">
+                    <a:lumMod val="50000"/>
+                    <a:lumOff val="50000"/>
+                  </a:schemeClr>
+                </a:solidFill>
+              </a:rPr>
+              <a:t>	</a:t>
+            </a:r>
+            <a:endParaRPr lang="en-US" b="1" dirty="0" smtClean="0">
+              <a:solidFill>
+                <a:schemeClr val="tx1">
+                  <a:lumMod val="50000"/>
+                  <a:lumOff val="50000"/>
+                </a:schemeClr>
+              </a:solidFill>
+            </a:endParaRPr>
+          </a:p>
+          <a:p>
+            <a:r>
+              <a:rPr lang="en-US" b="1" dirty="0">
+                <a:solidFill>
+                  <a:schemeClr val="tx1">
+                    <a:lumMod val="50000"/>
+                    <a:lumOff val="50000"/>
+                  </a:schemeClr>
+                </a:solidFill>
+              </a:rPr>
+              <a:t> </a:t>
+            </a:r>
+            <a:r>
+              <a:rPr lang="en-US" b="1" dirty="0" smtClean="0">
+                <a:solidFill>
+                  <a:schemeClr val="tx1">
+                    <a:lumMod val="50000"/>
+                    <a:lumOff val="50000"/>
+                  </a:schemeClr>
+                </a:solidFill>
+              </a:rPr>
+              <a:t>                       </a:t>
+            </a:r>
+            <a:endParaRPr lang="en-US" b="1" dirty="0">
+              <a:solidFill>
+                <a:schemeClr val="tx1">
+                  <a:lumMod val="50000"/>
+                  <a:lumOff val="50000"/>
+                </a:schemeClr>
+              </a:solidFill>
+            </a:endParaRPr>
+          </a:p>
+        </p:txBody>
+      </p:sp>
+      <p:cxnSp>
+        <p:nvCxnSpPr>
+          <p:cNvPr id="18" name="Straight Connector 17"/>
+          <p:cNvCxnSpPr/>
+          <p:nvPr/>
+        </p:nvCxnSpPr>
+        <p:spPr>
+          <a:xfrm>
+            <a:off x="1195754" y="3480739"/>
+            <a:ext cx="0" cy="2138183"/>
+          </a:xfrm>
+          <a:prstGeom prst="line">
+            <a:avLst/>
+          </a:prstGeom>
+          <a:ln>
+            <a:solidFill>
+              <a:schemeClr val="accent1">
+                <a:lumMod val="20000"/>
+                <a:lumOff val="80000"/>
+              </a:schemeClr>
+            </a:solidFill>
+          </a:ln>
+        </p:spPr>
+        <p:style>
+          <a:lnRef idx="1">
+            <a:schemeClr val="accent1"/>
+          </a:lnRef>
+          <a:fillRef idx="0">
+            <a:schemeClr val="accent1"/>
+          </a:fillRef>
+          <a:effectRef idx="0">
+            <a:schemeClr val="accent1"/>
+          </a:effectRef>
+          <a:fontRef idx="minor">
+            <a:schemeClr val="tx1"/>
+          </a:fontRef>
+        </p:style>
+      </p:cxnSp>
+      <p:cxnSp>
+        <p:nvCxnSpPr>
+          <p:cNvPr id="16" name="Straight Connector 15"/>
+          <p:cNvCxnSpPr/>
+          <p:nvPr/>
+        </p:nvCxnSpPr>
+        <p:spPr>
+          <a:xfrm>
+            <a:off x="1544097" y="4429969"/>
+            <a:ext cx="0" cy="1188953"/>
+          </a:xfrm>
+          <a:prstGeom prst="line">
+            <a:avLst/>
+          </a:prstGeom>
+        </p:spPr>
+        <p:style>
+          <a:lnRef idx="1">
+            <a:schemeClr val="accent1"/>
+          </a:lnRef>
+          <a:fillRef idx="0">
+            <a:schemeClr val="accent1"/>
+          </a:fillRef>
+          <a:effectRef idx="0">
+            <a:schemeClr val="accent1"/>
+          </a:effectRef>
+          <a:fontRef idx="minor">
+            <a:schemeClr val="tx1"/>
+          </a:fontRef>
+        </p:style>
+      </p:cxnSp>
+      <p:cxnSp>
+        <p:nvCxnSpPr>
+          <p:cNvPr id="15" name="Straight Arrow Connector 14"/>
+          <p:cNvCxnSpPr/>
+          <p:nvPr/>
+        </p:nvCxnSpPr>
+        <p:spPr>
+          <a:xfrm>
+            <a:off x="451339" y="4571136"/>
+            <a:ext cx="1011701" cy="0"/>
+          </a:xfrm>
+          <a:prstGeom prst="straightConnector1">
+            <a:avLst/>
+          </a:prstGeom>
+          <a:ln>
+            <a:tailEnd type="triangle"/>
+          </a:ln>
+        </p:spPr>
+        <p:style>
+          <a:lnRef idx="1">
+            <a:schemeClr val="accent1"/>
+          </a:lnRef>
+          <a:fillRef idx="0">
+            <a:schemeClr val="accent1"/>
+          </a:fillRef>
+          <a:effectRef idx="0">
+            <a:schemeClr val="accent1"/>
+          </a:effectRef>
+          <a:fontRef idx="minor">
+            <a:schemeClr val="tx1"/>
+          </a:fontRef>
+        </p:style>
+      </p:cxnSp>
+      <p:sp>
+        <p:nvSpPr>
+          <p:cNvPr id="3" name="Rectangle 2"/>
+          <p:cNvSpPr/>
+          <p:nvPr/>
+        </p:nvSpPr>
+        <p:spPr>
+          <a:xfrm>
+            <a:off x="5836206" y="4220765"/>
+            <a:ext cx="6107791" cy="1661993"/>
+          </a:xfrm>
+          <a:prstGeom prst="rect">
+            <a:avLst/>
+          </a:prstGeom>
+        </p:spPr>
+        <p:txBody>
+          <a:bodyPr wrap="square">
+            <a:spAutoFit/>
+          </a:bodyPr>
+          <a:lstStyle/>
+          <a:p>
+            <a:r>
+              <a:rPr lang="en-US" b="1" dirty="0">
+                <a:solidFill>
+                  <a:schemeClr val="tx1">
+                    <a:lumMod val="50000"/>
+                    <a:lumOff val="50000"/>
+                  </a:schemeClr>
+                </a:solidFill>
+              </a:rPr>
+              <a:t> </a:t>
+            </a:r>
+            <a:r>
+              <a:rPr lang="en-US" b="1" dirty="0" smtClean="0">
+                <a:solidFill>
+                  <a:schemeClr val="tx1">
+                    <a:lumMod val="50000"/>
+                    <a:lumOff val="50000"/>
+                  </a:schemeClr>
+                </a:solidFill>
+              </a:rPr>
+              <a:t>if</a:t>
+            </a:r>
+          </a:p>
+          <a:p>
+            <a:r>
+              <a:rPr lang="en-US" b="1" dirty="0" smtClean="0">
+                <a:solidFill>
+                  <a:schemeClr val="tx1">
+                    <a:lumMod val="50000"/>
+                    <a:lumOff val="50000"/>
+                  </a:schemeClr>
+                </a:solidFill>
+              </a:rPr>
+              <a:t>    </a:t>
+            </a:r>
+            <a:r>
+              <a:rPr lang="en-US" sz="1600" dirty="0">
+                <a:solidFill>
+                  <a:schemeClr val="tx1">
+                    <a:lumMod val="50000"/>
+                    <a:lumOff val="50000"/>
+                  </a:schemeClr>
+                </a:solidFill>
+              </a:rPr>
+              <a:t>-</a:t>
+            </a:r>
+            <a:r>
+              <a:rPr lang="en-US" sz="1600" b="1" dirty="0" smtClean="0">
+                <a:solidFill>
+                  <a:schemeClr val="tx1">
+                    <a:lumMod val="50000"/>
+                    <a:lumOff val="50000"/>
+                  </a:schemeClr>
+                </a:solidFill>
+              </a:rPr>
+              <a:t> </a:t>
+            </a:r>
+            <a:r>
+              <a:rPr lang="en-US" sz="1600" dirty="0" smtClean="0">
+                <a:solidFill>
+                  <a:schemeClr val="tx1">
+                    <a:lumMod val="50000"/>
+                    <a:lumOff val="50000"/>
+                  </a:schemeClr>
+                </a:solidFill>
+              </a:rPr>
+              <a:t>it </a:t>
+            </a:r>
+            <a:r>
+              <a:rPr lang="en-US" sz="1600" dirty="0">
+                <a:solidFill>
+                  <a:schemeClr val="tx1">
+                    <a:lumMod val="50000"/>
+                    <a:lumOff val="50000"/>
+                  </a:schemeClr>
+                </a:solidFill>
+              </a:rPr>
+              <a:t>is not yet </a:t>
+            </a:r>
+            <a:r>
+              <a:rPr lang="en-US" sz="1600" dirty="0" smtClean="0">
+                <a:solidFill>
+                  <a:schemeClr val="tx1">
+                    <a:lumMod val="50000"/>
+                    <a:lumOff val="50000"/>
+                  </a:schemeClr>
+                </a:solidFill>
+              </a:rPr>
+              <a:t>visited</a:t>
+            </a:r>
+          </a:p>
+          <a:p>
+            <a:r>
+              <a:rPr lang="en-US" sz="1600" dirty="0">
+                <a:solidFill>
+                  <a:schemeClr val="tx1">
+                    <a:lumMod val="50000"/>
+                    <a:lumOff val="50000"/>
+                  </a:schemeClr>
+                </a:solidFill>
+              </a:rPr>
+              <a:t> </a:t>
+            </a:r>
+            <a:r>
+              <a:rPr lang="en-US" sz="1600" dirty="0" smtClean="0">
+                <a:solidFill>
+                  <a:schemeClr val="tx1">
+                    <a:lumMod val="50000"/>
+                    <a:lumOff val="50000"/>
+                  </a:schemeClr>
+                </a:solidFill>
+              </a:rPr>
+              <a:t>    - node is connected to another node (there is an edge from u to v )</a:t>
+            </a:r>
+          </a:p>
+          <a:p>
+            <a:r>
+              <a:rPr lang="en-US" sz="1600" dirty="0">
+                <a:solidFill>
+                  <a:schemeClr val="tx1">
+                    <a:lumMod val="50000"/>
+                    <a:lumOff val="50000"/>
+                  </a:schemeClr>
+                </a:solidFill>
+              </a:rPr>
+              <a:t> </a:t>
+            </a:r>
+            <a:r>
+              <a:rPr lang="en-US" sz="1600" dirty="0" smtClean="0">
+                <a:solidFill>
+                  <a:schemeClr val="tx1">
+                    <a:lumMod val="50000"/>
+                    <a:lumOff val="50000"/>
+                  </a:schemeClr>
+                </a:solidFill>
+              </a:rPr>
+              <a:t>    - the total weight of path from </a:t>
+            </a:r>
+            <a:r>
+              <a:rPr lang="en-US" sz="1600" dirty="0" err="1" smtClean="0">
+                <a:solidFill>
+                  <a:schemeClr val="tx1">
+                    <a:lumMod val="50000"/>
+                    <a:lumOff val="50000"/>
+                  </a:schemeClr>
+                </a:solidFill>
+              </a:rPr>
+              <a:t>src</a:t>
+            </a:r>
+            <a:r>
+              <a:rPr lang="en-US" sz="1600" dirty="0" smtClean="0">
+                <a:solidFill>
+                  <a:schemeClr val="tx1">
+                    <a:lumMod val="50000"/>
+                    <a:lumOff val="50000"/>
+                  </a:schemeClr>
+                </a:solidFill>
+              </a:rPr>
+              <a:t> to v through u is smaller that     </a:t>
+            </a:r>
+          </a:p>
+          <a:p>
+            <a:r>
+              <a:rPr lang="en-US" sz="1600" dirty="0">
+                <a:solidFill>
+                  <a:schemeClr val="tx1">
+                    <a:lumMod val="50000"/>
+                    <a:lumOff val="50000"/>
+                  </a:schemeClr>
+                </a:solidFill>
+              </a:rPr>
+              <a:t> </a:t>
+            </a:r>
+            <a:r>
+              <a:rPr lang="en-US" sz="1600" dirty="0" smtClean="0">
+                <a:solidFill>
+                  <a:schemeClr val="tx1">
+                    <a:lumMod val="50000"/>
+                    <a:lumOff val="50000"/>
+                  </a:schemeClr>
+                </a:solidFill>
+              </a:rPr>
+              <a:t>      current value of </a:t>
+            </a:r>
+            <a:r>
+              <a:rPr lang="en-US" sz="1600" dirty="0" err="1" smtClean="0">
+                <a:solidFill>
+                  <a:schemeClr val="tx1">
+                    <a:lumMod val="50000"/>
+                    <a:lumOff val="50000"/>
+                  </a:schemeClr>
+                </a:solidFill>
+              </a:rPr>
+              <a:t>dist</a:t>
+            </a:r>
+            <a:r>
+              <a:rPr lang="en-US" sz="1600" dirty="0" smtClean="0">
+                <a:solidFill>
+                  <a:schemeClr val="tx1">
+                    <a:lumMod val="50000"/>
+                    <a:lumOff val="50000"/>
+                  </a:schemeClr>
+                </a:solidFill>
+              </a:rPr>
+              <a:t>[v]</a:t>
+            </a:r>
+          </a:p>
+          <a:p>
+            <a:r>
+              <a:rPr lang="en-US" dirty="0">
+                <a:solidFill>
+                  <a:schemeClr val="tx1">
+                    <a:lumMod val="50000"/>
+                    <a:lumOff val="50000"/>
+                  </a:schemeClr>
+                </a:solidFill>
+              </a:rPr>
+              <a:t> </a:t>
+            </a:r>
+            <a:r>
+              <a:rPr lang="en-US" dirty="0" smtClean="0">
+                <a:solidFill>
+                  <a:schemeClr val="tx1">
+                    <a:lumMod val="50000"/>
+                    <a:lumOff val="50000"/>
+                  </a:schemeClr>
+                </a:solidFill>
+              </a:rPr>
+              <a:t>    </a:t>
+            </a:r>
+            <a:endParaRPr lang="en-US" dirty="0"/>
+          </a:p>
+        </p:txBody>
+      </p:sp>
+      <p:cxnSp>
+        <p:nvCxnSpPr>
+          <p:cNvPr id="5" name="Straight Arrow Connector 4"/>
+          <p:cNvCxnSpPr/>
+          <p:nvPr/>
+        </p:nvCxnSpPr>
+        <p:spPr>
+          <a:xfrm flipH="1">
+            <a:off x="4247536" y="4139381"/>
+            <a:ext cx="1240327" cy="290588"/>
+          </a:xfrm>
+          <a:prstGeom prst="straightConnector1">
+            <a:avLst/>
+          </a:prstGeom>
+          <a:ln>
+            <a:tailEnd type="triangle"/>
+          </a:ln>
+        </p:spPr>
+        <p:style>
+          <a:lnRef idx="1">
+            <a:schemeClr val="accent1"/>
+          </a:lnRef>
+          <a:fillRef idx="0">
+            <a:schemeClr val="accent1"/>
+          </a:fillRef>
+          <a:effectRef idx="0">
+            <a:schemeClr val="accent1"/>
+          </a:effectRef>
+          <a:fontRef idx="minor">
+            <a:schemeClr val="tx1"/>
+          </a:fontRef>
+        </p:style>
+      </p:cxnSp>
+    </p:spTree>
+    <p:extLst>
+      <p:ext uri="{BB962C8B-B14F-4D97-AF65-F5344CB8AC3E}">
+        <p14:creationId xmlns:p14="http://schemas.microsoft.com/office/powerpoint/2010/main" val="1152634416"/>
+      </p:ext>
+    </p:extLst>
+  </p:cSld>
+  <p:clrMapOvr>
+    <a:masterClrMapping/>
+  </p:clrMapOvr>
+  <p:timing>
+    <p:tnLst>
+      <p:par>
+        <p:cTn id="1" dur="indefinite" restart="never" nodeType="tmRoot"/>
+      </p:par>
+    </p:tnLst>
+  </p:timing>
+</p:sld>
+</file>
+
+<file path=ppt/slides/slide14.xml><?xml version="1.0" encoding="utf-8"?>
+<p:sld xmlns:a="http://schemas.openxmlformats.org/drawingml/2006/main" xmlns:r="http://schemas.openxmlformats.org/officeDocument/2006/relationships" xmlns:p="http://schemas.openxmlformats.org/presentationml/2006/main">
+  <p:cSld>
+    <p:spTree>
+      <p:nvGrpSpPr>
+        <p:cNvPr id="1" name=""/>
+        <p:cNvGrpSpPr/>
+        <p:nvPr/>
+      </p:nvGrpSpPr>
+      <p:grpSpPr>
+        <a:xfrm>
+          <a:off x="0" y="0"/>
+          <a:ext cx="0" cy="0"/>
+          <a:chOff x="0" y="0"/>
+          <a:chExt cx="0" cy="0"/>
+        </a:xfrm>
+      </p:grpSpPr>
+      <p:sp>
+        <p:nvSpPr>
+          <p:cNvPr id="2" name="Title 1"/>
+          <p:cNvSpPr>
+            <a:spLocks noGrp="1"/>
+          </p:cNvSpPr>
+          <p:nvPr>
+            <p:ph type="title"/>
+          </p:nvPr>
+        </p:nvSpPr>
+        <p:spPr/>
+        <p:txBody>
+          <a:bodyPr/>
+          <a:lstStyle/>
+          <a:p>
+            <a:r>
+              <a:rPr lang="en-US" dirty="0" smtClean="0"/>
+              <a:t>C++ Code Sample – Step 3</a:t>
+            </a:r>
+            <a:endParaRPr lang="en-US" dirty="0"/>
+          </a:p>
+        </p:txBody>
+      </p:sp>
+      <p:pic>
+        <p:nvPicPr>
+          <p:cNvPr id="6" name="Content Placeholder 5"/>
+          <p:cNvPicPr>
+            <a:picLocks noGrp="1" noChangeAspect="1"/>
+          </p:cNvPicPr>
+          <p:nvPr>
+            <p:ph idx="1"/>
+          </p:nvPr>
+        </p:nvPicPr>
+        <p:blipFill>
+          <a:blip r:embed="rId2"/>
+          <a:stretch>
+            <a:fillRect/>
+          </a:stretch>
+        </p:blipFill>
+        <p:spPr>
+          <a:xfrm>
+            <a:off x="861646" y="1690688"/>
+            <a:ext cx="5442813" cy="4495278"/>
+          </a:xfrm>
+          <a:prstGeom prst="rect">
+            <a:avLst/>
+          </a:prstGeom>
+        </p:spPr>
+      </p:pic>
+      <p:sp>
+        <p:nvSpPr>
+          <p:cNvPr id="10" name="TextBox 9"/>
+          <p:cNvSpPr txBox="1"/>
+          <p:nvPr/>
+        </p:nvSpPr>
+        <p:spPr>
+          <a:xfrm>
+            <a:off x="5613725" y="3917557"/>
+            <a:ext cx="5980676" cy="923330"/>
+          </a:xfrm>
+          <a:prstGeom prst="rect">
+            <a:avLst/>
+          </a:prstGeom>
+          <a:noFill/>
+        </p:spPr>
+        <p:txBody>
+          <a:bodyPr wrap="none" rtlCol="0">
+            <a:spAutoFit/>
+          </a:bodyPr>
+          <a:lstStyle/>
+          <a:p>
+            <a:r>
+              <a:rPr lang="en-US" dirty="0" smtClean="0">
+                <a:solidFill>
+                  <a:schemeClr val="tx1">
+                    <a:lumMod val="50000"/>
+                    <a:lumOff val="50000"/>
+                  </a:schemeClr>
+                </a:solidFill>
+              </a:rPr>
+              <a:t>In this loop, we need to update </a:t>
+            </a:r>
+            <a:r>
+              <a:rPr lang="en-US" b="1" dirty="0" err="1" smtClean="0">
+                <a:solidFill>
+                  <a:schemeClr val="tx1">
+                    <a:lumMod val="50000"/>
+                    <a:lumOff val="50000"/>
+                  </a:schemeClr>
+                </a:solidFill>
+              </a:rPr>
+              <a:t>dist</a:t>
+            </a:r>
+            <a:r>
+              <a:rPr lang="en-US" dirty="0" smtClean="0">
+                <a:solidFill>
+                  <a:schemeClr val="tx1">
+                    <a:lumMod val="50000"/>
+                    <a:lumOff val="50000"/>
+                  </a:schemeClr>
+                </a:solidFill>
+              </a:rPr>
+              <a:t> ( array of shortest paths ) </a:t>
+            </a:r>
+          </a:p>
+          <a:p>
+            <a:r>
+              <a:rPr lang="en-US" b="1" dirty="0" smtClean="0">
+                <a:solidFill>
+                  <a:schemeClr val="tx1">
+                    <a:lumMod val="50000"/>
+                    <a:lumOff val="50000"/>
+                  </a:schemeClr>
+                </a:solidFill>
+              </a:rPr>
+              <a:t>	</a:t>
+            </a:r>
+            <a:r>
+              <a:rPr lang="en-US" b="1" dirty="0">
+                <a:solidFill>
+                  <a:schemeClr val="tx1">
+                    <a:lumMod val="50000"/>
+                    <a:lumOff val="50000"/>
+                  </a:schemeClr>
+                </a:solidFill>
+              </a:rPr>
+              <a:t>	</a:t>
+            </a:r>
+            <a:endParaRPr lang="en-US" b="1" dirty="0" smtClean="0">
+              <a:solidFill>
+                <a:schemeClr val="tx1">
+                  <a:lumMod val="50000"/>
+                  <a:lumOff val="50000"/>
+                </a:schemeClr>
+              </a:solidFill>
+            </a:endParaRPr>
+          </a:p>
+          <a:p>
+            <a:r>
+              <a:rPr lang="en-US" b="1" dirty="0">
+                <a:solidFill>
+                  <a:schemeClr val="tx1">
+                    <a:lumMod val="50000"/>
+                    <a:lumOff val="50000"/>
+                  </a:schemeClr>
+                </a:solidFill>
+              </a:rPr>
+              <a:t> </a:t>
+            </a:r>
+            <a:r>
+              <a:rPr lang="en-US" b="1" dirty="0" smtClean="0">
+                <a:solidFill>
+                  <a:schemeClr val="tx1">
+                    <a:lumMod val="50000"/>
+                    <a:lumOff val="50000"/>
+                  </a:schemeClr>
+                </a:solidFill>
+              </a:rPr>
+              <a:t>                       </a:t>
+            </a:r>
+            <a:endParaRPr lang="en-US" b="1" dirty="0">
+              <a:solidFill>
+                <a:schemeClr val="tx1">
+                  <a:lumMod val="50000"/>
+                  <a:lumOff val="50000"/>
+                </a:schemeClr>
+              </a:solidFill>
+            </a:endParaRPr>
+          </a:p>
+        </p:txBody>
+      </p:sp>
+      <p:cxnSp>
+        <p:nvCxnSpPr>
+          <p:cNvPr id="18" name="Straight Connector 17"/>
+          <p:cNvCxnSpPr/>
+          <p:nvPr/>
+        </p:nvCxnSpPr>
+        <p:spPr>
+          <a:xfrm>
+            <a:off x="1195754" y="3480739"/>
+            <a:ext cx="0" cy="2138183"/>
+          </a:xfrm>
+          <a:prstGeom prst="line">
+            <a:avLst/>
+          </a:prstGeom>
+          <a:ln>
+            <a:solidFill>
+              <a:schemeClr val="accent1">
+                <a:lumMod val="20000"/>
+                <a:lumOff val="80000"/>
+              </a:schemeClr>
+            </a:solidFill>
+          </a:ln>
+        </p:spPr>
+        <p:style>
+          <a:lnRef idx="1">
+            <a:schemeClr val="accent1"/>
+          </a:lnRef>
+          <a:fillRef idx="0">
+            <a:schemeClr val="accent1"/>
+          </a:fillRef>
+          <a:effectRef idx="0">
+            <a:schemeClr val="accent1"/>
+          </a:effectRef>
+          <a:fontRef idx="minor">
+            <a:schemeClr val="tx1"/>
+          </a:fontRef>
+        </p:style>
+      </p:cxnSp>
+      <p:cxnSp>
+        <p:nvCxnSpPr>
+          <p:cNvPr id="16" name="Straight Connector 15"/>
+          <p:cNvCxnSpPr/>
+          <p:nvPr/>
+        </p:nvCxnSpPr>
+        <p:spPr>
+          <a:xfrm>
+            <a:off x="1544097" y="4429969"/>
+            <a:ext cx="0" cy="1188953"/>
+          </a:xfrm>
+          <a:prstGeom prst="line">
+            <a:avLst/>
+          </a:prstGeom>
+        </p:spPr>
+        <p:style>
+          <a:lnRef idx="1">
+            <a:schemeClr val="accent1"/>
+          </a:lnRef>
+          <a:fillRef idx="0">
+            <a:schemeClr val="accent1"/>
+          </a:fillRef>
+          <a:effectRef idx="0">
+            <a:schemeClr val="accent1"/>
+          </a:effectRef>
+          <a:fontRef idx="minor">
+            <a:schemeClr val="tx1"/>
+          </a:fontRef>
+        </p:style>
+      </p:cxnSp>
+      <p:cxnSp>
+        <p:nvCxnSpPr>
+          <p:cNvPr id="15" name="Straight Arrow Connector 14"/>
+          <p:cNvCxnSpPr/>
+          <p:nvPr/>
+        </p:nvCxnSpPr>
+        <p:spPr>
+          <a:xfrm>
+            <a:off x="451339" y="4571136"/>
+            <a:ext cx="1011701" cy="0"/>
+          </a:xfrm>
+          <a:prstGeom prst="straightConnector1">
+            <a:avLst/>
+          </a:prstGeom>
+          <a:ln>
+            <a:tailEnd type="triangle"/>
+          </a:ln>
+        </p:spPr>
+        <p:style>
+          <a:lnRef idx="1">
+            <a:schemeClr val="accent1"/>
+          </a:lnRef>
+          <a:fillRef idx="0">
+            <a:schemeClr val="accent1"/>
+          </a:fillRef>
+          <a:effectRef idx="0">
+            <a:schemeClr val="accent1"/>
+          </a:effectRef>
+          <a:fontRef idx="minor">
+            <a:schemeClr val="tx1"/>
+          </a:fontRef>
+        </p:style>
+      </p:cxnSp>
+      <p:sp>
+        <p:nvSpPr>
+          <p:cNvPr id="3" name="Rectangle 2"/>
+          <p:cNvSpPr/>
+          <p:nvPr/>
+        </p:nvSpPr>
+        <p:spPr>
+          <a:xfrm>
+            <a:off x="5804916" y="4228574"/>
+            <a:ext cx="6107791" cy="1661993"/>
+          </a:xfrm>
+          <a:prstGeom prst="rect">
+            <a:avLst/>
+          </a:prstGeom>
+        </p:spPr>
+        <p:txBody>
+          <a:bodyPr wrap="square">
+            <a:spAutoFit/>
+          </a:bodyPr>
+          <a:lstStyle/>
+          <a:p>
+            <a:r>
+              <a:rPr lang="en-US" b="1" dirty="0">
+                <a:solidFill>
+                  <a:schemeClr val="tx1">
+                    <a:lumMod val="50000"/>
+                    <a:lumOff val="50000"/>
+                  </a:schemeClr>
+                </a:solidFill>
+              </a:rPr>
+              <a:t> </a:t>
+            </a:r>
+            <a:r>
+              <a:rPr lang="en-US" b="1" dirty="0" smtClean="0">
+                <a:solidFill>
+                  <a:schemeClr val="tx1">
+                    <a:lumMod val="50000"/>
+                    <a:lumOff val="50000"/>
+                  </a:schemeClr>
+                </a:solidFill>
+              </a:rPr>
+              <a:t>if</a:t>
+            </a:r>
+          </a:p>
+          <a:p>
+            <a:r>
+              <a:rPr lang="en-US" b="1" dirty="0" smtClean="0">
+                <a:solidFill>
+                  <a:schemeClr val="tx1">
+                    <a:lumMod val="50000"/>
+                    <a:lumOff val="50000"/>
+                  </a:schemeClr>
+                </a:solidFill>
+              </a:rPr>
+              <a:t>    </a:t>
+            </a:r>
+            <a:r>
+              <a:rPr lang="en-US" sz="1600" dirty="0">
+                <a:solidFill>
+                  <a:schemeClr val="tx1">
+                    <a:lumMod val="50000"/>
+                    <a:lumOff val="50000"/>
+                  </a:schemeClr>
+                </a:solidFill>
+              </a:rPr>
+              <a:t>-</a:t>
+            </a:r>
+            <a:r>
+              <a:rPr lang="en-US" sz="1600" b="1" dirty="0" smtClean="0">
+                <a:solidFill>
+                  <a:schemeClr val="tx1">
+                    <a:lumMod val="50000"/>
+                    <a:lumOff val="50000"/>
+                  </a:schemeClr>
+                </a:solidFill>
+              </a:rPr>
+              <a:t> </a:t>
+            </a:r>
+            <a:r>
+              <a:rPr lang="en-US" sz="1600" dirty="0" smtClean="0">
+                <a:solidFill>
+                  <a:schemeClr val="tx1">
+                    <a:lumMod val="50000"/>
+                    <a:lumOff val="50000"/>
+                  </a:schemeClr>
+                </a:solidFill>
+              </a:rPr>
+              <a:t>it </a:t>
+            </a:r>
+            <a:r>
+              <a:rPr lang="en-US" sz="1600" dirty="0">
+                <a:solidFill>
+                  <a:schemeClr val="tx1">
+                    <a:lumMod val="50000"/>
+                    <a:lumOff val="50000"/>
+                  </a:schemeClr>
+                </a:solidFill>
+              </a:rPr>
+              <a:t>is not yet </a:t>
+            </a:r>
+            <a:r>
+              <a:rPr lang="en-US" sz="1600" dirty="0" smtClean="0">
+                <a:solidFill>
+                  <a:schemeClr val="tx1">
+                    <a:lumMod val="50000"/>
+                    <a:lumOff val="50000"/>
+                  </a:schemeClr>
+                </a:solidFill>
+              </a:rPr>
+              <a:t>visited</a:t>
+            </a:r>
+          </a:p>
+          <a:p>
+            <a:r>
+              <a:rPr lang="en-US" sz="1600" dirty="0">
+                <a:solidFill>
+                  <a:schemeClr val="tx1">
+                    <a:lumMod val="50000"/>
+                    <a:lumOff val="50000"/>
+                  </a:schemeClr>
+                </a:solidFill>
+              </a:rPr>
+              <a:t> </a:t>
+            </a:r>
+            <a:r>
+              <a:rPr lang="en-US" sz="1600" dirty="0" smtClean="0">
+                <a:solidFill>
+                  <a:schemeClr val="tx1">
+                    <a:lumMod val="50000"/>
+                    <a:lumOff val="50000"/>
+                  </a:schemeClr>
+                </a:solidFill>
+              </a:rPr>
+              <a:t>    - node is connected to another node (there is an edge from u to v )</a:t>
+            </a:r>
+          </a:p>
+          <a:p>
+            <a:r>
+              <a:rPr lang="en-US" sz="1600" dirty="0">
+                <a:solidFill>
+                  <a:schemeClr val="tx1">
+                    <a:lumMod val="50000"/>
+                    <a:lumOff val="50000"/>
+                  </a:schemeClr>
+                </a:solidFill>
+              </a:rPr>
+              <a:t> </a:t>
+            </a:r>
+            <a:r>
+              <a:rPr lang="en-US" sz="1600" dirty="0" smtClean="0">
+                <a:solidFill>
+                  <a:schemeClr val="tx1">
+                    <a:lumMod val="50000"/>
+                    <a:lumOff val="50000"/>
+                  </a:schemeClr>
+                </a:solidFill>
+              </a:rPr>
+              <a:t>    - the total weight of path from </a:t>
+            </a:r>
+            <a:r>
+              <a:rPr lang="en-US" sz="1600" dirty="0" err="1" smtClean="0">
+                <a:solidFill>
+                  <a:schemeClr val="tx1">
+                    <a:lumMod val="50000"/>
+                    <a:lumOff val="50000"/>
+                  </a:schemeClr>
+                </a:solidFill>
+              </a:rPr>
+              <a:t>src</a:t>
+            </a:r>
+            <a:r>
+              <a:rPr lang="en-US" sz="1600" dirty="0" smtClean="0">
+                <a:solidFill>
+                  <a:schemeClr val="tx1">
+                    <a:lumMod val="50000"/>
+                    <a:lumOff val="50000"/>
+                  </a:schemeClr>
+                </a:solidFill>
+              </a:rPr>
+              <a:t> to v through u is smaller that     </a:t>
+            </a:r>
+          </a:p>
+          <a:p>
+            <a:r>
+              <a:rPr lang="en-US" sz="1600" dirty="0">
+                <a:solidFill>
+                  <a:schemeClr val="tx1">
+                    <a:lumMod val="50000"/>
+                    <a:lumOff val="50000"/>
+                  </a:schemeClr>
+                </a:solidFill>
+              </a:rPr>
+              <a:t> </a:t>
+            </a:r>
+            <a:r>
+              <a:rPr lang="en-US" sz="1600" dirty="0" smtClean="0">
+                <a:solidFill>
+                  <a:schemeClr val="tx1">
+                    <a:lumMod val="50000"/>
+                    <a:lumOff val="50000"/>
+                  </a:schemeClr>
+                </a:solidFill>
+              </a:rPr>
+              <a:t>      current value of </a:t>
+            </a:r>
+            <a:r>
+              <a:rPr lang="en-US" sz="1600" dirty="0" err="1" smtClean="0">
+                <a:solidFill>
+                  <a:schemeClr val="tx1">
+                    <a:lumMod val="50000"/>
+                    <a:lumOff val="50000"/>
+                  </a:schemeClr>
+                </a:solidFill>
+              </a:rPr>
+              <a:t>dist</a:t>
+            </a:r>
+            <a:r>
+              <a:rPr lang="en-US" sz="1600" dirty="0" smtClean="0">
+                <a:solidFill>
+                  <a:schemeClr val="tx1">
+                    <a:lumMod val="50000"/>
+                    <a:lumOff val="50000"/>
+                  </a:schemeClr>
+                </a:solidFill>
+              </a:rPr>
+              <a:t>[v]</a:t>
+            </a:r>
+          </a:p>
+          <a:p>
+            <a:r>
+              <a:rPr lang="en-US" dirty="0">
+                <a:solidFill>
+                  <a:schemeClr val="tx1">
+                    <a:lumMod val="50000"/>
+                    <a:lumOff val="50000"/>
+                  </a:schemeClr>
+                </a:solidFill>
+              </a:rPr>
+              <a:t> </a:t>
+            </a:r>
+            <a:r>
+              <a:rPr lang="en-US" dirty="0" smtClean="0">
+                <a:solidFill>
+                  <a:schemeClr val="tx1">
+                    <a:lumMod val="50000"/>
+                    <a:lumOff val="50000"/>
+                  </a:schemeClr>
+                </a:solidFill>
+              </a:rPr>
+              <a:t>    </a:t>
+            </a:r>
+            <a:endParaRPr lang="en-US" dirty="0"/>
+          </a:p>
+        </p:txBody>
+      </p:sp>
+      <p:cxnSp>
+        <p:nvCxnSpPr>
+          <p:cNvPr id="5" name="Straight Arrow Connector 4"/>
+          <p:cNvCxnSpPr/>
+          <p:nvPr/>
+        </p:nvCxnSpPr>
+        <p:spPr>
+          <a:xfrm flipH="1">
+            <a:off x="4247536" y="4139381"/>
+            <a:ext cx="1240327" cy="290588"/>
+          </a:xfrm>
+          <a:prstGeom prst="straightConnector1">
+            <a:avLst/>
+          </a:prstGeom>
+          <a:ln>
+            <a:tailEnd type="triangle"/>
+          </a:ln>
+        </p:spPr>
+        <p:style>
+          <a:lnRef idx="1">
+            <a:schemeClr val="accent1"/>
+          </a:lnRef>
+          <a:fillRef idx="0">
+            <a:schemeClr val="accent1"/>
+          </a:fillRef>
+          <a:effectRef idx="0">
+            <a:schemeClr val="accent1"/>
+          </a:effectRef>
+          <a:fontRef idx="minor">
+            <a:schemeClr val="tx1"/>
+          </a:fontRef>
+        </p:style>
+      </p:cxnSp>
+      <p:pic>
+        <p:nvPicPr>
+          <p:cNvPr id="12" name="Picture 11"/>
+          <p:cNvPicPr>
+            <a:picLocks noChangeAspect="1"/>
+          </p:cNvPicPr>
+          <p:nvPr/>
+        </p:nvPicPr>
+        <p:blipFill>
+          <a:blip r:embed="rId3"/>
+          <a:stretch>
+            <a:fillRect/>
+          </a:stretch>
+        </p:blipFill>
+        <p:spPr>
+          <a:xfrm>
+            <a:off x="5836206" y="1517739"/>
+            <a:ext cx="4058216" cy="2248214"/>
+          </a:xfrm>
+          <a:prstGeom prst="rect">
+            <a:avLst/>
+          </a:prstGeom>
+        </p:spPr>
+      </p:pic>
+      <p:sp>
+        <p:nvSpPr>
+          <p:cNvPr id="17" name="Oval 16"/>
+          <p:cNvSpPr/>
+          <p:nvPr/>
+        </p:nvSpPr>
+        <p:spPr>
+          <a:xfrm>
+            <a:off x="5953685" y="2440784"/>
+            <a:ext cx="603227" cy="548640"/>
+          </a:xfrm>
+          <a:prstGeom prst="ellipse">
+            <a:avLst/>
+          </a:prstGeom>
+          <a:noFill/>
+        </p:spPr>
+        <p:style>
+          <a:lnRef idx="2">
+            <a:schemeClr val="accent6"/>
+          </a:lnRef>
+          <a:fillRef idx="1">
+            <a:schemeClr val="lt1"/>
+          </a:fillRef>
+          <a:effectRef idx="0">
+            <a:schemeClr val="accent6"/>
+          </a:effectRef>
+          <a:fontRef idx="minor">
+            <a:schemeClr val="dk1"/>
+          </a:fontRef>
+        </p:style>
+        <p:txBody>
+          <a:bodyPr rtlCol="0" anchor="ctr"/>
+          <a:lstStyle/>
+          <a:p>
+            <a:pPr algn="ctr"/>
+            <a:endParaRPr lang="en-US"/>
+          </a:p>
+        </p:txBody>
+      </p:sp>
+      <p:sp>
+        <p:nvSpPr>
+          <p:cNvPr id="19" name="Oval 18"/>
+          <p:cNvSpPr/>
+          <p:nvPr/>
+        </p:nvSpPr>
+        <p:spPr>
+          <a:xfrm>
+            <a:off x="6658231" y="1756282"/>
+            <a:ext cx="603227" cy="548640"/>
+          </a:xfrm>
+          <a:prstGeom prst="ellipse">
+            <a:avLst/>
+          </a:prstGeom>
+          <a:noFill/>
+        </p:spPr>
+        <p:style>
+          <a:lnRef idx="2">
+            <a:schemeClr val="accent6"/>
+          </a:lnRef>
+          <a:fillRef idx="1">
+            <a:schemeClr val="lt1"/>
+          </a:fillRef>
+          <a:effectRef idx="0">
+            <a:schemeClr val="accent6"/>
+          </a:effectRef>
+          <a:fontRef idx="minor">
+            <a:schemeClr val="dk1"/>
+          </a:fontRef>
+        </p:style>
+        <p:txBody>
+          <a:bodyPr rtlCol="0" anchor="ctr"/>
+          <a:lstStyle/>
+          <a:p>
+            <a:pPr algn="ctr"/>
+            <a:endParaRPr lang="en-US" dirty="0"/>
+          </a:p>
+        </p:txBody>
+      </p:sp>
+    </p:spTree>
+    <p:extLst>
+      <p:ext uri="{BB962C8B-B14F-4D97-AF65-F5344CB8AC3E}">
+        <p14:creationId xmlns:p14="http://schemas.microsoft.com/office/powerpoint/2010/main" val="3079765494"/>
+      </p:ext>
+    </p:extLst>
+  </p:cSld>
+  <p:clrMapOvr>
+    <a:masterClrMapping/>
+  </p:clrMapOvr>
+  <p:timing>
+    <p:tnLst>
+      <p:par>
+        <p:cTn id="1" dur="indefinite" restart="never" nodeType="tmRoot"/>
+      </p:par>
+    </p:tnLst>
+  </p:timing>
 </p:sld>
 </file>
 
@@ -3149,6 +5570,13 @@
   <p:clrMapOvr>
     <a:masterClrMapping/>
   </p:clrMapOvr>
+  <p:timing>
+    <p:tnLst>
+      <p:par>
+        <p:cTn id="1" dur="indefinite" restart="never" nodeType="tmRoot"/>
+      </p:par>
+    </p:tnLst>
+  </p:timing>
 </p:sld>
 </file>
 
@@ -3309,6 +5737,13 @@
   <p:clrMapOvr>
     <a:masterClrMapping/>
   </p:clrMapOvr>
+  <p:timing>
+    <p:tnLst>
+      <p:par>
+        <p:cTn id="1" dur="indefinite" restart="never" nodeType="tmRoot"/>
+      </p:par>
+    </p:tnLst>
+  </p:timing>
 </p:sld>
 </file>
 
@@ -3431,6 +5866,13 @@
   <p:clrMapOvr>
     <a:masterClrMapping/>
   </p:clrMapOvr>
+  <p:timing>
+    <p:tnLst>
+      <p:par>
+        <p:cTn id="1" dur="indefinite" restart="never" nodeType="tmRoot"/>
+      </p:par>
+    </p:tnLst>
+  </p:timing>
 </p:sld>
 </file>
 
@@ -3505,6 +5947,1239 @@
   <p:clrMapOvr>
     <a:masterClrMapping/>
   </p:clrMapOvr>
+  <p:timing>
+    <p:tnLst>
+      <p:par>
+        <p:cTn id="1" dur="indefinite" restart="never" nodeType="tmRoot"/>
+      </p:par>
+    </p:tnLst>
+  </p:timing>
+</p:sld>
+</file>
+
+<file path=ppt/slides/slide6.xml><?xml version="1.0" encoding="utf-8"?>
+<p:sld xmlns:a="http://schemas.openxmlformats.org/drawingml/2006/main" xmlns:r="http://schemas.openxmlformats.org/officeDocument/2006/relationships" xmlns:p="http://schemas.openxmlformats.org/presentationml/2006/main">
+  <p:cSld>
+    <p:spTree>
+      <p:nvGrpSpPr>
+        <p:cNvPr id="1" name=""/>
+        <p:cNvGrpSpPr/>
+        <p:nvPr/>
+      </p:nvGrpSpPr>
+      <p:grpSpPr>
+        <a:xfrm>
+          <a:off x="0" y="0"/>
+          <a:ext cx="0" cy="0"/>
+          <a:chOff x="0" y="0"/>
+          <a:chExt cx="0" cy="0"/>
+        </a:xfrm>
+      </p:grpSpPr>
+      <p:sp>
+        <p:nvSpPr>
+          <p:cNvPr id="2" name="Title 1"/>
+          <p:cNvSpPr>
+            <a:spLocks noGrp="1"/>
+          </p:cNvSpPr>
+          <p:nvPr>
+            <p:ph type="title"/>
+          </p:nvPr>
+        </p:nvSpPr>
+        <p:spPr/>
+        <p:txBody>
+          <a:bodyPr/>
+          <a:lstStyle/>
+          <a:p>
+            <a:r>
+              <a:rPr lang="en-US" dirty="0"/>
+              <a:t>C++ Code Sample – </a:t>
+            </a:r>
+            <a:r>
+              <a:rPr lang="en-US" dirty="0" smtClean="0"/>
+              <a:t>Problem Statement</a:t>
+            </a:r>
+            <a:endParaRPr lang="en-US" dirty="0"/>
+          </a:p>
+        </p:txBody>
+      </p:sp>
+      <p:pic>
+        <p:nvPicPr>
+          <p:cNvPr id="4" name="Content Placeholder 3"/>
+          <p:cNvPicPr>
+            <a:picLocks noGrp="1" noChangeAspect="1"/>
+          </p:cNvPicPr>
+          <p:nvPr>
+            <p:ph idx="1"/>
+          </p:nvPr>
+        </p:nvPicPr>
+        <p:blipFill>
+          <a:blip r:embed="rId2"/>
+          <a:stretch>
+            <a:fillRect/>
+          </a:stretch>
+        </p:blipFill>
+        <p:spPr>
+          <a:xfrm>
+            <a:off x="1104879" y="2715323"/>
+            <a:ext cx="4010180" cy="1891846"/>
+          </a:xfrm>
+          <a:prstGeom prst="rect">
+            <a:avLst/>
+          </a:prstGeom>
+        </p:spPr>
+      </p:pic>
+      <p:sp>
+        <p:nvSpPr>
+          <p:cNvPr id="5" name="TextBox 4"/>
+          <p:cNvSpPr txBox="1"/>
+          <p:nvPr/>
+        </p:nvSpPr>
+        <p:spPr>
+          <a:xfrm>
+            <a:off x="547486" y="1879840"/>
+            <a:ext cx="7166257" cy="646331"/>
+          </a:xfrm>
+          <a:prstGeom prst="rect">
+            <a:avLst/>
+          </a:prstGeom>
+          <a:noFill/>
+        </p:spPr>
+        <p:txBody>
+          <a:bodyPr wrap="none" rtlCol="0">
+            <a:spAutoFit/>
+          </a:bodyPr>
+          <a:lstStyle/>
+          <a:p>
+            <a:r>
+              <a:rPr lang="en-US" dirty="0" smtClean="0"/>
+              <a:t>Find the shortest path from source </a:t>
+            </a:r>
+            <a:r>
+              <a:rPr lang="en-US" dirty="0"/>
+              <a:t>node to every other node in </a:t>
+            </a:r>
+            <a:r>
+              <a:rPr lang="en-US" dirty="0" smtClean="0"/>
+              <a:t>this graph.</a:t>
+            </a:r>
+            <a:endParaRPr lang="en-US" dirty="0"/>
+          </a:p>
+          <a:p>
+            <a:endParaRPr lang="en-US" dirty="0"/>
+          </a:p>
+        </p:txBody>
+      </p:sp>
+      <p:cxnSp>
+        <p:nvCxnSpPr>
+          <p:cNvPr id="7" name="Straight Arrow Connector 6"/>
+          <p:cNvCxnSpPr/>
+          <p:nvPr/>
+        </p:nvCxnSpPr>
+        <p:spPr>
+          <a:xfrm>
+            <a:off x="792489" y="3191525"/>
+            <a:ext cx="290714" cy="304800"/>
+          </a:xfrm>
+          <a:prstGeom prst="straightConnector1">
+            <a:avLst/>
+          </a:prstGeom>
+          <a:ln>
+            <a:tailEnd type="triangle"/>
+          </a:ln>
+        </p:spPr>
+        <p:style>
+          <a:lnRef idx="1">
+            <a:schemeClr val="accent1"/>
+          </a:lnRef>
+          <a:fillRef idx="0">
+            <a:schemeClr val="accent1"/>
+          </a:fillRef>
+          <a:effectRef idx="0">
+            <a:schemeClr val="accent1"/>
+          </a:effectRef>
+          <a:fontRef idx="minor">
+            <a:schemeClr val="tx1"/>
+          </a:fontRef>
+        </p:style>
+      </p:cxnSp>
+      <p:sp>
+        <p:nvSpPr>
+          <p:cNvPr id="10" name="TextBox 9"/>
+          <p:cNvSpPr txBox="1"/>
+          <p:nvPr/>
+        </p:nvSpPr>
+        <p:spPr>
+          <a:xfrm>
+            <a:off x="280807" y="2826582"/>
+            <a:ext cx="824072" cy="369332"/>
+          </a:xfrm>
+          <a:prstGeom prst="rect">
+            <a:avLst/>
+          </a:prstGeom>
+          <a:noFill/>
+        </p:spPr>
+        <p:txBody>
+          <a:bodyPr wrap="none" rtlCol="0">
+            <a:spAutoFit/>
+          </a:bodyPr>
+          <a:lstStyle/>
+          <a:p>
+            <a:r>
+              <a:rPr lang="en-US" dirty="0" smtClean="0">
+                <a:solidFill>
+                  <a:schemeClr val="tx1">
+                    <a:lumMod val="50000"/>
+                    <a:lumOff val="50000"/>
+                  </a:schemeClr>
+                </a:solidFill>
+              </a:rPr>
+              <a:t>Source</a:t>
+            </a:r>
+            <a:endParaRPr lang="en-US" dirty="0">
+              <a:solidFill>
+                <a:schemeClr val="tx1">
+                  <a:lumMod val="50000"/>
+                  <a:lumOff val="50000"/>
+                </a:schemeClr>
+              </a:solidFill>
+            </a:endParaRPr>
+          </a:p>
+        </p:txBody>
+      </p:sp>
+      <p:pic>
+        <p:nvPicPr>
+          <p:cNvPr id="11" name="Picture 10"/>
+          <p:cNvPicPr>
+            <a:picLocks noChangeAspect="1"/>
+          </p:cNvPicPr>
+          <p:nvPr/>
+        </p:nvPicPr>
+        <p:blipFill>
+          <a:blip r:embed="rId3"/>
+          <a:stretch>
+            <a:fillRect/>
+          </a:stretch>
+        </p:blipFill>
+        <p:spPr>
+          <a:xfrm>
+            <a:off x="6713743" y="2715323"/>
+            <a:ext cx="3697238" cy="2291579"/>
+          </a:xfrm>
+          <a:prstGeom prst="rect">
+            <a:avLst/>
+          </a:prstGeom>
+        </p:spPr>
+      </p:pic>
+      <p:sp>
+        <p:nvSpPr>
+          <p:cNvPr id="13" name="Rectangle 12"/>
+          <p:cNvSpPr/>
+          <p:nvPr/>
+        </p:nvSpPr>
+        <p:spPr>
+          <a:xfrm>
+            <a:off x="5721079" y="3496325"/>
+            <a:ext cx="386644" cy="369332"/>
+          </a:xfrm>
+          <a:prstGeom prst="rect">
+            <a:avLst/>
+          </a:prstGeom>
+        </p:spPr>
+        <p:txBody>
+          <a:bodyPr wrap="none">
+            <a:spAutoFit/>
+          </a:bodyPr>
+          <a:lstStyle/>
+          <a:p>
+            <a:r>
+              <a:rPr lang="en-US" dirty="0">
+                <a:solidFill>
+                  <a:schemeClr val="tx1">
+                    <a:lumMod val="50000"/>
+                    <a:lumOff val="50000"/>
+                  </a:schemeClr>
+                </a:solidFill>
+              </a:rPr>
+              <a:t>or</a:t>
+            </a:r>
+          </a:p>
+        </p:txBody>
+      </p:sp>
+    </p:spTree>
+    <p:extLst>
+      <p:ext uri="{BB962C8B-B14F-4D97-AF65-F5344CB8AC3E}">
+        <p14:creationId xmlns:p14="http://schemas.microsoft.com/office/powerpoint/2010/main" val="1566212055"/>
+      </p:ext>
+    </p:extLst>
+  </p:cSld>
+  <p:clrMapOvr>
+    <a:masterClrMapping/>
+  </p:clrMapOvr>
+  <p:timing>
+    <p:tnLst>
+      <p:par>
+        <p:cTn id="1" dur="indefinite" restart="never" nodeType="tmRoot"/>
+      </p:par>
+    </p:tnLst>
+  </p:timing>
+</p:sld>
+</file>
+
+<file path=ppt/slides/slide7.xml><?xml version="1.0" encoding="utf-8"?>
+<p:sld xmlns:a="http://schemas.openxmlformats.org/drawingml/2006/main" xmlns:r="http://schemas.openxmlformats.org/officeDocument/2006/relationships" xmlns:p="http://schemas.openxmlformats.org/presentationml/2006/main">
+  <p:cSld>
+    <p:spTree>
+      <p:nvGrpSpPr>
+        <p:cNvPr id="1" name=""/>
+        <p:cNvGrpSpPr/>
+        <p:nvPr/>
+      </p:nvGrpSpPr>
+      <p:grpSpPr>
+        <a:xfrm>
+          <a:off x="0" y="0"/>
+          <a:ext cx="0" cy="0"/>
+          <a:chOff x="0" y="0"/>
+          <a:chExt cx="0" cy="0"/>
+        </a:xfrm>
+      </p:grpSpPr>
+      <p:sp>
+        <p:nvSpPr>
+          <p:cNvPr id="2" name="Title 1"/>
+          <p:cNvSpPr>
+            <a:spLocks noGrp="1"/>
+          </p:cNvSpPr>
+          <p:nvPr>
+            <p:ph type="title"/>
+          </p:nvPr>
+        </p:nvSpPr>
+        <p:spPr/>
+        <p:txBody>
+          <a:bodyPr/>
+          <a:lstStyle/>
+          <a:p>
+            <a:r>
+              <a:rPr lang="en-US" dirty="0" smtClean="0"/>
+              <a:t>C++ Code Sample – Step 1</a:t>
+            </a:r>
+            <a:endParaRPr lang="en-US" dirty="0"/>
+          </a:p>
+        </p:txBody>
+      </p:sp>
+      <p:pic>
+        <p:nvPicPr>
+          <p:cNvPr id="6" name="Content Placeholder 5"/>
+          <p:cNvPicPr>
+            <a:picLocks noGrp="1" noChangeAspect="1"/>
+          </p:cNvPicPr>
+          <p:nvPr>
+            <p:ph idx="1"/>
+          </p:nvPr>
+        </p:nvPicPr>
+        <p:blipFill>
+          <a:blip r:embed="rId2"/>
+          <a:stretch>
+            <a:fillRect/>
+          </a:stretch>
+        </p:blipFill>
+        <p:spPr>
+          <a:xfrm>
+            <a:off x="861646" y="1690688"/>
+            <a:ext cx="5442813" cy="4495278"/>
+          </a:xfrm>
+          <a:prstGeom prst="rect">
+            <a:avLst/>
+          </a:prstGeom>
+        </p:spPr>
+      </p:pic>
+      <p:cxnSp>
+        <p:nvCxnSpPr>
+          <p:cNvPr id="8" name="Straight Arrow Connector 7"/>
+          <p:cNvCxnSpPr>
+            <a:stCxn id="10" idx="1"/>
+          </p:cNvCxnSpPr>
+          <p:nvPr/>
+        </p:nvCxnSpPr>
+        <p:spPr>
+          <a:xfrm flipH="1">
+            <a:off x="2414955" y="1929729"/>
+            <a:ext cx="3235568" cy="250763"/>
+          </a:xfrm>
+          <a:prstGeom prst="straightConnector1">
+            <a:avLst/>
+          </a:prstGeom>
+          <a:ln>
+            <a:tailEnd type="triangle"/>
+          </a:ln>
+        </p:spPr>
+        <p:style>
+          <a:lnRef idx="1">
+            <a:schemeClr val="accent1"/>
+          </a:lnRef>
+          <a:fillRef idx="0">
+            <a:schemeClr val="accent1"/>
+          </a:fillRef>
+          <a:effectRef idx="0">
+            <a:schemeClr val="accent1"/>
+          </a:effectRef>
+          <a:fontRef idx="minor">
+            <a:schemeClr val="tx1"/>
+          </a:fontRef>
+        </p:style>
+      </p:cxnSp>
+      <p:sp>
+        <p:nvSpPr>
+          <p:cNvPr id="10" name="TextBox 9"/>
+          <p:cNvSpPr txBox="1"/>
+          <p:nvPr/>
+        </p:nvSpPr>
+        <p:spPr>
+          <a:xfrm>
+            <a:off x="5650523" y="1606563"/>
+            <a:ext cx="4757008" cy="646331"/>
+          </a:xfrm>
+          <a:prstGeom prst="rect">
+            <a:avLst/>
+          </a:prstGeom>
+          <a:noFill/>
+        </p:spPr>
+        <p:txBody>
+          <a:bodyPr wrap="none" rtlCol="0">
+            <a:spAutoFit/>
+          </a:bodyPr>
+          <a:lstStyle/>
+          <a:p>
+            <a:r>
+              <a:rPr lang="en-US" dirty="0" smtClean="0">
+                <a:solidFill>
+                  <a:schemeClr val="tx1">
+                    <a:lumMod val="50000"/>
+                    <a:lumOff val="50000"/>
+                  </a:schemeClr>
+                </a:solidFill>
+              </a:rPr>
+              <a:t>Stores the shortest distance from source node to</a:t>
+            </a:r>
+          </a:p>
+          <a:p>
+            <a:r>
+              <a:rPr lang="en-US" dirty="0" smtClean="0">
+                <a:solidFill>
+                  <a:schemeClr val="tx1">
+                    <a:lumMod val="50000"/>
+                    <a:lumOff val="50000"/>
+                  </a:schemeClr>
+                </a:solidFill>
+              </a:rPr>
+              <a:t>destination</a:t>
+            </a:r>
+            <a:endParaRPr lang="en-US" dirty="0">
+              <a:solidFill>
+                <a:schemeClr val="tx1">
+                  <a:lumMod val="50000"/>
+                  <a:lumOff val="50000"/>
+                </a:schemeClr>
+              </a:solidFill>
+            </a:endParaRPr>
+          </a:p>
+        </p:txBody>
+      </p:sp>
+      <p:cxnSp>
+        <p:nvCxnSpPr>
+          <p:cNvPr id="15" name="Straight Arrow Connector 14"/>
+          <p:cNvCxnSpPr/>
+          <p:nvPr/>
+        </p:nvCxnSpPr>
+        <p:spPr>
+          <a:xfrm>
+            <a:off x="451339" y="2252894"/>
+            <a:ext cx="644769" cy="0"/>
+          </a:xfrm>
+          <a:prstGeom prst="straightConnector1">
+            <a:avLst/>
+          </a:prstGeom>
+          <a:ln>
+            <a:tailEnd type="triangle"/>
+          </a:ln>
+        </p:spPr>
+        <p:style>
+          <a:lnRef idx="1">
+            <a:schemeClr val="accent1"/>
+          </a:lnRef>
+          <a:fillRef idx="0">
+            <a:schemeClr val="accent1"/>
+          </a:fillRef>
+          <a:effectRef idx="0">
+            <a:schemeClr val="accent1"/>
+          </a:effectRef>
+          <a:fontRef idx="minor">
+            <a:schemeClr val="tx1"/>
+          </a:fontRef>
+        </p:style>
+      </p:cxnSp>
+      <p:cxnSp>
+        <p:nvCxnSpPr>
+          <p:cNvPr id="18" name="Straight Connector 17"/>
+          <p:cNvCxnSpPr/>
+          <p:nvPr/>
+        </p:nvCxnSpPr>
+        <p:spPr>
+          <a:xfrm>
+            <a:off x="1195754" y="2055110"/>
+            <a:ext cx="0" cy="395013"/>
+          </a:xfrm>
+          <a:prstGeom prst="line">
+            <a:avLst/>
+          </a:prstGeom>
+        </p:spPr>
+        <p:style>
+          <a:lnRef idx="1">
+            <a:schemeClr val="accent1"/>
+          </a:lnRef>
+          <a:fillRef idx="0">
+            <a:schemeClr val="accent1"/>
+          </a:fillRef>
+          <a:effectRef idx="0">
+            <a:schemeClr val="accent1"/>
+          </a:effectRef>
+          <a:fontRef idx="minor">
+            <a:schemeClr val="tx1"/>
+          </a:fontRef>
+        </p:style>
+      </p:cxnSp>
+      <p:cxnSp>
+        <p:nvCxnSpPr>
+          <p:cNvPr id="21" name="Straight Arrow Connector 20"/>
+          <p:cNvCxnSpPr/>
+          <p:nvPr/>
+        </p:nvCxnSpPr>
+        <p:spPr>
+          <a:xfrm flipH="1" flipV="1">
+            <a:off x="2766646" y="2388943"/>
+            <a:ext cx="1099413" cy="132742"/>
+          </a:xfrm>
+          <a:prstGeom prst="straightConnector1">
+            <a:avLst/>
+          </a:prstGeom>
+          <a:ln>
+            <a:tailEnd type="triangle"/>
+          </a:ln>
+        </p:spPr>
+        <p:style>
+          <a:lnRef idx="1">
+            <a:schemeClr val="accent1"/>
+          </a:lnRef>
+          <a:fillRef idx="0">
+            <a:schemeClr val="accent1"/>
+          </a:fillRef>
+          <a:effectRef idx="0">
+            <a:schemeClr val="accent1"/>
+          </a:effectRef>
+          <a:fontRef idx="minor">
+            <a:schemeClr val="tx1"/>
+          </a:fontRef>
+        </p:style>
+      </p:cxnSp>
+      <p:sp>
+        <p:nvSpPr>
+          <p:cNvPr id="26" name="Rectangle 25"/>
+          <p:cNvSpPr/>
+          <p:nvPr/>
+        </p:nvSpPr>
+        <p:spPr>
+          <a:xfrm>
+            <a:off x="3866059" y="2337019"/>
+            <a:ext cx="6096000" cy="369332"/>
+          </a:xfrm>
+          <a:prstGeom prst="rect">
+            <a:avLst/>
+          </a:prstGeom>
+        </p:spPr>
+        <p:txBody>
+          <a:bodyPr>
+            <a:spAutoFit/>
+          </a:bodyPr>
+          <a:lstStyle/>
+          <a:p>
+            <a:r>
+              <a:rPr lang="en-US" dirty="0" smtClean="0">
+                <a:solidFill>
+                  <a:schemeClr val="tx1">
+                    <a:lumMod val="50000"/>
+                    <a:lumOff val="50000"/>
+                  </a:schemeClr>
+                </a:solidFill>
+              </a:rPr>
+              <a:t>Holds true if a node is already visited</a:t>
+            </a:r>
+            <a:endParaRPr lang="en-US" dirty="0">
+              <a:solidFill>
+                <a:schemeClr val="tx1">
+                  <a:lumMod val="50000"/>
+                  <a:lumOff val="50000"/>
+                </a:schemeClr>
+              </a:solidFill>
+            </a:endParaRPr>
+          </a:p>
+        </p:txBody>
+      </p:sp>
+    </p:spTree>
+    <p:extLst>
+      <p:ext uri="{BB962C8B-B14F-4D97-AF65-F5344CB8AC3E}">
+        <p14:creationId xmlns:p14="http://schemas.microsoft.com/office/powerpoint/2010/main" val="2278312037"/>
+      </p:ext>
+    </p:extLst>
+  </p:cSld>
+  <p:clrMapOvr>
+    <a:masterClrMapping/>
+  </p:clrMapOvr>
+  <p:timing>
+    <p:tnLst>
+      <p:par>
+        <p:cTn id="1" dur="indefinite" restart="never" nodeType="tmRoot"/>
+      </p:par>
+    </p:tnLst>
+  </p:timing>
+</p:sld>
+</file>
+
+<file path=ppt/slides/slide8.xml><?xml version="1.0" encoding="utf-8"?>
+<p:sld xmlns:a="http://schemas.openxmlformats.org/drawingml/2006/main" xmlns:r="http://schemas.openxmlformats.org/officeDocument/2006/relationships" xmlns:p="http://schemas.openxmlformats.org/presentationml/2006/main">
+  <p:cSld>
+    <p:spTree>
+      <p:nvGrpSpPr>
+        <p:cNvPr id="1" name=""/>
+        <p:cNvGrpSpPr/>
+        <p:nvPr/>
+      </p:nvGrpSpPr>
+      <p:grpSpPr>
+        <a:xfrm>
+          <a:off x="0" y="0"/>
+          <a:ext cx="0" cy="0"/>
+          <a:chOff x="0" y="0"/>
+          <a:chExt cx="0" cy="0"/>
+        </a:xfrm>
+      </p:grpSpPr>
+      <p:sp>
+        <p:nvSpPr>
+          <p:cNvPr id="2" name="Title 1"/>
+          <p:cNvSpPr>
+            <a:spLocks noGrp="1"/>
+          </p:cNvSpPr>
+          <p:nvPr>
+            <p:ph type="title"/>
+          </p:nvPr>
+        </p:nvSpPr>
+        <p:spPr/>
+        <p:txBody>
+          <a:bodyPr/>
+          <a:lstStyle/>
+          <a:p>
+            <a:r>
+              <a:rPr lang="en-US" dirty="0" smtClean="0"/>
+              <a:t>C++ Code Sample – Step </a:t>
+            </a:r>
+            <a:r>
+              <a:rPr lang="en-US" dirty="0"/>
+              <a:t>1</a:t>
+            </a:r>
+          </a:p>
+        </p:txBody>
+      </p:sp>
+      <p:pic>
+        <p:nvPicPr>
+          <p:cNvPr id="6" name="Content Placeholder 5"/>
+          <p:cNvPicPr>
+            <a:picLocks noGrp="1" noChangeAspect="1"/>
+          </p:cNvPicPr>
+          <p:nvPr>
+            <p:ph idx="1"/>
+          </p:nvPr>
+        </p:nvPicPr>
+        <p:blipFill>
+          <a:blip r:embed="rId2"/>
+          <a:stretch>
+            <a:fillRect/>
+          </a:stretch>
+        </p:blipFill>
+        <p:spPr>
+          <a:xfrm>
+            <a:off x="861646" y="1690688"/>
+            <a:ext cx="5442813" cy="4495278"/>
+          </a:xfrm>
+          <a:prstGeom prst="rect">
+            <a:avLst/>
+          </a:prstGeom>
+        </p:spPr>
+      </p:pic>
+      <p:cxnSp>
+        <p:nvCxnSpPr>
+          <p:cNvPr id="8" name="Straight Arrow Connector 7"/>
+          <p:cNvCxnSpPr>
+            <a:stCxn id="10" idx="1"/>
+          </p:cNvCxnSpPr>
+          <p:nvPr/>
+        </p:nvCxnSpPr>
+        <p:spPr>
+          <a:xfrm flipH="1">
+            <a:off x="5247862" y="2435272"/>
+            <a:ext cx="848138" cy="413945"/>
+          </a:xfrm>
+          <a:prstGeom prst="straightConnector1">
+            <a:avLst/>
+          </a:prstGeom>
+          <a:ln>
+            <a:tailEnd type="triangle"/>
+          </a:ln>
+        </p:spPr>
+        <p:style>
+          <a:lnRef idx="1">
+            <a:schemeClr val="accent1"/>
+          </a:lnRef>
+          <a:fillRef idx="0">
+            <a:schemeClr val="accent1"/>
+          </a:fillRef>
+          <a:effectRef idx="0">
+            <a:schemeClr val="accent1"/>
+          </a:effectRef>
+          <a:fontRef idx="minor">
+            <a:schemeClr val="tx1"/>
+          </a:fontRef>
+        </p:style>
+      </p:cxnSp>
+      <p:sp>
+        <p:nvSpPr>
+          <p:cNvPr id="10" name="TextBox 9"/>
+          <p:cNvSpPr txBox="1"/>
+          <p:nvPr/>
+        </p:nvSpPr>
+        <p:spPr>
+          <a:xfrm>
+            <a:off x="6096000" y="2250606"/>
+            <a:ext cx="3264483" cy="369332"/>
+          </a:xfrm>
+          <a:prstGeom prst="rect">
+            <a:avLst/>
+          </a:prstGeom>
+          <a:noFill/>
+        </p:spPr>
+        <p:txBody>
+          <a:bodyPr wrap="none" rtlCol="0">
+            <a:spAutoFit/>
+          </a:bodyPr>
+          <a:lstStyle/>
+          <a:p>
+            <a:r>
+              <a:rPr lang="en-US" dirty="0" smtClean="0">
+                <a:solidFill>
+                  <a:schemeClr val="tx1">
+                    <a:lumMod val="50000"/>
+                    <a:lumOff val="50000"/>
+                  </a:schemeClr>
+                </a:solidFill>
+              </a:rPr>
+              <a:t>Initialize all distances as infinity </a:t>
+            </a:r>
+            <a:endParaRPr lang="en-US" dirty="0">
+              <a:solidFill>
+                <a:schemeClr val="tx1">
+                  <a:lumMod val="50000"/>
+                  <a:lumOff val="50000"/>
+                </a:schemeClr>
+              </a:solidFill>
+            </a:endParaRPr>
+          </a:p>
+        </p:txBody>
+      </p:sp>
+      <p:cxnSp>
+        <p:nvCxnSpPr>
+          <p:cNvPr id="15" name="Straight Arrow Connector 14"/>
+          <p:cNvCxnSpPr/>
+          <p:nvPr/>
+        </p:nvCxnSpPr>
+        <p:spPr>
+          <a:xfrm>
+            <a:off x="451339" y="3033883"/>
+            <a:ext cx="644769" cy="0"/>
+          </a:xfrm>
+          <a:prstGeom prst="straightConnector1">
+            <a:avLst/>
+          </a:prstGeom>
+          <a:ln>
+            <a:tailEnd type="triangle"/>
+          </a:ln>
+        </p:spPr>
+        <p:style>
+          <a:lnRef idx="1">
+            <a:schemeClr val="accent1"/>
+          </a:lnRef>
+          <a:fillRef idx="0">
+            <a:schemeClr val="accent1"/>
+          </a:fillRef>
+          <a:effectRef idx="0">
+            <a:schemeClr val="accent1"/>
+          </a:effectRef>
+          <a:fontRef idx="minor">
+            <a:schemeClr val="tx1"/>
+          </a:fontRef>
+        </p:style>
+      </p:cxnSp>
+      <p:cxnSp>
+        <p:nvCxnSpPr>
+          <p:cNvPr id="18" name="Straight Connector 17"/>
+          <p:cNvCxnSpPr/>
+          <p:nvPr/>
+        </p:nvCxnSpPr>
+        <p:spPr>
+          <a:xfrm>
+            <a:off x="1195754" y="2606095"/>
+            <a:ext cx="0" cy="758428"/>
+          </a:xfrm>
+          <a:prstGeom prst="line">
+            <a:avLst/>
+          </a:prstGeom>
+        </p:spPr>
+        <p:style>
+          <a:lnRef idx="1">
+            <a:schemeClr val="accent1"/>
+          </a:lnRef>
+          <a:fillRef idx="0">
+            <a:schemeClr val="accent1"/>
+          </a:fillRef>
+          <a:effectRef idx="0">
+            <a:schemeClr val="accent1"/>
+          </a:effectRef>
+          <a:fontRef idx="minor">
+            <a:schemeClr val="tx1"/>
+          </a:fontRef>
+        </p:style>
+      </p:cxnSp>
+      <p:sp>
+        <p:nvSpPr>
+          <p:cNvPr id="26" name="Rectangle 25"/>
+          <p:cNvSpPr/>
+          <p:nvPr/>
+        </p:nvSpPr>
+        <p:spPr>
+          <a:xfrm>
+            <a:off x="6096000" y="2849217"/>
+            <a:ext cx="6096000" cy="369332"/>
+          </a:xfrm>
+          <a:prstGeom prst="rect">
+            <a:avLst/>
+          </a:prstGeom>
+        </p:spPr>
+        <p:txBody>
+          <a:bodyPr>
+            <a:spAutoFit/>
+          </a:bodyPr>
+          <a:lstStyle/>
+          <a:p>
+            <a:r>
+              <a:rPr lang="en-US" dirty="0" smtClean="0">
+                <a:solidFill>
+                  <a:schemeClr val="tx1">
+                    <a:lumMod val="50000"/>
+                    <a:lumOff val="50000"/>
+                  </a:schemeClr>
+                </a:solidFill>
+              </a:rPr>
+              <a:t>Initialize source node with 0</a:t>
+            </a:r>
+            <a:endParaRPr lang="en-US" dirty="0">
+              <a:solidFill>
+                <a:schemeClr val="tx1">
+                  <a:lumMod val="50000"/>
+                  <a:lumOff val="50000"/>
+                </a:schemeClr>
+              </a:solidFill>
+            </a:endParaRPr>
+          </a:p>
+        </p:txBody>
+      </p:sp>
+      <p:cxnSp>
+        <p:nvCxnSpPr>
+          <p:cNvPr id="16" name="Straight Arrow Connector 15"/>
+          <p:cNvCxnSpPr>
+            <a:stCxn id="26" idx="1"/>
+          </p:cNvCxnSpPr>
+          <p:nvPr/>
+        </p:nvCxnSpPr>
+        <p:spPr>
+          <a:xfrm flipH="1">
+            <a:off x="2662280" y="3033883"/>
+            <a:ext cx="3433720" cy="184666"/>
+          </a:xfrm>
+          <a:prstGeom prst="straightConnector1">
+            <a:avLst/>
+          </a:prstGeom>
+          <a:ln>
+            <a:tailEnd type="triangle"/>
+          </a:ln>
+        </p:spPr>
+        <p:style>
+          <a:lnRef idx="1">
+            <a:schemeClr val="accent1"/>
+          </a:lnRef>
+          <a:fillRef idx="0">
+            <a:schemeClr val="accent1"/>
+          </a:fillRef>
+          <a:effectRef idx="0">
+            <a:schemeClr val="accent1"/>
+          </a:effectRef>
+          <a:fontRef idx="minor">
+            <a:schemeClr val="tx1"/>
+          </a:fontRef>
+        </p:style>
+      </p:cxnSp>
+    </p:spTree>
+    <p:extLst>
+      <p:ext uri="{BB962C8B-B14F-4D97-AF65-F5344CB8AC3E}">
+        <p14:creationId xmlns:p14="http://schemas.microsoft.com/office/powerpoint/2010/main" val="3122735546"/>
+      </p:ext>
+    </p:extLst>
+  </p:cSld>
+  <p:clrMapOvr>
+    <a:masterClrMapping/>
+  </p:clrMapOvr>
+  <p:timing>
+    <p:tnLst>
+      <p:par>
+        <p:cTn id="1" dur="indefinite" restart="never" nodeType="tmRoot"/>
+      </p:par>
+    </p:tnLst>
+  </p:timing>
+</p:sld>
+</file>
+
+<file path=ppt/slides/slide9.xml><?xml version="1.0" encoding="utf-8"?>
+<p:sld xmlns:a="http://schemas.openxmlformats.org/drawingml/2006/main" xmlns:r="http://schemas.openxmlformats.org/officeDocument/2006/relationships" xmlns:p="http://schemas.openxmlformats.org/presentationml/2006/main">
+  <p:cSld>
+    <p:spTree>
+      <p:nvGrpSpPr>
+        <p:cNvPr id="1" name=""/>
+        <p:cNvGrpSpPr/>
+        <p:nvPr/>
+      </p:nvGrpSpPr>
+      <p:grpSpPr>
+        <a:xfrm>
+          <a:off x="0" y="0"/>
+          <a:ext cx="0" cy="0"/>
+          <a:chOff x="0" y="0"/>
+          <a:chExt cx="0" cy="0"/>
+        </a:xfrm>
+      </p:grpSpPr>
+      <p:sp>
+        <p:nvSpPr>
+          <p:cNvPr id="2" name="Title 1"/>
+          <p:cNvSpPr>
+            <a:spLocks noGrp="1"/>
+          </p:cNvSpPr>
+          <p:nvPr>
+            <p:ph type="title"/>
+          </p:nvPr>
+        </p:nvSpPr>
+        <p:spPr/>
+        <p:txBody>
+          <a:bodyPr/>
+          <a:lstStyle/>
+          <a:p>
+            <a:r>
+              <a:rPr lang="en-US" dirty="0" smtClean="0"/>
+              <a:t>C++ Code Sample – Step </a:t>
+            </a:r>
+            <a:r>
+              <a:rPr lang="en-US" dirty="0"/>
+              <a:t>1</a:t>
+            </a:r>
+          </a:p>
+        </p:txBody>
+      </p:sp>
+      <p:pic>
+        <p:nvPicPr>
+          <p:cNvPr id="6" name="Content Placeholder 5"/>
+          <p:cNvPicPr>
+            <a:picLocks noGrp="1" noChangeAspect="1"/>
+          </p:cNvPicPr>
+          <p:nvPr>
+            <p:ph idx="1"/>
+          </p:nvPr>
+        </p:nvPicPr>
+        <p:blipFill>
+          <a:blip r:embed="rId2"/>
+          <a:stretch>
+            <a:fillRect/>
+          </a:stretch>
+        </p:blipFill>
+        <p:spPr>
+          <a:xfrm>
+            <a:off x="861646" y="1690688"/>
+            <a:ext cx="5442813" cy="4495278"/>
+          </a:xfrm>
+          <a:prstGeom prst="rect">
+            <a:avLst/>
+          </a:prstGeom>
+        </p:spPr>
+      </p:pic>
+      <p:cxnSp>
+        <p:nvCxnSpPr>
+          <p:cNvPr id="8" name="Straight Arrow Connector 7"/>
+          <p:cNvCxnSpPr>
+            <a:stCxn id="10" idx="1"/>
+          </p:cNvCxnSpPr>
+          <p:nvPr/>
+        </p:nvCxnSpPr>
+        <p:spPr>
+          <a:xfrm flipH="1">
+            <a:off x="5247862" y="2435272"/>
+            <a:ext cx="848138" cy="413945"/>
+          </a:xfrm>
+          <a:prstGeom prst="straightConnector1">
+            <a:avLst/>
+          </a:prstGeom>
+          <a:ln>
+            <a:tailEnd type="triangle"/>
+          </a:ln>
+        </p:spPr>
+        <p:style>
+          <a:lnRef idx="1">
+            <a:schemeClr val="accent1"/>
+          </a:lnRef>
+          <a:fillRef idx="0">
+            <a:schemeClr val="accent1"/>
+          </a:fillRef>
+          <a:effectRef idx="0">
+            <a:schemeClr val="accent1"/>
+          </a:effectRef>
+          <a:fontRef idx="minor">
+            <a:schemeClr val="tx1"/>
+          </a:fontRef>
+        </p:style>
+      </p:cxnSp>
+      <p:sp>
+        <p:nvSpPr>
+          <p:cNvPr id="10" name="TextBox 9"/>
+          <p:cNvSpPr txBox="1"/>
+          <p:nvPr/>
+        </p:nvSpPr>
+        <p:spPr>
+          <a:xfrm>
+            <a:off x="6096000" y="2250606"/>
+            <a:ext cx="3264483" cy="369332"/>
+          </a:xfrm>
+          <a:prstGeom prst="rect">
+            <a:avLst/>
+          </a:prstGeom>
+          <a:noFill/>
+        </p:spPr>
+        <p:txBody>
+          <a:bodyPr wrap="none" rtlCol="0">
+            <a:spAutoFit/>
+          </a:bodyPr>
+          <a:lstStyle/>
+          <a:p>
+            <a:r>
+              <a:rPr lang="en-US" dirty="0" smtClean="0">
+                <a:solidFill>
+                  <a:schemeClr val="tx1">
+                    <a:lumMod val="50000"/>
+                    <a:lumOff val="50000"/>
+                  </a:schemeClr>
+                </a:solidFill>
+              </a:rPr>
+              <a:t>Initialize all distances as infinity </a:t>
+            </a:r>
+            <a:endParaRPr lang="en-US" dirty="0">
+              <a:solidFill>
+                <a:schemeClr val="tx1">
+                  <a:lumMod val="50000"/>
+                  <a:lumOff val="50000"/>
+                </a:schemeClr>
+              </a:solidFill>
+            </a:endParaRPr>
+          </a:p>
+        </p:txBody>
+      </p:sp>
+      <p:cxnSp>
+        <p:nvCxnSpPr>
+          <p:cNvPr id="15" name="Straight Arrow Connector 14"/>
+          <p:cNvCxnSpPr/>
+          <p:nvPr/>
+        </p:nvCxnSpPr>
+        <p:spPr>
+          <a:xfrm>
+            <a:off x="451339" y="3033883"/>
+            <a:ext cx="644769" cy="0"/>
+          </a:xfrm>
+          <a:prstGeom prst="straightConnector1">
+            <a:avLst/>
+          </a:prstGeom>
+          <a:ln>
+            <a:tailEnd type="triangle"/>
+          </a:ln>
+        </p:spPr>
+        <p:style>
+          <a:lnRef idx="1">
+            <a:schemeClr val="accent1"/>
+          </a:lnRef>
+          <a:fillRef idx="0">
+            <a:schemeClr val="accent1"/>
+          </a:fillRef>
+          <a:effectRef idx="0">
+            <a:schemeClr val="accent1"/>
+          </a:effectRef>
+          <a:fontRef idx="minor">
+            <a:schemeClr val="tx1"/>
+          </a:fontRef>
+        </p:style>
+      </p:cxnSp>
+      <p:cxnSp>
+        <p:nvCxnSpPr>
+          <p:cNvPr id="18" name="Straight Connector 17"/>
+          <p:cNvCxnSpPr/>
+          <p:nvPr/>
+        </p:nvCxnSpPr>
+        <p:spPr>
+          <a:xfrm>
+            <a:off x="1195754" y="2606095"/>
+            <a:ext cx="0" cy="758428"/>
+          </a:xfrm>
+          <a:prstGeom prst="line">
+            <a:avLst/>
+          </a:prstGeom>
+        </p:spPr>
+        <p:style>
+          <a:lnRef idx="1">
+            <a:schemeClr val="accent1"/>
+          </a:lnRef>
+          <a:fillRef idx="0">
+            <a:schemeClr val="accent1"/>
+          </a:fillRef>
+          <a:effectRef idx="0">
+            <a:schemeClr val="accent1"/>
+          </a:effectRef>
+          <a:fontRef idx="minor">
+            <a:schemeClr val="tx1"/>
+          </a:fontRef>
+        </p:style>
+      </p:cxnSp>
+      <p:sp>
+        <p:nvSpPr>
+          <p:cNvPr id="26" name="Rectangle 25"/>
+          <p:cNvSpPr/>
+          <p:nvPr/>
+        </p:nvSpPr>
+        <p:spPr>
+          <a:xfrm>
+            <a:off x="6096000" y="2849217"/>
+            <a:ext cx="6096000" cy="369332"/>
+          </a:xfrm>
+          <a:prstGeom prst="rect">
+            <a:avLst/>
+          </a:prstGeom>
+        </p:spPr>
+        <p:txBody>
+          <a:bodyPr>
+            <a:spAutoFit/>
+          </a:bodyPr>
+          <a:lstStyle/>
+          <a:p>
+            <a:r>
+              <a:rPr lang="en-US" dirty="0" smtClean="0">
+                <a:solidFill>
+                  <a:schemeClr val="tx1">
+                    <a:lumMod val="50000"/>
+                    <a:lumOff val="50000"/>
+                  </a:schemeClr>
+                </a:solidFill>
+              </a:rPr>
+              <a:t>Initialize source node with 0</a:t>
+            </a:r>
+            <a:endParaRPr lang="en-US" dirty="0">
+              <a:solidFill>
+                <a:schemeClr val="tx1">
+                  <a:lumMod val="50000"/>
+                  <a:lumOff val="50000"/>
+                </a:schemeClr>
+              </a:solidFill>
+            </a:endParaRPr>
+          </a:p>
+        </p:txBody>
+      </p:sp>
+      <p:cxnSp>
+        <p:nvCxnSpPr>
+          <p:cNvPr id="16" name="Straight Arrow Connector 15"/>
+          <p:cNvCxnSpPr>
+            <a:stCxn id="26" idx="1"/>
+          </p:cNvCxnSpPr>
+          <p:nvPr/>
+        </p:nvCxnSpPr>
+        <p:spPr>
+          <a:xfrm flipH="1">
+            <a:off x="2662280" y="3033883"/>
+            <a:ext cx="3433720" cy="184666"/>
+          </a:xfrm>
+          <a:prstGeom prst="straightConnector1">
+            <a:avLst/>
+          </a:prstGeom>
+          <a:ln>
+            <a:tailEnd type="triangle"/>
+          </a:ln>
+        </p:spPr>
+        <p:style>
+          <a:lnRef idx="1">
+            <a:schemeClr val="accent1"/>
+          </a:lnRef>
+          <a:fillRef idx="0">
+            <a:schemeClr val="accent1"/>
+          </a:fillRef>
+          <a:effectRef idx="0">
+            <a:schemeClr val="accent1"/>
+          </a:effectRef>
+          <a:fontRef idx="minor">
+            <a:schemeClr val="tx1"/>
+          </a:fontRef>
+        </p:style>
+      </p:cxnSp>
+      <p:pic>
+        <p:nvPicPr>
+          <p:cNvPr id="11" name="Picture 10"/>
+          <p:cNvPicPr>
+            <a:picLocks noChangeAspect="1"/>
+          </p:cNvPicPr>
+          <p:nvPr/>
+        </p:nvPicPr>
+        <p:blipFill>
+          <a:blip r:embed="rId3"/>
+          <a:stretch>
+            <a:fillRect/>
+          </a:stretch>
+        </p:blipFill>
+        <p:spPr>
+          <a:xfrm>
+            <a:off x="7233971" y="3938327"/>
+            <a:ext cx="3820058" cy="2133898"/>
+          </a:xfrm>
+          <a:prstGeom prst="rect">
+            <a:avLst/>
+          </a:prstGeom>
+        </p:spPr>
+      </p:pic>
+    </p:spTree>
+    <p:extLst>
+      <p:ext uri="{BB962C8B-B14F-4D97-AF65-F5344CB8AC3E}">
+        <p14:creationId xmlns:p14="http://schemas.microsoft.com/office/powerpoint/2010/main" val="1749494950"/>
+      </p:ext>
+    </p:extLst>
+  </p:cSld>
+  <p:clrMapOvr>
+    <a:masterClrMapping/>
+  </p:clrMapOvr>
+  <p:timing>
+    <p:tnLst>
+      <p:par>
+        <p:cTn id="1" dur="indefinite" restart="never" nodeType="tmRoot"/>
+      </p:par>
+    </p:tnLst>
+  </p:timing>
 </p:sld>
 </file>
 

--- a/Assignment3_DSA.pptx
+++ b/Assignment3_DSA.pptx
@@ -3036,12 +3036,20 @@
           </a:p>
           <a:p>
             <a:r>
+              <a:rPr lang="en-US" dirty="0" smtClean="0"/>
+              <a:t>Konstantin Nenashev, Olga </a:t>
+            </a:r>
+            <a:r>
               <a:rPr lang="en-US" dirty="0" err="1" smtClean="0"/>
-              <a:t>Konstantine</a:t>
+              <a:t>Belavina</a:t>
             </a:r>
             <a:r>
               <a:rPr lang="en-US" dirty="0" smtClean="0"/>
-              <a:t>, Olga, Stevenson</a:t>
+              <a:t>, </a:t>
+            </a:r>
+            <a:r>
+              <a:rPr lang="en-US" dirty="0"/>
+              <a:t>Stevenson George</a:t>
             </a:r>
             <a:endParaRPr lang="en-US" dirty="0"/>
           </a:p>
@@ -7612,28 +7620,28 @@
                 <a:gridCol w="2139201">
                   <a:extLst>
                     <a:ext uri="{9D8B030D-6E8A-4147-A177-3AD203B41FA5}">
-                      <a16:colId xmlns:a16="http://schemas.microsoft.com/office/drawing/2014/main" xmlns="" val="1652340253"/>
+                      <a16:colId xmlns="" xmlns:a16="http://schemas.microsoft.com/office/drawing/2014/main" val="1652340253"/>
                     </a:ext>
                   </a:extLst>
                 </a:gridCol>
                 <a:gridCol w="2613229">
                   <a:extLst>
                     <a:ext uri="{9D8B030D-6E8A-4147-A177-3AD203B41FA5}">
-                      <a16:colId xmlns:a16="http://schemas.microsoft.com/office/drawing/2014/main" xmlns="" val="2914558009"/>
+                      <a16:colId xmlns="" xmlns:a16="http://schemas.microsoft.com/office/drawing/2014/main" val="2914558009"/>
                     </a:ext>
                   </a:extLst>
                 </a:gridCol>
                 <a:gridCol w="2613229">
                   <a:extLst>
                     <a:ext uri="{9D8B030D-6E8A-4147-A177-3AD203B41FA5}">
-                      <a16:colId xmlns:a16="http://schemas.microsoft.com/office/drawing/2014/main" xmlns="" val="1654783184"/>
+                      <a16:colId xmlns="" xmlns:a16="http://schemas.microsoft.com/office/drawing/2014/main" val="1654783184"/>
                     </a:ext>
                   </a:extLst>
                 </a:gridCol>
                 <a:gridCol w="2613229">
                   <a:extLst>
                     <a:ext uri="{9D8B030D-6E8A-4147-A177-3AD203B41FA5}">
-                      <a16:colId xmlns:a16="http://schemas.microsoft.com/office/drawing/2014/main" xmlns="" val="689035933"/>
+                      <a16:colId xmlns="" xmlns:a16="http://schemas.microsoft.com/office/drawing/2014/main" val="689035933"/>
                     </a:ext>
                   </a:extLst>
                 </a:gridCol>
@@ -7701,7 +7709,7 @@
                 </a:tc>
                 <a:extLst>
                   <a:ext uri="{0D108BD9-81ED-4DB2-BD59-A6C34878D82A}">
-                    <a16:rowId xmlns:a16="http://schemas.microsoft.com/office/drawing/2014/main" xmlns="" val="3578482978"/>
+                    <a16:rowId xmlns="" xmlns:a16="http://schemas.microsoft.com/office/drawing/2014/main" val="3578482978"/>
                   </a:ext>
                 </a:extLst>
               </a:tr>
@@ -7780,7 +7788,7 @@
                 </a:tc>
                 <a:extLst>
                   <a:ext uri="{0D108BD9-81ED-4DB2-BD59-A6C34878D82A}">
-                    <a16:rowId xmlns:a16="http://schemas.microsoft.com/office/drawing/2014/main" xmlns="" val="84529631"/>
+                    <a16:rowId xmlns="" xmlns:a16="http://schemas.microsoft.com/office/drawing/2014/main" val="84529631"/>
                   </a:ext>
                 </a:extLst>
               </a:tr>
@@ -7868,7 +7876,7 @@
                 </a:tc>
                 <a:extLst>
                   <a:ext uri="{0D108BD9-81ED-4DB2-BD59-A6C34878D82A}">
-                    <a16:rowId xmlns:a16="http://schemas.microsoft.com/office/drawing/2014/main" xmlns="" val="2988634213"/>
+                    <a16:rowId xmlns="" xmlns:a16="http://schemas.microsoft.com/office/drawing/2014/main" val="2988634213"/>
                   </a:ext>
                 </a:extLst>
               </a:tr>
@@ -7972,7 +7980,7 @@
                 </a:tc>
                 <a:extLst>
                   <a:ext uri="{0D108BD9-81ED-4DB2-BD59-A6C34878D82A}">
-                    <a16:rowId xmlns:a16="http://schemas.microsoft.com/office/drawing/2014/main" xmlns="" val="2740915544"/>
+                    <a16:rowId xmlns="" xmlns:a16="http://schemas.microsoft.com/office/drawing/2014/main" val="2740915544"/>
                   </a:ext>
                 </a:extLst>
               </a:tr>
@@ -8052,7 +8060,7 @@
                 </a:tc>
                 <a:extLst>
                   <a:ext uri="{0D108BD9-81ED-4DB2-BD59-A6C34878D82A}">
-                    <a16:rowId xmlns:a16="http://schemas.microsoft.com/office/drawing/2014/main" xmlns="" val="2117614425"/>
+                    <a16:rowId xmlns="" xmlns:a16="http://schemas.microsoft.com/office/drawing/2014/main" val="2117614425"/>
                   </a:ext>
                 </a:extLst>
               </a:tr>
@@ -8144,14 +8152,14 @@
                 <a:gridCol w="5921833">
                   <a:extLst>
                     <a:ext uri="{9D8B030D-6E8A-4147-A177-3AD203B41FA5}">
-                      <a16:colId xmlns="" xmlns:a16="http://schemas.microsoft.com/office/drawing/2014/main" val="1717378049"/>
+                      <a16:colId xmlns:a16="http://schemas.microsoft.com/office/drawing/2014/main" xmlns="" val="1717378049"/>
                     </a:ext>
                   </a:extLst>
                 </a:gridCol>
                 <a:gridCol w="2678828">
                   <a:extLst>
                     <a:ext uri="{9D8B030D-6E8A-4147-A177-3AD203B41FA5}">
-                      <a16:colId xmlns="" xmlns:a16="http://schemas.microsoft.com/office/drawing/2014/main" val="1120144546"/>
+                      <a16:colId xmlns:a16="http://schemas.microsoft.com/office/drawing/2014/main" xmlns="" val="1120144546"/>
                     </a:ext>
                   </a:extLst>
                 </a:gridCol>
@@ -8185,7 +8193,7 @@
                 </a:tc>
                 <a:extLst>
                   <a:ext uri="{0D108BD9-81ED-4DB2-BD59-A6C34878D82A}">
-                    <a16:rowId xmlns="" xmlns:a16="http://schemas.microsoft.com/office/drawing/2014/main" val="2797329898"/>
+                    <a16:rowId xmlns:a16="http://schemas.microsoft.com/office/drawing/2014/main" xmlns="" val="2797329898"/>
                   </a:ext>
                 </a:extLst>
               </a:tr>
@@ -8238,7 +8246,7 @@
                 </a:tc>
                 <a:extLst>
                   <a:ext uri="{0D108BD9-81ED-4DB2-BD59-A6C34878D82A}">
-                    <a16:rowId xmlns="" xmlns:a16="http://schemas.microsoft.com/office/drawing/2014/main" val="4098025469"/>
+                    <a16:rowId xmlns:a16="http://schemas.microsoft.com/office/drawing/2014/main" xmlns="" val="4098025469"/>
                   </a:ext>
                 </a:extLst>
               </a:tr>
@@ -8292,7 +8300,7 @@
                 </a:tc>
                 <a:extLst>
                   <a:ext uri="{0D108BD9-81ED-4DB2-BD59-A6C34878D82A}">
-                    <a16:rowId xmlns="" xmlns:a16="http://schemas.microsoft.com/office/drawing/2014/main" val="1759008639"/>
+                    <a16:rowId xmlns:a16="http://schemas.microsoft.com/office/drawing/2014/main" xmlns="" val="1759008639"/>
                   </a:ext>
                 </a:extLst>
               </a:tr>
@@ -8341,7 +8349,7 @@
                 </a:tc>
                 <a:extLst>
                   <a:ext uri="{0D108BD9-81ED-4DB2-BD59-A6C34878D82A}">
-                    <a16:rowId xmlns="" xmlns:a16="http://schemas.microsoft.com/office/drawing/2014/main" val="1167176512"/>
+                    <a16:rowId xmlns:a16="http://schemas.microsoft.com/office/drawing/2014/main" xmlns="" val="1167176512"/>
                   </a:ext>
                 </a:extLst>
               </a:tr>
@@ -8410,7 +8418,7 @@
                 </a:tc>
                 <a:extLst>
                   <a:ext uri="{0D108BD9-81ED-4DB2-BD59-A6C34878D82A}">
-                    <a16:rowId xmlns="" xmlns:a16="http://schemas.microsoft.com/office/drawing/2014/main" val="1924488393"/>
+                    <a16:rowId xmlns:a16="http://schemas.microsoft.com/office/drawing/2014/main" xmlns="" val="1924488393"/>
                   </a:ext>
                 </a:extLst>
               </a:tr>
@@ -8471,7 +8479,7 @@
                 </a:tc>
                 <a:extLst>
                   <a:ext uri="{0D108BD9-81ED-4DB2-BD59-A6C34878D82A}">
-                    <a16:rowId xmlns="" xmlns:a16="http://schemas.microsoft.com/office/drawing/2014/main" val="1136071064"/>
+                    <a16:rowId xmlns:a16="http://schemas.microsoft.com/office/drawing/2014/main" xmlns="" val="1136071064"/>
                   </a:ext>
                 </a:extLst>
               </a:tr>
@@ -8533,7 +8541,7 @@
                 </a:tc>
                 <a:extLst>
                   <a:ext uri="{0D108BD9-81ED-4DB2-BD59-A6C34878D82A}">
-                    <a16:rowId xmlns="" xmlns:a16="http://schemas.microsoft.com/office/drawing/2014/main" val="1987395029"/>
+                    <a16:rowId xmlns:a16="http://schemas.microsoft.com/office/drawing/2014/main" xmlns="" val="1987395029"/>
                   </a:ext>
                 </a:extLst>
               </a:tr>
@@ -11091,63 +11099,63 @@
                 <a:gridCol w="903111">
                   <a:extLst>
                     <a:ext uri="{9D8B030D-6E8A-4147-A177-3AD203B41FA5}">
-                      <a16:colId xmlns:a16="http://schemas.microsoft.com/office/drawing/2014/main" xmlns="" val="3768515305"/>
+                      <a16:colId xmlns="" xmlns:a16="http://schemas.microsoft.com/office/drawing/2014/main" val="3768515305"/>
                     </a:ext>
                   </a:extLst>
                 </a:gridCol>
                 <a:gridCol w="903111">
                   <a:extLst>
                     <a:ext uri="{9D8B030D-6E8A-4147-A177-3AD203B41FA5}">
-                      <a16:colId xmlns:a16="http://schemas.microsoft.com/office/drawing/2014/main" xmlns="" val="1028584944"/>
+                      <a16:colId xmlns="" xmlns:a16="http://schemas.microsoft.com/office/drawing/2014/main" val="1028584944"/>
                     </a:ext>
                   </a:extLst>
                 </a:gridCol>
                 <a:gridCol w="903111">
                   <a:extLst>
                     <a:ext uri="{9D8B030D-6E8A-4147-A177-3AD203B41FA5}">
-                      <a16:colId xmlns:a16="http://schemas.microsoft.com/office/drawing/2014/main" xmlns="" val="1152933212"/>
+                      <a16:colId xmlns="" xmlns:a16="http://schemas.microsoft.com/office/drawing/2014/main" val="1152933212"/>
                     </a:ext>
                   </a:extLst>
                 </a:gridCol>
                 <a:gridCol w="903111">
                   <a:extLst>
                     <a:ext uri="{9D8B030D-6E8A-4147-A177-3AD203B41FA5}">
-                      <a16:colId xmlns:a16="http://schemas.microsoft.com/office/drawing/2014/main" xmlns="" val="3604353940"/>
+                      <a16:colId xmlns="" xmlns:a16="http://schemas.microsoft.com/office/drawing/2014/main" val="3604353940"/>
                     </a:ext>
                   </a:extLst>
                 </a:gridCol>
                 <a:gridCol w="903111">
                   <a:extLst>
                     <a:ext uri="{9D8B030D-6E8A-4147-A177-3AD203B41FA5}">
-                      <a16:colId xmlns:a16="http://schemas.microsoft.com/office/drawing/2014/main" xmlns="" val="2526786017"/>
+                      <a16:colId xmlns="" xmlns:a16="http://schemas.microsoft.com/office/drawing/2014/main" val="2526786017"/>
                     </a:ext>
                   </a:extLst>
                 </a:gridCol>
                 <a:gridCol w="903111">
                   <a:extLst>
                     <a:ext uri="{9D8B030D-6E8A-4147-A177-3AD203B41FA5}">
-                      <a16:colId xmlns:a16="http://schemas.microsoft.com/office/drawing/2014/main" xmlns="" val="572910680"/>
+                      <a16:colId xmlns="" xmlns:a16="http://schemas.microsoft.com/office/drawing/2014/main" val="572910680"/>
                     </a:ext>
                   </a:extLst>
                 </a:gridCol>
                 <a:gridCol w="903111">
                   <a:extLst>
                     <a:ext uri="{9D8B030D-6E8A-4147-A177-3AD203B41FA5}">
-                      <a16:colId xmlns:a16="http://schemas.microsoft.com/office/drawing/2014/main" xmlns="" val="312265865"/>
+                      <a16:colId xmlns="" xmlns:a16="http://schemas.microsoft.com/office/drawing/2014/main" val="312265865"/>
                     </a:ext>
                   </a:extLst>
                 </a:gridCol>
                 <a:gridCol w="903111">
                   <a:extLst>
                     <a:ext uri="{9D8B030D-6E8A-4147-A177-3AD203B41FA5}">
-                      <a16:colId xmlns:a16="http://schemas.microsoft.com/office/drawing/2014/main" xmlns="" val="2944465246"/>
+                      <a16:colId xmlns="" xmlns:a16="http://schemas.microsoft.com/office/drawing/2014/main" val="2944465246"/>
                     </a:ext>
                   </a:extLst>
                 </a:gridCol>
                 <a:gridCol w="903111">
                   <a:extLst>
                     <a:ext uri="{9D8B030D-6E8A-4147-A177-3AD203B41FA5}">
-                      <a16:colId xmlns:a16="http://schemas.microsoft.com/office/drawing/2014/main" xmlns="" val="330243223"/>
+                      <a16:colId xmlns="" xmlns:a16="http://schemas.microsoft.com/office/drawing/2014/main" val="330243223"/>
                     </a:ext>
                   </a:extLst>
                 </a:gridCol>
@@ -11290,7 +11298,7 @@
                 </a:tc>
                 <a:extLst>
                   <a:ext uri="{0D108BD9-81ED-4DB2-BD59-A6C34878D82A}">
-                    <a16:rowId xmlns:a16="http://schemas.microsoft.com/office/drawing/2014/main" xmlns="" val="3496744164"/>
+                    <a16:rowId xmlns="" xmlns:a16="http://schemas.microsoft.com/office/drawing/2014/main" val="3496744164"/>
                   </a:ext>
                 </a:extLst>
               </a:tr>
@@ -11322,63 +11330,63 @@
                 <a:gridCol w="903111">
                   <a:extLst>
                     <a:ext uri="{9D8B030D-6E8A-4147-A177-3AD203B41FA5}">
-                      <a16:colId xmlns:a16="http://schemas.microsoft.com/office/drawing/2014/main" xmlns="" val="4119996233"/>
+                      <a16:colId xmlns="" xmlns:a16="http://schemas.microsoft.com/office/drawing/2014/main" val="4119996233"/>
                     </a:ext>
                   </a:extLst>
                 </a:gridCol>
                 <a:gridCol w="903111">
                   <a:extLst>
                     <a:ext uri="{9D8B030D-6E8A-4147-A177-3AD203B41FA5}">
-                      <a16:colId xmlns:a16="http://schemas.microsoft.com/office/drawing/2014/main" xmlns="" val="1070340195"/>
+                      <a16:colId xmlns="" xmlns:a16="http://schemas.microsoft.com/office/drawing/2014/main" val="1070340195"/>
                     </a:ext>
                   </a:extLst>
                 </a:gridCol>
                 <a:gridCol w="903111">
                   <a:extLst>
                     <a:ext uri="{9D8B030D-6E8A-4147-A177-3AD203B41FA5}">
-                      <a16:colId xmlns:a16="http://schemas.microsoft.com/office/drawing/2014/main" xmlns="" val="3941907352"/>
+                      <a16:colId xmlns="" xmlns:a16="http://schemas.microsoft.com/office/drawing/2014/main" val="3941907352"/>
                     </a:ext>
                   </a:extLst>
                 </a:gridCol>
                 <a:gridCol w="903111">
                   <a:extLst>
                     <a:ext uri="{9D8B030D-6E8A-4147-A177-3AD203B41FA5}">
-                      <a16:colId xmlns:a16="http://schemas.microsoft.com/office/drawing/2014/main" xmlns="" val="2395333118"/>
+                      <a16:colId xmlns="" xmlns:a16="http://schemas.microsoft.com/office/drawing/2014/main" val="2395333118"/>
                     </a:ext>
                   </a:extLst>
                 </a:gridCol>
                 <a:gridCol w="903111">
                   <a:extLst>
                     <a:ext uri="{9D8B030D-6E8A-4147-A177-3AD203B41FA5}">
-                      <a16:colId xmlns:a16="http://schemas.microsoft.com/office/drawing/2014/main" xmlns="" val="1701410760"/>
+                      <a16:colId xmlns="" xmlns:a16="http://schemas.microsoft.com/office/drawing/2014/main" val="1701410760"/>
                     </a:ext>
                   </a:extLst>
                 </a:gridCol>
                 <a:gridCol w="903111">
                   <a:extLst>
                     <a:ext uri="{9D8B030D-6E8A-4147-A177-3AD203B41FA5}">
-                      <a16:colId xmlns:a16="http://schemas.microsoft.com/office/drawing/2014/main" xmlns="" val="156687452"/>
+                      <a16:colId xmlns="" xmlns:a16="http://schemas.microsoft.com/office/drawing/2014/main" val="156687452"/>
                     </a:ext>
                   </a:extLst>
                 </a:gridCol>
                 <a:gridCol w="903111">
                   <a:extLst>
                     <a:ext uri="{9D8B030D-6E8A-4147-A177-3AD203B41FA5}">
-                      <a16:colId xmlns:a16="http://schemas.microsoft.com/office/drawing/2014/main" xmlns="" val="1824856989"/>
+                      <a16:colId xmlns="" xmlns:a16="http://schemas.microsoft.com/office/drawing/2014/main" val="1824856989"/>
                     </a:ext>
                   </a:extLst>
                 </a:gridCol>
                 <a:gridCol w="903111">
                   <a:extLst>
                     <a:ext uri="{9D8B030D-6E8A-4147-A177-3AD203B41FA5}">
-                      <a16:colId xmlns:a16="http://schemas.microsoft.com/office/drawing/2014/main" xmlns="" val="938465116"/>
+                      <a16:colId xmlns="" xmlns:a16="http://schemas.microsoft.com/office/drawing/2014/main" val="938465116"/>
                     </a:ext>
                   </a:extLst>
                 </a:gridCol>
                 <a:gridCol w="903111">
                   <a:extLst>
                     <a:ext uri="{9D8B030D-6E8A-4147-A177-3AD203B41FA5}">
-                      <a16:colId xmlns:a16="http://schemas.microsoft.com/office/drawing/2014/main" xmlns="" val="2318553261"/>
+                      <a16:colId xmlns="" xmlns:a16="http://schemas.microsoft.com/office/drawing/2014/main" val="2318553261"/>
                     </a:ext>
                   </a:extLst>
                 </a:gridCol>
@@ -11521,7 +11529,7 @@
                 </a:tc>
                 <a:extLst>
                   <a:ext uri="{0D108BD9-81ED-4DB2-BD59-A6C34878D82A}">
-                    <a16:rowId xmlns:a16="http://schemas.microsoft.com/office/drawing/2014/main" xmlns="" val="2975690928"/>
+                    <a16:rowId xmlns="" xmlns:a16="http://schemas.microsoft.com/office/drawing/2014/main" val="2975690928"/>
                   </a:ext>
                 </a:extLst>
               </a:tr>
@@ -12037,7 +12045,6 @@
               <a:rPr lang="en-US" sz="3200" dirty="0" smtClean="0"/>
               <a:t>Map routing</a:t>
             </a:r>
-            <a:endParaRPr lang="en-US" sz="3200" dirty="0" smtClean="0"/>
           </a:p>
           <a:p>
             <a:pPr lvl="1"/>
@@ -12057,13 +12064,8 @@
             <a:pPr lvl="1"/>
             <a:r>
               <a:rPr lang="en-US" sz="3200" dirty="0" smtClean="0"/>
-              <a:t>Flight </a:t>
-            </a:r>
-            <a:r>
-              <a:rPr lang="en-US" sz="3200" dirty="0" smtClean="0"/>
-              <a:t>Plans</a:t>
-            </a:r>
-            <a:endParaRPr lang="en-US" sz="3200" dirty="0" smtClean="0"/>
+              <a:t>Flight Plans</a:t>
+            </a:r>
           </a:p>
         </p:txBody>
       </p:sp>
@@ -12649,35 +12651,35 @@
                 <a:gridCol w="548018">
                   <a:extLst>
                     <a:ext uri="{9D8B030D-6E8A-4147-A177-3AD203B41FA5}">
-                      <a16:colId xmlns:a16="http://schemas.microsoft.com/office/drawing/2014/main" xmlns="" val="1607120837"/>
+                      <a16:colId xmlns="" xmlns:a16="http://schemas.microsoft.com/office/drawing/2014/main" val="1607120837"/>
                     </a:ext>
                   </a:extLst>
                 </a:gridCol>
                 <a:gridCol w="1356667">
                   <a:extLst>
                     <a:ext uri="{9D8B030D-6E8A-4147-A177-3AD203B41FA5}">
-                      <a16:colId xmlns:a16="http://schemas.microsoft.com/office/drawing/2014/main" xmlns="" val="626144090"/>
+                      <a16:colId xmlns="" xmlns:a16="http://schemas.microsoft.com/office/drawing/2014/main" val="626144090"/>
                     </a:ext>
                   </a:extLst>
                 </a:gridCol>
                 <a:gridCol w="1325531">
                   <a:extLst>
                     <a:ext uri="{9D8B030D-6E8A-4147-A177-3AD203B41FA5}">
-                      <a16:colId xmlns:a16="http://schemas.microsoft.com/office/drawing/2014/main" xmlns="" val="2223628275"/>
+                      <a16:colId xmlns="" xmlns:a16="http://schemas.microsoft.com/office/drawing/2014/main" val="2223628275"/>
                     </a:ext>
                   </a:extLst>
                 </a:gridCol>
                 <a:gridCol w="1248195">
                   <a:extLst>
                     <a:ext uri="{9D8B030D-6E8A-4147-A177-3AD203B41FA5}">
-                      <a16:colId xmlns:a16="http://schemas.microsoft.com/office/drawing/2014/main" xmlns="" val="2482912693"/>
+                      <a16:colId xmlns="" xmlns:a16="http://schemas.microsoft.com/office/drawing/2014/main" val="2482912693"/>
                     </a:ext>
                   </a:extLst>
                 </a:gridCol>
                 <a:gridCol w="1455249">
                   <a:extLst>
                     <a:ext uri="{9D8B030D-6E8A-4147-A177-3AD203B41FA5}">
-                      <a16:colId xmlns:a16="http://schemas.microsoft.com/office/drawing/2014/main" xmlns="" val="3509293152"/>
+                      <a16:colId xmlns="" xmlns:a16="http://schemas.microsoft.com/office/drawing/2014/main" val="3509293152"/>
                     </a:ext>
                   </a:extLst>
                 </a:gridCol>
@@ -12773,7 +12775,7 @@
                 </a:tc>
                 <a:extLst>
                   <a:ext uri="{0D108BD9-81ED-4DB2-BD59-A6C34878D82A}">
-                    <a16:rowId xmlns:a16="http://schemas.microsoft.com/office/drawing/2014/main" xmlns="" val="401869647"/>
+                    <a16:rowId xmlns="" xmlns:a16="http://schemas.microsoft.com/office/drawing/2014/main" val="401869647"/>
                   </a:ext>
                 </a:extLst>
               </a:tr>
@@ -12879,7 +12881,7 @@
                 </a:tc>
                 <a:extLst>
                   <a:ext uri="{0D108BD9-81ED-4DB2-BD59-A6C34878D82A}">
-                    <a16:rowId xmlns:a16="http://schemas.microsoft.com/office/drawing/2014/main" xmlns="" val="4274244291"/>
+                    <a16:rowId xmlns="" xmlns:a16="http://schemas.microsoft.com/office/drawing/2014/main" val="4274244291"/>
                   </a:ext>
                 </a:extLst>
               </a:tr>
@@ -12980,7 +12982,7 @@
                 </a:tc>
                 <a:extLst>
                   <a:ext uri="{0D108BD9-81ED-4DB2-BD59-A6C34878D82A}">
-                    <a16:rowId xmlns:a16="http://schemas.microsoft.com/office/drawing/2014/main" xmlns="" val="327160521"/>
+                    <a16:rowId xmlns="" xmlns:a16="http://schemas.microsoft.com/office/drawing/2014/main" val="327160521"/>
                   </a:ext>
                 </a:extLst>
               </a:tr>
@@ -13087,7 +13089,7 @@
                 </a:tc>
                 <a:extLst>
                   <a:ext uri="{0D108BD9-81ED-4DB2-BD59-A6C34878D82A}">
-                    <a16:rowId xmlns:a16="http://schemas.microsoft.com/office/drawing/2014/main" xmlns="" val="3814862877"/>
+                    <a16:rowId xmlns="" xmlns:a16="http://schemas.microsoft.com/office/drawing/2014/main" val="3814862877"/>
                   </a:ext>
                 </a:extLst>
               </a:tr>
@@ -13188,7 +13190,7 @@
                 </a:tc>
                 <a:extLst>
                   <a:ext uri="{0D108BD9-81ED-4DB2-BD59-A6C34878D82A}">
-                    <a16:rowId xmlns:a16="http://schemas.microsoft.com/office/drawing/2014/main" xmlns="" val="3832375577"/>
+                    <a16:rowId xmlns="" xmlns:a16="http://schemas.microsoft.com/office/drawing/2014/main" val="3832375577"/>
                   </a:ext>
                 </a:extLst>
               </a:tr>

--- a/Assignment3_DSA.pptx
+++ b/Assignment3_DSA.pptx
@@ -3051,7 +3051,6 @@
               <a:rPr lang="en-US" dirty="0"/>
               <a:t>Stevenson George</a:t>
             </a:r>
-            <a:endParaRPr lang="en-US" dirty="0"/>
           </a:p>
         </p:txBody>
       </p:sp>
@@ -7620,28 +7619,28 @@
                 <a:gridCol w="2139201">
                   <a:extLst>
                     <a:ext uri="{9D8B030D-6E8A-4147-A177-3AD203B41FA5}">
-                      <a16:colId xmlns="" xmlns:a16="http://schemas.microsoft.com/office/drawing/2014/main" val="1652340253"/>
+                      <a16:colId xmlns:a16="http://schemas.microsoft.com/office/drawing/2014/main" xmlns="" val="1652340253"/>
                     </a:ext>
                   </a:extLst>
                 </a:gridCol>
                 <a:gridCol w="2613229">
                   <a:extLst>
                     <a:ext uri="{9D8B030D-6E8A-4147-A177-3AD203B41FA5}">
-                      <a16:colId xmlns="" xmlns:a16="http://schemas.microsoft.com/office/drawing/2014/main" val="2914558009"/>
+                      <a16:colId xmlns:a16="http://schemas.microsoft.com/office/drawing/2014/main" xmlns="" val="2914558009"/>
                     </a:ext>
                   </a:extLst>
                 </a:gridCol>
                 <a:gridCol w="2613229">
                   <a:extLst>
                     <a:ext uri="{9D8B030D-6E8A-4147-A177-3AD203B41FA5}">
-                      <a16:colId xmlns="" xmlns:a16="http://schemas.microsoft.com/office/drawing/2014/main" val="1654783184"/>
+                      <a16:colId xmlns:a16="http://schemas.microsoft.com/office/drawing/2014/main" xmlns="" val="1654783184"/>
                     </a:ext>
                   </a:extLst>
                 </a:gridCol>
                 <a:gridCol w="2613229">
                   <a:extLst>
                     <a:ext uri="{9D8B030D-6E8A-4147-A177-3AD203B41FA5}">
-                      <a16:colId xmlns="" xmlns:a16="http://schemas.microsoft.com/office/drawing/2014/main" val="689035933"/>
+                      <a16:colId xmlns:a16="http://schemas.microsoft.com/office/drawing/2014/main" xmlns="" val="689035933"/>
                     </a:ext>
                   </a:extLst>
                 </a:gridCol>
@@ -7709,7 +7708,7 @@
                 </a:tc>
                 <a:extLst>
                   <a:ext uri="{0D108BD9-81ED-4DB2-BD59-A6C34878D82A}">
-                    <a16:rowId xmlns="" xmlns:a16="http://schemas.microsoft.com/office/drawing/2014/main" val="3578482978"/>
+                    <a16:rowId xmlns:a16="http://schemas.microsoft.com/office/drawing/2014/main" xmlns="" val="3578482978"/>
                   </a:ext>
                 </a:extLst>
               </a:tr>
@@ -7788,7 +7787,7 @@
                 </a:tc>
                 <a:extLst>
                   <a:ext uri="{0D108BD9-81ED-4DB2-BD59-A6C34878D82A}">
-                    <a16:rowId xmlns="" xmlns:a16="http://schemas.microsoft.com/office/drawing/2014/main" val="84529631"/>
+                    <a16:rowId xmlns:a16="http://schemas.microsoft.com/office/drawing/2014/main" xmlns="" val="84529631"/>
                   </a:ext>
                 </a:extLst>
               </a:tr>
@@ -7876,7 +7875,7 @@
                 </a:tc>
                 <a:extLst>
                   <a:ext uri="{0D108BD9-81ED-4DB2-BD59-A6C34878D82A}">
-                    <a16:rowId xmlns="" xmlns:a16="http://schemas.microsoft.com/office/drawing/2014/main" val="2988634213"/>
+                    <a16:rowId xmlns:a16="http://schemas.microsoft.com/office/drawing/2014/main" xmlns="" val="2988634213"/>
                   </a:ext>
                 </a:extLst>
               </a:tr>
@@ -7980,7 +7979,7 @@
                 </a:tc>
                 <a:extLst>
                   <a:ext uri="{0D108BD9-81ED-4DB2-BD59-A6C34878D82A}">
-                    <a16:rowId xmlns="" xmlns:a16="http://schemas.microsoft.com/office/drawing/2014/main" val="2740915544"/>
+                    <a16:rowId xmlns:a16="http://schemas.microsoft.com/office/drawing/2014/main" xmlns="" val="2740915544"/>
                   </a:ext>
                 </a:extLst>
               </a:tr>
@@ -8060,7 +8059,7 @@
                 </a:tc>
                 <a:extLst>
                   <a:ext uri="{0D108BD9-81ED-4DB2-BD59-A6C34878D82A}">
-                    <a16:rowId xmlns="" xmlns:a16="http://schemas.microsoft.com/office/drawing/2014/main" val="2117614425"/>
+                    <a16:rowId xmlns:a16="http://schemas.microsoft.com/office/drawing/2014/main" xmlns="" val="2117614425"/>
                   </a:ext>
                 </a:extLst>
               </a:tr>
@@ -8135,7 +8134,11 @@
             <a:graphicFrameLocks noGrp="1"/>
           </p:cNvGraphicFramePr>
           <p:nvPr>
-            <p:extLst/>
+            <p:extLst>
+              <p:ext uri="{D42A27DB-BD31-4B8C-83A1-F6EECF244321}">
+                <p14:modId xmlns:p14="http://schemas.microsoft.com/office/powerpoint/2010/main" val="2992916384"/>
+              </p:ext>
+            </p:extLst>
           </p:nvPr>
         </p:nvGraphicFramePr>
         <p:xfrm>
@@ -8146,34 +8149,46 @@
           <a:graphicData uri="http://schemas.openxmlformats.org/drawingml/2006/table">
             <a:tbl>
               <a:tblPr firstRow="1" bandRow="1">
-                <a:tableStyleId>{5C22544A-7EE6-4342-B048-85BDC9FD1C3A}</a:tableStyleId>
+                <a:tableStyleId>{B301B821-A1FF-4177-AEE7-76D212191A09}</a:tableStyleId>
               </a:tblPr>
               <a:tblGrid>
-                <a:gridCol w="5921833">
+                <a:gridCol w="3173743">
                   <a:extLst>
                     <a:ext uri="{9D8B030D-6E8A-4147-A177-3AD203B41FA5}">
-                      <a16:colId xmlns:a16="http://schemas.microsoft.com/office/drawing/2014/main" xmlns="" val="1717378049"/>
+                      <a16:colId xmlns="" xmlns:a16="http://schemas.microsoft.com/office/drawing/2014/main" val="1717378049"/>
                     </a:ext>
                   </a:extLst>
                 </a:gridCol>
-                <a:gridCol w="2678828">
+                <a:gridCol w="3008923"/>
+                <a:gridCol w="2417995">
                   <a:extLst>
                     <a:ext uri="{9D8B030D-6E8A-4147-A177-3AD203B41FA5}">
-                      <a16:colId xmlns:a16="http://schemas.microsoft.com/office/drawing/2014/main" xmlns="" val="1120144546"/>
+                      <a16:colId xmlns="" xmlns:a16="http://schemas.microsoft.com/office/drawing/2014/main" val="1120144546"/>
                     </a:ext>
                   </a:extLst>
                 </a:gridCol>
               </a:tblGrid>
               <a:tr h="449096">
-                <a:tc>
+                <a:tc gridSpan="2">
                   <a:txBody>
                     <a:bodyPr/>
                     <a:lstStyle/>
                     <a:p>
+                      <a:pPr algn="ctr"/>
                       <a:r>
                         <a:rPr lang="en-US" sz="2400" dirty="0"/>
                         <a:t>Algorithm</a:t>
                       </a:r>
+                    </a:p>
+                  </a:txBody>
+                  <a:tcPr anchor="ctr"/>
+                </a:tc>
+                <a:tc hMerge="1">
+                  <a:txBody>
+                    <a:bodyPr/>
+                    <a:lstStyle/>
+                    <a:p>
+                      <a:endParaRPr lang="en-US" sz="2400" dirty="0"/>
                     </a:p>
                   </a:txBody>
                   <a:tcPr anchor="ctr"/>
@@ -8193,28 +8208,47 @@
                 </a:tc>
                 <a:extLst>
                   <a:ext uri="{0D108BD9-81ED-4DB2-BD59-A6C34878D82A}">
-                    <a16:rowId xmlns:a16="http://schemas.microsoft.com/office/drawing/2014/main" xmlns="" val="2797329898"/>
+                    <a16:rowId xmlns="" xmlns:a16="http://schemas.microsoft.com/office/drawing/2014/main" val="2797329898"/>
                   </a:ext>
                 </a:extLst>
               </a:tr>
               <a:tr h="479857">
-                <a:tc rowSpan="2">
+                <a:tc rowSpan="2" gridSpan="2">
                   <a:txBody>
                     <a:bodyPr/>
                     <a:lstStyle/>
                     <a:p>
                       <a:pPr marL="0" algn="l" defTabSz="914400" rtl="0" eaLnBrk="1" latinLnBrk="0" hangingPunct="1"/>
                       <a:r>
-                        <a:rPr lang="en-US" sz="2400" b="0" u="none" kern="1200" dirty="0">
-                          <a:solidFill>
-                            <a:schemeClr val="dk1"/>
-                          </a:solidFill>
-                          <a:latin typeface="+mn-lt"/>
-                          <a:ea typeface="+mn-ea"/>
-                          <a:cs typeface="+mn-cs"/>
-                        </a:rPr>
+                        <a:rPr lang="en-US" sz="2400" u="none" kern="1200" dirty="0"/>
                         <a:t>Bellman–Ford algorithm</a:t>
                       </a:r>
+                      <a:endParaRPr lang="en-US" sz="2400" b="0" u="none" kern="1200" dirty="0">
+                        <a:solidFill>
+                          <a:schemeClr val="dk1"/>
+                        </a:solidFill>
+                        <a:latin typeface="+mn-lt"/>
+                        <a:ea typeface="+mn-ea"/>
+                        <a:cs typeface="+mn-cs"/>
+                      </a:endParaRPr>
+                    </a:p>
+                  </a:txBody>
+                  <a:tcPr anchor="ctr"/>
+                </a:tc>
+                <a:tc rowSpan="2" hMerge="1">
+                  <a:txBody>
+                    <a:bodyPr/>
+                    <a:lstStyle/>
+                    <a:p>
+                      <a:pPr marL="0" algn="l" defTabSz="914400" rtl="0" eaLnBrk="1" latinLnBrk="0" hangingPunct="1"/>
+                      <a:endParaRPr lang="en-US" sz="2400" b="0" u="none" kern="1200" dirty="0">
+                        <a:solidFill>
+                          <a:schemeClr val="dk1"/>
+                        </a:solidFill>
+                        <a:latin typeface="+mn-lt"/>
+                        <a:ea typeface="+mn-ea"/>
+                        <a:cs typeface="+mn-cs"/>
+                      </a:endParaRPr>
                     </a:p>
                   </a:txBody>
                   <a:tcPr anchor="ctr"/>
@@ -8225,33 +8259,22 @@
                     <a:lstStyle/>
                     <a:p>
                       <a:r>
-                        <a:rPr lang="en-US" sz="2000" b="1" i="1" u="none" dirty="0"/>
-                        <a:t>O</a:t>
+                        <a:rPr lang="en-US" sz="2000" u="none" dirty="0"/>
+                        <a:t>O(VE)</a:t>
                       </a:r>
-                      <a:r>
-                        <a:rPr lang="en-US" sz="2000" b="1" u="none" dirty="0"/>
-                        <a:t>(</a:t>
-                      </a:r>
-                      <a:r>
-                        <a:rPr lang="en-US" sz="2000" b="1" i="1" u="none" dirty="0"/>
-                        <a:t>VE</a:t>
-                      </a:r>
-                      <a:r>
-                        <a:rPr lang="en-US" sz="2000" b="1" u="none" dirty="0"/>
-                        <a:t>)</a:t>
-                      </a:r>
+                      <a:endParaRPr lang="en-US" sz="2000" b="1" u="none" dirty="0"/>
                     </a:p>
                   </a:txBody>
                   <a:tcPr anchor="ctr"/>
                 </a:tc>
                 <a:extLst>
                   <a:ext uri="{0D108BD9-81ED-4DB2-BD59-A6C34878D82A}">
-                    <a16:rowId xmlns:a16="http://schemas.microsoft.com/office/drawing/2014/main" xmlns="" val="4098025469"/>
+                    <a16:rowId xmlns="" xmlns:a16="http://schemas.microsoft.com/office/drawing/2014/main" val="4098025469"/>
                   </a:ext>
                 </a:extLst>
               </a:tr>
               <a:tr h="479857">
-                <a:tc vMerge="1">
+                <a:tc gridSpan="2" vMerge="1">
                   <a:txBody>
                     <a:bodyPr/>
                     <a:lstStyle/>
@@ -8261,62 +8284,15 @@
                   </a:txBody>
                   <a:tcPr anchor="ctr"/>
                 </a:tc>
-                <a:tc>
+                <a:tc hMerge="1" vMerge="1">
                   <a:txBody>
                     <a:bodyPr/>
                     <a:lstStyle/>
                     <a:p>
-                      <a:r>
-                        <a:rPr lang="en-US" sz="2400" b="0" i="1" u="none" dirty="0"/>
-                        <a:t>O</a:t>
-                      </a:r>
-                      <a:r>
-                        <a:rPr lang="en-US" sz="2400" b="0" u="none" dirty="0"/>
-                        <a:t>(</a:t>
-                      </a:r>
-                      <a:r>
-                        <a:rPr lang="en-US" sz="2400" b="0" i="1" u="none" dirty="0"/>
-                        <a:t>V</a:t>
-                      </a:r>
-                      <a:r>
-                        <a:rPr lang="en-US" sz="2400" b="0" u="none" baseline="30000" dirty="0"/>
-                        <a:t>2</a:t>
-                      </a:r>
-                      <a:r>
-                        <a:rPr lang="en-US" sz="2400" b="0" u="none" dirty="0"/>
-                        <a:t> log </a:t>
-                      </a:r>
-                      <a:r>
-                        <a:rPr lang="en-US" sz="2400" b="0" i="1" u="none" dirty="0"/>
-                        <a:t>V</a:t>
-                      </a:r>
-                      <a:r>
-                        <a:rPr lang="en-US" sz="2400" b="0" u="none" dirty="0"/>
-                        <a:t>)</a:t>
-                      </a:r>
+                      <a:endParaRPr lang="en-US"/>
                     </a:p>
                   </a:txBody>
-                  <a:tcPr anchor="ctr"/>
-                </a:tc>
-                <a:extLst>
-                  <a:ext uri="{0D108BD9-81ED-4DB2-BD59-A6C34878D82A}">
-                    <a16:rowId xmlns:a16="http://schemas.microsoft.com/office/drawing/2014/main" xmlns="" val="1759008639"/>
-                  </a:ext>
-                </a:extLst>
-              </a:tr>
-              <a:tr h="479857">
-                <a:tc>
-                  <a:txBody>
-                    <a:bodyPr/>
-                    <a:lstStyle/>
-                    <a:p>
-                      <a:r>
-                        <a:rPr lang="en-US" sz="2400" b="0" u="none" dirty="0"/>
-                        <a:t>Dijkstra's algorithm with list</a:t>
-                      </a:r>
-                    </a:p>
-                  </a:txBody>
-                  <a:tcPr anchor="ctr"/>
+                  <a:tcPr/>
                 </a:tc>
                 <a:tc>
                   <a:txBody>
@@ -8324,174 +8300,41 @@
                     <a:lstStyle/>
                     <a:p>
                       <a:r>
-                        <a:rPr lang="en-US" sz="2400" b="0" i="1" u="none" dirty="0"/>
-                        <a:t>O</a:t>
+                        <a:rPr lang="en-US" sz="2400" u="none" dirty="0"/>
+                        <a:t>O(V</a:t>
                       </a:r>
                       <a:r>
-                        <a:rPr lang="en-US" sz="2400" b="0" u="none" dirty="0"/>
-                        <a:t>(</a:t>
-                      </a:r>
-                      <a:r>
-                        <a:rPr lang="en-US" sz="2400" b="0" i="1" u="none" dirty="0"/>
-                        <a:t>V</a:t>
-                      </a:r>
-                      <a:r>
-                        <a:rPr lang="en-US" sz="2400" b="0" u="none" baseline="30000" dirty="0"/>
+                        <a:rPr lang="en-US" sz="2400" u="none" baseline="30000" dirty="0"/>
                         <a:t>2</a:t>
                       </a:r>
                       <a:r>
-                        <a:rPr lang="en-US" sz="2400" b="0" u="none" dirty="0"/>
-                        <a:t>)</a:t>
+                        <a:rPr lang="en-US" sz="2400" u="none" dirty="0"/>
+                        <a:t> log V)</a:t>
                       </a:r>
+                      <a:endParaRPr lang="en-US" sz="2400" b="0" u="none" dirty="0"/>
                     </a:p>
                   </a:txBody>
                   <a:tcPr anchor="ctr"/>
                 </a:tc>
                 <a:extLst>
                   <a:ext uri="{0D108BD9-81ED-4DB2-BD59-A6C34878D82A}">
-                    <a16:rowId xmlns:a16="http://schemas.microsoft.com/office/drawing/2014/main" xmlns="" val="1167176512"/>
+                    <a16:rowId xmlns="" xmlns:a16="http://schemas.microsoft.com/office/drawing/2014/main" val="1759008639"/>
                   </a:ext>
                 </a:extLst>
               </a:tr>
-              <a:tr h="848977">
-                <a:tc>
+              <a:tr h="479857">
+                <a:tc rowSpan="3">
                   <a:txBody>
                     <a:bodyPr/>
                     <a:lstStyle/>
                     <a:p>
                       <a:r>
-                        <a:rPr lang="en-US" sz="2400" b="0" u="none" dirty="0"/>
-                        <a:t>Dijkstra's algorithm with modified binary heap</a:t>
-                      </a:r>
-                    </a:p>
-                  </a:txBody>
-                  <a:tcPr anchor="ctr"/>
-                </a:tc>
-                <a:tc>
-                  <a:txBody>
-                    <a:bodyPr/>
-                    <a:lstStyle/>
-                    <a:p>
-                      <a:r>
-                        <a:rPr lang="pt-BR" sz="2400" b="0" i="1" u="none" dirty="0"/>
-                        <a:t>O</a:t>
+                        <a:rPr lang="en-US" sz="2400" u="none" dirty="0"/>
+                        <a:t>Dijkstra's </a:t>
                       </a:r>
                       <a:r>
-                        <a:rPr lang="pt-BR" sz="2400" b="0" u="none" dirty="0"/>
-                        <a:t>(</a:t>
-                      </a:r>
-                      <a:r>
-                        <a:rPr lang="pt-BR" sz="2400" b="0" i="1" u="none" dirty="0"/>
-                        <a:t>E</a:t>
-                      </a:r>
-                      <a:r>
-                        <a:rPr lang="pt-BR" sz="2400" b="0" u="none" dirty="0"/>
-                        <a:t>log </a:t>
-                      </a:r>
-                      <a:r>
-                        <a:rPr lang="pt-BR" sz="2400" b="0" i="1" u="none" dirty="0"/>
-                        <a:t>V</a:t>
-                      </a:r>
-                      <a:r>
-                        <a:rPr lang="pt-BR" sz="2400" b="0" u="none" dirty="0"/>
-                        <a:t> + </a:t>
-                      </a:r>
-                      <a:r>
-                        <a:rPr lang="pt-BR" sz="2400" b="0" i="1" u="none" dirty="0"/>
-                        <a:t>V</a:t>
-                      </a:r>
-                      <a:r>
-                        <a:rPr lang="pt-BR" sz="2400" b="0" u="none" dirty="0"/>
-                        <a:t>log </a:t>
-                      </a:r>
-                      <a:r>
-                        <a:rPr lang="pt-BR" sz="2400" b="0" i="1" u="none" dirty="0"/>
-                        <a:t>V</a:t>
-                      </a:r>
-                      <a:r>
-                        <a:rPr lang="pt-BR" sz="2400" b="0" u="none" dirty="0"/>
-                        <a:t>)</a:t>
-                      </a:r>
-                    </a:p>
-                  </a:txBody>
-                  <a:tcPr anchor="ctr"/>
-                </a:tc>
-                <a:extLst>
-                  <a:ext uri="{0D108BD9-81ED-4DB2-BD59-A6C34878D82A}">
-                    <a16:rowId xmlns:a16="http://schemas.microsoft.com/office/drawing/2014/main" xmlns="" val="1924488393"/>
-                  </a:ext>
-                </a:extLst>
-              </a:tr>
-              <a:tr h="479857">
-                <a:tc>
-                  <a:txBody>
-                    <a:bodyPr/>
-                    <a:lstStyle/>
-                    <a:p>
-                      <a:r>
-                        <a:rPr lang="en-US" sz="2400" b="0" u="none" dirty="0"/>
-                        <a:t>Dijkstra's algorithm with Fibonacci heap</a:t>
-                      </a:r>
-                    </a:p>
-                  </a:txBody>
-                  <a:tcPr anchor="ctr"/>
-                </a:tc>
-                <a:tc>
-                  <a:txBody>
-                    <a:bodyPr/>
-                    <a:lstStyle/>
-                    <a:p>
-                      <a:r>
-                        <a:rPr lang="en-US" sz="2400" b="1" i="1" u="none" dirty="0"/>
-                        <a:t>O</a:t>
-                      </a:r>
-                      <a:r>
-                        <a:rPr lang="en-US" sz="2400" b="1" u="none" dirty="0"/>
-                        <a:t>(</a:t>
-                      </a:r>
-                      <a:r>
-                        <a:rPr lang="en-US" sz="2400" b="1" i="1" u="none" dirty="0"/>
-                        <a:t>E</a:t>
-                      </a:r>
-                      <a:r>
-                        <a:rPr lang="en-US" sz="2400" b="1" u="none" dirty="0"/>
-                        <a:t> + </a:t>
-                      </a:r>
-                      <a:r>
-                        <a:rPr lang="en-US" sz="2400" b="1" i="1" u="none" dirty="0"/>
-                        <a:t>V</a:t>
-                      </a:r>
-                      <a:r>
-                        <a:rPr lang="en-US" sz="2400" b="1" u="none" dirty="0"/>
-                        <a:t> log </a:t>
-                      </a:r>
-                      <a:r>
-                        <a:rPr lang="en-US" sz="2400" b="1" i="1" u="none" dirty="0"/>
-                        <a:t>V</a:t>
-                      </a:r>
-                      <a:r>
-                        <a:rPr lang="en-US" sz="2400" b="1" u="none" dirty="0"/>
-                        <a:t>)</a:t>
-                      </a:r>
-                    </a:p>
-                  </a:txBody>
-                  <a:tcPr anchor="ctr"/>
-                </a:tc>
-                <a:extLst>
-                  <a:ext uri="{0D108BD9-81ED-4DB2-BD59-A6C34878D82A}">
-                    <a16:rowId xmlns:a16="http://schemas.microsoft.com/office/drawing/2014/main" xmlns="" val="1136071064"/>
-                  </a:ext>
-                </a:extLst>
-              </a:tr>
-              <a:tr h="479857">
-                <a:tc>
-                  <a:txBody>
-                    <a:bodyPr/>
-                    <a:lstStyle/>
-                    <a:p>
-                      <a:r>
-                        <a:rPr lang="en-US" sz="2400" b="0" u="none" dirty="0" err="1"/>
-                        <a:t>Thorup</a:t>
+                        <a:rPr lang="en-US" sz="2400" u="none" dirty="0" smtClean="0"/>
+                        <a:t>algorithm</a:t>
                       </a:r>
                       <a:endParaRPr lang="en-US" sz="2400" b="0" u="none" dirty="0"/>
                     </a:p>
@@ -8503,45 +8346,226 @@
                     <a:bodyPr/>
                     <a:lstStyle/>
                     <a:p>
+                      <a:pPr marL="0" marR="0" indent="0" algn="l" defTabSz="914400" rtl="0" eaLnBrk="1" fontAlgn="auto" latinLnBrk="0" hangingPunct="1">
+                        <a:lnSpc>
+                          <a:spcPct val="100000"/>
+                        </a:lnSpc>
+                        <a:spcBef>
+                          <a:spcPts val="0"/>
+                        </a:spcBef>
+                        <a:spcAft>
+                          <a:spcPts val="0"/>
+                        </a:spcAft>
+                        <a:buClrTx/>
+                        <a:buSzTx/>
+                        <a:buFontTx/>
+                        <a:buNone/>
+                        <a:tabLst/>
+                        <a:defRPr/>
+                      </a:pPr>
                       <a:r>
-                        <a:rPr lang="pt-BR" sz="2400" b="0" i="1" u="none" dirty="0"/>
-                        <a:t>O</a:t>
+                        <a:rPr lang="en-US" sz="2400" u="none" dirty="0" smtClean="0"/>
+                        <a:t>with simple list</a:t>
+                      </a:r>
+                      <a:endParaRPr lang="en-US" sz="2400" b="0" u="none" dirty="0" smtClean="0"/>
+                    </a:p>
+                  </a:txBody>
+                  <a:tcPr anchor="ctr"/>
+                </a:tc>
+                <a:tc>
+                  <a:txBody>
+                    <a:bodyPr/>
+                    <a:lstStyle/>
+                    <a:p>
+                      <a:r>
+                        <a:rPr lang="en-US" sz="2400" u="none" dirty="0"/>
+                        <a:t>O(V</a:t>
                       </a:r>
                       <a:r>
-                        <a:rPr lang="pt-BR" sz="2400" b="0" u="none" dirty="0"/>
-                        <a:t>(</a:t>
+                        <a:rPr lang="en-US" sz="2400" u="none" baseline="30000" dirty="0"/>
+                        <a:t>2</a:t>
                       </a:r>
                       <a:r>
-                        <a:rPr lang="pt-BR" sz="2400" b="0" i="1" u="none" dirty="0"/>
-                        <a:t>E</a:t>
-                      </a:r>
-                      <a:r>
-                        <a:rPr lang="pt-BR" sz="2400" b="0" u="none" dirty="0"/>
-                        <a:t> + </a:t>
-                      </a:r>
-                      <a:r>
-                        <a:rPr lang="pt-BR" sz="2400" b="0" i="1" u="none" dirty="0"/>
-                        <a:t>V</a:t>
-                      </a:r>
-                      <a:r>
-                        <a:rPr lang="pt-BR" sz="2400" b="0" u="none" dirty="0"/>
-                        <a:t> log log </a:t>
-                      </a:r>
-                      <a:r>
-                        <a:rPr lang="pt-BR" sz="2400" b="0" i="1" u="none" dirty="0"/>
-                        <a:t>V</a:t>
-                      </a:r>
-                      <a:r>
-                        <a:rPr lang="pt-BR" sz="2400" b="0" u="none" dirty="0"/>
+                        <a:rPr lang="en-US" sz="2400" u="none" dirty="0"/>
                         <a:t>)</a:t>
                       </a:r>
+                      <a:endParaRPr lang="en-US" sz="2400" b="0" u="none" dirty="0"/>
                     </a:p>
                   </a:txBody>
                   <a:tcPr anchor="ctr"/>
                 </a:tc>
                 <a:extLst>
                   <a:ext uri="{0D108BD9-81ED-4DB2-BD59-A6C34878D82A}">
-                    <a16:rowId xmlns:a16="http://schemas.microsoft.com/office/drawing/2014/main" xmlns="" val="1987395029"/>
+                    <a16:rowId xmlns="" xmlns:a16="http://schemas.microsoft.com/office/drawing/2014/main" val="1167176512"/>
+                  </a:ext>
+                </a:extLst>
+              </a:tr>
+              <a:tr h="848977">
+                <a:tc vMerge="1">
+                  <a:txBody>
+                    <a:bodyPr/>
+                    <a:lstStyle/>
+                    <a:p>
+                      <a:endParaRPr lang="en-US" sz="2400" b="0" u="none" dirty="0"/>
+                    </a:p>
+                  </a:txBody>
+                  <a:tcPr anchor="ctr"/>
+                </a:tc>
+                <a:tc>
+                  <a:txBody>
+                    <a:bodyPr/>
+                    <a:lstStyle/>
+                    <a:p>
+                      <a:pPr marL="0" marR="0" indent="0" algn="l" defTabSz="914400" rtl="0" eaLnBrk="1" fontAlgn="auto" latinLnBrk="0" hangingPunct="1">
+                        <a:lnSpc>
+                          <a:spcPct val="100000"/>
+                        </a:lnSpc>
+                        <a:spcBef>
+                          <a:spcPts val="0"/>
+                        </a:spcBef>
+                        <a:spcAft>
+                          <a:spcPts val="0"/>
+                        </a:spcAft>
+                        <a:buClrTx/>
+                        <a:buSzTx/>
+                        <a:buFontTx/>
+                        <a:buNone/>
+                        <a:tabLst/>
+                        <a:defRPr/>
+                      </a:pPr>
+                      <a:r>
+                        <a:rPr lang="en-US" sz="2400" u="none" dirty="0" smtClean="0"/>
+                        <a:t>with binary heap</a:t>
+                      </a:r>
+                      <a:endParaRPr lang="en-US" sz="2400" b="0" u="none" dirty="0" smtClean="0"/>
+                    </a:p>
+                  </a:txBody>
+                  <a:tcPr anchor="ctr"/>
+                </a:tc>
+                <a:tc>
+                  <a:txBody>
+                    <a:bodyPr/>
+                    <a:lstStyle/>
+                    <a:p>
+                      <a:r>
+                        <a:rPr lang="pt-BR" sz="2400" u="none" dirty="0"/>
+                        <a:t>O(Elog V + Vlog V)</a:t>
+                      </a:r>
+                      <a:endParaRPr lang="pt-BR" sz="2400" b="0" u="none" dirty="0"/>
+                    </a:p>
+                  </a:txBody>
+                  <a:tcPr anchor="ctr"/>
+                </a:tc>
+                <a:extLst>
+                  <a:ext uri="{0D108BD9-81ED-4DB2-BD59-A6C34878D82A}">
+                    <a16:rowId xmlns="" xmlns:a16="http://schemas.microsoft.com/office/drawing/2014/main" val="1924488393"/>
+                  </a:ext>
+                </a:extLst>
+              </a:tr>
+              <a:tr h="479857">
+                <a:tc vMerge="1">
+                  <a:txBody>
+                    <a:bodyPr/>
+                    <a:lstStyle/>
+                    <a:p>
+                      <a:endParaRPr lang="en-US" sz="2400" b="0" u="none" dirty="0"/>
+                    </a:p>
+                  </a:txBody>
+                  <a:tcPr anchor="ctr"/>
+                </a:tc>
+                <a:tc>
+                  <a:txBody>
+                    <a:bodyPr/>
+                    <a:lstStyle/>
+                    <a:p>
+                      <a:pPr marL="0" marR="0" indent="0" algn="l" defTabSz="914400" rtl="0" eaLnBrk="1" fontAlgn="auto" latinLnBrk="0" hangingPunct="1">
+                        <a:lnSpc>
+                          <a:spcPct val="100000"/>
+                        </a:lnSpc>
+                        <a:spcBef>
+                          <a:spcPts val="0"/>
+                        </a:spcBef>
+                        <a:spcAft>
+                          <a:spcPts val="0"/>
+                        </a:spcAft>
+                        <a:buClrTx/>
+                        <a:buSzTx/>
+                        <a:buFontTx/>
+                        <a:buNone/>
+                        <a:tabLst/>
+                        <a:defRPr/>
+                      </a:pPr>
+                      <a:r>
+                        <a:rPr lang="en-US" sz="2400" u="none" dirty="0" smtClean="0"/>
+                        <a:t>with Fibonacci heap</a:t>
+                      </a:r>
+                      <a:endParaRPr lang="en-US" sz="2400" b="0" u="none" dirty="0" smtClean="0"/>
+                    </a:p>
+                  </a:txBody>
+                  <a:tcPr anchor="ctr"/>
+                </a:tc>
+                <a:tc>
+                  <a:txBody>
+                    <a:bodyPr/>
+                    <a:lstStyle/>
+                    <a:p>
+                      <a:r>
+                        <a:rPr lang="en-US" sz="2400" u="none" dirty="0"/>
+                        <a:t>O(E + V log V)</a:t>
+                      </a:r>
+                      <a:endParaRPr lang="en-US" sz="2400" b="1" u="none" dirty="0"/>
+                    </a:p>
+                  </a:txBody>
+                  <a:tcPr anchor="ctr"/>
+                </a:tc>
+                <a:extLst>
+                  <a:ext uri="{0D108BD9-81ED-4DB2-BD59-A6C34878D82A}">
+                    <a16:rowId xmlns="" xmlns:a16="http://schemas.microsoft.com/office/drawing/2014/main" val="1136071064"/>
+                  </a:ext>
+                </a:extLst>
+              </a:tr>
+              <a:tr h="479857">
+                <a:tc gridSpan="2">
+                  <a:txBody>
+                    <a:bodyPr/>
+                    <a:lstStyle/>
+                    <a:p>
+                      <a:r>
+                        <a:rPr lang="en-US" sz="2400" u="none" dirty="0" err="1"/>
+                        <a:t>Thorup</a:t>
+                      </a:r>
+                      <a:endParaRPr lang="en-US" sz="2400" b="0" u="none" dirty="0"/>
+                    </a:p>
+                  </a:txBody>
+                  <a:tcPr anchor="ctr"/>
+                </a:tc>
+                <a:tc hMerge="1">
+                  <a:txBody>
+                    <a:bodyPr/>
+                    <a:lstStyle/>
+                    <a:p>
+                      <a:endParaRPr lang="en-US" sz="2400" b="0" u="none" dirty="0"/>
+                    </a:p>
+                  </a:txBody>
+                  <a:tcPr anchor="ctr"/>
+                </a:tc>
+                <a:tc>
+                  <a:txBody>
+                    <a:bodyPr/>
+                    <a:lstStyle/>
+                    <a:p>
+                      <a:r>
+                        <a:rPr lang="pt-BR" sz="2400" u="none" dirty="0"/>
+                        <a:t>O(E + V log log V)</a:t>
+                      </a:r>
+                      <a:endParaRPr lang="pt-BR" sz="2400" b="0" u="none" dirty="0"/>
+                    </a:p>
+                  </a:txBody>
+                  <a:tcPr anchor="ctr"/>
+                </a:tc>
+                <a:extLst>
+                  <a:ext uri="{0D108BD9-81ED-4DB2-BD59-A6C34878D82A}">
+                    <a16:rowId xmlns="" xmlns:a16="http://schemas.microsoft.com/office/drawing/2014/main" val="1987395029"/>
                   </a:ext>
                 </a:extLst>
               </a:tr>
@@ -11099,63 +11123,63 @@
                 <a:gridCol w="903111">
                   <a:extLst>
                     <a:ext uri="{9D8B030D-6E8A-4147-A177-3AD203B41FA5}">
-                      <a16:colId xmlns="" xmlns:a16="http://schemas.microsoft.com/office/drawing/2014/main" val="3768515305"/>
+                      <a16:colId xmlns:a16="http://schemas.microsoft.com/office/drawing/2014/main" xmlns="" val="3768515305"/>
                     </a:ext>
                   </a:extLst>
                 </a:gridCol>
                 <a:gridCol w="903111">
                   <a:extLst>
                     <a:ext uri="{9D8B030D-6E8A-4147-A177-3AD203B41FA5}">
-                      <a16:colId xmlns="" xmlns:a16="http://schemas.microsoft.com/office/drawing/2014/main" val="1028584944"/>
+                      <a16:colId xmlns:a16="http://schemas.microsoft.com/office/drawing/2014/main" xmlns="" val="1028584944"/>
                     </a:ext>
                   </a:extLst>
                 </a:gridCol>
                 <a:gridCol w="903111">
                   <a:extLst>
                     <a:ext uri="{9D8B030D-6E8A-4147-A177-3AD203B41FA5}">
-                      <a16:colId xmlns="" xmlns:a16="http://schemas.microsoft.com/office/drawing/2014/main" val="1152933212"/>
+                      <a16:colId xmlns:a16="http://schemas.microsoft.com/office/drawing/2014/main" xmlns="" val="1152933212"/>
                     </a:ext>
                   </a:extLst>
                 </a:gridCol>
                 <a:gridCol w="903111">
                   <a:extLst>
                     <a:ext uri="{9D8B030D-6E8A-4147-A177-3AD203B41FA5}">
-                      <a16:colId xmlns="" xmlns:a16="http://schemas.microsoft.com/office/drawing/2014/main" val="3604353940"/>
+                      <a16:colId xmlns:a16="http://schemas.microsoft.com/office/drawing/2014/main" xmlns="" val="3604353940"/>
                     </a:ext>
                   </a:extLst>
                 </a:gridCol>
                 <a:gridCol w="903111">
                   <a:extLst>
                     <a:ext uri="{9D8B030D-6E8A-4147-A177-3AD203B41FA5}">
-                      <a16:colId xmlns="" xmlns:a16="http://schemas.microsoft.com/office/drawing/2014/main" val="2526786017"/>
+                      <a16:colId xmlns:a16="http://schemas.microsoft.com/office/drawing/2014/main" xmlns="" val="2526786017"/>
                     </a:ext>
                   </a:extLst>
                 </a:gridCol>
                 <a:gridCol w="903111">
                   <a:extLst>
                     <a:ext uri="{9D8B030D-6E8A-4147-A177-3AD203B41FA5}">
-                      <a16:colId xmlns="" xmlns:a16="http://schemas.microsoft.com/office/drawing/2014/main" val="572910680"/>
+                      <a16:colId xmlns:a16="http://schemas.microsoft.com/office/drawing/2014/main" xmlns="" val="572910680"/>
                     </a:ext>
                   </a:extLst>
                 </a:gridCol>
                 <a:gridCol w="903111">
                   <a:extLst>
                     <a:ext uri="{9D8B030D-6E8A-4147-A177-3AD203B41FA5}">
-                      <a16:colId xmlns="" xmlns:a16="http://schemas.microsoft.com/office/drawing/2014/main" val="312265865"/>
+                      <a16:colId xmlns:a16="http://schemas.microsoft.com/office/drawing/2014/main" xmlns="" val="312265865"/>
                     </a:ext>
                   </a:extLst>
                 </a:gridCol>
                 <a:gridCol w="903111">
                   <a:extLst>
                     <a:ext uri="{9D8B030D-6E8A-4147-A177-3AD203B41FA5}">
-                      <a16:colId xmlns="" xmlns:a16="http://schemas.microsoft.com/office/drawing/2014/main" val="2944465246"/>
+                      <a16:colId xmlns:a16="http://schemas.microsoft.com/office/drawing/2014/main" xmlns="" val="2944465246"/>
                     </a:ext>
                   </a:extLst>
                 </a:gridCol>
                 <a:gridCol w="903111">
                   <a:extLst>
                     <a:ext uri="{9D8B030D-6E8A-4147-A177-3AD203B41FA5}">
-                      <a16:colId xmlns="" xmlns:a16="http://schemas.microsoft.com/office/drawing/2014/main" val="330243223"/>
+                      <a16:colId xmlns:a16="http://schemas.microsoft.com/office/drawing/2014/main" xmlns="" val="330243223"/>
                     </a:ext>
                   </a:extLst>
                 </a:gridCol>
@@ -11298,7 +11322,7 @@
                 </a:tc>
                 <a:extLst>
                   <a:ext uri="{0D108BD9-81ED-4DB2-BD59-A6C34878D82A}">
-                    <a16:rowId xmlns="" xmlns:a16="http://schemas.microsoft.com/office/drawing/2014/main" val="3496744164"/>
+                    <a16:rowId xmlns:a16="http://schemas.microsoft.com/office/drawing/2014/main" xmlns="" val="3496744164"/>
                   </a:ext>
                 </a:extLst>
               </a:tr>
@@ -11330,63 +11354,63 @@
                 <a:gridCol w="903111">
                   <a:extLst>
                     <a:ext uri="{9D8B030D-6E8A-4147-A177-3AD203B41FA5}">
-                      <a16:colId xmlns="" xmlns:a16="http://schemas.microsoft.com/office/drawing/2014/main" val="4119996233"/>
+                      <a16:colId xmlns:a16="http://schemas.microsoft.com/office/drawing/2014/main" xmlns="" val="4119996233"/>
                     </a:ext>
                   </a:extLst>
                 </a:gridCol>
                 <a:gridCol w="903111">
                   <a:extLst>
                     <a:ext uri="{9D8B030D-6E8A-4147-A177-3AD203B41FA5}">
-                      <a16:colId xmlns="" xmlns:a16="http://schemas.microsoft.com/office/drawing/2014/main" val="1070340195"/>
+                      <a16:colId xmlns:a16="http://schemas.microsoft.com/office/drawing/2014/main" xmlns="" val="1070340195"/>
                     </a:ext>
                   </a:extLst>
                 </a:gridCol>
                 <a:gridCol w="903111">
                   <a:extLst>
                     <a:ext uri="{9D8B030D-6E8A-4147-A177-3AD203B41FA5}">
-                      <a16:colId xmlns="" xmlns:a16="http://schemas.microsoft.com/office/drawing/2014/main" val="3941907352"/>
+                      <a16:colId xmlns:a16="http://schemas.microsoft.com/office/drawing/2014/main" xmlns="" val="3941907352"/>
                     </a:ext>
                   </a:extLst>
                 </a:gridCol>
                 <a:gridCol w="903111">
                   <a:extLst>
                     <a:ext uri="{9D8B030D-6E8A-4147-A177-3AD203B41FA5}">
-                      <a16:colId xmlns="" xmlns:a16="http://schemas.microsoft.com/office/drawing/2014/main" val="2395333118"/>
+                      <a16:colId xmlns:a16="http://schemas.microsoft.com/office/drawing/2014/main" xmlns="" val="2395333118"/>
                     </a:ext>
                   </a:extLst>
                 </a:gridCol>
                 <a:gridCol w="903111">
                   <a:extLst>
                     <a:ext uri="{9D8B030D-6E8A-4147-A177-3AD203B41FA5}">
-                      <a16:colId xmlns="" xmlns:a16="http://schemas.microsoft.com/office/drawing/2014/main" val="1701410760"/>
+                      <a16:colId xmlns:a16="http://schemas.microsoft.com/office/drawing/2014/main" xmlns="" val="1701410760"/>
                     </a:ext>
                   </a:extLst>
                 </a:gridCol>
                 <a:gridCol w="903111">
                   <a:extLst>
                     <a:ext uri="{9D8B030D-6E8A-4147-A177-3AD203B41FA5}">
-                      <a16:colId xmlns="" xmlns:a16="http://schemas.microsoft.com/office/drawing/2014/main" val="156687452"/>
+                      <a16:colId xmlns:a16="http://schemas.microsoft.com/office/drawing/2014/main" xmlns="" val="156687452"/>
                     </a:ext>
                   </a:extLst>
                 </a:gridCol>
                 <a:gridCol w="903111">
                   <a:extLst>
                     <a:ext uri="{9D8B030D-6E8A-4147-A177-3AD203B41FA5}">
-                      <a16:colId xmlns="" xmlns:a16="http://schemas.microsoft.com/office/drawing/2014/main" val="1824856989"/>
+                      <a16:colId xmlns:a16="http://schemas.microsoft.com/office/drawing/2014/main" xmlns="" val="1824856989"/>
                     </a:ext>
                   </a:extLst>
                 </a:gridCol>
                 <a:gridCol w="903111">
                   <a:extLst>
                     <a:ext uri="{9D8B030D-6E8A-4147-A177-3AD203B41FA5}">
-                      <a16:colId xmlns="" xmlns:a16="http://schemas.microsoft.com/office/drawing/2014/main" val="938465116"/>
+                      <a16:colId xmlns:a16="http://schemas.microsoft.com/office/drawing/2014/main" xmlns="" val="938465116"/>
                     </a:ext>
                   </a:extLst>
                 </a:gridCol>
                 <a:gridCol w="903111">
                   <a:extLst>
                     <a:ext uri="{9D8B030D-6E8A-4147-A177-3AD203B41FA5}">
-                      <a16:colId xmlns="" xmlns:a16="http://schemas.microsoft.com/office/drawing/2014/main" val="2318553261"/>
+                      <a16:colId xmlns:a16="http://schemas.microsoft.com/office/drawing/2014/main" xmlns="" val="2318553261"/>
                     </a:ext>
                   </a:extLst>
                 </a:gridCol>
@@ -11529,7 +11553,7 @@
                 </a:tc>
                 <a:extLst>
                   <a:ext uri="{0D108BD9-81ED-4DB2-BD59-A6C34878D82A}">
-                    <a16:rowId xmlns="" xmlns:a16="http://schemas.microsoft.com/office/drawing/2014/main" val="2975690928"/>
+                    <a16:rowId xmlns:a16="http://schemas.microsoft.com/office/drawing/2014/main" xmlns="" val="2975690928"/>
                   </a:ext>
                 </a:extLst>
               </a:tr>
@@ -12651,35 +12675,35 @@
                 <a:gridCol w="548018">
                   <a:extLst>
                     <a:ext uri="{9D8B030D-6E8A-4147-A177-3AD203B41FA5}">
-                      <a16:colId xmlns="" xmlns:a16="http://schemas.microsoft.com/office/drawing/2014/main" val="1607120837"/>
+                      <a16:colId xmlns:a16="http://schemas.microsoft.com/office/drawing/2014/main" xmlns="" val="1607120837"/>
                     </a:ext>
                   </a:extLst>
                 </a:gridCol>
                 <a:gridCol w="1356667">
                   <a:extLst>
                     <a:ext uri="{9D8B030D-6E8A-4147-A177-3AD203B41FA5}">
-                      <a16:colId xmlns="" xmlns:a16="http://schemas.microsoft.com/office/drawing/2014/main" val="626144090"/>
+                      <a16:colId xmlns:a16="http://schemas.microsoft.com/office/drawing/2014/main" xmlns="" val="626144090"/>
                     </a:ext>
                   </a:extLst>
                 </a:gridCol>
                 <a:gridCol w="1325531">
                   <a:extLst>
                     <a:ext uri="{9D8B030D-6E8A-4147-A177-3AD203B41FA5}">
-                      <a16:colId xmlns="" xmlns:a16="http://schemas.microsoft.com/office/drawing/2014/main" val="2223628275"/>
+                      <a16:colId xmlns:a16="http://schemas.microsoft.com/office/drawing/2014/main" xmlns="" val="2223628275"/>
                     </a:ext>
                   </a:extLst>
                 </a:gridCol>
                 <a:gridCol w="1248195">
                   <a:extLst>
                     <a:ext uri="{9D8B030D-6E8A-4147-A177-3AD203B41FA5}">
-                      <a16:colId xmlns="" xmlns:a16="http://schemas.microsoft.com/office/drawing/2014/main" val="2482912693"/>
+                      <a16:colId xmlns:a16="http://schemas.microsoft.com/office/drawing/2014/main" xmlns="" val="2482912693"/>
                     </a:ext>
                   </a:extLst>
                 </a:gridCol>
                 <a:gridCol w="1455249">
                   <a:extLst>
                     <a:ext uri="{9D8B030D-6E8A-4147-A177-3AD203B41FA5}">
-                      <a16:colId xmlns="" xmlns:a16="http://schemas.microsoft.com/office/drawing/2014/main" val="3509293152"/>
+                      <a16:colId xmlns:a16="http://schemas.microsoft.com/office/drawing/2014/main" xmlns="" val="3509293152"/>
                     </a:ext>
                   </a:extLst>
                 </a:gridCol>
@@ -12775,7 +12799,7 @@
                 </a:tc>
                 <a:extLst>
                   <a:ext uri="{0D108BD9-81ED-4DB2-BD59-A6C34878D82A}">
-                    <a16:rowId xmlns="" xmlns:a16="http://schemas.microsoft.com/office/drawing/2014/main" val="401869647"/>
+                    <a16:rowId xmlns:a16="http://schemas.microsoft.com/office/drawing/2014/main" xmlns="" val="401869647"/>
                   </a:ext>
                 </a:extLst>
               </a:tr>
@@ -12881,7 +12905,7 @@
                 </a:tc>
                 <a:extLst>
                   <a:ext uri="{0D108BD9-81ED-4DB2-BD59-A6C34878D82A}">
-                    <a16:rowId xmlns="" xmlns:a16="http://schemas.microsoft.com/office/drawing/2014/main" val="4274244291"/>
+                    <a16:rowId xmlns:a16="http://schemas.microsoft.com/office/drawing/2014/main" xmlns="" val="4274244291"/>
                   </a:ext>
                 </a:extLst>
               </a:tr>
@@ -12982,7 +13006,7 @@
                 </a:tc>
                 <a:extLst>
                   <a:ext uri="{0D108BD9-81ED-4DB2-BD59-A6C34878D82A}">
-                    <a16:rowId xmlns="" xmlns:a16="http://schemas.microsoft.com/office/drawing/2014/main" val="327160521"/>
+                    <a16:rowId xmlns:a16="http://schemas.microsoft.com/office/drawing/2014/main" xmlns="" val="327160521"/>
                   </a:ext>
                 </a:extLst>
               </a:tr>
@@ -13089,7 +13113,7 @@
                 </a:tc>
                 <a:extLst>
                   <a:ext uri="{0D108BD9-81ED-4DB2-BD59-A6C34878D82A}">
-                    <a16:rowId xmlns="" xmlns:a16="http://schemas.microsoft.com/office/drawing/2014/main" val="3814862877"/>
+                    <a16:rowId xmlns:a16="http://schemas.microsoft.com/office/drawing/2014/main" xmlns="" val="3814862877"/>
                   </a:ext>
                 </a:extLst>
               </a:tr>
@@ -13190,7 +13214,7 @@
                 </a:tc>
                 <a:extLst>
                   <a:ext uri="{0D108BD9-81ED-4DB2-BD59-A6C34878D82A}">
-                    <a16:rowId xmlns="" xmlns:a16="http://schemas.microsoft.com/office/drawing/2014/main" val="3832375577"/>
+                    <a16:rowId xmlns:a16="http://schemas.microsoft.com/office/drawing/2014/main" xmlns="" val="3832375577"/>
                   </a:ext>
                 </a:extLst>
               </a:tr>

--- a/Assignment3_DSA.pptx
+++ b/Assignment3_DSA.pptx
@@ -14,26 +14,34 @@
     <p:sldId id="286" r:id="rId8"/>
     <p:sldId id="259" r:id="rId9"/>
     <p:sldId id="260" r:id="rId10"/>
-    <p:sldId id="265" r:id="rId11"/>
-    <p:sldId id="280" r:id="rId12"/>
-    <p:sldId id="261" r:id="rId13"/>
-    <p:sldId id="272" r:id="rId14"/>
-    <p:sldId id="273" r:id="rId15"/>
-    <p:sldId id="274" r:id="rId16"/>
-    <p:sldId id="275" r:id="rId17"/>
-    <p:sldId id="276" r:id="rId18"/>
-    <p:sldId id="277" r:id="rId19"/>
-    <p:sldId id="278" r:id="rId20"/>
-    <p:sldId id="281" r:id="rId21"/>
-    <p:sldId id="282" r:id="rId22"/>
-    <p:sldId id="287" r:id="rId23"/>
-    <p:sldId id="288" r:id="rId24"/>
-    <p:sldId id="290" r:id="rId25"/>
-    <p:sldId id="291" r:id="rId26"/>
-    <p:sldId id="289" r:id="rId27"/>
+    <p:sldId id="292" r:id="rId11"/>
+    <p:sldId id="293" r:id="rId12"/>
+    <p:sldId id="294" r:id="rId13"/>
+    <p:sldId id="295" r:id="rId14"/>
+    <p:sldId id="296" r:id="rId15"/>
+    <p:sldId id="297" r:id="rId16"/>
+    <p:sldId id="298" r:id="rId17"/>
+    <p:sldId id="299" r:id="rId18"/>
+    <p:sldId id="300" r:id="rId19"/>
+    <p:sldId id="301" r:id="rId20"/>
+    <p:sldId id="302" r:id="rId21"/>
+    <p:sldId id="303" r:id="rId22"/>
+    <p:sldId id="304" r:id="rId23"/>
+    <p:sldId id="305" r:id="rId24"/>
+    <p:sldId id="306" r:id="rId25"/>
+    <p:sldId id="307" r:id="rId26"/>
+    <p:sldId id="308" r:id="rId27"/>
+    <p:sldId id="287" r:id="rId28"/>
+    <p:sldId id="288" r:id="rId29"/>
+    <p:sldId id="290" r:id="rId30"/>
+    <p:sldId id="291" r:id="rId31"/>
+    <p:sldId id="289" r:id="rId32"/>
   </p:sldIdLst>
   <p:sldSz cx="12192000" cy="6858000"/>
   <p:notesSz cx="6858000" cy="9144000"/>
+  <p:custDataLst>
+    <p:tags r:id="rId33"/>
+  </p:custDataLst>
   <p:defaultTextStyle>
     <a:defPPr>
       <a:defRPr lang="en-US"/>
@@ -131,7 +139,7 @@
   </p:defaultTextStyle>
   <p:extLst>
     <p:ext uri="{EFAFB233-063F-42B5-8137-9DF3F51BA10A}">
-      <p15:sldGuideLst xmlns:p15="http://schemas.microsoft.com/office/powerpoint/2012/main"/>
+      <p15:sldGuideLst xmlns:p15="http://schemas.microsoft.com/office/powerpoint/2012/main" xmlns=""/>
     </p:ext>
   </p:extLst>
 </p:presentation>
@@ -2704,7 +2712,7 @@
           <a:spcPct val="0"/>
         </a:spcBef>
         <a:buNone/>
-        <a:defRPr sz="4400" kern="1200">
+        <a:defRPr sz="4400" b="0" i="0" u="none" kern="1200">
           <a:solidFill>
             <a:schemeClr val="tx1"/>
           </a:solidFill>
@@ -2742,7 +2750,7 @@
         </a:spcBef>
         <a:buFont typeface="Arial" panose="020B0604020202020204" pitchFamily="34" charset="0"/>
         <a:buChar char="•"/>
-        <a:defRPr sz="2400" kern="1200">
+        <a:defRPr sz="2400" b="0" i="0" u="none" kern="1200">
           <a:solidFill>
             <a:schemeClr val="tx1"/>
           </a:solidFill>
@@ -3324,7 +3332,7 @@
     </p:spTree>
     <p:extLst>
       <p:ext uri="{BB962C8B-B14F-4D97-AF65-F5344CB8AC3E}">
-        <p14:creationId xmlns:p14="http://schemas.microsoft.com/office/powerpoint/2010/main" val="1566212055"/>
+        <p14:creationId xmlns:p14="http://schemas.microsoft.com/office/powerpoint/2010/main" val="2025064388"/>
       </p:ext>
     </p:extLst>
   </p:cSld>
@@ -3726,7 +3734,7 @@
     </p:spTree>
     <p:extLst>
       <p:ext uri="{BB962C8B-B14F-4D97-AF65-F5344CB8AC3E}">
-        <p14:creationId xmlns:p14="http://schemas.microsoft.com/office/powerpoint/2010/main" val="1526804709"/>
+        <p14:creationId xmlns:p14="http://schemas.microsoft.com/office/powerpoint/2010/main" val="4169549037"/>
       </p:ext>
     </p:extLst>
   </p:cSld>
@@ -4041,7 +4049,7 @@
     </p:spTree>
     <p:extLst>
       <p:ext uri="{BB962C8B-B14F-4D97-AF65-F5344CB8AC3E}">
-        <p14:creationId xmlns:p14="http://schemas.microsoft.com/office/powerpoint/2010/main" val="2278312037"/>
+        <p14:creationId xmlns:p14="http://schemas.microsoft.com/office/powerpoint/2010/main" val="3342400803"/>
       </p:ext>
     </p:extLst>
   </p:cSld>
@@ -4327,7 +4335,7 @@
     </p:spTree>
     <p:extLst>
       <p:ext uri="{BB962C8B-B14F-4D97-AF65-F5344CB8AC3E}">
-        <p14:creationId xmlns:p14="http://schemas.microsoft.com/office/powerpoint/2010/main" val="3543388651"/>
+        <p14:creationId xmlns:p14="http://schemas.microsoft.com/office/powerpoint/2010/main" val="4271929995"/>
       </p:ext>
     </p:extLst>
   </p:cSld>
@@ -4637,7 +4645,7 @@
     </p:spTree>
     <p:extLst>
       <p:ext uri="{BB962C8B-B14F-4D97-AF65-F5344CB8AC3E}">
-        <p14:creationId xmlns:p14="http://schemas.microsoft.com/office/powerpoint/2010/main" val="2618317235"/>
+        <p14:creationId xmlns:p14="http://schemas.microsoft.com/office/powerpoint/2010/main" val="1564232177"/>
       </p:ext>
     </p:extLst>
   </p:cSld>
@@ -4907,7 +4915,7 @@
     </p:spTree>
     <p:extLst>
       <p:ext uri="{BB962C8B-B14F-4D97-AF65-F5344CB8AC3E}">
-        <p14:creationId xmlns:p14="http://schemas.microsoft.com/office/powerpoint/2010/main" val="3112528591"/>
+        <p14:creationId xmlns:p14="http://schemas.microsoft.com/office/powerpoint/2010/main" val="3235528033"/>
       </p:ext>
     </p:extLst>
   </p:cSld>
@@ -5201,7 +5209,7 @@
     </p:spTree>
     <p:extLst>
       <p:ext uri="{BB962C8B-B14F-4D97-AF65-F5344CB8AC3E}">
-        <p14:creationId xmlns:p14="http://schemas.microsoft.com/office/powerpoint/2010/main" val="2450195347"/>
+        <p14:creationId xmlns:p14="http://schemas.microsoft.com/office/powerpoint/2010/main" val="1493622118"/>
       </p:ext>
     </p:extLst>
   </p:cSld>
@@ -5534,7 +5542,7 @@
     </p:spTree>
     <p:extLst>
       <p:ext uri="{BB962C8B-B14F-4D97-AF65-F5344CB8AC3E}">
-        <p14:creationId xmlns:p14="http://schemas.microsoft.com/office/powerpoint/2010/main" val="3755680243"/>
+        <p14:creationId xmlns:p14="http://schemas.microsoft.com/office/powerpoint/2010/main" val="1920265812"/>
       </p:ext>
     </p:extLst>
   </p:cSld>
@@ -6085,7 +6093,7 @@
     </p:spTree>
     <p:extLst>
       <p:ext uri="{BB962C8B-B14F-4D97-AF65-F5344CB8AC3E}">
-        <p14:creationId xmlns:p14="http://schemas.microsoft.com/office/powerpoint/2010/main" val="2203378127"/>
+        <p14:creationId xmlns:p14="http://schemas.microsoft.com/office/powerpoint/2010/main" val="355197929"/>
       </p:ext>
     </p:extLst>
   </p:cSld>
@@ -6666,7 +6674,7 @@
     </p:spTree>
     <p:extLst>
       <p:ext uri="{BB962C8B-B14F-4D97-AF65-F5344CB8AC3E}">
-        <p14:creationId xmlns:p14="http://schemas.microsoft.com/office/powerpoint/2010/main" val="850533115"/>
+        <p14:creationId xmlns:p14="http://schemas.microsoft.com/office/powerpoint/2010/main" val="3133505481"/>
       </p:ext>
     </p:extLst>
   </p:cSld>
@@ -6827,7 +6835,7 @@
       </p:grpSpPr>
       <p:pic>
         <p:nvPicPr>
-          <p:cNvPr id="3" name="Picture 2"/>
+          <p:cNvPr id="4" name="Picture 3"/>
           <p:cNvPicPr>
             <a:picLocks noChangeAspect="1"/>
           </p:cNvPicPr>
@@ -6841,30 +6849,6 @@
         </p:blipFill>
         <p:spPr>
           <a:xfrm>
-            <a:off x="6642418" y="1942105"/>
-            <a:ext cx="4391638" cy="2457793"/>
-          </a:xfrm>
-          <a:prstGeom prst="rect">
-            <a:avLst/>
-          </a:prstGeom>
-        </p:spPr>
-      </p:pic>
-      <p:pic>
-        <p:nvPicPr>
-          <p:cNvPr id="4" name="Picture 3"/>
-          <p:cNvPicPr>
-            <a:picLocks noChangeAspect="1"/>
-          </p:cNvPicPr>
-          <p:nvPr/>
-        </p:nvPicPr>
-        <p:blipFill>
-          <a:blip r:embed="rId3"/>
-          <a:stretch>
-            <a:fillRect/>
-          </a:stretch>
-        </p:blipFill>
-        <p:spPr>
-          <a:xfrm>
             <a:off x="945212" y="1678496"/>
             <a:ext cx="5377463" cy="4283392"/>
           </a:xfrm>
@@ -6890,52 +6874,11 @@
           <a:p>
             <a:r>
               <a:rPr lang="en-US" dirty="0"/>
-              <a:t>C++ Code Sample – </a:t>
-            </a:r>
-            <a:r>
-              <a:rPr lang="en-US" dirty="0" smtClean="0"/>
-              <a:t>Go Back to Step </a:t>
-            </a:r>
-            <a:r>
-              <a:rPr lang="en-US" dirty="0"/>
-              <a:t>2</a:t>
-            </a:r>
-          </a:p>
-        </p:txBody>
-      </p:sp>
-      <p:cxnSp>
-        <p:nvCxnSpPr>
-          <p:cNvPr id="15" name="Straight Arrow Connector 14"/>
-          <p:cNvCxnSpPr/>
-          <p:nvPr/>
-        </p:nvCxnSpPr>
-        <p:spPr>
-          <a:xfrm>
-            <a:off x="451339" y="4459646"/>
-            <a:ext cx="644769" cy="0"/>
-          </a:xfrm>
-          <a:prstGeom prst="straightConnector1">
-            <a:avLst/>
-          </a:prstGeom>
-          <a:ln>
-            <a:tailEnd type="triangle"/>
-          </a:ln>
-        </p:spPr>
-        <p:style>
-          <a:lnRef idx="1">
-            <a:schemeClr val="accent1"/>
-          </a:lnRef>
-          <a:fillRef idx="0">
-            <a:schemeClr val="accent1"/>
-          </a:fillRef>
-          <a:effectRef idx="0">
-            <a:schemeClr val="accent1"/>
-          </a:effectRef>
-          <a:fontRef idx="minor">
-            <a:schemeClr val="tx1"/>
-          </a:fontRef>
-        </p:style>
-      </p:cxnSp>
+              <a:t>C++ Code Sample – Step 3</a:t>
+            </a:r>
+          </a:p>
+        </p:txBody>
+      </p:sp>
       <p:cxnSp>
         <p:nvCxnSpPr>
           <p:cNvPr id="18" name="Straight Connector 17"/>
@@ -6950,6 +6893,14 @@
           <a:prstGeom prst="line">
             <a:avLst/>
           </a:prstGeom>
+          <a:ln>
+            <a:solidFill>
+              <a:schemeClr val="accent1">
+                <a:lumMod val="20000"/>
+                <a:lumOff val="80000"/>
+              </a:schemeClr>
+            </a:solidFill>
+          </a:ln>
         </p:spPr>
         <p:style>
           <a:lnRef idx="1">
@@ -6974,8 +6925,8 @@
         </p:nvCxnSpPr>
         <p:spPr>
           <a:xfrm flipH="1">
-            <a:off x="4846085" y="3816276"/>
-            <a:ext cx="1659841" cy="10861"/>
+            <a:off x="4126239" y="4106066"/>
+            <a:ext cx="1570098" cy="184666"/>
           </a:xfrm>
           <a:prstGeom prst="straightConnector1">
             <a:avLst/>
@@ -7001,13 +6952,401 @@
       </p:cxnSp>
       <p:sp>
         <p:nvSpPr>
-          <p:cNvPr id="10" name="Oval 9"/>
+          <p:cNvPr id="12" name="Rectangle 11"/>
           <p:cNvSpPr/>
           <p:nvPr/>
         </p:nvSpPr>
         <p:spPr>
           <a:xfrm>
-            <a:off x="6901318" y="2974718"/>
+            <a:off x="5923755" y="4279871"/>
+            <a:ext cx="6107791" cy="1661993"/>
+          </a:xfrm>
+          <a:prstGeom prst="rect">
+            <a:avLst/>
+          </a:prstGeom>
+        </p:spPr>
+        <p:txBody>
+          <a:bodyPr wrap="square">
+            <a:spAutoFit/>
+          </a:bodyPr>
+          <a:lstStyle/>
+          <a:p>
+            <a:r>
+              <a:rPr lang="en-US" b="1" dirty="0">
+                <a:solidFill>
+                  <a:schemeClr val="tx1">
+                    <a:lumMod val="50000"/>
+                    <a:lumOff val="50000"/>
+                  </a:schemeClr>
+                </a:solidFill>
+              </a:rPr>
+              <a:t> </a:t>
+            </a:r>
+            <a:r>
+              <a:rPr lang="en-US" b="1" dirty="0" smtClean="0">
+                <a:solidFill>
+                  <a:schemeClr val="tx1">
+                    <a:lumMod val="50000"/>
+                    <a:lumOff val="50000"/>
+                  </a:schemeClr>
+                </a:solidFill>
+              </a:rPr>
+              <a:t>if</a:t>
+            </a:r>
+          </a:p>
+          <a:p>
+            <a:r>
+              <a:rPr lang="en-US" b="1" dirty="0" smtClean="0">
+                <a:solidFill>
+                  <a:schemeClr val="tx1">
+                    <a:lumMod val="50000"/>
+                    <a:lumOff val="50000"/>
+                  </a:schemeClr>
+                </a:solidFill>
+              </a:rPr>
+              <a:t>    </a:t>
+            </a:r>
+            <a:r>
+              <a:rPr lang="en-US" sz="1600" dirty="0" smtClean="0">
+                <a:solidFill>
+                  <a:schemeClr val="tx1">
+                    <a:lumMod val="50000"/>
+                    <a:lumOff val="50000"/>
+                  </a:schemeClr>
+                </a:solidFill>
+              </a:rPr>
+              <a:t>-</a:t>
+            </a:r>
+            <a:r>
+              <a:rPr lang="en-US" sz="1600" b="1" dirty="0" smtClean="0">
+                <a:solidFill>
+                  <a:schemeClr val="tx1">
+                    <a:lumMod val="50000"/>
+                    <a:lumOff val="50000"/>
+                  </a:schemeClr>
+                </a:solidFill>
+              </a:rPr>
+              <a:t> </a:t>
+            </a:r>
+            <a:r>
+              <a:rPr lang="en-US" sz="1600" dirty="0">
+                <a:solidFill>
+                  <a:schemeClr val="tx1">
+                    <a:lumMod val="50000"/>
+                    <a:lumOff val="50000"/>
+                  </a:schemeClr>
+                </a:solidFill>
+              </a:rPr>
+              <a:t>node</a:t>
+            </a:r>
+            <a:r>
+              <a:rPr lang="en-US" sz="1600" b="1" dirty="0">
+                <a:solidFill>
+                  <a:schemeClr val="tx1">
+                    <a:lumMod val="50000"/>
+                    <a:lumOff val="50000"/>
+                  </a:schemeClr>
+                </a:solidFill>
+              </a:rPr>
+              <a:t> </a:t>
+            </a:r>
+            <a:r>
+              <a:rPr lang="en-US" sz="1600" dirty="0">
+                <a:solidFill>
+                  <a:schemeClr val="tx1">
+                    <a:lumMod val="50000"/>
+                    <a:lumOff val="50000"/>
+                  </a:schemeClr>
+                </a:solidFill>
+              </a:rPr>
+              <a:t>is not yet visited</a:t>
+            </a:r>
+          </a:p>
+          <a:p>
+            <a:r>
+              <a:rPr lang="en-US" sz="1600" dirty="0" smtClean="0">
+                <a:solidFill>
+                  <a:schemeClr val="tx1">
+                    <a:lumMod val="50000"/>
+                    <a:lumOff val="50000"/>
+                  </a:schemeClr>
+                </a:solidFill>
+              </a:rPr>
+              <a:t>     - node is connected to another node (there is an edge from u to v )</a:t>
+            </a:r>
+          </a:p>
+          <a:p>
+            <a:r>
+              <a:rPr lang="en-US" sz="1600" dirty="0">
+                <a:solidFill>
+                  <a:schemeClr val="tx1">
+                    <a:lumMod val="50000"/>
+                    <a:lumOff val="50000"/>
+                  </a:schemeClr>
+                </a:solidFill>
+              </a:rPr>
+              <a:t> </a:t>
+            </a:r>
+            <a:r>
+              <a:rPr lang="en-US" sz="1600" dirty="0" smtClean="0">
+                <a:solidFill>
+                  <a:schemeClr val="tx1">
+                    <a:lumMod val="50000"/>
+                    <a:lumOff val="50000"/>
+                  </a:schemeClr>
+                </a:solidFill>
+              </a:rPr>
+              <a:t>    - the total weight of path from </a:t>
+            </a:r>
+            <a:r>
+              <a:rPr lang="en-US" sz="1600" dirty="0" err="1" smtClean="0">
+                <a:solidFill>
+                  <a:schemeClr val="tx1">
+                    <a:lumMod val="50000"/>
+                    <a:lumOff val="50000"/>
+                  </a:schemeClr>
+                </a:solidFill>
+              </a:rPr>
+              <a:t>src</a:t>
+            </a:r>
+            <a:r>
+              <a:rPr lang="en-US" sz="1600" dirty="0" smtClean="0">
+                <a:solidFill>
+                  <a:schemeClr val="tx1">
+                    <a:lumMod val="50000"/>
+                    <a:lumOff val="50000"/>
+                  </a:schemeClr>
+                </a:solidFill>
+              </a:rPr>
+              <a:t> to v through u is smaller that     </a:t>
+            </a:r>
+          </a:p>
+          <a:p>
+            <a:r>
+              <a:rPr lang="en-US" sz="1600" dirty="0">
+                <a:solidFill>
+                  <a:schemeClr val="tx1">
+                    <a:lumMod val="50000"/>
+                    <a:lumOff val="50000"/>
+                  </a:schemeClr>
+                </a:solidFill>
+              </a:rPr>
+              <a:t> </a:t>
+            </a:r>
+            <a:r>
+              <a:rPr lang="en-US" sz="1600" dirty="0" smtClean="0">
+                <a:solidFill>
+                  <a:schemeClr val="tx1">
+                    <a:lumMod val="50000"/>
+                    <a:lumOff val="50000"/>
+                  </a:schemeClr>
+                </a:solidFill>
+              </a:rPr>
+              <a:t>      current value of </a:t>
+            </a:r>
+            <a:r>
+              <a:rPr lang="en-US" sz="1600" dirty="0" err="1" smtClean="0">
+                <a:solidFill>
+                  <a:schemeClr val="tx1">
+                    <a:lumMod val="50000"/>
+                    <a:lumOff val="50000"/>
+                  </a:schemeClr>
+                </a:solidFill>
+              </a:rPr>
+              <a:t>dist</a:t>
+            </a:r>
+            <a:r>
+              <a:rPr lang="en-US" sz="1600" dirty="0" smtClean="0">
+                <a:solidFill>
+                  <a:schemeClr val="tx1">
+                    <a:lumMod val="50000"/>
+                    <a:lumOff val="50000"/>
+                  </a:schemeClr>
+                </a:solidFill>
+              </a:rPr>
+              <a:t>[v]</a:t>
+            </a:r>
+          </a:p>
+          <a:p>
+            <a:r>
+              <a:rPr lang="en-US" dirty="0">
+                <a:solidFill>
+                  <a:schemeClr val="tx1">
+                    <a:lumMod val="50000"/>
+                    <a:lumOff val="50000"/>
+                  </a:schemeClr>
+                </a:solidFill>
+              </a:rPr>
+              <a:t> </a:t>
+            </a:r>
+            <a:r>
+              <a:rPr lang="en-US" dirty="0" smtClean="0">
+                <a:solidFill>
+                  <a:schemeClr val="tx1">
+                    <a:lumMod val="50000"/>
+                    <a:lumOff val="50000"/>
+                  </a:schemeClr>
+                </a:solidFill>
+              </a:rPr>
+              <a:t>    </a:t>
+            </a:r>
+            <a:endParaRPr lang="en-US" dirty="0"/>
+          </a:p>
+        </p:txBody>
+      </p:sp>
+      <p:sp>
+        <p:nvSpPr>
+          <p:cNvPr id="5" name="Rectangle 4"/>
+          <p:cNvSpPr/>
+          <p:nvPr/>
+        </p:nvSpPr>
+        <p:spPr>
+          <a:xfrm>
+            <a:off x="5696337" y="3921400"/>
+            <a:ext cx="5980676" cy="369332"/>
+          </a:xfrm>
+          <a:prstGeom prst="rect">
+            <a:avLst/>
+          </a:prstGeom>
+        </p:spPr>
+        <p:txBody>
+          <a:bodyPr wrap="none">
+            <a:spAutoFit/>
+          </a:bodyPr>
+          <a:lstStyle/>
+          <a:p>
+            <a:r>
+              <a:rPr lang="en-US" dirty="0">
+                <a:solidFill>
+                  <a:schemeClr val="tx1">
+                    <a:lumMod val="50000"/>
+                    <a:lumOff val="50000"/>
+                  </a:schemeClr>
+                </a:solidFill>
+              </a:rPr>
+              <a:t>In this loop, we need to update </a:t>
+            </a:r>
+            <a:r>
+              <a:rPr lang="en-US" b="1" dirty="0" err="1">
+                <a:solidFill>
+                  <a:schemeClr val="tx1">
+                    <a:lumMod val="50000"/>
+                    <a:lumOff val="50000"/>
+                  </a:schemeClr>
+                </a:solidFill>
+              </a:rPr>
+              <a:t>dist</a:t>
+            </a:r>
+            <a:r>
+              <a:rPr lang="en-US" dirty="0">
+                <a:solidFill>
+                  <a:schemeClr val="tx1">
+                    <a:lumMod val="50000"/>
+                    <a:lumOff val="50000"/>
+                  </a:schemeClr>
+                </a:solidFill>
+              </a:rPr>
+              <a:t> ( array of shortest paths ) </a:t>
+            </a:r>
+          </a:p>
+        </p:txBody>
+      </p:sp>
+      <p:cxnSp>
+        <p:nvCxnSpPr>
+          <p:cNvPr id="17" name="Straight Connector 16"/>
+          <p:cNvCxnSpPr/>
+          <p:nvPr/>
+        </p:nvCxnSpPr>
+        <p:spPr>
+          <a:xfrm>
+            <a:off x="1562162" y="4279871"/>
+            <a:ext cx="0" cy="1096801"/>
+          </a:xfrm>
+          <a:prstGeom prst="line">
+            <a:avLst/>
+          </a:prstGeom>
+        </p:spPr>
+        <p:style>
+          <a:lnRef idx="1">
+            <a:schemeClr val="accent1"/>
+          </a:lnRef>
+          <a:fillRef idx="0">
+            <a:schemeClr val="accent1"/>
+          </a:fillRef>
+          <a:effectRef idx="0">
+            <a:schemeClr val="accent1"/>
+          </a:effectRef>
+          <a:fontRef idx="minor">
+            <a:schemeClr val="tx1"/>
+          </a:fontRef>
+        </p:style>
+      </p:cxnSp>
+      <p:cxnSp>
+        <p:nvCxnSpPr>
+          <p:cNvPr id="15" name="Straight Arrow Connector 14"/>
+          <p:cNvCxnSpPr/>
+          <p:nvPr/>
+        </p:nvCxnSpPr>
+        <p:spPr>
+          <a:xfrm>
+            <a:off x="451339" y="4459646"/>
+            <a:ext cx="1036993" cy="0"/>
+          </a:xfrm>
+          <a:prstGeom prst="straightConnector1">
+            <a:avLst/>
+          </a:prstGeom>
+          <a:ln>
+            <a:tailEnd type="triangle"/>
+          </a:ln>
+        </p:spPr>
+        <p:style>
+          <a:lnRef idx="1">
+            <a:schemeClr val="accent1"/>
+          </a:lnRef>
+          <a:fillRef idx="0">
+            <a:schemeClr val="accent1"/>
+          </a:fillRef>
+          <a:effectRef idx="0">
+            <a:schemeClr val="accent1"/>
+          </a:effectRef>
+          <a:fontRef idx="minor">
+            <a:schemeClr val="tx1"/>
+          </a:fontRef>
+        </p:style>
+      </p:cxnSp>
+      <p:pic>
+        <p:nvPicPr>
+          <p:cNvPr id="10" name="Picture 9"/>
+          <p:cNvPicPr>
+            <a:picLocks noChangeAspect="1"/>
+          </p:cNvPicPr>
+          <p:nvPr/>
+        </p:nvPicPr>
+        <p:blipFill>
+          <a:blip r:embed="rId3"/>
+          <a:stretch>
+            <a:fillRect/>
+          </a:stretch>
+        </p:blipFill>
+        <p:spPr>
+          <a:xfrm>
+            <a:off x="6108580" y="1374972"/>
+            <a:ext cx="4058216" cy="2248214"/>
+          </a:xfrm>
+          <a:prstGeom prst="rect">
+            <a:avLst/>
+          </a:prstGeom>
+        </p:spPr>
+      </p:pic>
+      <p:sp>
+        <p:nvSpPr>
+          <p:cNvPr id="11" name="Oval 10"/>
+          <p:cNvSpPr/>
+          <p:nvPr/>
+        </p:nvSpPr>
+        <p:spPr>
+          <a:xfrm>
+            <a:off x="6226059" y="2298017"/>
             <a:ext cx="603227" cy="548640"/>
           </a:xfrm>
           <a:prstGeom prst="ellipse">
@@ -7046,13 +7385,18 @@
         </p:nvSpPr>
         <p:spPr>
           <a:xfrm>
-            <a:off x="7598467" y="2312294"/>
+            <a:off x="6933630" y="1608495"/>
             <a:ext cx="603227" cy="548640"/>
           </a:xfrm>
           <a:prstGeom prst="ellipse">
             <a:avLst/>
           </a:prstGeom>
           <a:noFill/>
+          <a:ln>
+            <a:solidFill>
+              <a:schemeClr val="accent4"/>
+            </a:solidFill>
+          </a:ln>
         </p:spPr>
         <p:style>
           <a:lnRef idx="2">
@@ -7080,7 +7424,7 @@
     </p:spTree>
     <p:extLst>
       <p:ext uri="{BB962C8B-B14F-4D97-AF65-F5344CB8AC3E}">
-        <p14:creationId xmlns:p14="http://schemas.microsoft.com/office/powerpoint/2010/main" val="2074587072"/>
+        <p14:creationId xmlns:p14="http://schemas.microsoft.com/office/powerpoint/2010/main" val="1753778989"/>
       </p:ext>
     </p:extLst>
   </p:cSld>
@@ -7114,6 +7458,30 @@
           <a:chExt cx="0" cy="0"/>
         </a:xfrm>
       </p:grpSpPr>
+      <p:pic>
+        <p:nvPicPr>
+          <p:cNvPr id="4" name="Picture 3"/>
+          <p:cNvPicPr>
+            <a:picLocks noChangeAspect="1"/>
+          </p:cNvPicPr>
+          <p:nvPr/>
+        </p:nvPicPr>
+        <p:blipFill>
+          <a:blip r:embed="rId2"/>
+          <a:stretch>
+            <a:fillRect/>
+          </a:stretch>
+        </p:blipFill>
+        <p:spPr>
+          <a:xfrm>
+            <a:off x="945212" y="1678496"/>
+            <a:ext cx="5377463" cy="4283392"/>
+          </a:xfrm>
+          <a:prstGeom prst="rect">
+            <a:avLst/>
+          </a:prstGeom>
+        </p:spPr>
+      </p:pic>
       <p:sp>
         <p:nvSpPr>
           <p:cNvPr id="2" name="Title 1"/>
@@ -7131,340 +7499,667 @@
           <a:p>
             <a:r>
               <a:rPr lang="en-US" dirty="0"/>
-              <a:t>C++ Code Sample – </a:t>
-            </a:r>
-            <a:r>
-              <a:rPr lang="en-US" dirty="0" smtClean="0"/>
-              <a:t>Step 4 Print Solution</a:t>
+              <a:t>C++ Code Sample – Step 3</a:t>
+            </a:r>
+          </a:p>
+        </p:txBody>
+      </p:sp>
+      <p:cxnSp>
+        <p:nvCxnSpPr>
+          <p:cNvPr id="18" name="Straight Connector 17"/>
+          <p:cNvCxnSpPr/>
+          <p:nvPr/>
+        </p:nvCxnSpPr>
+        <p:spPr>
+          <a:xfrm>
+            <a:off x="1195754" y="3423125"/>
+            <a:ext cx="0" cy="1953547"/>
+          </a:xfrm>
+          <a:prstGeom prst="line">
+            <a:avLst/>
+          </a:prstGeom>
+          <a:ln>
+            <a:solidFill>
+              <a:schemeClr val="accent1">
+                <a:lumMod val="20000"/>
+                <a:lumOff val="80000"/>
+              </a:schemeClr>
+            </a:solidFill>
+          </a:ln>
+        </p:spPr>
+        <p:style>
+          <a:lnRef idx="1">
+            <a:schemeClr val="accent1"/>
+          </a:lnRef>
+          <a:fillRef idx="0">
+            <a:schemeClr val="accent1"/>
+          </a:fillRef>
+          <a:effectRef idx="0">
+            <a:schemeClr val="accent1"/>
+          </a:effectRef>
+          <a:fontRef idx="minor">
+            <a:schemeClr val="tx1"/>
+          </a:fontRef>
+        </p:style>
+      </p:cxnSp>
+      <p:cxnSp>
+        <p:nvCxnSpPr>
+          <p:cNvPr id="21" name="Straight Arrow Connector 20"/>
+          <p:cNvCxnSpPr/>
+          <p:nvPr/>
+        </p:nvCxnSpPr>
+        <p:spPr>
+          <a:xfrm flipH="1">
+            <a:off x="4126239" y="4106066"/>
+            <a:ext cx="1570098" cy="184666"/>
+          </a:xfrm>
+          <a:prstGeom prst="straightConnector1">
+            <a:avLst/>
+          </a:prstGeom>
+          <a:ln>
+            <a:tailEnd type="triangle"/>
+          </a:ln>
+        </p:spPr>
+        <p:style>
+          <a:lnRef idx="1">
+            <a:schemeClr val="accent1"/>
+          </a:lnRef>
+          <a:fillRef idx="0">
+            <a:schemeClr val="accent1"/>
+          </a:fillRef>
+          <a:effectRef idx="0">
+            <a:schemeClr val="accent1"/>
+          </a:effectRef>
+          <a:fontRef idx="minor">
+            <a:schemeClr val="tx1"/>
+          </a:fontRef>
+        </p:style>
+      </p:cxnSp>
+      <p:sp>
+        <p:nvSpPr>
+          <p:cNvPr id="12" name="Rectangle 11"/>
+          <p:cNvSpPr/>
+          <p:nvPr/>
+        </p:nvSpPr>
+        <p:spPr>
+          <a:xfrm>
+            <a:off x="5923755" y="4279871"/>
+            <a:ext cx="6107791" cy="1661993"/>
+          </a:xfrm>
+          <a:prstGeom prst="rect">
+            <a:avLst/>
+          </a:prstGeom>
+        </p:spPr>
+        <p:txBody>
+          <a:bodyPr wrap="square">
+            <a:spAutoFit/>
+          </a:bodyPr>
+          <a:lstStyle/>
+          <a:p>
+            <a:r>
+              <a:rPr lang="en-US" b="1" dirty="0">
+                <a:solidFill>
+                  <a:schemeClr val="tx1">
+                    <a:lumMod val="50000"/>
+                    <a:lumOff val="50000"/>
+                  </a:schemeClr>
+                </a:solidFill>
+              </a:rPr>
+              <a:t> </a:t>
+            </a:r>
+            <a:r>
+              <a:rPr lang="en-US" b="1" dirty="0" smtClean="0">
+                <a:solidFill>
+                  <a:schemeClr val="tx1">
+                    <a:lumMod val="50000"/>
+                    <a:lumOff val="50000"/>
+                  </a:schemeClr>
+                </a:solidFill>
+              </a:rPr>
+              <a:t>if</a:t>
+            </a:r>
+          </a:p>
+          <a:p>
+            <a:r>
+              <a:rPr lang="en-US" b="1" dirty="0" smtClean="0">
+                <a:solidFill>
+                  <a:schemeClr val="tx1">
+                    <a:lumMod val="50000"/>
+                    <a:lumOff val="50000"/>
+                  </a:schemeClr>
+                </a:solidFill>
+              </a:rPr>
+              <a:t>    </a:t>
+            </a:r>
+            <a:r>
+              <a:rPr lang="en-US" sz="1600" dirty="0" smtClean="0">
+                <a:solidFill>
+                  <a:schemeClr val="tx1">
+                    <a:lumMod val="50000"/>
+                    <a:lumOff val="50000"/>
+                  </a:schemeClr>
+                </a:solidFill>
+              </a:rPr>
+              <a:t>-</a:t>
+            </a:r>
+            <a:r>
+              <a:rPr lang="en-US" sz="1600" b="1" dirty="0" smtClean="0">
+                <a:solidFill>
+                  <a:schemeClr val="tx1">
+                    <a:lumMod val="50000"/>
+                    <a:lumOff val="50000"/>
+                  </a:schemeClr>
+                </a:solidFill>
+              </a:rPr>
+              <a:t> </a:t>
+            </a:r>
+            <a:r>
+              <a:rPr lang="en-US" sz="1600" dirty="0">
+                <a:solidFill>
+                  <a:schemeClr val="tx1">
+                    <a:lumMod val="50000"/>
+                    <a:lumOff val="50000"/>
+                  </a:schemeClr>
+                </a:solidFill>
+              </a:rPr>
+              <a:t>node</a:t>
+            </a:r>
+            <a:r>
+              <a:rPr lang="en-US" sz="1600" b="1" dirty="0">
+                <a:solidFill>
+                  <a:schemeClr val="tx1">
+                    <a:lumMod val="50000"/>
+                    <a:lumOff val="50000"/>
+                  </a:schemeClr>
+                </a:solidFill>
+              </a:rPr>
+              <a:t> </a:t>
+            </a:r>
+            <a:r>
+              <a:rPr lang="en-US" sz="1600" dirty="0">
+                <a:solidFill>
+                  <a:schemeClr val="tx1">
+                    <a:lumMod val="50000"/>
+                    <a:lumOff val="50000"/>
+                  </a:schemeClr>
+                </a:solidFill>
+              </a:rPr>
+              <a:t>is not yet visited</a:t>
+            </a:r>
+          </a:p>
+          <a:p>
+            <a:r>
+              <a:rPr lang="en-US" sz="1600" dirty="0" smtClean="0">
+                <a:solidFill>
+                  <a:schemeClr val="tx1">
+                    <a:lumMod val="50000"/>
+                    <a:lumOff val="50000"/>
+                  </a:schemeClr>
+                </a:solidFill>
+              </a:rPr>
+              <a:t>     - node is connected to another node (there is an edge from u to v )</a:t>
+            </a:r>
+          </a:p>
+          <a:p>
+            <a:r>
+              <a:rPr lang="en-US" sz="1600" dirty="0">
+                <a:solidFill>
+                  <a:schemeClr val="tx1">
+                    <a:lumMod val="50000"/>
+                    <a:lumOff val="50000"/>
+                  </a:schemeClr>
+                </a:solidFill>
+              </a:rPr>
+              <a:t> </a:t>
+            </a:r>
+            <a:r>
+              <a:rPr lang="en-US" sz="1600" dirty="0" smtClean="0">
+                <a:solidFill>
+                  <a:schemeClr val="tx1">
+                    <a:lumMod val="50000"/>
+                    <a:lumOff val="50000"/>
+                  </a:schemeClr>
+                </a:solidFill>
+              </a:rPr>
+              <a:t>    - the total weight of path from </a:t>
+            </a:r>
+            <a:r>
+              <a:rPr lang="en-US" sz="1600" dirty="0" err="1" smtClean="0">
+                <a:solidFill>
+                  <a:schemeClr val="tx1">
+                    <a:lumMod val="50000"/>
+                    <a:lumOff val="50000"/>
+                  </a:schemeClr>
+                </a:solidFill>
+              </a:rPr>
+              <a:t>src</a:t>
+            </a:r>
+            <a:r>
+              <a:rPr lang="en-US" sz="1600" dirty="0" smtClean="0">
+                <a:solidFill>
+                  <a:schemeClr val="tx1">
+                    <a:lumMod val="50000"/>
+                    <a:lumOff val="50000"/>
+                  </a:schemeClr>
+                </a:solidFill>
+              </a:rPr>
+              <a:t> to v through u is smaller that     </a:t>
+            </a:r>
+          </a:p>
+          <a:p>
+            <a:r>
+              <a:rPr lang="en-US" sz="1600" dirty="0">
+                <a:solidFill>
+                  <a:schemeClr val="tx1">
+                    <a:lumMod val="50000"/>
+                    <a:lumOff val="50000"/>
+                  </a:schemeClr>
+                </a:solidFill>
+              </a:rPr>
+              <a:t> </a:t>
+            </a:r>
+            <a:r>
+              <a:rPr lang="en-US" sz="1600" dirty="0" smtClean="0">
+                <a:solidFill>
+                  <a:schemeClr val="tx1">
+                    <a:lumMod val="50000"/>
+                    <a:lumOff val="50000"/>
+                  </a:schemeClr>
+                </a:solidFill>
+              </a:rPr>
+              <a:t>      current value of </a:t>
+            </a:r>
+            <a:r>
+              <a:rPr lang="en-US" sz="1600" dirty="0" err="1" smtClean="0">
+                <a:solidFill>
+                  <a:schemeClr val="tx1">
+                    <a:lumMod val="50000"/>
+                    <a:lumOff val="50000"/>
+                  </a:schemeClr>
+                </a:solidFill>
+              </a:rPr>
+              <a:t>dist</a:t>
+            </a:r>
+            <a:r>
+              <a:rPr lang="en-US" sz="1600" dirty="0" smtClean="0">
+                <a:solidFill>
+                  <a:schemeClr val="tx1">
+                    <a:lumMod val="50000"/>
+                    <a:lumOff val="50000"/>
+                  </a:schemeClr>
+                </a:solidFill>
+              </a:rPr>
+              <a:t>[v]</a:t>
+            </a:r>
+          </a:p>
+          <a:p>
+            <a:r>
+              <a:rPr lang="en-US" dirty="0">
+                <a:solidFill>
+                  <a:schemeClr val="tx1">
+                    <a:lumMod val="50000"/>
+                    <a:lumOff val="50000"/>
+                  </a:schemeClr>
+                </a:solidFill>
+              </a:rPr>
+              <a:t> </a:t>
+            </a:r>
+            <a:r>
+              <a:rPr lang="en-US" dirty="0" smtClean="0">
+                <a:solidFill>
+                  <a:schemeClr val="tx1">
+                    <a:lumMod val="50000"/>
+                    <a:lumOff val="50000"/>
+                  </a:schemeClr>
+                </a:solidFill>
+              </a:rPr>
+              <a:t>    </a:t>
             </a:r>
             <a:endParaRPr lang="en-US" dirty="0"/>
           </a:p>
         </p:txBody>
       </p:sp>
+      <p:sp>
+        <p:nvSpPr>
+          <p:cNvPr id="5" name="Rectangle 4"/>
+          <p:cNvSpPr/>
+          <p:nvPr/>
+        </p:nvSpPr>
+        <p:spPr>
+          <a:xfrm>
+            <a:off x="5696337" y="3921400"/>
+            <a:ext cx="5980676" cy="369332"/>
+          </a:xfrm>
+          <a:prstGeom prst="rect">
+            <a:avLst/>
+          </a:prstGeom>
+        </p:spPr>
+        <p:txBody>
+          <a:bodyPr wrap="none">
+            <a:spAutoFit/>
+          </a:bodyPr>
+          <a:lstStyle/>
+          <a:p>
+            <a:r>
+              <a:rPr lang="en-US" dirty="0">
+                <a:solidFill>
+                  <a:schemeClr val="tx1">
+                    <a:lumMod val="50000"/>
+                    <a:lumOff val="50000"/>
+                  </a:schemeClr>
+                </a:solidFill>
+              </a:rPr>
+              <a:t>In this loop, we need to update </a:t>
+            </a:r>
+            <a:r>
+              <a:rPr lang="en-US" b="1" dirty="0" err="1">
+                <a:solidFill>
+                  <a:schemeClr val="tx1">
+                    <a:lumMod val="50000"/>
+                    <a:lumOff val="50000"/>
+                  </a:schemeClr>
+                </a:solidFill>
+              </a:rPr>
+              <a:t>dist</a:t>
+            </a:r>
+            <a:r>
+              <a:rPr lang="en-US" dirty="0">
+                <a:solidFill>
+                  <a:schemeClr val="tx1">
+                    <a:lumMod val="50000"/>
+                    <a:lumOff val="50000"/>
+                  </a:schemeClr>
+                </a:solidFill>
+              </a:rPr>
+              <a:t> ( array of shortest paths ) </a:t>
+            </a:r>
+          </a:p>
+        </p:txBody>
+      </p:sp>
+      <p:cxnSp>
+        <p:nvCxnSpPr>
+          <p:cNvPr id="17" name="Straight Connector 16"/>
+          <p:cNvCxnSpPr/>
+          <p:nvPr/>
+        </p:nvCxnSpPr>
+        <p:spPr>
+          <a:xfrm>
+            <a:off x="1562162" y="4279871"/>
+            <a:ext cx="0" cy="1096801"/>
+          </a:xfrm>
+          <a:prstGeom prst="line">
+            <a:avLst/>
+          </a:prstGeom>
+        </p:spPr>
+        <p:style>
+          <a:lnRef idx="1">
+            <a:schemeClr val="accent1"/>
+          </a:lnRef>
+          <a:fillRef idx="0">
+            <a:schemeClr val="accent1"/>
+          </a:fillRef>
+          <a:effectRef idx="0">
+            <a:schemeClr val="accent1"/>
+          </a:effectRef>
+          <a:fontRef idx="minor">
+            <a:schemeClr val="tx1"/>
+          </a:fontRef>
+        </p:style>
+      </p:cxnSp>
+      <p:cxnSp>
+        <p:nvCxnSpPr>
+          <p:cNvPr id="15" name="Straight Arrow Connector 14"/>
+          <p:cNvCxnSpPr/>
+          <p:nvPr/>
+        </p:nvCxnSpPr>
+        <p:spPr>
+          <a:xfrm>
+            <a:off x="451339" y="4459646"/>
+            <a:ext cx="1036993" cy="0"/>
+          </a:xfrm>
+          <a:prstGeom prst="straightConnector1">
+            <a:avLst/>
+          </a:prstGeom>
+          <a:ln>
+            <a:tailEnd type="triangle"/>
+          </a:ln>
+        </p:spPr>
+        <p:style>
+          <a:lnRef idx="1">
+            <a:schemeClr val="accent1"/>
+          </a:lnRef>
+          <a:fillRef idx="0">
+            <a:schemeClr val="accent1"/>
+          </a:fillRef>
+          <a:effectRef idx="0">
+            <a:schemeClr val="accent1"/>
+          </a:effectRef>
+          <a:fontRef idx="minor">
+            <a:schemeClr val="tx1"/>
+          </a:fontRef>
+        </p:style>
+      </p:cxnSp>
       <p:pic>
         <p:nvPicPr>
-          <p:cNvPr id="9" name="Picture 8"/>
+          <p:cNvPr id="10" name="Picture 9"/>
           <p:cNvPicPr>
             <a:picLocks noChangeAspect="1"/>
           </p:cNvPicPr>
           <p:nvPr/>
         </p:nvPicPr>
         <p:blipFill>
-          <a:blip r:embed="rId2"/>
+          <a:blip r:embed="rId3"/>
           <a:stretch>
             <a:fillRect/>
           </a:stretch>
         </p:blipFill>
         <p:spPr>
           <a:xfrm>
-            <a:off x="8424038" y="1640250"/>
-            <a:ext cx="2291762" cy="2080540"/>
+            <a:off x="6108580" y="1374972"/>
+            <a:ext cx="4058216" cy="2248214"/>
           </a:xfrm>
           <a:prstGeom prst="rect">
             <a:avLst/>
           </a:prstGeom>
         </p:spPr>
       </p:pic>
-      <p:pic>
-        <p:nvPicPr>
-          <p:cNvPr id="1028" name="Picture 4" descr="http://d1gjlxt8vb0knt.cloudfront.net//wp-content/uploads/DIJ5.jpg"/>
-          <p:cNvPicPr>
-            <a:picLocks noChangeAspect="1" noChangeArrowheads="1"/>
-          </p:cNvPicPr>
-          <p:nvPr/>
-        </p:nvPicPr>
-        <p:blipFill>
-          <a:blip r:embed="rId3">
-            <a:extLst>
-              <a:ext uri="{28A0092B-C50C-407E-A947-70E740481C1C}">
-                <a14:useLocalDpi xmlns:a14="http://schemas.microsoft.com/office/drawing/2010/main" val="0"/>
-              </a:ext>
-            </a:extLst>
-          </a:blip>
-          <a:srcRect/>
-          <a:stretch>
-            <a:fillRect/>
-          </a:stretch>
-        </p:blipFill>
-        <p:spPr bwMode="auto">
-          <a:xfrm>
-            <a:off x="8696413" y="4672986"/>
-            <a:ext cx="2746956" cy="1468565"/>
+      <p:sp>
+        <p:nvSpPr>
+          <p:cNvPr id="11" name="Oval 10"/>
+          <p:cNvSpPr/>
+          <p:nvPr/>
+        </p:nvSpPr>
+        <p:spPr>
+          <a:xfrm>
+            <a:off x="6226059" y="2298017"/>
+            <a:ext cx="603227" cy="548640"/>
+          </a:xfrm>
+          <a:prstGeom prst="ellipse">
+            <a:avLst/>
+          </a:prstGeom>
+          <a:noFill/>
+        </p:spPr>
+        <p:style>
+          <a:lnRef idx="2">
+            <a:schemeClr val="accent6"/>
+          </a:lnRef>
+          <a:fillRef idx="1">
+            <a:schemeClr val="lt1"/>
+          </a:fillRef>
+          <a:effectRef idx="0">
+            <a:schemeClr val="accent6"/>
+          </a:effectRef>
+          <a:fontRef idx="minor">
+            <a:schemeClr val="dk1"/>
+          </a:fontRef>
+        </p:style>
+        <p:txBody>
+          <a:bodyPr rtlCol="0" anchor="ctr"/>
+          <a:lstStyle/>
+          <a:p>
+            <a:pPr algn="ctr"/>
+            <a:endParaRPr lang="en-US"/>
+          </a:p>
+        </p:txBody>
+      </p:sp>
+      <p:sp>
+        <p:nvSpPr>
+          <p:cNvPr id="13" name="Oval 12"/>
+          <p:cNvSpPr/>
+          <p:nvPr/>
+        </p:nvSpPr>
+        <p:spPr>
+          <a:xfrm>
+            <a:off x="6933630" y="1608495"/>
+            <a:ext cx="603227" cy="548640"/>
+          </a:xfrm>
+          <a:prstGeom prst="ellipse">
+            <a:avLst/>
+          </a:prstGeom>
+          <a:noFill/>
+          <a:ln>
+            <a:solidFill>
+              <a:schemeClr val="accent4"/>
+            </a:solidFill>
+          </a:ln>
+        </p:spPr>
+        <p:style>
+          <a:lnRef idx="2">
+            <a:schemeClr val="accent6"/>
+          </a:lnRef>
+          <a:fillRef idx="1">
+            <a:schemeClr val="lt1"/>
+          </a:fillRef>
+          <a:effectRef idx="0">
+            <a:schemeClr val="accent6"/>
+          </a:effectRef>
+          <a:fontRef idx="minor">
+            <a:schemeClr val="dk1"/>
+          </a:fontRef>
+        </p:style>
+        <p:txBody>
+          <a:bodyPr rtlCol="0" anchor="ctr"/>
+          <a:lstStyle/>
+          <a:p>
+            <a:pPr algn="ctr"/>
+            <a:endParaRPr lang="en-US"/>
+          </a:p>
+        </p:txBody>
+      </p:sp>
+      <p:sp>
+        <p:nvSpPr>
+          <p:cNvPr id="14" name="Oval 13"/>
+          <p:cNvSpPr/>
+          <p:nvPr/>
+        </p:nvSpPr>
+        <p:spPr>
+          <a:xfrm>
+            <a:off x="7903521" y="1598493"/>
+            <a:ext cx="603227" cy="548640"/>
+          </a:xfrm>
+          <a:prstGeom prst="ellipse">
+            <a:avLst/>
+          </a:prstGeom>
+          <a:noFill/>
+          <a:ln>
+            <a:solidFill>
+              <a:srgbClr val="FF0000"/>
+            </a:solidFill>
+          </a:ln>
+        </p:spPr>
+        <p:style>
+          <a:lnRef idx="2">
+            <a:schemeClr val="accent6"/>
+          </a:lnRef>
+          <a:fillRef idx="1">
+            <a:schemeClr val="lt1"/>
+          </a:fillRef>
+          <a:effectRef idx="0">
+            <a:schemeClr val="accent6"/>
+          </a:effectRef>
+          <a:fontRef idx="minor">
+            <a:schemeClr val="dk1"/>
+          </a:fontRef>
+        </p:style>
+        <p:txBody>
+          <a:bodyPr rtlCol="0" anchor="ctr"/>
+          <a:lstStyle/>
+          <a:p>
+            <a:pPr algn="ctr"/>
+            <a:endParaRPr lang="en-US"/>
+          </a:p>
+        </p:txBody>
+      </p:sp>
+      <p:sp>
+        <p:nvSpPr>
+          <p:cNvPr id="3" name="TextBox 2"/>
+          <p:cNvSpPr txBox="1"/>
+          <p:nvPr/>
+        </p:nvSpPr>
+        <p:spPr>
+          <a:xfrm>
+            <a:off x="8506748" y="1132046"/>
+            <a:ext cx="2129109" cy="276999"/>
           </a:xfrm>
           <a:prstGeom prst="rect">
             <a:avLst/>
           </a:prstGeom>
           <a:noFill/>
-          <a:extLst>
-            <a:ext uri="{909E8E84-426E-40DD-AFC4-6F175D3DCCD1}">
-              <a14:hiddenFill xmlns:a14="http://schemas.microsoft.com/office/drawing/2010/main">
-                <a:solidFill>
-                  <a:srgbClr val="FFFFFF"/>
-                </a:solidFill>
-              </a14:hiddenFill>
-            </a:ext>
-          </a:extLst>
-        </p:spPr>
-      </p:pic>
-      <p:pic>
-        <p:nvPicPr>
-          <p:cNvPr id="1030" name="Picture 6" descr="http://d1gjlxt8vb0knt.cloudfront.net//wp-content/uploads/Fig-11.jpg"/>
-          <p:cNvPicPr>
-            <a:picLocks noChangeAspect="1" noChangeArrowheads="1"/>
-          </p:cNvPicPr>
-          <p:nvPr/>
-        </p:nvPicPr>
-        <p:blipFill>
-          <a:blip r:embed="rId4" cstate="print">
-            <a:extLst>
-              <a:ext uri="{28A0092B-C50C-407E-A947-70E740481C1C}">
-                <a14:useLocalDpi xmlns:a14="http://schemas.microsoft.com/office/drawing/2010/main" val="0"/>
-              </a:ext>
-            </a:extLst>
-          </a:blip>
-          <a:srcRect/>
-          <a:stretch>
-            <a:fillRect/>
-          </a:stretch>
-        </p:blipFill>
-        <p:spPr bwMode="auto">
-          <a:xfrm>
-            <a:off x="5585245" y="4817576"/>
-            <a:ext cx="2838793" cy="1323975"/>
-          </a:xfrm>
-          <a:prstGeom prst="rect">
-            <a:avLst/>
-          </a:prstGeom>
-          <a:noFill/>
-          <a:extLst>
-            <a:ext uri="{909E8E84-426E-40DD-AFC4-6F175D3DCCD1}">
-              <a14:hiddenFill xmlns:a14="http://schemas.microsoft.com/office/drawing/2010/main">
-                <a:solidFill>
-                  <a:srgbClr val="FFFFFF"/>
-                </a:solidFill>
-              </a14:hiddenFill>
-            </a:ext>
-          </a:extLst>
-        </p:spPr>
-      </p:pic>
-      <p:sp>
-        <p:nvSpPr>
-          <p:cNvPr id="17" name="Rectangle 16"/>
-          <p:cNvSpPr/>
-          <p:nvPr/>
-        </p:nvSpPr>
-        <p:spPr>
-          <a:xfrm>
-            <a:off x="6266317" y="4310388"/>
-            <a:ext cx="1338893" cy="369332"/>
-          </a:xfrm>
-          <a:prstGeom prst="rect">
-            <a:avLst/>
-          </a:prstGeom>
-        </p:spPr>
-        <p:txBody>
-          <a:bodyPr wrap="none">
+        </p:spPr>
+        <p:txBody>
+          <a:bodyPr wrap="none" rtlCol="0">
             <a:spAutoFit/>
           </a:bodyPr>
           <a:lstStyle/>
           <a:p>
             <a:r>
-              <a:rPr lang="en-US" dirty="0" smtClean="0">
-                <a:solidFill>
-                  <a:schemeClr val="tx1">
-                    <a:lumMod val="50000"/>
-                    <a:lumOff val="50000"/>
-                  </a:schemeClr>
-                </a:solidFill>
-              </a:rPr>
-              <a:t>Initial Graph</a:t>
-            </a:r>
-            <a:endParaRPr lang="en-US" dirty="0">
-              <a:solidFill>
-                <a:schemeClr val="tx1">
-                  <a:lumMod val="50000"/>
-                  <a:lumOff val="50000"/>
-                </a:schemeClr>
-              </a:solidFill>
-            </a:endParaRPr>
-          </a:p>
-        </p:txBody>
-      </p:sp>
-      <p:sp>
-        <p:nvSpPr>
-          <p:cNvPr id="19" name="Rectangle 18"/>
-          <p:cNvSpPr/>
-          <p:nvPr/>
-        </p:nvSpPr>
-        <p:spPr>
-          <a:xfrm>
-            <a:off x="9183906" y="4179900"/>
-            <a:ext cx="1531894" cy="369332"/>
-          </a:xfrm>
-          <a:prstGeom prst="rect">
-            <a:avLst/>
-          </a:prstGeom>
-        </p:spPr>
-        <p:txBody>
-          <a:bodyPr wrap="none">
-            <a:spAutoFit/>
-          </a:bodyPr>
-          <a:lstStyle/>
-          <a:p>
-            <a:r>
-              <a:rPr lang="en-US" dirty="0" smtClean="0">
-                <a:solidFill>
-                  <a:schemeClr val="tx1">
-                    <a:lumMod val="50000"/>
-                    <a:lumOff val="50000"/>
-                  </a:schemeClr>
-                </a:solidFill>
-              </a:rPr>
-              <a:t>Shortest Paths</a:t>
-            </a:r>
-            <a:endParaRPr lang="en-US" dirty="0">
-              <a:solidFill>
-                <a:schemeClr val="tx1">
-                  <a:lumMod val="50000"/>
-                  <a:lumOff val="50000"/>
-                </a:schemeClr>
-              </a:solidFill>
-            </a:endParaRPr>
-          </a:p>
-        </p:txBody>
-      </p:sp>
-      <p:sp>
-        <p:nvSpPr>
-          <p:cNvPr id="20" name="Rectangle 19"/>
-          <p:cNvSpPr/>
-          <p:nvPr/>
-        </p:nvSpPr>
-        <p:spPr>
-          <a:xfrm>
-            <a:off x="130425" y="1533665"/>
-            <a:ext cx="5920179" cy="3139321"/>
-          </a:xfrm>
-          <a:prstGeom prst="rect">
-            <a:avLst/>
-          </a:prstGeom>
-        </p:spPr>
-        <p:txBody>
-          <a:bodyPr wrap="square">
-            <a:spAutoFit/>
-          </a:bodyPr>
-          <a:lstStyle/>
-          <a:p>
-            <a:r>
-              <a:rPr lang="en-US" dirty="0" smtClean="0">
-                <a:solidFill>
-                  <a:schemeClr val="tx1">
-                    <a:lumMod val="50000"/>
-                    <a:lumOff val="50000"/>
-                  </a:schemeClr>
-                </a:solidFill>
-              </a:rPr>
-              <a:t>1) The </a:t>
-            </a:r>
-            <a:r>
-              <a:rPr lang="en-US" dirty="0">
-                <a:solidFill>
-                  <a:schemeClr val="tx1">
-                    <a:lumMod val="50000"/>
-                    <a:lumOff val="50000"/>
-                  </a:schemeClr>
-                </a:solidFill>
-              </a:rPr>
-              <a:t>code calculates shortest distance, but doesn’t calculate the path information. We can create a parent array, update the parent array when distance is </a:t>
-            </a:r>
-            <a:r>
-              <a:rPr lang="en-US" dirty="0" smtClean="0">
-                <a:solidFill>
-                  <a:schemeClr val="tx1">
-                    <a:lumMod val="50000"/>
-                    <a:lumOff val="50000"/>
-                  </a:schemeClr>
-                </a:solidFill>
-              </a:rPr>
-              <a:t>updated.</a:t>
-            </a:r>
-          </a:p>
-          <a:p>
-            <a:pPr marL="342900" indent="-342900">
-              <a:buAutoNum type="arabicParenR"/>
-            </a:pPr>
-            <a:endParaRPr lang="en-US" dirty="0">
-              <a:solidFill>
-                <a:schemeClr val="tx1">
-                  <a:lumMod val="50000"/>
-                  <a:lumOff val="50000"/>
-                </a:schemeClr>
-              </a:solidFill>
-            </a:endParaRPr>
-          </a:p>
-          <a:p>
-            <a:r>
-              <a:rPr lang="en-US" dirty="0">
-                <a:solidFill>
-                  <a:schemeClr val="tx1">
-                    <a:lumMod val="50000"/>
-                    <a:lumOff val="50000"/>
-                  </a:schemeClr>
-                </a:solidFill>
-              </a:rPr>
-              <a:t>2) The code is for undirected graph, same </a:t>
-            </a:r>
-            <a:r>
-              <a:rPr lang="en-US" dirty="0" err="1">
-                <a:solidFill>
-                  <a:schemeClr val="tx1">
-                    <a:lumMod val="50000"/>
-                    <a:lumOff val="50000"/>
-                  </a:schemeClr>
-                </a:solidFill>
-              </a:rPr>
-              <a:t>dijekstra</a:t>
-            </a:r>
-            <a:r>
-              <a:rPr lang="en-US" dirty="0">
-                <a:solidFill>
-                  <a:schemeClr val="tx1">
-                    <a:lumMod val="50000"/>
-                    <a:lumOff val="50000"/>
-                  </a:schemeClr>
-                </a:solidFill>
-              </a:rPr>
-              <a:t> function can be used for directed graphs also.</a:t>
-            </a:r>
-          </a:p>
-          <a:p>
-            <a:endParaRPr lang="en-US" dirty="0">
-              <a:solidFill>
-                <a:schemeClr val="tx1">
-                  <a:lumMod val="50000"/>
-                  <a:lumOff val="50000"/>
-                </a:schemeClr>
-              </a:solidFill>
-            </a:endParaRPr>
-          </a:p>
-          <a:p>
-            <a:r>
-              <a:rPr lang="en-US" dirty="0">
-                <a:solidFill>
-                  <a:schemeClr val="tx1">
-                    <a:lumMod val="50000"/>
-                    <a:lumOff val="50000"/>
-                  </a:schemeClr>
-                </a:solidFill>
-              </a:rPr>
-              <a:t>3) The code finds shortest distances from source to all vertices. If we are interested only in shortest distance from source to a single target, we can break the for loop when the picked minimum distance vertex is equal to target</a:t>
-            </a:r>
-          </a:p>
-        </p:txBody>
-      </p:sp>
+              <a:rPr lang="en-US" sz="1200" dirty="0" smtClean="0"/>
+              <a:t>No direct connection to node 2</a:t>
+            </a:r>
+            <a:endParaRPr lang="en-US" sz="1200" dirty="0"/>
+          </a:p>
+        </p:txBody>
+      </p:sp>
+      <p:cxnSp>
+        <p:nvCxnSpPr>
+          <p:cNvPr id="7" name="Straight Arrow Connector 6"/>
+          <p:cNvCxnSpPr/>
+          <p:nvPr/>
+        </p:nvCxnSpPr>
+        <p:spPr>
+          <a:xfrm flipH="1">
+            <a:off x="8338457" y="1409045"/>
+            <a:ext cx="168291" cy="189448"/>
+          </a:xfrm>
+          <a:prstGeom prst="straightConnector1">
+            <a:avLst/>
+          </a:prstGeom>
+          <a:ln>
+            <a:solidFill>
+              <a:srgbClr val="FF0000"/>
+            </a:solidFill>
+            <a:tailEnd type="triangle"/>
+          </a:ln>
+        </p:spPr>
+        <p:style>
+          <a:lnRef idx="1">
+            <a:schemeClr val="accent1"/>
+          </a:lnRef>
+          <a:fillRef idx="0">
+            <a:schemeClr val="accent1"/>
+          </a:fillRef>
+          <a:effectRef idx="0">
+            <a:schemeClr val="accent1"/>
+          </a:effectRef>
+          <a:fontRef idx="minor">
+            <a:schemeClr val="tx1"/>
+          </a:fontRef>
+        </p:style>
+      </p:cxnSp>
     </p:spTree>
     <p:extLst>
       <p:ext uri="{BB962C8B-B14F-4D97-AF65-F5344CB8AC3E}">
-        <p14:creationId xmlns:p14="http://schemas.microsoft.com/office/powerpoint/2010/main" val="637638278"/>
+        <p14:creationId xmlns:p14="http://schemas.microsoft.com/office/powerpoint/2010/main" val="3376386468"/>
       </p:ext>
     </p:extLst>
   </p:cSld>
@@ -7498,6 +8193,30 @@
           <a:chExt cx="0" cy="0"/>
         </a:xfrm>
       </p:grpSpPr>
+      <p:pic>
+        <p:nvPicPr>
+          <p:cNvPr id="4" name="Picture 3"/>
+          <p:cNvPicPr>
+            <a:picLocks noChangeAspect="1"/>
+          </p:cNvPicPr>
+          <p:nvPr/>
+        </p:nvPicPr>
+        <p:blipFill>
+          <a:blip r:embed="rId2"/>
+          <a:stretch>
+            <a:fillRect/>
+          </a:stretch>
+        </p:blipFill>
+        <p:spPr>
+          <a:xfrm>
+            <a:off x="945212" y="1678496"/>
+            <a:ext cx="5377463" cy="4283392"/>
+          </a:xfrm>
+          <a:prstGeom prst="rect">
+            <a:avLst/>
+          </a:prstGeom>
+        </p:spPr>
+      </p:pic>
       <p:sp>
         <p:nvSpPr>
           <p:cNvPr id="2" name="Title 1"/>
@@ -7514,6 +8233,2794 @@
           <a:lstStyle/>
           <a:p>
             <a:r>
+              <a:rPr lang="en-US" dirty="0"/>
+              <a:t>C++ Code Sample – Step 3</a:t>
+            </a:r>
+          </a:p>
+        </p:txBody>
+      </p:sp>
+      <p:cxnSp>
+        <p:nvCxnSpPr>
+          <p:cNvPr id="18" name="Straight Connector 17"/>
+          <p:cNvCxnSpPr/>
+          <p:nvPr/>
+        </p:nvCxnSpPr>
+        <p:spPr>
+          <a:xfrm>
+            <a:off x="1195754" y="3423125"/>
+            <a:ext cx="0" cy="1953547"/>
+          </a:xfrm>
+          <a:prstGeom prst="line">
+            <a:avLst/>
+          </a:prstGeom>
+          <a:ln>
+            <a:solidFill>
+              <a:schemeClr val="accent1">
+                <a:lumMod val="20000"/>
+                <a:lumOff val="80000"/>
+              </a:schemeClr>
+            </a:solidFill>
+          </a:ln>
+        </p:spPr>
+        <p:style>
+          <a:lnRef idx="1">
+            <a:schemeClr val="accent1"/>
+          </a:lnRef>
+          <a:fillRef idx="0">
+            <a:schemeClr val="accent1"/>
+          </a:fillRef>
+          <a:effectRef idx="0">
+            <a:schemeClr val="accent1"/>
+          </a:effectRef>
+          <a:fontRef idx="minor">
+            <a:schemeClr val="tx1"/>
+          </a:fontRef>
+        </p:style>
+      </p:cxnSp>
+      <p:cxnSp>
+        <p:nvCxnSpPr>
+          <p:cNvPr id="21" name="Straight Arrow Connector 20"/>
+          <p:cNvCxnSpPr/>
+          <p:nvPr/>
+        </p:nvCxnSpPr>
+        <p:spPr>
+          <a:xfrm flipH="1">
+            <a:off x="4126239" y="4106066"/>
+            <a:ext cx="1570098" cy="184666"/>
+          </a:xfrm>
+          <a:prstGeom prst="straightConnector1">
+            <a:avLst/>
+          </a:prstGeom>
+          <a:ln>
+            <a:tailEnd type="triangle"/>
+          </a:ln>
+        </p:spPr>
+        <p:style>
+          <a:lnRef idx="1">
+            <a:schemeClr val="accent1"/>
+          </a:lnRef>
+          <a:fillRef idx="0">
+            <a:schemeClr val="accent1"/>
+          </a:fillRef>
+          <a:effectRef idx="0">
+            <a:schemeClr val="accent1"/>
+          </a:effectRef>
+          <a:fontRef idx="minor">
+            <a:schemeClr val="tx1"/>
+          </a:fontRef>
+        </p:style>
+      </p:cxnSp>
+      <p:sp>
+        <p:nvSpPr>
+          <p:cNvPr id="12" name="Rectangle 11"/>
+          <p:cNvSpPr/>
+          <p:nvPr/>
+        </p:nvSpPr>
+        <p:spPr>
+          <a:xfrm>
+            <a:off x="5923755" y="4279871"/>
+            <a:ext cx="6107791" cy="1661993"/>
+          </a:xfrm>
+          <a:prstGeom prst="rect">
+            <a:avLst/>
+          </a:prstGeom>
+        </p:spPr>
+        <p:txBody>
+          <a:bodyPr wrap="square">
+            <a:spAutoFit/>
+          </a:bodyPr>
+          <a:lstStyle/>
+          <a:p>
+            <a:r>
+              <a:rPr lang="en-US" b="1" dirty="0">
+                <a:solidFill>
+                  <a:schemeClr val="tx1">
+                    <a:lumMod val="50000"/>
+                    <a:lumOff val="50000"/>
+                  </a:schemeClr>
+                </a:solidFill>
+              </a:rPr>
+              <a:t> </a:t>
+            </a:r>
+            <a:r>
+              <a:rPr lang="en-US" b="1" dirty="0" smtClean="0">
+                <a:solidFill>
+                  <a:schemeClr val="tx1">
+                    <a:lumMod val="50000"/>
+                    <a:lumOff val="50000"/>
+                  </a:schemeClr>
+                </a:solidFill>
+              </a:rPr>
+              <a:t>if</a:t>
+            </a:r>
+          </a:p>
+          <a:p>
+            <a:r>
+              <a:rPr lang="en-US" b="1" dirty="0" smtClean="0">
+                <a:solidFill>
+                  <a:schemeClr val="tx1">
+                    <a:lumMod val="50000"/>
+                    <a:lumOff val="50000"/>
+                  </a:schemeClr>
+                </a:solidFill>
+              </a:rPr>
+              <a:t>    </a:t>
+            </a:r>
+            <a:r>
+              <a:rPr lang="en-US" sz="1600" dirty="0" smtClean="0">
+                <a:solidFill>
+                  <a:schemeClr val="tx1">
+                    <a:lumMod val="50000"/>
+                    <a:lumOff val="50000"/>
+                  </a:schemeClr>
+                </a:solidFill>
+              </a:rPr>
+              <a:t>-</a:t>
+            </a:r>
+            <a:r>
+              <a:rPr lang="en-US" sz="1600" b="1" dirty="0" smtClean="0">
+                <a:solidFill>
+                  <a:schemeClr val="tx1">
+                    <a:lumMod val="50000"/>
+                    <a:lumOff val="50000"/>
+                  </a:schemeClr>
+                </a:solidFill>
+              </a:rPr>
+              <a:t> </a:t>
+            </a:r>
+            <a:r>
+              <a:rPr lang="en-US" sz="1600" dirty="0">
+                <a:solidFill>
+                  <a:schemeClr val="tx1">
+                    <a:lumMod val="50000"/>
+                    <a:lumOff val="50000"/>
+                  </a:schemeClr>
+                </a:solidFill>
+              </a:rPr>
+              <a:t>node</a:t>
+            </a:r>
+            <a:r>
+              <a:rPr lang="en-US" sz="1600" b="1" dirty="0">
+                <a:solidFill>
+                  <a:schemeClr val="tx1">
+                    <a:lumMod val="50000"/>
+                    <a:lumOff val="50000"/>
+                  </a:schemeClr>
+                </a:solidFill>
+              </a:rPr>
+              <a:t> </a:t>
+            </a:r>
+            <a:r>
+              <a:rPr lang="en-US" sz="1600" dirty="0">
+                <a:solidFill>
+                  <a:schemeClr val="tx1">
+                    <a:lumMod val="50000"/>
+                    <a:lumOff val="50000"/>
+                  </a:schemeClr>
+                </a:solidFill>
+              </a:rPr>
+              <a:t>is not yet visited</a:t>
+            </a:r>
+          </a:p>
+          <a:p>
+            <a:r>
+              <a:rPr lang="en-US" sz="1600" dirty="0" smtClean="0">
+                <a:solidFill>
+                  <a:schemeClr val="tx1">
+                    <a:lumMod val="50000"/>
+                    <a:lumOff val="50000"/>
+                  </a:schemeClr>
+                </a:solidFill>
+              </a:rPr>
+              <a:t>     - node is connected to another node (there is an edge from u to v )</a:t>
+            </a:r>
+          </a:p>
+          <a:p>
+            <a:r>
+              <a:rPr lang="en-US" sz="1600" dirty="0">
+                <a:solidFill>
+                  <a:schemeClr val="tx1">
+                    <a:lumMod val="50000"/>
+                    <a:lumOff val="50000"/>
+                  </a:schemeClr>
+                </a:solidFill>
+              </a:rPr>
+              <a:t> </a:t>
+            </a:r>
+            <a:r>
+              <a:rPr lang="en-US" sz="1600" dirty="0" smtClean="0">
+                <a:solidFill>
+                  <a:schemeClr val="tx1">
+                    <a:lumMod val="50000"/>
+                    <a:lumOff val="50000"/>
+                  </a:schemeClr>
+                </a:solidFill>
+              </a:rPr>
+              <a:t>    - the total weight of path from </a:t>
+            </a:r>
+            <a:r>
+              <a:rPr lang="en-US" sz="1600" dirty="0" err="1" smtClean="0">
+                <a:solidFill>
+                  <a:schemeClr val="tx1">
+                    <a:lumMod val="50000"/>
+                    <a:lumOff val="50000"/>
+                  </a:schemeClr>
+                </a:solidFill>
+              </a:rPr>
+              <a:t>src</a:t>
+            </a:r>
+            <a:r>
+              <a:rPr lang="en-US" sz="1600" dirty="0" smtClean="0">
+                <a:solidFill>
+                  <a:schemeClr val="tx1">
+                    <a:lumMod val="50000"/>
+                    <a:lumOff val="50000"/>
+                  </a:schemeClr>
+                </a:solidFill>
+              </a:rPr>
+              <a:t> to v through u is smaller that     </a:t>
+            </a:r>
+          </a:p>
+          <a:p>
+            <a:r>
+              <a:rPr lang="en-US" sz="1600" dirty="0">
+                <a:solidFill>
+                  <a:schemeClr val="tx1">
+                    <a:lumMod val="50000"/>
+                    <a:lumOff val="50000"/>
+                  </a:schemeClr>
+                </a:solidFill>
+              </a:rPr>
+              <a:t> </a:t>
+            </a:r>
+            <a:r>
+              <a:rPr lang="en-US" sz="1600" dirty="0" smtClean="0">
+                <a:solidFill>
+                  <a:schemeClr val="tx1">
+                    <a:lumMod val="50000"/>
+                    <a:lumOff val="50000"/>
+                  </a:schemeClr>
+                </a:solidFill>
+              </a:rPr>
+              <a:t>      current value of </a:t>
+            </a:r>
+            <a:r>
+              <a:rPr lang="en-US" sz="1600" dirty="0" err="1" smtClean="0">
+                <a:solidFill>
+                  <a:schemeClr val="tx1">
+                    <a:lumMod val="50000"/>
+                    <a:lumOff val="50000"/>
+                  </a:schemeClr>
+                </a:solidFill>
+              </a:rPr>
+              <a:t>dist</a:t>
+            </a:r>
+            <a:r>
+              <a:rPr lang="en-US" sz="1600" dirty="0" smtClean="0">
+                <a:solidFill>
+                  <a:schemeClr val="tx1">
+                    <a:lumMod val="50000"/>
+                    <a:lumOff val="50000"/>
+                  </a:schemeClr>
+                </a:solidFill>
+              </a:rPr>
+              <a:t>[v]</a:t>
+            </a:r>
+          </a:p>
+          <a:p>
+            <a:r>
+              <a:rPr lang="en-US" dirty="0">
+                <a:solidFill>
+                  <a:schemeClr val="tx1">
+                    <a:lumMod val="50000"/>
+                    <a:lumOff val="50000"/>
+                  </a:schemeClr>
+                </a:solidFill>
+              </a:rPr>
+              <a:t> </a:t>
+            </a:r>
+            <a:r>
+              <a:rPr lang="en-US" dirty="0" smtClean="0">
+                <a:solidFill>
+                  <a:schemeClr val="tx1">
+                    <a:lumMod val="50000"/>
+                    <a:lumOff val="50000"/>
+                  </a:schemeClr>
+                </a:solidFill>
+              </a:rPr>
+              <a:t>    </a:t>
+            </a:r>
+            <a:endParaRPr lang="en-US" dirty="0"/>
+          </a:p>
+        </p:txBody>
+      </p:sp>
+      <p:sp>
+        <p:nvSpPr>
+          <p:cNvPr id="5" name="Rectangle 4"/>
+          <p:cNvSpPr/>
+          <p:nvPr/>
+        </p:nvSpPr>
+        <p:spPr>
+          <a:xfrm>
+            <a:off x="5696337" y="3921400"/>
+            <a:ext cx="5980676" cy="369332"/>
+          </a:xfrm>
+          <a:prstGeom prst="rect">
+            <a:avLst/>
+          </a:prstGeom>
+        </p:spPr>
+        <p:txBody>
+          <a:bodyPr wrap="none">
+            <a:spAutoFit/>
+          </a:bodyPr>
+          <a:lstStyle/>
+          <a:p>
+            <a:r>
+              <a:rPr lang="en-US" dirty="0">
+                <a:solidFill>
+                  <a:schemeClr val="tx1">
+                    <a:lumMod val="50000"/>
+                    <a:lumOff val="50000"/>
+                  </a:schemeClr>
+                </a:solidFill>
+              </a:rPr>
+              <a:t>In this loop, we need to update </a:t>
+            </a:r>
+            <a:r>
+              <a:rPr lang="en-US" b="1" dirty="0" err="1">
+                <a:solidFill>
+                  <a:schemeClr val="tx1">
+                    <a:lumMod val="50000"/>
+                    <a:lumOff val="50000"/>
+                  </a:schemeClr>
+                </a:solidFill>
+              </a:rPr>
+              <a:t>dist</a:t>
+            </a:r>
+            <a:r>
+              <a:rPr lang="en-US" dirty="0">
+                <a:solidFill>
+                  <a:schemeClr val="tx1">
+                    <a:lumMod val="50000"/>
+                    <a:lumOff val="50000"/>
+                  </a:schemeClr>
+                </a:solidFill>
+              </a:rPr>
+              <a:t> ( array of shortest paths ) </a:t>
+            </a:r>
+          </a:p>
+        </p:txBody>
+      </p:sp>
+      <p:cxnSp>
+        <p:nvCxnSpPr>
+          <p:cNvPr id="17" name="Straight Connector 16"/>
+          <p:cNvCxnSpPr/>
+          <p:nvPr/>
+        </p:nvCxnSpPr>
+        <p:spPr>
+          <a:xfrm>
+            <a:off x="1562162" y="4279871"/>
+            <a:ext cx="0" cy="1096801"/>
+          </a:xfrm>
+          <a:prstGeom prst="line">
+            <a:avLst/>
+          </a:prstGeom>
+        </p:spPr>
+        <p:style>
+          <a:lnRef idx="1">
+            <a:schemeClr val="accent1"/>
+          </a:lnRef>
+          <a:fillRef idx="0">
+            <a:schemeClr val="accent1"/>
+          </a:fillRef>
+          <a:effectRef idx="0">
+            <a:schemeClr val="accent1"/>
+          </a:effectRef>
+          <a:fontRef idx="minor">
+            <a:schemeClr val="tx1"/>
+          </a:fontRef>
+        </p:style>
+      </p:cxnSp>
+      <p:cxnSp>
+        <p:nvCxnSpPr>
+          <p:cNvPr id="15" name="Straight Arrow Connector 14"/>
+          <p:cNvCxnSpPr/>
+          <p:nvPr/>
+        </p:nvCxnSpPr>
+        <p:spPr>
+          <a:xfrm>
+            <a:off x="451339" y="4459646"/>
+            <a:ext cx="1036993" cy="0"/>
+          </a:xfrm>
+          <a:prstGeom prst="straightConnector1">
+            <a:avLst/>
+          </a:prstGeom>
+          <a:ln>
+            <a:tailEnd type="triangle"/>
+          </a:ln>
+        </p:spPr>
+        <p:style>
+          <a:lnRef idx="1">
+            <a:schemeClr val="accent1"/>
+          </a:lnRef>
+          <a:fillRef idx="0">
+            <a:schemeClr val="accent1"/>
+          </a:fillRef>
+          <a:effectRef idx="0">
+            <a:schemeClr val="accent1"/>
+          </a:effectRef>
+          <a:fontRef idx="minor">
+            <a:schemeClr val="tx1"/>
+          </a:fontRef>
+        </p:style>
+      </p:cxnSp>
+      <p:pic>
+        <p:nvPicPr>
+          <p:cNvPr id="10" name="Picture 9"/>
+          <p:cNvPicPr>
+            <a:picLocks noChangeAspect="1"/>
+          </p:cNvPicPr>
+          <p:nvPr/>
+        </p:nvPicPr>
+        <p:blipFill>
+          <a:blip r:embed="rId3"/>
+          <a:stretch>
+            <a:fillRect/>
+          </a:stretch>
+        </p:blipFill>
+        <p:spPr>
+          <a:xfrm>
+            <a:off x="6108580" y="1374972"/>
+            <a:ext cx="4058216" cy="2248214"/>
+          </a:xfrm>
+          <a:prstGeom prst="rect">
+            <a:avLst/>
+          </a:prstGeom>
+        </p:spPr>
+      </p:pic>
+      <p:sp>
+        <p:nvSpPr>
+          <p:cNvPr id="11" name="Oval 10"/>
+          <p:cNvSpPr/>
+          <p:nvPr/>
+        </p:nvSpPr>
+        <p:spPr>
+          <a:xfrm>
+            <a:off x="6226059" y="2298017"/>
+            <a:ext cx="603227" cy="548640"/>
+          </a:xfrm>
+          <a:prstGeom prst="ellipse">
+            <a:avLst/>
+          </a:prstGeom>
+          <a:noFill/>
+        </p:spPr>
+        <p:style>
+          <a:lnRef idx="2">
+            <a:schemeClr val="accent6"/>
+          </a:lnRef>
+          <a:fillRef idx="1">
+            <a:schemeClr val="lt1"/>
+          </a:fillRef>
+          <a:effectRef idx="0">
+            <a:schemeClr val="accent6"/>
+          </a:effectRef>
+          <a:fontRef idx="minor">
+            <a:schemeClr val="dk1"/>
+          </a:fontRef>
+        </p:style>
+        <p:txBody>
+          <a:bodyPr rtlCol="0" anchor="ctr"/>
+          <a:lstStyle/>
+          <a:p>
+            <a:pPr algn="ctr"/>
+            <a:endParaRPr lang="en-US"/>
+          </a:p>
+        </p:txBody>
+      </p:sp>
+      <p:sp>
+        <p:nvSpPr>
+          <p:cNvPr id="13" name="Oval 12"/>
+          <p:cNvSpPr/>
+          <p:nvPr/>
+        </p:nvSpPr>
+        <p:spPr>
+          <a:xfrm>
+            <a:off x="6933630" y="1608495"/>
+            <a:ext cx="603227" cy="548640"/>
+          </a:xfrm>
+          <a:prstGeom prst="ellipse">
+            <a:avLst/>
+          </a:prstGeom>
+          <a:noFill/>
+          <a:ln>
+            <a:solidFill>
+              <a:schemeClr val="accent4"/>
+            </a:solidFill>
+          </a:ln>
+        </p:spPr>
+        <p:style>
+          <a:lnRef idx="2">
+            <a:schemeClr val="accent6"/>
+          </a:lnRef>
+          <a:fillRef idx="1">
+            <a:schemeClr val="lt1"/>
+          </a:fillRef>
+          <a:effectRef idx="0">
+            <a:schemeClr val="accent6"/>
+          </a:effectRef>
+          <a:fontRef idx="minor">
+            <a:schemeClr val="dk1"/>
+          </a:fontRef>
+        </p:style>
+        <p:txBody>
+          <a:bodyPr rtlCol="0" anchor="ctr"/>
+          <a:lstStyle/>
+          <a:p>
+            <a:pPr algn="ctr"/>
+            <a:endParaRPr lang="en-US"/>
+          </a:p>
+        </p:txBody>
+      </p:sp>
+      <p:sp>
+        <p:nvSpPr>
+          <p:cNvPr id="14" name="Oval 13"/>
+          <p:cNvSpPr/>
+          <p:nvPr/>
+        </p:nvSpPr>
+        <p:spPr>
+          <a:xfrm>
+            <a:off x="8733544" y="1598493"/>
+            <a:ext cx="603227" cy="548640"/>
+          </a:xfrm>
+          <a:prstGeom prst="ellipse">
+            <a:avLst/>
+          </a:prstGeom>
+          <a:noFill/>
+          <a:ln>
+            <a:solidFill>
+              <a:srgbClr val="FF0000"/>
+            </a:solidFill>
+          </a:ln>
+        </p:spPr>
+        <p:style>
+          <a:lnRef idx="2">
+            <a:schemeClr val="accent6"/>
+          </a:lnRef>
+          <a:fillRef idx="1">
+            <a:schemeClr val="lt1"/>
+          </a:fillRef>
+          <a:effectRef idx="0">
+            <a:schemeClr val="accent6"/>
+          </a:effectRef>
+          <a:fontRef idx="minor">
+            <a:schemeClr val="dk1"/>
+          </a:fontRef>
+        </p:style>
+        <p:txBody>
+          <a:bodyPr rtlCol="0" anchor="ctr"/>
+          <a:lstStyle/>
+          <a:p>
+            <a:pPr algn="ctr"/>
+            <a:endParaRPr lang="en-US"/>
+          </a:p>
+        </p:txBody>
+      </p:sp>
+      <p:sp>
+        <p:nvSpPr>
+          <p:cNvPr id="3" name="TextBox 2"/>
+          <p:cNvSpPr txBox="1"/>
+          <p:nvPr/>
+        </p:nvSpPr>
+        <p:spPr>
+          <a:xfrm>
+            <a:off x="9265170" y="1163751"/>
+            <a:ext cx="2129109" cy="276999"/>
+          </a:xfrm>
+          <a:prstGeom prst="rect">
+            <a:avLst/>
+          </a:prstGeom>
+          <a:noFill/>
+        </p:spPr>
+        <p:txBody>
+          <a:bodyPr wrap="none" rtlCol="0">
+            <a:spAutoFit/>
+          </a:bodyPr>
+          <a:lstStyle/>
+          <a:p>
+            <a:r>
+              <a:rPr lang="en-US" sz="1200" dirty="0" smtClean="0"/>
+              <a:t>No direct connection to node 3</a:t>
+            </a:r>
+            <a:endParaRPr lang="en-US" sz="1200" dirty="0"/>
+          </a:p>
+        </p:txBody>
+      </p:sp>
+      <p:cxnSp>
+        <p:nvCxnSpPr>
+          <p:cNvPr id="7" name="Straight Arrow Connector 6"/>
+          <p:cNvCxnSpPr/>
+          <p:nvPr/>
+        </p:nvCxnSpPr>
+        <p:spPr>
+          <a:xfrm flipH="1">
+            <a:off x="9336771" y="1450647"/>
+            <a:ext cx="168291" cy="189448"/>
+          </a:xfrm>
+          <a:prstGeom prst="straightConnector1">
+            <a:avLst/>
+          </a:prstGeom>
+          <a:ln>
+            <a:solidFill>
+              <a:srgbClr val="FF0000"/>
+            </a:solidFill>
+            <a:tailEnd type="triangle"/>
+          </a:ln>
+        </p:spPr>
+        <p:style>
+          <a:lnRef idx="1">
+            <a:schemeClr val="accent1"/>
+          </a:lnRef>
+          <a:fillRef idx="0">
+            <a:schemeClr val="accent1"/>
+          </a:fillRef>
+          <a:effectRef idx="0">
+            <a:schemeClr val="accent1"/>
+          </a:effectRef>
+          <a:fontRef idx="minor">
+            <a:schemeClr val="tx1"/>
+          </a:fontRef>
+        </p:style>
+      </p:cxnSp>
+    </p:spTree>
+    <p:extLst>
+      <p:ext uri="{BB962C8B-B14F-4D97-AF65-F5344CB8AC3E}">
+        <p14:creationId xmlns:p14="http://schemas.microsoft.com/office/powerpoint/2010/main" val="3154085716"/>
+      </p:ext>
+    </p:extLst>
+  </p:cSld>
+  <p:clrMapOvr>
+    <a:masterClrMapping/>
+  </p:clrMapOvr>
+  <p:timing>
+    <p:tnLst>
+      <p:par>
+        <p:cTn id="1" dur="indefinite" restart="never" nodeType="tmRoot"/>
+      </p:par>
+    </p:tnLst>
+  </p:timing>
+</p:sld>
+</file>
+
+<file path=ppt/slides/slide23.xml><?xml version="1.0" encoding="utf-8"?>
+<p:sld xmlns:a="http://schemas.openxmlformats.org/drawingml/2006/main" xmlns:r="http://schemas.openxmlformats.org/officeDocument/2006/relationships" xmlns:p="http://schemas.openxmlformats.org/presentationml/2006/main">
+  <p:cSld>
+    <p:spTree>
+      <p:nvGrpSpPr>
+        <p:cNvPr id="1" name=""/>
+        <p:cNvGrpSpPr/>
+        <p:nvPr/>
+      </p:nvGrpSpPr>
+      <p:grpSpPr>
+        <a:xfrm>
+          <a:off x="0" y="0"/>
+          <a:ext cx="0" cy="0"/>
+          <a:chOff x="0" y="0"/>
+          <a:chExt cx="0" cy="0"/>
+        </a:xfrm>
+      </p:grpSpPr>
+      <p:pic>
+        <p:nvPicPr>
+          <p:cNvPr id="4" name="Picture 3"/>
+          <p:cNvPicPr>
+            <a:picLocks noChangeAspect="1"/>
+          </p:cNvPicPr>
+          <p:nvPr/>
+        </p:nvPicPr>
+        <p:blipFill>
+          <a:blip r:embed="rId2"/>
+          <a:stretch>
+            <a:fillRect/>
+          </a:stretch>
+        </p:blipFill>
+        <p:spPr>
+          <a:xfrm>
+            <a:off x="945212" y="1678496"/>
+            <a:ext cx="5377463" cy="4283392"/>
+          </a:xfrm>
+          <a:prstGeom prst="rect">
+            <a:avLst/>
+          </a:prstGeom>
+        </p:spPr>
+      </p:pic>
+      <p:sp>
+        <p:nvSpPr>
+          <p:cNvPr id="2" name="Title 1"/>
+          <p:cNvSpPr>
+            <a:spLocks noGrp="1"/>
+          </p:cNvSpPr>
+          <p:nvPr>
+            <p:ph type="title"/>
+          </p:nvPr>
+        </p:nvSpPr>
+        <p:spPr/>
+        <p:txBody>
+          <a:bodyPr/>
+          <a:lstStyle/>
+          <a:p>
+            <a:r>
+              <a:rPr lang="en-US" dirty="0"/>
+              <a:t>C++ Code Sample – Step 3</a:t>
+            </a:r>
+          </a:p>
+        </p:txBody>
+      </p:sp>
+      <p:cxnSp>
+        <p:nvCxnSpPr>
+          <p:cNvPr id="18" name="Straight Connector 17"/>
+          <p:cNvCxnSpPr/>
+          <p:nvPr/>
+        </p:nvCxnSpPr>
+        <p:spPr>
+          <a:xfrm>
+            <a:off x="1195754" y="3423125"/>
+            <a:ext cx="0" cy="1953547"/>
+          </a:xfrm>
+          <a:prstGeom prst="line">
+            <a:avLst/>
+          </a:prstGeom>
+          <a:ln>
+            <a:solidFill>
+              <a:schemeClr val="accent1">
+                <a:lumMod val="20000"/>
+                <a:lumOff val="80000"/>
+              </a:schemeClr>
+            </a:solidFill>
+          </a:ln>
+        </p:spPr>
+        <p:style>
+          <a:lnRef idx="1">
+            <a:schemeClr val="accent1"/>
+          </a:lnRef>
+          <a:fillRef idx="0">
+            <a:schemeClr val="accent1"/>
+          </a:fillRef>
+          <a:effectRef idx="0">
+            <a:schemeClr val="accent1"/>
+          </a:effectRef>
+          <a:fontRef idx="minor">
+            <a:schemeClr val="tx1"/>
+          </a:fontRef>
+        </p:style>
+      </p:cxnSp>
+      <p:cxnSp>
+        <p:nvCxnSpPr>
+          <p:cNvPr id="21" name="Straight Arrow Connector 20"/>
+          <p:cNvCxnSpPr/>
+          <p:nvPr/>
+        </p:nvCxnSpPr>
+        <p:spPr>
+          <a:xfrm flipH="1">
+            <a:off x="4126239" y="4106066"/>
+            <a:ext cx="1570098" cy="184666"/>
+          </a:xfrm>
+          <a:prstGeom prst="straightConnector1">
+            <a:avLst/>
+          </a:prstGeom>
+          <a:ln>
+            <a:tailEnd type="triangle"/>
+          </a:ln>
+        </p:spPr>
+        <p:style>
+          <a:lnRef idx="1">
+            <a:schemeClr val="accent1"/>
+          </a:lnRef>
+          <a:fillRef idx="0">
+            <a:schemeClr val="accent1"/>
+          </a:fillRef>
+          <a:effectRef idx="0">
+            <a:schemeClr val="accent1"/>
+          </a:effectRef>
+          <a:fontRef idx="minor">
+            <a:schemeClr val="tx1"/>
+          </a:fontRef>
+        </p:style>
+      </p:cxnSp>
+      <p:sp>
+        <p:nvSpPr>
+          <p:cNvPr id="12" name="Rectangle 11"/>
+          <p:cNvSpPr/>
+          <p:nvPr/>
+        </p:nvSpPr>
+        <p:spPr>
+          <a:xfrm>
+            <a:off x="5923755" y="4279871"/>
+            <a:ext cx="6107791" cy="1661993"/>
+          </a:xfrm>
+          <a:prstGeom prst="rect">
+            <a:avLst/>
+          </a:prstGeom>
+        </p:spPr>
+        <p:txBody>
+          <a:bodyPr wrap="square">
+            <a:spAutoFit/>
+          </a:bodyPr>
+          <a:lstStyle/>
+          <a:p>
+            <a:r>
+              <a:rPr lang="en-US" b="1" dirty="0">
+                <a:solidFill>
+                  <a:schemeClr val="tx1">
+                    <a:lumMod val="50000"/>
+                    <a:lumOff val="50000"/>
+                  </a:schemeClr>
+                </a:solidFill>
+              </a:rPr>
+              <a:t> </a:t>
+            </a:r>
+            <a:r>
+              <a:rPr lang="en-US" b="1" dirty="0" smtClean="0">
+                <a:solidFill>
+                  <a:schemeClr val="tx1">
+                    <a:lumMod val="50000"/>
+                    <a:lumOff val="50000"/>
+                  </a:schemeClr>
+                </a:solidFill>
+              </a:rPr>
+              <a:t>if</a:t>
+            </a:r>
+          </a:p>
+          <a:p>
+            <a:r>
+              <a:rPr lang="en-US" b="1" dirty="0" smtClean="0">
+                <a:solidFill>
+                  <a:schemeClr val="tx1">
+                    <a:lumMod val="50000"/>
+                    <a:lumOff val="50000"/>
+                  </a:schemeClr>
+                </a:solidFill>
+              </a:rPr>
+              <a:t>    </a:t>
+            </a:r>
+            <a:r>
+              <a:rPr lang="en-US" sz="1600" dirty="0" smtClean="0">
+                <a:solidFill>
+                  <a:schemeClr val="tx1">
+                    <a:lumMod val="50000"/>
+                    <a:lumOff val="50000"/>
+                  </a:schemeClr>
+                </a:solidFill>
+              </a:rPr>
+              <a:t>-</a:t>
+            </a:r>
+            <a:r>
+              <a:rPr lang="en-US" sz="1600" b="1" dirty="0" smtClean="0">
+                <a:solidFill>
+                  <a:schemeClr val="tx1">
+                    <a:lumMod val="50000"/>
+                    <a:lumOff val="50000"/>
+                  </a:schemeClr>
+                </a:solidFill>
+              </a:rPr>
+              <a:t> </a:t>
+            </a:r>
+            <a:r>
+              <a:rPr lang="en-US" sz="1600" dirty="0">
+                <a:solidFill>
+                  <a:schemeClr val="tx1">
+                    <a:lumMod val="50000"/>
+                    <a:lumOff val="50000"/>
+                  </a:schemeClr>
+                </a:solidFill>
+              </a:rPr>
+              <a:t>node</a:t>
+            </a:r>
+            <a:r>
+              <a:rPr lang="en-US" sz="1600" b="1" dirty="0">
+                <a:solidFill>
+                  <a:schemeClr val="tx1">
+                    <a:lumMod val="50000"/>
+                    <a:lumOff val="50000"/>
+                  </a:schemeClr>
+                </a:solidFill>
+              </a:rPr>
+              <a:t> </a:t>
+            </a:r>
+            <a:r>
+              <a:rPr lang="en-US" sz="1600" dirty="0">
+                <a:solidFill>
+                  <a:schemeClr val="tx1">
+                    <a:lumMod val="50000"/>
+                    <a:lumOff val="50000"/>
+                  </a:schemeClr>
+                </a:solidFill>
+              </a:rPr>
+              <a:t>is not yet visited</a:t>
+            </a:r>
+          </a:p>
+          <a:p>
+            <a:r>
+              <a:rPr lang="en-US" sz="1600" dirty="0" smtClean="0">
+                <a:solidFill>
+                  <a:schemeClr val="tx1">
+                    <a:lumMod val="50000"/>
+                    <a:lumOff val="50000"/>
+                  </a:schemeClr>
+                </a:solidFill>
+              </a:rPr>
+              <a:t>     - node is connected to another node (there is an edge from u to v )</a:t>
+            </a:r>
+          </a:p>
+          <a:p>
+            <a:r>
+              <a:rPr lang="en-US" sz="1600" dirty="0">
+                <a:solidFill>
+                  <a:schemeClr val="tx1">
+                    <a:lumMod val="50000"/>
+                    <a:lumOff val="50000"/>
+                  </a:schemeClr>
+                </a:solidFill>
+              </a:rPr>
+              <a:t> </a:t>
+            </a:r>
+            <a:r>
+              <a:rPr lang="en-US" sz="1600" dirty="0" smtClean="0">
+                <a:solidFill>
+                  <a:schemeClr val="tx1">
+                    <a:lumMod val="50000"/>
+                    <a:lumOff val="50000"/>
+                  </a:schemeClr>
+                </a:solidFill>
+              </a:rPr>
+              <a:t>    - the total weight of path from </a:t>
+            </a:r>
+            <a:r>
+              <a:rPr lang="en-US" sz="1600" dirty="0" err="1" smtClean="0">
+                <a:solidFill>
+                  <a:schemeClr val="tx1">
+                    <a:lumMod val="50000"/>
+                    <a:lumOff val="50000"/>
+                  </a:schemeClr>
+                </a:solidFill>
+              </a:rPr>
+              <a:t>src</a:t>
+            </a:r>
+            <a:r>
+              <a:rPr lang="en-US" sz="1600" dirty="0" smtClean="0">
+                <a:solidFill>
+                  <a:schemeClr val="tx1">
+                    <a:lumMod val="50000"/>
+                    <a:lumOff val="50000"/>
+                  </a:schemeClr>
+                </a:solidFill>
+              </a:rPr>
+              <a:t> to v through u is smaller that     </a:t>
+            </a:r>
+          </a:p>
+          <a:p>
+            <a:r>
+              <a:rPr lang="en-US" sz="1600" dirty="0">
+                <a:solidFill>
+                  <a:schemeClr val="tx1">
+                    <a:lumMod val="50000"/>
+                    <a:lumOff val="50000"/>
+                  </a:schemeClr>
+                </a:solidFill>
+              </a:rPr>
+              <a:t> </a:t>
+            </a:r>
+            <a:r>
+              <a:rPr lang="en-US" sz="1600" dirty="0" smtClean="0">
+                <a:solidFill>
+                  <a:schemeClr val="tx1">
+                    <a:lumMod val="50000"/>
+                    <a:lumOff val="50000"/>
+                  </a:schemeClr>
+                </a:solidFill>
+              </a:rPr>
+              <a:t>      current value of </a:t>
+            </a:r>
+            <a:r>
+              <a:rPr lang="en-US" sz="1600" dirty="0" err="1" smtClean="0">
+                <a:solidFill>
+                  <a:schemeClr val="tx1">
+                    <a:lumMod val="50000"/>
+                    <a:lumOff val="50000"/>
+                  </a:schemeClr>
+                </a:solidFill>
+              </a:rPr>
+              <a:t>dist</a:t>
+            </a:r>
+            <a:r>
+              <a:rPr lang="en-US" sz="1600" dirty="0" smtClean="0">
+                <a:solidFill>
+                  <a:schemeClr val="tx1">
+                    <a:lumMod val="50000"/>
+                    <a:lumOff val="50000"/>
+                  </a:schemeClr>
+                </a:solidFill>
+              </a:rPr>
+              <a:t>[v]</a:t>
+            </a:r>
+          </a:p>
+          <a:p>
+            <a:r>
+              <a:rPr lang="en-US" dirty="0">
+                <a:solidFill>
+                  <a:schemeClr val="tx1">
+                    <a:lumMod val="50000"/>
+                    <a:lumOff val="50000"/>
+                  </a:schemeClr>
+                </a:solidFill>
+              </a:rPr>
+              <a:t> </a:t>
+            </a:r>
+            <a:r>
+              <a:rPr lang="en-US" dirty="0" smtClean="0">
+                <a:solidFill>
+                  <a:schemeClr val="tx1">
+                    <a:lumMod val="50000"/>
+                    <a:lumOff val="50000"/>
+                  </a:schemeClr>
+                </a:solidFill>
+              </a:rPr>
+              <a:t>    </a:t>
+            </a:r>
+            <a:endParaRPr lang="en-US" dirty="0"/>
+          </a:p>
+        </p:txBody>
+      </p:sp>
+      <p:sp>
+        <p:nvSpPr>
+          <p:cNvPr id="5" name="Rectangle 4"/>
+          <p:cNvSpPr/>
+          <p:nvPr/>
+        </p:nvSpPr>
+        <p:spPr>
+          <a:xfrm>
+            <a:off x="5696337" y="3921400"/>
+            <a:ext cx="5980676" cy="369332"/>
+          </a:xfrm>
+          <a:prstGeom prst="rect">
+            <a:avLst/>
+          </a:prstGeom>
+        </p:spPr>
+        <p:txBody>
+          <a:bodyPr wrap="none">
+            <a:spAutoFit/>
+          </a:bodyPr>
+          <a:lstStyle/>
+          <a:p>
+            <a:r>
+              <a:rPr lang="en-US" dirty="0">
+                <a:solidFill>
+                  <a:schemeClr val="tx1">
+                    <a:lumMod val="50000"/>
+                    <a:lumOff val="50000"/>
+                  </a:schemeClr>
+                </a:solidFill>
+              </a:rPr>
+              <a:t>In this loop, we need to update </a:t>
+            </a:r>
+            <a:r>
+              <a:rPr lang="en-US" b="1" dirty="0" err="1">
+                <a:solidFill>
+                  <a:schemeClr val="tx1">
+                    <a:lumMod val="50000"/>
+                    <a:lumOff val="50000"/>
+                  </a:schemeClr>
+                </a:solidFill>
+              </a:rPr>
+              <a:t>dist</a:t>
+            </a:r>
+            <a:r>
+              <a:rPr lang="en-US" dirty="0">
+                <a:solidFill>
+                  <a:schemeClr val="tx1">
+                    <a:lumMod val="50000"/>
+                    <a:lumOff val="50000"/>
+                  </a:schemeClr>
+                </a:solidFill>
+              </a:rPr>
+              <a:t> ( array of shortest paths ) </a:t>
+            </a:r>
+          </a:p>
+        </p:txBody>
+      </p:sp>
+      <p:cxnSp>
+        <p:nvCxnSpPr>
+          <p:cNvPr id="17" name="Straight Connector 16"/>
+          <p:cNvCxnSpPr/>
+          <p:nvPr/>
+        </p:nvCxnSpPr>
+        <p:spPr>
+          <a:xfrm>
+            <a:off x="1562162" y="4279871"/>
+            <a:ext cx="0" cy="1096801"/>
+          </a:xfrm>
+          <a:prstGeom prst="line">
+            <a:avLst/>
+          </a:prstGeom>
+        </p:spPr>
+        <p:style>
+          <a:lnRef idx="1">
+            <a:schemeClr val="accent1"/>
+          </a:lnRef>
+          <a:fillRef idx="0">
+            <a:schemeClr val="accent1"/>
+          </a:fillRef>
+          <a:effectRef idx="0">
+            <a:schemeClr val="accent1"/>
+          </a:effectRef>
+          <a:fontRef idx="minor">
+            <a:schemeClr val="tx1"/>
+          </a:fontRef>
+        </p:style>
+      </p:cxnSp>
+      <p:cxnSp>
+        <p:nvCxnSpPr>
+          <p:cNvPr id="15" name="Straight Arrow Connector 14"/>
+          <p:cNvCxnSpPr/>
+          <p:nvPr/>
+        </p:nvCxnSpPr>
+        <p:spPr>
+          <a:xfrm>
+            <a:off x="451339" y="4459646"/>
+            <a:ext cx="1036993" cy="0"/>
+          </a:xfrm>
+          <a:prstGeom prst="straightConnector1">
+            <a:avLst/>
+          </a:prstGeom>
+          <a:ln>
+            <a:tailEnd type="triangle"/>
+          </a:ln>
+        </p:spPr>
+        <p:style>
+          <a:lnRef idx="1">
+            <a:schemeClr val="accent1"/>
+          </a:lnRef>
+          <a:fillRef idx="0">
+            <a:schemeClr val="accent1"/>
+          </a:fillRef>
+          <a:effectRef idx="0">
+            <a:schemeClr val="accent1"/>
+          </a:effectRef>
+          <a:fontRef idx="minor">
+            <a:schemeClr val="tx1"/>
+          </a:fontRef>
+        </p:style>
+      </p:cxnSp>
+      <p:pic>
+        <p:nvPicPr>
+          <p:cNvPr id="10" name="Picture 9"/>
+          <p:cNvPicPr>
+            <a:picLocks noChangeAspect="1"/>
+          </p:cNvPicPr>
+          <p:nvPr/>
+        </p:nvPicPr>
+        <p:blipFill>
+          <a:blip r:embed="rId3"/>
+          <a:stretch>
+            <a:fillRect/>
+          </a:stretch>
+        </p:blipFill>
+        <p:spPr>
+          <a:xfrm>
+            <a:off x="6108580" y="1374972"/>
+            <a:ext cx="4058216" cy="2248214"/>
+          </a:xfrm>
+          <a:prstGeom prst="rect">
+            <a:avLst/>
+          </a:prstGeom>
+        </p:spPr>
+      </p:pic>
+      <p:sp>
+        <p:nvSpPr>
+          <p:cNvPr id="11" name="Oval 10"/>
+          <p:cNvSpPr/>
+          <p:nvPr/>
+        </p:nvSpPr>
+        <p:spPr>
+          <a:xfrm>
+            <a:off x="6226059" y="2298017"/>
+            <a:ext cx="603227" cy="548640"/>
+          </a:xfrm>
+          <a:prstGeom prst="ellipse">
+            <a:avLst/>
+          </a:prstGeom>
+          <a:noFill/>
+        </p:spPr>
+        <p:style>
+          <a:lnRef idx="2">
+            <a:schemeClr val="accent6"/>
+          </a:lnRef>
+          <a:fillRef idx="1">
+            <a:schemeClr val="lt1"/>
+          </a:fillRef>
+          <a:effectRef idx="0">
+            <a:schemeClr val="accent6"/>
+          </a:effectRef>
+          <a:fontRef idx="minor">
+            <a:schemeClr val="dk1"/>
+          </a:fontRef>
+        </p:style>
+        <p:txBody>
+          <a:bodyPr rtlCol="0" anchor="ctr"/>
+          <a:lstStyle/>
+          <a:p>
+            <a:pPr algn="ctr"/>
+            <a:endParaRPr lang="en-US"/>
+          </a:p>
+        </p:txBody>
+      </p:sp>
+      <p:sp>
+        <p:nvSpPr>
+          <p:cNvPr id="13" name="Oval 12"/>
+          <p:cNvSpPr/>
+          <p:nvPr/>
+        </p:nvSpPr>
+        <p:spPr>
+          <a:xfrm>
+            <a:off x="6933630" y="1608495"/>
+            <a:ext cx="603227" cy="548640"/>
+          </a:xfrm>
+          <a:prstGeom prst="ellipse">
+            <a:avLst/>
+          </a:prstGeom>
+          <a:noFill/>
+          <a:ln>
+            <a:solidFill>
+              <a:schemeClr val="accent4"/>
+            </a:solidFill>
+          </a:ln>
+        </p:spPr>
+        <p:style>
+          <a:lnRef idx="2">
+            <a:schemeClr val="accent6"/>
+          </a:lnRef>
+          <a:fillRef idx="1">
+            <a:schemeClr val="lt1"/>
+          </a:fillRef>
+          <a:effectRef idx="0">
+            <a:schemeClr val="accent6"/>
+          </a:effectRef>
+          <a:fontRef idx="minor">
+            <a:schemeClr val="dk1"/>
+          </a:fontRef>
+        </p:style>
+        <p:txBody>
+          <a:bodyPr rtlCol="0" anchor="ctr"/>
+          <a:lstStyle/>
+          <a:p>
+            <a:pPr algn="ctr"/>
+            <a:endParaRPr lang="en-US"/>
+          </a:p>
+        </p:txBody>
+      </p:sp>
+      <p:sp>
+        <p:nvSpPr>
+          <p:cNvPr id="14" name="Oval 13"/>
+          <p:cNvSpPr/>
+          <p:nvPr/>
+        </p:nvSpPr>
+        <p:spPr>
+          <a:xfrm>
+            <a:off x="9505062" y="2224759"/>
+            <a:ext cx="603227" cy="548640"/>
+          </a:xfrm>
+          <a:prstGeom prst="ellipse">
+            <a:avLst/>
+          </a:prstGeom>
+          <a:noFill/>
+          <a:ln>
+            <a:solidFill>
+              <a:srgbClr val="FF0000"/>
+            </a:solidFill>
+          </a:ln>
+        </p:spPr>
+        <p:style>
+          <a:lnRef idx="2">
+            <a:schemeClr val="accent6"/>
+          </a:lnRef>
+          <a:fillRef idx="1">
+            <a:schemeClr val="lt1"/>
+          </a:fillRef>
+          <a:effectRef idx="0">
+            <a:schemeClr val="accent6"/>
+          </a:effectRef>
+          <a:fontRef idx="minor">
+            <a:schemeClr val="dk1"/>
+          </a:fontRef>
+        </p:style>
+        <p:txBody>
+          <a:bodyPr rtlCol="0" anchor="ctr"/>
+          <a:lstStyle/>
+          <a:p>
+            <a:pPr algn="ctr"/>
+            <a:endParaRPr lang="en-US"/>
+          </a:p>
+        </p:txBody>
+      </p:sp>
+      <p:sp>
+        <p:nvSpPr>
+          <p:cNvPr id="3" name="TextBox 2"/>
+          <p:cNvSpPr txBox="1"/>
+          <p:nvPr/>
+        </p:nvSpPr>
+        <p:spPr>
+          <a:xfrm>
+            <a:off x="9669432" y="1641881"/>
+            <a:ext cx="2129109" cy="276999"/>
+          </a:xfrm>
+          <a:prstGeom prst="rect">
+            <a:avLst/>
+          </a:prstGeom>
+          <a:noFill/>
+        </p:spPr>
+        <p:txBody>
+          <a:bodyPr wrap="none" rtlCol="0">
+            <a:spAutoFit/>
+          </a:bodyPr>
+          <a:lstStyle/>
+          <a:p>
+            <a:r>
+              <a:rPr lang="en-US" sz="1200" dirty="0" smtClean="0"/>
+              <a:t>No direct connection to node 4</a:t>
+            </a:r>
+            <a:endParaRPr lang="en-US" sz="1200" dirty="0"/>
+          </a:p>
+        </p:txBody>
+      </p:sp>
+      <p:cxnSp>
+        <p:nvCxnSpPr>
+          <p:cNvPr id="7" name="Straight Arrow Connector 6"/>
+          <p:cNvCxnSpPr/>
+          <p:nvPr/>
+        </p:nvCxnSpPr>
+        <p:spPr>
+          <a:xfrm flipH="1">
+            <a:off x="10024143" y="2015287"/>
+            <a:ext cx="168291" cy="189448"/>
+          </a:xfrm>
+          <a:prstGeom prst="straightConnector1">
+            <a:avLst/>
+          </a:prstGeom>
+          <a:ln>
+            <a:solidFill>
+              <a:srgbClr val="FF0000"/>
+            </a:solidFill>
+            <a:tailEnd type="triangle"/>
+          </a:ln>
+        </p:spPr>
+        <p:style>
+          <a:lnRef idx="1">
+            <a:schemeClr val="accent1"/>
+          </a:lnRef>
+          <a:fillRef idx="0">
+            <a:schemeClr val="accent1"/>
+          </a:fillRef>
+          <a:effectRef idx="0">
+            <a:schemeClr val="accent1"/>
+          </a:effectRef>
+          <a:fontRef idx="minor">
+            <a:schemeClr val="tx1"/>
+          </a:fontRef>
+        </p:style>
+      </p:cxnSp>
+    </p:spTree>
+    <p:extLst>
+      <p:ext uri="{BB962C8B-B14F-4D97-AF65-F5344CB8AC3E}">
+        <p14:creationId xmlns:p14="http://schemas.microsoft.com/office/powerpoint/2010/main" val="2970755993"/>
+      </p:ext>
+    </p:extLst>
+  </p:cSld>
+  <p:clrMapOvr>
+    <a:masterClrMapping/>
+  </p:clrMapOvr>
+  <p:timing>
+    <p:tnLst>
+      <p:par>
+        <p:cTn id="1" dur="indefinite" restart="never" nodeType="tmRoot"/>
+      </p:par>
+    </p:tnLst>
+  </p:timing>
+</p:sld>
+</file>
+
+<file path=ppt/slides/slide24.xml><?xml version="1.0" encoding="utf-8"?>
+<p:sld xmlns:a="http://schemas.openxmlformats.org/drawingml/2006/main" xmlns:r="http://schemas.openxmlformats.org/officeDocument/2006/relationships" xmlns:p="http://schemas.openxmlformats.org/presentationml/2006/main">
+  <p:cSld>
+    <p:spTree>
+      <p:nvGrpSpPr>
+        <p:cNvPr id="1" name=""/>
+        <p:cNvGrpSpPr/>
+        <p:nvPr/>
+      </p:nvGrpSpPr>
+      <p:grpSpPr>
+        <a:xfrm>
+          <a:off x="0" y="0"/>
+          <a:ext cx="0" cy="0"/>
+          <a:chOff x="0" y="0"/>
+          <a:chExt cx="0" cy="0"/>
+        </a:xfrm>
+      </p:grpSpPr>
+      <p:pic>
+        <p:nvPicPr>
+          <p:cNvPr id="14" name="Picture 13"/>
+          <p:cNvPicPr>
+            <a:picLocks noChangeAspect="1"/>
+          </p:cNvPicPr>
+          <p:nvPr/>
+        </p:nvPicPr>
+        <p:blipFill>
+          <a:blip r:embed="rId2"/>
+          <a:stretch>
+            <a:fillRect/>
+          </a:stretch>
+        </p:blipFill>
+        <p:spPr>
+          <a:xfrm>
+            <a:off x="5989071" y="1273580"/>
+            <a:ext cx="4391638" cy="2457793"/>
+          </a:xfrm>
+          <a:prstGeom prst="rect">
+            <a:avLst/>
+          </a:prstGeom>
+        </p:spPr>
+      </p:pic>
+      <p:pic>
+        <p:nvPicPr>
+          <p:cNvPr id="4" name="Picture 3"/>
+          <p:cNvPicPr>
+            <a:picLocks noChangeAspect="1"/>
+          </p:cNvPicPr>
+          <p:nvPr/>
+        </p:nvPicPr>
+        <p:blipFill>
+          <a:blip r:embed="rId3"/>
+          <a:stretch>
+            <a:fillRect/>
+          </a:stretch>
+        </p:blipFill>
+        <p:spPr>
+          <a:xfrm>
+            <a:off x="945212" y="1678496"/>
+            <a:ext cx="5377463" cy="4283392"/>
+          </a:xfrm>
+          <a:prstGeom prst="rect">
+            <a:avLst/>
+          </a:prstGeom>
+        </p:spPr>
+      </p:pic>
+      <p:sp>
+        <p:nvSpPr>
+          <p:cNvPr id="2" name="Title 1"/>
+          <p:cNvSpPr>
+            <a:spLocks noGrp="1"/>
+          </p:cNvSpPr>
+          <p:nvPr>
+            <p:ph type="title"/>
+          </p:nvPr>
+        </p:nvSpPr>
+        <p:spPr/>
+        <p:txBody>
+          <a:bodyPr/>
+          <a:lstStyle/>
+          <a:p>
+            <a:r>
+              <a:rPr lang="en-US" dirty="0"/>
+              <a:t>C++ Code Sample – Step 3</a:t>
+            </a:r>
+          </a:p>
+        </p:txBody>
+      </p:sp>
+      <p:cxnSp>
+        <p:nvCxnSpPr>
+          <p:cNvPr id="18" name="Straight Connector 17"/>
+          <p:cNvCxnSpPr/>
+          <p:nvPr/>
+        </p:nvCxnSpPr>
+        <p:spPr>
+          <a:xfrm>
+            <a:off x="1195754" y="3423125"/>
+            <a:ext cx="0" cy="1953547"/>
+          </a:xfrm>
+          <a:prstGeom prst="line">
+            <a:avLst/>
+          </a:prstGeom>
+          <a:ln>
+            <a:solidFill>
+              <a:schemeClr val="accent1">
+                <a:lumMod val="20000"/>
+                <a:lumOff val="80000"/>
+              </a:schemeClr>
+            </a:solidFill>
+          </a:ln>
+        </p:spPr>
+        <p:style>
+          <a:lnRef idx="1">
+            <a:schemeClr val="accent1"/>
+          </a:lnRef>
+          <a:fillRef idx="0">
+            <a:schemeClr val="accent1"/>
+          </a:fillRef>
+          <a:effectRef idx="0">
+            <a:schemeClr val="accent1"/>
+          </a:effectRef>
+          <a:fontRef idx="minor">
+            <a:schemeClr val="tx1"/>
+          </a:fontRef>
+        </p:style>
+      </p:cxnSp>
+      <p:cxnSp>
+        <p:nvCxnSpPr>
+          <p:cNvPr id="21" name="Straight Arrow Connector 20"/>
+          <p:cNvCxnSpPr/>
+          <p:nvPr/>
+        </p:nvCxnSpPr>
+        <p:spPr>
+          <a:xfrm flipH="1">
+            <a:off x="4126239" y="4106066"/>
+            <a:ext cx="1570098" cy="184666"/>
+          </a:xfrm>
+          <a:prstGeom prst="straightConnector1">
+            <a:avLst/>
+          </a:prstGeom>
+          <a:ln>
+            <a:tailEnd type="triangle"/>
+          </a:ln>
+        </p:spPr>
+        <p:style>
+          <a:lnRef idx="1">
+            <a:schemeClr val="accent1"/>
+          </a:lnRef>
+          <a:fillRef idx="0">
+            <a:schemeClr val="accent1"/>
+          </a:fillRef>
+          <a:effectRef idx="0">
+            <a:schemeClr val="accent1"/>
+          </a:effectRef>
+          <a:fontRef idx="minor">
+            <a:schemeClr val="tx1"/>
+          </a:fontRef>
+        </p:style>
+      </p:cxnSp>
+      <p:sp>
+        <p:nvSpPr>
+          <p:cNvPr id="12" name="Rectangle 11"/>
+          <p:cNvSpPr/>
+          <p:nvPr/>
+        </p:nvSpPr>
+        <p:spPr>
+          <a:xfrm>
+            <a:off x="5923755" y="4279871"/>
+            <a:ext cx="6107791" cy="1661993"/>
+          </a:xfrm>
+          <a:prstGeom prst="rect">
+            <a:avLst/>
+          </a:prstGeom>
+        </p:spPr>
+        <p:txBody>
+          <a:bodyPr wrap="square">
+            <a:spAutoFit/>
+          </a:bodyPr>
+          <a:lstStyle/>
+          <a:p>
+            <a:r>
+              <a:rPr lang="en-US" b="1" dirty="0">
+                <a:solidFill>
+                  <a:schemeClr val="tx1">
+                    <a:lumMod val="50000"/>
+                    <a:lumOff val="50000"/>
+                  </a:schemeClr>
+                </a:solidFill>
+              </a:rPr>
+              <a:t> </a:t>
+            </a:r>
+            <a:r>
+              <a:rPr lang="en-US" b="1" dirty="0" smtClean="0">
+                <a:solidFill>
+                  <a:schemeClr val="tx1">
+                    <a:lumMod val="50000"/>
+                    <a:lumOff val="50000"/>
+                  </a:schemeClr>
+                </a:solidFill>
+              </a:rPr>
+              <a:t>if</a:t>
+            </a:r>
+          </a:p>
+          <a:p>
+            <a:r>
+              <a:rPr lang="en-US" b="1" dirty="0" smtClean="0">
+                <a:solidFill>
+                  <a:schemeClr val="tx1">
+                    <a:lumMod val="50000"/>
+                    <a:lumOff val="50000"/>
+                  </a:schemeClr>
+                </a:solidFill>
+              </a:rPr>
+              <a:t>    </a:t>
+            </a:r>
+            <a:r>
+              <a:rPr lang="en-US" sz="1600" dirty="0" smtClean="0">
+                <a:solidFill>
+                  <a:schemeClr val="tx1">
+                    <a:lumMod val="50000"/>
+                    <a:lumOff val="50000"/>
+                  </a:schemeClr>
+                </a:solidFill>
+              </a:rPr>
+              <a:t>-</a:t>
+            </a:r>
+            <a:r>
+              <a:rPr lang="en-US" sz="1600" b="1" dirty="0" smtClean="0">
+                <a:solidFill>
+                  <a:schemeClr val="tx1">
+                    <a:lumMod val="50000"/>
+                    <a:lumOff val="50000"/>
+                  </a:schemeClr>
+                </a:solidFill>
+              </a:rPr>
+              <a:t> </a:t>
+            </a:r>
+            <a:r>
+              <a:rPr lang="en-US" sz="1600" dirty="0">
+                <a:solidFill>
+                  <a:schemeClr val="tx1">
+                    <a:lumMod val="50000"/>
+                    <a:lumOff val="50000"/>
+                  </a:schemeClr>
+                </a:solidFill>
+              </a:rPr>
+              <a:t>node</a:t>
+            </a:r>
+            <a:r>
+              <a:rPr lang="en-US" sz="1600" b="1" dirty="0">
+                <a:solidFill>
+                  <a:schemeClr val="tx1">
+                    <a:lumMod val="50000"/>
+                    <a:lumOff val="50000"/>
+                  </a:schemeClr>
+                </a:solidFill>
+              </a:rPr>
+              <a:t> </a:t>
+            </a:r>
+            <a:r>
+              <a:rPr lang="en-US" sz="1600" dirty="0">
+                <a:solidFill>
+                  <a:schemeClr val="tx1">
+                    <a:lumMod val="50000"/>
+                    <a:lumOff val="50000"/>
+                  </a:schemeClr>
+                </a:solidFill>
+              </a:rPr>
+              <a:t>is not yet visited</a:t>
+            </a:r>
+          </a:p>
+          <a:p>
+            <a:r>
+              <a:rPr lang="en-US" sz="1600" dirty="0" smtClean="0">
+                <a:solidFill>
+                  <a:schemeClr val="tx1">
+                    <a:lumMod val="50000"/>
+                    <a:lumOff val="50000"/>
+                  </a:schemeClr>
+                </a:solidFill>
+              </a:rPr>
+              <a:t>     - node is connected to another node (there is an edge from u to v )</a:t>
+            </a:r>
+          </a:p>
+          <a:p>
+            <a:r>
+              <a:rPr lang="en-US" sz="1600" dirty="0">
+                <a:solidFill>
+                  <a:schemeClr val="tx1">
+                    <a:lumMod val="50000"/>
+                    <a:lumOff val="50000"/>
+                  </a:schemeClr>
+                </a:solidFill>
+              </a:rPr>
+              <a:t> </a:t>
+            </a:r>
+            <a:r>
+              <a:rPr lang="en-US" sz="1600" dirty="0" smtClean="0">
+                <a:solidFill>
+                  <a:schemeClr val="tx1">
+                    <a:lumMod val="50000"/>
+                    <a:lumOff val="50000"/>
+                  </a:schemeClr>
+                </a:solidFill>
+              </a:rPr>
+              <a:t>    - the total weight of path from </a:t>
+            </a:r>
+            <a:r>
+              <a:rPr lang="en-US" sz="1600" dirty="0" err="1" smtClean="0">
+                <a:solidFill>
+                  <a:schemeClr val="tx1">
+                    <a:lumMod val="50000"/>
+                    <a:lumOff val="50000"/>
+                  </a:schemeClr>
+                </a:solidFill>
+              </a:rPr>
+              <a:t>src</a:t>
+            </a:r>
+            <a:r>
+              <a:rPr lang="en-US" sz="1600" dirty="0" smtClean="0">
+                <a:solidFill>
+                  <a:schemeClr val="tx1">
+                    <a:lumMod val="50000"/>
+                    <a:lumOff val="50000"/>
+                  </a:schemeClr>
+                </a:solidFill>
+              </a:rPr>
+              <a:t> to v through u is smaller that     </a:t>
+            </a:r>
+          </a:p>
+          <a:p>
+            <a:r>
+              <a:rPr lang="en-US" sz="1600" dirty="0">
+                <a:solidFill>
+                  <a:schemeClr val="tx1">
+                    <a:lumMod val="50000"/>
+                    <a:lumOff val="50000"/>
+                  </a:schemeClr>
+                </a:solidFill>
+              </a:rPr>
+              <a:t> </a:t>
+            </a:r>
+            <a:r>
+              <a:rPr lang="en-US" sz="1600" dirty="0" smtClean="0">
+                <a:solidFill>
+                  <a:schemeClr val="tx1">
+                    <a:lumMod val="50000"/>
+                    <a:lumOff val="50000"/>
+                  </a:schemeClr>
+                </a:solidFill>
+              </a:rPr>
+              <a:t>      current value of </a:t>
+            </a:r>
+            <a:r>
+              <a:rPr lang="en-US" sz="1600" dirty="0" err="1" smtClean="0">
+                <a:solidFill>
+                  <a:schemeClr val="tx1">
+                    <a:lumMod val="50000"/>
+                    <a:lumOff val="50000"/>
+                  </a:schemeClr>
+                </a:solidFill>
+              </a:rPr>
+              <a:t>dist</a:t>
+            </a:r>
+            <a:r>
+              <a:rPr lang="en-US" sz="1600" dirty="0" smtClean="0">
+                <a:solidFill>
+                  <a:schemeClr val="tx1">
+                    <a:lumMod val="50000"/>
+                    <a:lumOff val="50000"/>
+                  </a:schemeClr>
+                </a:solidFill>
+              </a:rPr>
+              <a:t>[v]</a:t>
+            </a:r>
+          </a:p>
+          <a:p>
+            <a:r>
+              <a:rPr lang="en-US" dirty="0">
+                <a:solidFill>
+                  <a:schemeClr val="tx1">
+                    <a:lumMod val="50000"/>
+                    <a:lumOff val="50000"/>
+                  </a:schemeClr>
+                </a:solidFill>
+              </a:rPr>
+              <a:t> </a:t>
+            </a:r>
+            <a:r>
+              <a:rPr lang="en-US" dirty="0" smtClean="0">
+                <a:solidFill>
+                  <a:schemeClr val="tx1">
+                    <a:lumMod val="50000"/>
+                    <a:lumOff val="50000"/>
+                  </a:schemeClr>
+                </a:solidFill>
+              </a:rPr>
+              <a:t>    </a:t>
+            </a:r>
+            <a:endParaRPr lang="en-US" dirty="0"/>
+          </a:p>
+        </p:txBody>
+      </p:sp>
+      <p:sp>
+        <p:nvSpPr>
+          <p:cNvPr id="5" name="Rectangle 4"/>
+          <p:cNvSpPr/>
+          <p:nvPr/>
+        </p:nvSpPr>
+        <p:spPr>
+          <a:xfrm>
+            <a:off x="5696337" y="3921400"/>
+            <a:ext cx="5980676" cy="369332"/>
+          </a:xfrm>
+          <a:prstGeom prst="rect">
+            <a:avLst/>
+          </a:prstGeom>
+        </p:spPr>
+        <p:txBody>
+          <a:bodyPr wrap="none">
+            <a:spAutoFit/>
+          </a:bodyPr>
+          <a:lstStyle/>
+          <a:p>
+            <a:r>
+              <a:rPr lang="en-US" dirty="0">
+                <a:solidFill>
+                  <a:schemeClr val="tx1">
+                    <a:lumMod val="50000"/>
+                    <a:lumOff val="50000"/>
+                  </a:schemeClr>
+                </a:solidFill>
+              </a:rPr>
+              <a:t>In this loop, we need to update </a:t>
+            </a:r>
+            <a:r>
+              <a:rPr lang="en-US" b="1" dirty="0" err="1">
+                <a:solidFill>
+                  <a:schemeClr val="tx1">
+                    <a:lumMod val="50000"/>
+                    <a:lumOff val="50000"/>
+                  </a:schemeClr>
+                </a:solidFill>
+              </a:rPr>
+              <a:t>dist</a:t>
+            </a:r>
+            <a:r>
+              <a:rPr lang="en-US" dirty="0">
+                <a:solidFill>
+                  <a:schemeClr val="tx1">
+                    <a:lumMod val="50000"/>
+                    <a:lumOff val="50000"/>
+                  </a:schemeClr>
+                </a:solidFill>
+              </a:rPr>
+              <a:t> ( array of shortest paths ) </a:t>
+            </a:r>
+          </a:p>
+        </p:txBody>
+      </p:sp>
+      <p:cxnSp>
+        <p:nvCxnSpPr>
+          <p:cNvPr id="17" name="Straight Connector 16"/>
+          <p:cNvCxnSpPr/>
+          <p:nvPr/>
+        </p:nvCxnSpPr>
+        <p:spPr>
+          <a:xfrm>
+            <a:off x="1562162" y="4279871"/>
+            <a:ext cx="0" cy="1096801"/>
+          </a:xfrm>
+          <a:prstGeom prst="line">
+            <a:avLst/>
+          </a:prstGeom>
+        </p:spPr>
+        <p:style>
+          <a:lnRef idx="1">
+            <a:schemeClr val="accent1"/>
+          </a:lnRef>
+          <a:fillRef idx="0">
+            <a:schemeClr val="accent1"/>
+          </a:fillRef>
+          <a:effectRef idx="0">
+            <a:schemeClr val="accent1"/>
+          </a:effectRef>
+          <a:fontRef idx="minor">
+            <a:schemeClr val="tx1"/>
+          </a:fontRef>
+        </p:style>
+      </p:cxnSp>
+      <p:cxnSp>
+        <p:nvCxnSpPr>
+          <p:cNvPr id="15" name="Straight Arrow Connector 14"/>
+          <p:cNvCxnSpPr/>
+          <p:nvPr/>
+        </p:nvCxnSpPr>
+        <p:spPr>
+          <a:xfrm>
+            <a:off x="451339" y="4459646"/>
+            <a:ext cx="1036993" cy="0"/>
+          </a:xfrm>
+          <a:prstGeom prst="straightConnector1">
+            <a:avLst/>
+          </a:prstGeom>
+          <a:ln>
+            <a:tailEnd type="triangle"/>
+          </a:ln>
+        </p:spPr>
+        <p:style>
+          <a:lnRef idx="1">
+            <a:schemeClr val="accent1"/>
+          </a:lnRef>
+          <a:fillRef idx="0">
+            <a:schemeClr val="accent1"/>
+          </a:fillRef>
+          <a:effectRef idx="0">
+            <a:schemeClr val="accent1"/>
+          </a:effectRef>
+          <a:fontRef idx="minor">
+            <a:schemeClr val="tx1"/>
+          </a:fontRef>
+        </p:style>
+      </p:cxnSp>
+      <p:sp>
+        <p:nvSpPr>
+          <p:cNvPr id="11" name="Oval 10"/>
+          <p:cNvSpPr/>
+          <p:nvPr/>
+        </p:nvSpPr>
+        <p:spPr>
+          <a:xfrm>
+            <a:off x="6226059" y="2298017"/>
+            <a:ext cx="603227" cy="548640"/>
+          </a:xfrm>
+          <a:prstGeom prst="ellipse">
+            <a:avLst/>
+          </a:prstGeom>
+          <a:noFill/>
+        </p:spPr>
+        <p:style>
+          <a:lnRef idx="2">
+            <a:schemeClr val="accent6"/>
+          </a:lnRef>
+          <a:fillRef idx="1">
+            <a:schemeClr val="lt1"/>
+          </a:fillRef>
+          <a:effectRef idx="0">
+            <a:schemeClr val="accent6"/>
+          </a:effectRef>
+          <a:fontRef idx="minor">
+            <a:schemeClr val="dk1"/>
+          </a:fontRef>
+        </p:style>
+        <p:txBody>
+          <a:bodyPr rtlCol="0" anchor="ctr"/>
+          <a:lstStyle/>
+          <a:p>
+            <a:pPr algn="ctr"/>
+            <a:endParaRPr lang="en-US"/>
+          </a:p>
+        </p:txBody>
+      </p:sp>
+      <p:sp>
+        <p:nvSpPr>
+          <p:cNvPr id="13" name="Oval 12"/>
+          <p:cNvSpPr/>
+          <p:nvPr/>
+        </p:nvSpPr>
+        <p:spPr>
+          <a:xfrm>
+            <a:off x="6933630" y="1608495"/>
+            <a:ext cx="603227" cy="548640"/>
+          </a:xfrm>
+          <a:prstGeom prst="ellipse">
+            <a:avLst/>
+          </a:prstGeom>
+          <a:noFill/>
+          <a:ln>
+            <a:solidFill>
+              <a:schemeClr val="accent4"/>
+            </a:solidFill>
+          </a:ln>
+        </p:spPr>
+        <p:style>
+          <a:lnRef idx="2">
+            <a:schemeClr val="accent6"/>
+          </a:lnRef>
+          <a:fillRef idx="1">
+            <a:schemeClr val="lt1"/>
+          </a:fillRef>
+          <a:effectRef idx="0">
+            <a:schemeClr val="accent6"/>
+          </a:effectRef>
+          <a:fontRef idx="minor">
+            <a:schemeClr val="dk1"/>
+          </a:fontRef>
+        </p:style>
+        <p:txBody>
+          <a:bodyPr rtlCol="0" anchor="ctr"/>
+          <a:lstStyle/>
+          <a:p>
+            <a:pPr algn="ctr"/>
+            <a:endParaRPr lang="en-US"/>
+          </a:p>
+        </p:txBody>
+      </p:sp>
+      <p:sp>
+        <p:nvSpPr>
+          <p:cNvPr id="16" name="Oval 15"/>
+          <p:cNvSpPr/>
+          <p:nvPr/>
+        </p:nvSpPr>
+        <p:spPr>
+          <a:xfrm>
+            <a:off x="6933630" y="2930353"/>
+            <a:ext cx="603227" cy="548640"/>
+          </a:xfrm>
+          <a:prstGeom prst="ellipse">
+            <a:avLst/>
+          </a:prstGeom>
+          <a:noFill/>
+          <a:ln>
+            <a:solidFill>
+              <a:schemeClr val="accent4"/>
+            </a:solidFill>
+          </a:ln>
+        </p:spPr>
+        <p:style>
+          <a:lnRef idx="2">
+            <a:schemeClr val="accent6"/>
+          </a:lnRef>
+          <a:fillRef idx="1">
+            <a:schemeClr val="lt1"/>
+          </a:fillRef>
+          <a:effectRef idx="0">
+            <a:schemeClr val="accent6"/>
+          </a:effectRef>
+          <a:fontRef idx="minor">
+            <a:schemeClr val="dk1"/>
+          </a:fontRef>
+        </p:style>
+        <p:txBody>
+          <a:bodyPr rtlCol="0" anchor="ctr"/>
+          <a:lstStyle/>
+          <a:p>
+            <a:pPr algn="ctr"/>
+            <a:endParaRPr lang="en-US"/>
+          </a:p>
+        </p:txBody>
+      </p:sp>
+    </p:spTree>
+    <p:extLst>
+      <p:ext uri="{BB962C8B-B14F-4D97-AF65-F5344CB8AC3E}">
+        <p14:creationId xmlns:p14="http://schemas.microsoft.com/office/powerpoint/2010/main" val="450450057"/>
+      </p:ext>
+    </p:extLst>
+  </p:cSld>
+  <p:clrMapOvr>
+    <a:masterClrMapping/>
+  </p:clrMapOvr>
+  <p:timing>
+    <p:tnLst>
+      <p:par>
+        <p:cTn id="1" dur="indefinite" restart="never" nodeType="tmRoot"/>
+      </p:par>
+    </p:tnLst>
+  </p:timing>
+</p:sld>
+</file>
+
+<file path=ppt/slides/slide25.xml><?xml version="1.0" encoding="utf-8"?>
+<p:sld xmlns:a="http://schemas.openxmlformats.org/drawingml/2006/main" xmlns:r="http://schemas.openxmlformats.org/officeDocument/2006/relationships" xmlns:p="http://schemas.openxmlformats.org/presentationml/2006/main">
+  <p:cSld>
+    <p:spTree>
+      <p:nvGrpSpPr>
+        <p:cNvPr id="1" name=""/>
+        <p:cNvGrpSpPr/>
+        <p:nvPr/>
+      </p:nvGrpSpPr>
+      <p:grpSpPr>
+        <a:xfrm>
+          <a:off x="0" y="0"/>
+          <a:ext cx="0" cy="0"/>
+          <a:chOff x="0" y="0"/>
+          <a:chExt cx="0" cy="0"/>
+        </a:xfrm>
+      </p:grpSpPr>
+      <p:pic>
+        <p:nvPicPr>
+          <p:cNvPr id="3" name="Picture 2"/>
+          <p:cNvPicPr>
+            <a:picLocks noChangeAspect="1"/>
+          </p:cNvPicPr>
+          <p:nvPr/>
+        </p:nvPicPr>
+        <p:blipFill>
+          <a:blip r:embed="rId2"/>
+          <a:stretch>
+            <a:fillRect/>
+          </a:stretch>
+        </p:blipFill>
+        <p:spPr>
+          <a:xfrm>
+            <a:off x="6642418" y="1942105"/>
+            <a:ext cx="4391638" cy="2457793"/>
+          </a:xfrm>
+          <a:prstGeom prst="rect">
+            <a:avLst/>
+          </a:prstGeom>
+        </p:spPr>
+      </p:pic>
+      <p:pic>
+        <p:nvPicPr>
+          <p:cNvPr id="4" name="Picture 3"/>
+          <p:cNvPicPr>
+            <a:picLocks noChangeAspect="1"/>
+          </p:cNvPicPr>
+          <p:nvPr/>
+        </p:nvPicPr>
+        <p:blipFill>
+          <a:blip r:embed="rId3"/>
+          <a:stretch>
+            <a:fillRect/>
+          </a:stretch>
+        </p:blipFill>
+        <p:spPr>
+          <a:xfrm>
+            <a:off x="945212" y="1678496"/>
+            <a:ext cx="5377463" cy="4283392"/>
+          </a:xfrm>
+          <a:prstGeom prst="rect">
+            <a:avLst/>
+          </a:prstGeom>
+        </p:spPr>
+      </p:pic>
+      <p:sp>
+        <p:nvSpPr>
+          <p:cNvPr id="2" name="Title 1"/>
+          <p:cNvSpPr>
+            <a:spLocks noGrp="1"/>
+          </p:cNvSpPr>
+          <p:nvPr>
+            <p:ph type="title"/>
+          </p:nvPr>
+        </p:nvSpPr>
+        <p:spPr/>
+        <p:txBody>
+          <a:bodyPr/>
+          <a:lstStyle/>
+          <a:p>
+            <a:r>
+              <a:rPr lang="en-US" dirty="0"/>
+              <a:t>C++ Code Sample – </a:t>
+            </a:r>
+            <a:r>
+              <a:rPr lang="en-US" dirty="0" smtClean="0"/>
+              <a:t>Go Back to Step </a:t>
+            </a:r>
+            <a:r>
+              <a:rPr lang="en-US" dirty="0"/>
+              <a:t>2</a:t>
+            </a:r>
+          </a:p>
+        </p:txBody>
+      </p:sp>
+      <p:cxnSp>
+        <p:nvCxnSpPr>
+          <p:cNvPr id="15" name="Straight Arrow Connector 14"/>
+          <p:cNvCxnSpPr/>
+          <p:nvPr/>
+        </p:nvCxnSpPr>
+        <p:spPr>
+          <a:xfrm>
+            <a:off x="451339" y="4459646"/>
+            <a:ext cx="644769" cy="0"/>
+          </a:xfrm>
+          <a:prstGeom prst="straightConnector1">
+            <a:avLst/>
+          </a:prstGeom>
+          <a:ln>
+            <a:tailEnd type="triangle"/>
+          </a:ln>
+        </p:spPr>
+        <p:style>
+          <a:lnRef idx="1">
+            <a:schemeClr val="accent1"/>
+          </a:lnRef>
+          <a:fillRef idx="0">
+            <a:schemeClr val="accent1"/>
+          </a:fillRef>
+          <a:effectRef idx="0">
+            <a:schemeClr val="accent1"/>
+          </a:effectRef>
+          <a:fontRef idx="minor">
+            <a:schemeClr val="tx1"/>
+          </a:fontRef>
+        </p:style>
+      </p:cxnSp>
+      <p:cxnSp>
+        <p:nvCxnSpPr>
+          <p:cNvPr id="18" name="Straight Connector 17"/>
+          <p:cNvCxnSpPr/>
+          <p:nvPr/>
+        </p:nvCxnSpPr>
+        <p:spPr>
+          <a:xfrm>
+            <a:off x="1195754" y="3423125"/>
+            <a:ext cx="0" cy="1953547"/>
+          </a:xfrm>
+          <a:prstGeom prst="line">
+            <a:avLst/>
+          </a:prstGeom>
+        </p:spPr>
+        <p:style>
+          <a:lnRef idx="1">
+            <a:schemeClr val="accent1"/>
+          </a:lnRef>
+          <a:fillRef idx="0">
+            <a:schemeClr val="accent1"/>
+          </a:fillRef>
+          <a:effectRef idx="0">
+            <a:schemeClr val="accent1"/>
+          </a:effectRef>
+          <a:fontRef idx="minor">
+            <a:schemeClr val="tx1"/>
+          </a:fontRef>
+        </p:style>
+      </p:cxnSp>
+      <p:cxnSp>
+        <p:nvCxnSpPr>
+          <p:cNvPr id="21" name="Straight Arrow Connector 20"/>
+          <p:cNvCxnSpPr/>
+          <p:nvPr/>
+        </p:nvCxnSpPr>
+        <p:spPr>
+          <a:xfrm flipH="1">
+            <a:off x="4846085" y="3816276"/>
+            <a:ext cx="1659841" cy="10861"/>
+          </a:xfrm>
+          <a:prstGeom prst="straightConnector1">
+            <a:avLst/>
+          </a:prstGeom>
+          <a:ln>
+            <a:tailEnd type="triangle"/>
+          </a:ln>
+        </p:spPr>
+        <p:style>
+          <a:lnRef idx="1">
+            <a:schemeClr val="accent1"/>
+          </a:lnRef>
+          <a:fillRef idx="0">
+            <a:schemeClr val="accent1"/>
+          </a:fillRef>
+          <a:effectRef idx="0">
+            <a:schemeClr val="accent1"/>
+          </a:effectRef>
+          <a:fontRef idx="minor">
+            <a:schemeClr val="tx1"/>
+          </a:fontRef>
+        </p:style>
+      </p:cxnSp>
+      <p:sp>
+        <p:nvSpPr>
+          <p:cNvPr id="10" name="Oval 9"/>
+          <p:cNvSpPr/>
+          <p:nvPr/>
+        </p:nvSpPr>
+        <p:spPr>
+          <a:xfrm>
+            <a:off x="6901318" y="2974718"/>
+            <a:ext cx="603227" cy="548640"/>
+          </a:xfrm>
+          <a:prstGeom prst="ellipse">
+            <a:avLst/>
+          </a:prstGeom>
+          <a:noFill/>
+        </p:spPr>
+        <p:style>
+          <a:lnRef idx="2">
+            <a:schemeClr val="accent6"/>
+          </a:lnRef>
+          <a:fillRef idx="1">
+            <a:schemeClr val="lt1"/>
+          </a:fillRef>
+          <a:effectRef idx="0">
+            <a:schemeClr val="accent6"/>
+          </a:effectRef>
+          <a:fontRef idx="minor">
+            <a:schemeClr val="dk1"/>
+          </a:fontRef>
+        </p:style>
+        <p:txBody>
+          <a:bodyPr rtlCol="0" anchor="ctr"/>
+          <a:lstStyle/>
+          <a:p>
+            <a:pPr algn="ctr"/>
+            <a:endParaRPr lang="en-US"/>
+          </a:p>
+        </p:txBody>
+      </p:sp>
+      <p:sp>
+        <p:nvSpPr>
+          <p:cNvPr id="13" name="Oval 12"/>
+          <p:cNvSpPr/>
+          <p:nvPr/>
+        </p:nvSpPr>
+        <p:spPr>
+          <a:xfrm>
+            <a:off x="7598467" y="2312294"/>
+            <a:ext cx="603227" cy="548640"/>
+          </a:xfrm>
+          <a:prstGeom prst="ellipse">
+            <a:avLst/>
+          </a:prstGeom>
+          <a:noFill/>
+        </p:spPr>
+        <p:style>
+          <a:lnRef idx="2">
+            <a:schemeClr val="accent6"/>
+          </a:lnRef>
+          <a:fillRef idx="1">
+            <a:schemeClr val="lt1"/>
+          </a:fillRef>
+          <a:effectRef idx="0">
+            <a:schemeClr val="accent6"/>
+          </a:effectRef>
+          <a:fontRef idx="minor">
+            <a:schemeClr val="dk1"/>
+          </a:fontRef>
+        </p:style>
+        <p:txBody>
+          <a:bodyPr rtlCol="0" anchor="ctr"/>
+          <a:lstStyle/>
+          <a:p>
+            <a:pPr algn="ctr"/>
+            <a:endParaRPr lang="en-US"/>
+          </a:p>
+        </p:txBody>
+      </p:sp>
+    </p:spTree>
+    <p:extLst>
+      <p:ext uri="{BB962C8B-B14F-4D97-AF65-F5344CB8AC3E}">
+        <p14:creationId xmlns:p14="http://schemas.microsoft.com/office/powerpoint/2010/main" val="1963095501"/>
+      </p:ext>
+    </p:extLst>
+  </p:cSld>
+  <p:clrMapOvr>
+    <a:masterClrMapping/>
+  </p:clrMapOvr>
+  <p:timing>
+    <p:tnLst>
+      <p:par>
+        <p:cTn id="1" dur="indefinite" restart="never" nodeType="tmRoot"/>
+      </p:par>
+    </p:tnLst>
+  </p:timing>
+</p:sld>
+</file>
+
+<file path=ppt/slides/slide26.xml><?xml version="1.0" encoding="utf-8"?>
+<p:sld xmlns:a="http://schemas.openxmlformats.org/drawingml/2006/main" xmlns:r="http://schemas.openxmlformats.org/officeDocument/2006/relationships" xmlns:p="http://schemas.openxmlformats.org/presentationml/2006/main">
+  <p:cSld>
+    <p:spTree>
+      <p:nvGrpSpPr>
+        <p:cNvPr id="1" name=""/>
+        <p:cNvGrpSpPr/>
+        <p:nvPr/>
+      </p:nvGrpSpPr>
+      <p:grpSpPr>
+        <a:xfrm>
+          <a:off x="0" y="0"/>
+          <a:ext cx="0" cy="0"/>
+          <a:chOff x="0" y="0"/>
+          <a:chExt cx="0" cy="0"/>
+        </a:xfrm>
+      </p:grpSpPr>
+      <p:sp>
+        <p:nvSpPr>
+          <p:cNvPr id="2" name="Title 1"/>
+          <p:cNvSpPr>
+            <a:spLocks noGrp="1"/>
+          </p:cNvSpPr>
+          <p:nvPr>
+            <p:ph type="title"/>
+          </p:nvPr>
+        </p:nvSpPr>
+        <p:spPr/>
+        <p:txBody>
+          <a:bodyPr/>
+          <a:lstStyle/>
+          <a:p>
+            <a:r>
+              <a:rPr lang="en-US" dirty="0"/>
+              <a:t>C++ Code Sample – </a:t>
+            </a:r>
+            <a:r>
+              <a:rPr lang="en-US" dirty="0" smtClean="0"/>
+              <a:t>Step 4 Print Solution</a:t>
+            </a:r>
+            <a:endParaRPr lang="en-US" dirty="0"/>
+          </a:p>
+        </p:txBody>
+      </p:sp>
+      <p:pic>
+        <p:nvPicPr>
+          <p:cNvPr id="9" name="Picture 8"/>
+          <p:cNvPicPr>
+            <a:picLocks noChangeAspect="1"/>
+          </p:cNvPicPr>
+          <p:nvPr/>
+        </p:nvPicPr>
+        <p:blipFill>
+          <a:blip r:embed="rId2"/>
+          <a:stretch>
+            <a:fillRect/>
+          </a:stretch>
+        </p:blipFill>
+        <p:spPr>
+          <a:xfrm>
+            <a:off x="8424038" y="1640250"/>
+            <a:ext cx="2291762" cy="2080540"/>
+          </a:xfrm>
+          <a:prstGeom prst="rect">
+            <a:avLst/>
+          </a:prstGeom>
+        </p:spPr>
+      </p:pic>
+      <p:pic>
+        <p:nvPicPr>
+          <p:cNvPr id="1028" name="Picture 4" descr="http://d1gjlxt8vb0knt.cloudfront.net//wp-content/uploads/DIJ5.jpg"/>
+          <p:cNvPicPr>
+            <a:picLocks noChangeAspect="1" noChangeArrowheads="1"/>
+          </p:cNvPicPr>
+          <p:nvPr/>
+        </p:nvPicPr>
+        <p:blipFill>
+          <a:blip r:embed="rId3">
+            <a:extLst>
+              <a:ext uri="{28A0092B-C50C-407E-A947-70E740481C1C}">
+                <a14:useLocalDpi xmlns:a14="http://schemas.microsoft.com/office/drawing/2010/main" val="0"/>
+              </a:ext>
+            </a:extLst>
+          </a:blip>
+          <a:srcRect/>
+          <a:stretch>
+            <a:fillRect/>
+          </a:stretch>
+        </p:blipFill>
+        <p:spPr bwMode="auto">
+          <a:xfrm>
+            <a:off x="8696413" y="4672986"/>
+            <a:ext cx="2746956" cy="1468565"/>
+          </a:xfrm>
+          <a:prstGeom prst="rect">
+            <a:avLst/>
+          </a:prstGeom>
+          <a:noFill/>
+          <a:extLst>
+            <a:ext uri="{909E8E84-426E-40DD-AFC4-6F175D3DCCD1}">
+              <a14:hiddenFill xmlns:a14="http://schemas.microsoft.com/office/drawing/2010/main">
+                <a:solidFill>
+                  <a:srgbClr val="FFFFFF"/>
+                </a:solidFill>
+              </a14:hiddenFill>
+            </a:ext>
+          </a:extLst>
+        </p:spPr>
+      </p:pic>
+      <p:pic>
+        <p:nvPicPr>
+          <p:cNvPr id="1030" name="Picture 6" descr="http://d1gjlxt8vb0knt.cloudfront.net//wp-content/uploads/Fig-11.jpg"/>
+          <p:cNvPicPr>
+            <a:picLocks noChangeAspect="1" noChangeArrowheads="1"/>
+          </p:cNvPicPr>
+          <p:nvPr/>
+        </p:nvPicPr>
+        <p:blipFill>
+          <a:blip r:embed="rId4" cstate="print">
+            <a:extLst>
+              <a:ext uri="{28A0092B-C50C-407E-A947-70E740481C1C}">
+                <a14:useLocalDpi xmlns:a14="http://schemas.microsoft.com/office/drawing/2010/main" val="0"/>
+              </a:ext>
+            </a:extLst>
+          </a:blip>
+          <a:srcRect/>
+          <a:stretch>
+            <a:fillRect/>
+          </a:stretch>
+        </p:blipFill>
+        <p:spPr bwMode="auto">
+          <a:xfrm>
+            <a:off x="5585245" y="4817576"/>
+            <a:ext cx="2838793" cy="1323975"/>
+          </a:xfrm>
+          <a:prstGeom prst="rect">
+            <a:avLst/>
+          </a:prstGeom>
+          <a:noFill/>
+          <a:extLst>
+            <a:ext uri="{909E8E84-426E-40DD-AFC4-6F175D3DCCD1}">
+              <a14:hiddenFill xmlns:a14="http://schemas.microsoft.com/office/drawing/2010/main">
+                <a:solidFill>
+                  <a:srgbClr val="FFFFFF"/>
+                </a:solidFill>
+              </a14:hiddenFill>
+            </a:ext>
+          </a:extLst>
+        </p:spPr>
+      </p:pic>
+      <p:sp>
+        <p:nvSpPr>
+          <p:cNvPr id="17" name="Rectangle 16"/>
+          <p:cNvSpPr/>
+          <p:nvPr/>
+        </p:nvSpPr>
+        <p:spPr>
+          <a:xfrm>
+            <a:off x="6266317" y="4310388"/>
+            <a:ext cx="1338893" cy="369332"/>
+          </a:xfrm>
+          <a:prstGeom prst="rect">
+            <a:avLst/>
+          </a:prstGeom>
+        </p:spPr>
+        <p:txBody>
+          <a:bodyPr wrap="none">
+            <a:spAutoFit/>
+          </a:bodyPr>
+          <a:lstStyle/>
+          <a:p>
+            <a:r>
+              <a:rPr lang="en-US" dirty="0" smtClean="0">
+                <a:solidFill>
+                  <a:schemeClr val="tx1">
+                    <a:lumMod val="50000"/>
+                    <a:lumOff val="50000"/>
+                  </a:schemeClr>
+                </a:solidFill>
+              </a:rPr>
+              <a:t>Initial Graph</a:t>
+            </a:r>
+            <a:endParaRPr lang="en-US" dirty="0">
+              <a:solidFill>
+                <a:schemeClr val="tx1">
+                  <a:lumMod val="50000"/>
+                  <a:lumOff val="50000"/>
+                </a:schemeClr>
+              </a:solidFill>
+            </a:endParaRPr>
+          </a:p>
+        </p:txBody>
+      </p:sp>
+      <p:sp>
+        <p:nvSpPr>
+          <p:cNvPr id="19" name="Rectangle 18"/>
+          <p:cNvSpPr/>
+          <p:nvPr/>
+        </p:nvSpPr>
+        <p:spPr>
+          <a:xfrm>
+            <a:off x="9183906" y="4179900"/>
+            <a:ext cx="1913473" cy="369332"/>
+          </a:xfrm>
+          <a:prstGeom prst="rect">
+            <a:avLst/>
+          </a:prstGeom>
+        </p:spPr>
+        <p:txBody>
+          <a:bodyPr wrap="none">
+            <a:spAutoFit/>
+          </a:bodyPr>
+          <a:lstStyle/>
+          <a:p>
+            <a:r>
+              <a:rPr lang="en-US" dirty="0" smtClean="0">
+                <a:solidFill>
+                  <a:schemeClr val="tx1">
+                    <a:lumMod val="50000"/>
+                    <a:lumOff val="50000"/>
+                  </a:schemeClr>
+                </a:solidFill>
+              </a:rPr>
+              <a:t>Shortest Distances</a:t>
+            </a:r>
+            <a:endParaRPr lang="en-US" dirty="0">
+              <a:solidFill>
+                <a:schemeClr val="tx1">
+                  <a:lumMod val="50000"/>
+                  <a:lumOff val="50000"/>
+                </a:schemeClr>
+              </a:solidFill>
+            </a:endParaRPr>
+          </a:p>
+        </p:txBody>
+      </p:sp>
+      <p:sp>
+        <p:nvSpPr>
+          <p:cNvPr id="20" name="Rectangle 19"/>
+          <p:cNvSpPr/>
+          <p:nvPr/>
+        </p:nvSpPr>
+        <p:spPr>
+          <a:xfrm>
+            <a:off x="130425" y="1533665"/>
+            <a:ext cx="5920179" cy="3139321"/>
+          </a:xfrm>
+          <a:prstGeom prst="rect">
+            <a:avLst/>
+          </a:prstGeom>
+        </p:spPr>
+        <p:txBody>
+          <a:bodyPr wrap="square">
+            <a:spAutoFit/>
+          </a:bodyPr>
+          <a:lstStyle/>
+          <a:p>
+            <a:r>
+              <a:rPr lang="en-US" dirty="0" smtClean="0">
+                <a:solidFill>
+                  <a:schemeClr val="tx1">
+                    <a:lumMod val="50000"/>
+                    <a:lumOff val="50000"/>
+                  </a:schemeClr>
+                </a:solidFill>
+              </a:rPr>
+              <a:t>1) The </a:t>
+            </a:r>
+            <a:r>
+              <a:rPr lang="en-US" dirty="0">
+                <a:solidFill>
+                  <a:schemeClr val="tx1">
+                    <a:lumMod val="50000"/>
+                    <a:lumOff val="50000"/>
+                  </a:schemeClr>
+                </a:solidFill>
+              </a:rPr>
+              <a:t>code calculates shortest distance, but doesn’t calculate the path information. We can create a parent array, update the parent array when distance is </a:t>
+            </a:r>
+            <a:r>
+              <a:rPr lang="en-US" dirty="0" smtClean="0">
+                <a:solidFill>
+                  <a:schemeClr val="tx1">
+                    <a:lumMod val="50000"/>
+                    <a:lumOff val="50000"/>
+                  </a:schemeClr>
+                </a:solidFill>
+              </a:rPr>
+              <a:t>updated.</a:t>
+            </a:r>
+          </a:p>
+          <a:p>
+            <a:pPr marL="342900" indent="-342900">
+              <a:buAutoNum type="arabicParenR"/>
+            </a:pPr>
+            <a:endParaRPr lang="en-US" dirty="0">
+              <a:solidFill>
+                <a:schemeClr val="tx1">
+                  <a:lumMod val="50000"/>
+                  <a:lumOff val="50000"/>
+                </a:schemeClr>
+              </a:solidFill>
+            </a:endParaRPr>
+          </a:p>
+          <a:p>
+            <a:r>
+              <a:rPr lang="en-US" dirty="0">
+                <a:solidFill>
+                  <a:schemeClr val="tx1">
+                    <a:lumMod val="50000"/>
+                    <a:lumOff val="50000"/>
+                  </a:schemeClr>
+                </a:solidFill>
+              </a:rPr>
+              <a:t>2) The code is for undirected graph, same </a:t>
+            </a:r>
+            <a:r>
+              <a:rPr lang="en-US" dirty="0" err="1">
+                <a:solidFill>
+                  <a:schemeClr val="tx1">
+                    <a:lumMod val="50000"/>
+                    <a:lumOff val="50000"/>
+                  </a:schemeClr>
+                </a:solidFill>
+              </a:rPr>
+              <a:t>dijekstra</a:t>
+            </a:r>
+            <a:r>
+              <a:rPr lang="en-US" dirty="0">
+                <a:solidFill>
+                  <a:schemeClr val="tx1">
+                    <a:lumMod val="50000"/>
+                    <a:lumOff val="50000"/>
+                  </a:schemeClr>
+                </a:solidFill>
+              </a:rPr>
+              <a:t> function can be used for directed graphs also.</a:t>
+            </a:r>
+          </a:p>
+          <a:p>
+            <a:endParaRPr lang="en-US" dirty="0">
+              <a:solidFill>
+                <a:schemeClr val="tx1">
+                  <a:lumMod val="50000"/>
+                  <a:lumOff val="50000"/>
+                </a:schemeClr>
+              </a:solidFill>
+            </a:endParaRPr>
+          </a:p>
+          <a:p>
+            <a:r>
+              <a:rPr lang="en-US" dirty="0">
+                <a:solidFill>
+                  <a:schemeClr val="tx1">
+                    <a:lumMod val="50000"/>
+                    <a:lumOff val="50000"/>
+                  </a:schemeClr>
+                </a:solidFill>
+              </a:rPr>
+              <a:t>3) The code finds shortest distances from source to all vertices. If we are interested only in shortest distance from source to a single target, we can break the for loop when the picked minimum distance vertex is equal to target</a:t>
+            </a:r>
+          </a:p>
+        </p:txBody>
+      </p:sp>
+    </p:spTree>
+    <p:extLst>
+      <p:ext uri="{BB962C8B-B14F-4D97-AF65-F5344CB8AC3E}">
+        <p14:creationId xmlns:p14="http://schemas.microsoft.com/office/powerpoint/2010/main" val="3892477625"/>
+      </p:ext>
+    </p:extLst>
+  </p:cSld>
+  <p:clrMapOvr>
+    <a:masterClrMapping/>
+  </p:clrMapOvr>
+  <p:timing>
+    <p:tnLst>
+      <p:par>
+        <p:cTn id="1" dur="indefinite" restart="never" nodeType="tmRoot"/>
+      </p:par>
+    </p:tnLst>
+  </p:timing>
+</p:sld>
+</file>
+
+<file path=ppt/slides/slide27.xml><?xml version="1.0" encoding="utf-8"?>
+<p:sld xmlns:a="http://schemas.openxmlformats.org/drawingml/2006/main" xmlns:r="http://schemas.openxmlformats.org/officeDocument/2006/relationships" xmlns:p="http://schemas.openxmlformats.org/presentationml/2006/main">
+  <p:cSld>
+    <p:spTree>
+      <p:nvGrpSpPr>
+        <p:cNvPr id="1" name=""/>
+        <p:cNvGrpSpPr/>
+        <p:nvPr/>
+      </p:nvGrpSpPr>
+      <p:grpSpPr>
+        <a:xfrm>
+          <a:off x="0" y="0"/>
+          <a:ext cx="0" cy="0"/>
+          <a:chOff x="0" y="0"/>
+          <a:chExt cx="0" cy="0"/>
+        </a:xfrm>
+      </p:grpSpPr>
+      <p:sp>
+        <p:nvSpPr>
+          <p:cNvPr id="2" name="Title 1"/>
+          <p:cNvSpPr>
+            <a:spLocks noGrp="1"/>
+          </p:cNvSpPr>
+          <p:nvPr>
+            <p:ph type="title"/>
+          </p:nvPr>
+        </p:nvSpPr>
+        <p:spPr/>
+        <p:txBody>
+          <a:bodyPr/>
+          <a:lstStyle/>
+          <a:p>
+            <a:r>
               <a:rPr lang="en-US" dirty="0" smtClean="0"/>
               <a:t>Improvements</a:t>
             </a:r>
@@ -7533,7 +11040,9 @@
         </p:nvSpPr>
         <p:spPr/>
         <p:txBody>
-          <a:bodyPr/>
+          <a:bodyPr>
+            <a:normAutofit/>
+          </a:bodyPr>
           <a:lstStyle/>
           <a:p>
             <a:endParaRPr lang="en-US" dirty="0"/>
@@ -7553,7 +11062,7 @@
 </p:sld>
 </file>
 
-<file path=ppt/slides/slide23.xml><?xml version="1.0" encoding="utf-8"?>
+<file path=ppt/slides/slide28.xml><?xml version="1.0" encoding="utf-8"?>
 <p:sld xmlns:a="http://schemas.openxmlformats.org/drawingml/2006/main" xmlns:r="http://schemas.openxmlformats.org/officeDocument/2006/relationships" xmlns:p="http://schemas.openxmlformats.org/presentationml/2006/main">
   <p:cSld>
     <p:spTree>
@@ -7619,28 +11128,28 @@
                 <a:gridCol w="2139201">
                   <a:extLst>
                     <a:ext uri="{9D8B030D-6E8A-4147-A177-3AD203B41FA5}">
-                      <a16:colId xmlns:a16="http://schemas.microsoft.com/office/drawing/2014/main" xmlns="" val="1652340253"/>
+                      <a16:colId xmlns="" xmlns:a16="http://schemas.microsoft.com/office/drawing/2014/main" val="1652340253"/>
                     </a:ext>
                   </a:extLst>
                 </a:gridCol>
                 <a:gridCol w="2613229">
                   <a:extLst>
                     <a:ext uri="{9D8B030D-6E8A-4147-A177-3AD203B41FA5}">
-                      <a16:colId xmlns:a16="http://schemas.microsoft.com/office/drawing/2014/main" xmlns="" val="2914558009"/>
+                      <a16:colId xmlns="" xmlns:a16="http://schemas.microsoft.com/office/drawing/2014/main" val="2914558009"/>
                     </a:ext>
                   </a:extLst>
                 </a:gridCol>
                 <a:gridCol w="2613229">
                   <a:extLst>
                     <a:ext uri="{9D8B030D-6E8A-4147-A177-3AD203B41FA5}">
-                      <a16:colId xmlns:a16="http://schemas.microsoft.com/office/drawing/2014/main" xmlns="" val="1654783184"/>
+                      <a16:colId xmlns="" xmlns:a16="http://schemas.microsoft.com/office/drawing/2014/main" val="1654783184"/>
                     </a:ext>
                   </a:extLst>
                 </a:gridCol>
                 <a:gridCol w="2613229">
                   <a:extLst>
                     <a:ext uri="{9D8B030D-6E8A-4147-A177-3AD203B41FA5}">
-                      <a16:colId xmlns:a16="http://schemas.microsoft.com/office/drawing/2014/main" xmlns="" val="689035933"/>
+                      <a16:colId xmlns="" xmlns:a16="http://schemas.microsoft.com/office/drawing/2014/main" val="689035933"/>
                     </a:ext>
                   </a:extLst>
                 </a:gridCol>
@@ -7708,7 +11217,7 @@
                 </a:tc>
                 <a:extLst>
                   <a:ext uri="{0D108BD9-81ED-4DB2-BD59-A6C34878D82A}">
-                    <a16:rowId xmlns:a16="http://schemas.microsoft.com/office/drawing/2014/main" xmlns="" val="3578482978"/>
+                    <a16:rowId xmlns="" xmlns:a16="http://schemas.microsoft.com/office/drawing/2014/main" val="3578482978"/>
                   </a:ext>
                 </a:extLst>
               </a:tr>
@@ -7787,7 +11296,7 @@
                 </a:tc>
                 <a:extLst>
                   <a:ext uri="{0D108BD9-81ED-4DB2-BD59-A6C34878D82A}">
-                    <a16:rowId xmlns:a16="http://schemas.microsoft.com/office/drawing/2014/main" xmlns="" val="84529631"/>
+                    <a16:rowId xmlns="" xmlns:a16="http://schemas.microsoft.com/office/drawing/2014/main" val="84529631"/>
                   </a:ext>
                 </a:extLst>
               </a:tr>
@@ -7875,7 +11384,7 @@
                 </a:tc>
                 <a:extLst>
                   <a:ext uri="{0D108BD9-81ED-4DB2-BD59-A6C34878D82A}">
-                    <a16:rowId xmlns:a16="http://schemas.microsoft.com/office/drawing/2014/main" xmlns="" val="2988634213"/>
+                    <a16:rowId xmlns="" xmlns:a16="http://schemas.microsoft.com/office/drawing/2014/main" val="2988634213"/>
                   </a:ext>
                 </a:extLst>
               </a:tr>
@@ -7979,7 +11488,7 @@
                 </a:tc>
                 <a:extLst>
                   <a:ext uri="{0D108BD9-81ED-4DB2-BD59-A6C34878D82A}">
-                    <a16:rowId xmlns:a16="http://schemas.microsoft.com/office/drawing/2014/main" xmlns="" val="2740915544"/>
+                    <a16:rowId xmlns="" xmlns:a16="http://schemas.microsoft.com/office/drawing/2014/main" val="2740915544"/>
                   </a:ext>
                 </a:extLst>
               </a:tr>
@@ -8059,7 +11568,7 @@
                 </a:tc>
                 <a:extLst>
                   <a:ext uri="{0D108BD9-81ED-4DB2-BD59-A6C34878D82A}">
-                    <a16:rowId xmlns:a16="http://schemas.microsoft.com/office/drawing/2014/main" xmlns="" val="2117614425"/>
+                    <a16:rowId xmlns="" xmlns:a16="http://schemas.microsoft.com/office/drawing/2014/main" val="2117614425"/>
                   </a:ext>
                 </a:extLst>
               </a:tr>
@@ -8080,7 +11589,7 @@
 </p:sld>
 </file>
 
-<file path=ppt/slides/slide24.xml><?xml version="1.0" encoding="utf-8"?>
+<file path=ppt/slides/slide29.xml><?xml version="1.0" encoding="utf-8"?>
 <p:sld xmlns:a="http://schemas.openxmlformats.org/drawingml/2006/main" xmlns:r="http://schemas.openxmlformats.org/officeDocument/2006/relationships" xmlns:p="http://schemas.openxmlformats.org/presentationml/2006/main">
   <p:cSld>
     <p:spTree>
@@ -8155,7 +11664,7 @@
                 <a:gridCol w="3173743">
                   <a:extLst>
                     <a:ext uri="{9D8B030D-6E8A-4147-A177-3AD203B41FA5}">
-                      <a16:colId xmlns="" xmlns:a16="http://schemas.microsoft.com/office/drawing/2014/main" val="1717378049"/>
+                      <a16:colId xmlns:a16="http://schemas.microsoft.com/office/drawing/2014/main" xmlns="" val="1717378049"/>
                     </a:ext>
                   </a:extLst>
                 </a:gridCol>
@@ -8163,7 +11672,7 @@
                 <a:gridCol w="2417995">
                   <a:extLst>
                     <a:ext uri="{9D8B030D-6E8A-4147-A177-3AD203B41FA5}">
-                      <a16:colId xmlns="" xmlns:a16="http://schemas.microsoft.com/office/drawing/2014/main" val="1120144546"/>
+                      <a16:colId xmlns:a16="http://schemas.microsoft.com/office/drawing/2014/main" xmlns="" val="1120144546"/>
                     </a:ext>
                   </a:extLst>
                 </a:gridCol>
@@ -8208,7 +11717,7 @@
                 </a:tc>
                 <a:extLst>
                   <a:ext uri="{0D108BD9-81ED-4DB2-BD59-A6C34878D82A}">
-                    <a16:rowId xmlns="" xmlns:a16="http://schemas.microsoft.com/office/drawing/2014/main" val="2797329898"/>
+                    <a16:rowId xmlns:a16="http://schemas.microsoft.com/office/drawing/2014/main" xmlns="" val="2797329898"/>
                   </a:ext>
                 </a:extLst>
               </a:tr>
@@ -8269,7 +11778,7 @@
                 </a:tc>
                 <a:extLst>
                   <a:ext uri="{0D108BD9-81ED-4DB2-BD59-A6C34878D82A}">
-                    <a16:rowId xmlns="" xmlns:a16="http://schemas.microsoft.com/office/drawing/2014/main" val="4098025469"/>
+                    <a16:rowId xmlns:a16="http://schemas.microsoft.com/office/drawing/2014/main" xmlns="" val="4098025469"/>
                   </a:ext>
                 </a:extLst>
               </a:tr>
@@ -8318,7 +11827,7 @@
                 </a:tc>
                 <a:extLst>
                   <a:ext uri="{0D108BD9-81ED-4DB2-BD59-A6C34878D82A}">
-                    <a16:rowId xmlns="" xmlns:a16="http://schemas.microsoft.com/office/drawing/2014/main" val="1759008639"/>
+                    <a16:rowId xmlns:a16="http://schemas.microsoft.com/office/drawing/2014/main" xmlns="" val="1759008639"/>
                   </a:ext>
                 </a:extLst>
               </a:tr>
@@ -8396,7 +11905,7 @@
                 </a:tc>
                 <a:extLst>
                   <a:ext uri="{0D108BD9-81ED-4DB2-BD59-A6C34878D82A}">
-                    <a16:rowId xmlns="" xmlns:a16="http://schemas.microsoft.com/office/drawing/2014/main" val="1167176512"/>
+                    <a16:rowId xmlns:a16="http://schemas.microsoft.com/office/drawing/2014/main" xmlns="" val="1167176512"/>
                   </a:ext>
                 </a:extLst>
               </a:tr>
@@ -8458,7 +11967,7 @@
                 </a:tc>
                 <a:extLst>
                   <a:ext uri="{0D108BD9-81ED-4DB2-BD59-A6C34878D82A}">
-                    <a16:rowId xmlns="" xmlns:a16="http://schemas.microsoft.com/office/drawing/2014/main" val="1924488393"/>
+                    <a16:rowId xmlns:a16="http://schemas.microsoft.com/office/drawing/2014/main" xmlns="" val="1924488393"/>
                   </a:ext>
                 </a:extLst>
               </a:tr>
@@ -8520,7 +12029,7 @@
                 </a:tc>
                 <a:extLst>
                   <a:ext uri="{0D108BD9-81ED-4DB2-BD59-A6C34878D82A}">
-                    <a16:rowId xmlns="" xmlns:a16="http://schemas.microsoft.com/office/drawing/2014/main" val="1136071064"/>
+                    <a16:rowId xmlns:a16="http://schemas.microsoft.com/office/drawing/2014/main" xmlns="" val="1136071064"/>
                   </a:ext>
                 </a:extLst>
               </a:tr>
@@ -8565,7 +12074,7 @@
                 </a:tc>
                 <a:extLst>
                   <a:ext uri="{0D108BD9-81ED-4DB2-BD59-A6C34878D82A}">
-                    <a16:rowId xmlns="" xmlns:a16="http://schemas.microsoft.com/office/drawing/2014/main" val="1987395029"/>
+                    <a16:rowId xmlns:a16="http://schemas.microsoft.com/office/drawing/2014/main" xmlns="" val="1987395029"/>
                   </a:ext>
                 </a:extLst>
               </a:tr>
@@ -8622,7 +12131,7 @@
 </p:sld>
 </file>
 
-<file path=ppt/slides/slide25.xml><?xml version="1.0" encoding="utf-8"?>
+<file path=ppt/slides/slide3.xml><?xml version="1.0" encoding="utf-8"?>
 <p:sld xmlns:a="http://schemas.openxmlformats.org/drawingml/2006/main" xmlns:r="http://schemas.openxmlformats.org/officeDocument/2006/relationships" xmlns:p="http://schemas.openxmlformats.org/presentationml/2006/main">
   <p:cSld>
     <p:spTree>
@@ -8651,6 +12160,165 @@
         </p:nvSpPr>
         <p:spPr/>
         <p:txBody>
+          <a:bodyPr>
+            <a:normAutofit/>
+          </a:bodyPr>
+          <a:lstStyle/>
+          <a:p>
+            <a:r>
+              <a:rPr lang="en-US" sz="5400" b="1" dirty="0" smtClean="0"/>
+              <a:t>Problem Statements</a:t>
+            </a:r>
+            <a:r>
+              <a:rPr lang="en-US" sz="5400" dirty="0" smtClean="0"/>
+              <a:t>	</a:t>
+            </a:r>
+            <a:endParaRPr lang="en-US" sz="5400" dirty="0"/>
+          </a:p>
+        </p:txBody>
+      </p:sp>
+      <p:sp>
+        <p:nvSpPr>
+          <p:cNvPr id="3" name="Content Placeholder 2"/>
+          <p:cNvSpPr>
+            <a:spLocks noGrp="1"/>
+          </p:cNvSpPr>
+          <p:nvPr>
+            <p:ph idx="1"/>
+          </p:nvPr>
+        </p:nvSpPr>
+        <p:spPr/>
+        <p:txBody>
+          <a:bodyPr>
+            <a:normAutofit/>
+          </a:bodyPr>
+          <a:lstStyle/>
+          <a:p>
+            <a:r>
+              <a:rPr lang="en-US" sz="3200" dirty="0" smtClean="0"/>
+              <a:t>Real-life examples of this algorithm:</a:t>
+            </a:r>
+          </a:p>
+          <a:p>
+            <a:pPr lvl="1"/>
+            <a:r>
+              <a:rPr lang="en-US" sz="3200" dirty="0" smtClean="0"/>
+              <a:t>Map routing</a:t>
+            </a:r>
+          </a:p>
+          <a:p>
+            <a:pPr lvl="1"/>
+            <a:r>
+              <a:rPr lang="en-US" sz="3200" dirty="0" smtClean="0"/>
+              <a:t>Networking</a:t>
+            </a:r>
+          </a:p>
+          <a:p>
+            <a:pPr lvl="1"/>
+            <a:r>
+              <a:rPr lang="en-US" sz="3200" dirty="0" smtClean="0"/>
+              <a:t>Currency Exchange</a:t>
+            </a:r>
+          </a:p>
+          <a:p>
+            <a:pPr lvl="1"/>
+            <a:r>
+              <a:rPr lang="en-US" sz="3200" dirty="0" smtClean="0"/>
+              <a:t>Flight Plans</a:t>
+            </a:r>
+          </a:p>
+        </p:txBody>
+      </p:sp>
+      <p:pic>
+        <p:nvPicPr>
+          <p:cNvPr id="1028" name="Picture 4" descr="dijkstra-map"/>
+          <p:cNvPicPr>
+            <a:picLocks noChangeAspect="1" noChangeArrowheads="1"/>
+          </p:cNvPicPr>
+          <p:nvPr/>
+        </p:nvPicPr>
+        <p:blipFill>
+          <a:blip r:embed="rId2">
+            <a:extLst>
+              <a:ext uri="{28A0092B-C50C-407E-A947-70E740481C1C}">
+                <a14:useLocalDpi xmlns:a14="http://schemas.microsoft.com/office/drawing/2010/main" val="0"/>
+              </a:ext>
+            </a:extLst>
+          </a:blip>
+          <a:srcRect/>
+          <a:stretch>
+            <a:fillRect/>
+          </a:stretch>
+        </p:blipFill>
+        <p:spPr bwMode="auto">
+          <a:xfrm>
+            <a:off x="6103294" y="2916195"/>
+            <a:ext cx="5172479" cy="3192466"/>
+          </a:xfrm>
+          <a:prstGeom prst="rect">
+            <a:avLst/>
+          </a:prstGeom>
+          <a:noFill/>
+          <a:extLst>
+            <a:ext uri="{909E8E84-426E-40DD-AFC4-6F175D3DCCD1}">
+              <a14:hiddenFill xmlns:a14="http://schemas.microsoft.com/office/drawing/2010/main">
+                <a:solidFill>
+                  <a:srgbClr val="FFFFFF"/>
+                </a:solidFill>
+              </a14:hiddenFill>
+            </a:ext>
+          </a:extLst>
+        </p:spPr>
+      </p:pic>
+    </p:spTree>
+    <p:extLst>
+      <p:ext uri="{BB962C8B-B14F-4D97-AF65-F5344CB8AC3E}">
+        <p14:creationId xmlns:p14="http://schemas.microsoft.com/office/powerpoint/2010/main" val="2668204972"/>
+      </p:ext>
+    </p:extLst>
+  </p:cSld>
+  <p:clrMapOvr>
+    <a:masterClrMapping/>
+  </p:clrMapOvr>
+  <p:timing>
+    <p:tnLst>
+      <p:par>
+        <p:cTn id="1" dur="indefinite" restart="never" nodeType="tmRoot"/>
+      </p:par>
+    </p:tnLst>
+  </p:timing>
+</p:sld>
+</file>
+
+<file path=ppt/slides/slide30.xml><?xml version="1.0" encoding="utf-8"?>
+<p:sld xmlns:a="http://schemas.openxmlformats.org/drawingml/2006/main" xmlns:r="http://schemas.openxmlformats.org/officeDocument/2006/relationships" xmlns:p="http://schemas.openxmlformats.org/presentationml/2006/main">
+  <p:cSld>
+    <p:spTree>
+      <p:nvGrpSpPr>
+        <p:cNvPr id="1" name=""/>
+        <p:cNvGrpSpPr/>
+        <p:nvPr/>
+      </p:nvGrpSpPr>
+      <p:grpSpPr>
+        <a:xfrm>
+          <a:off x="0" y="0"/>
+          <a:ext cx="0" cy="0"/>
+          <a:chOff x="0" y="0"/>
+          <a:chExt cx="0" cy="0"/>
+        </a:xfrm>
+      </p:grpSpPr>
+      <p:sp>
+        <p:nvSpPr>
+          <p:cNvPr id="2" name="Title 1"/>
+          <p:cNvSpPr>
+            <a:spLocks noGrp="1"/>
+          </p:cNvSpPr>
+          <p:nvPr>
+            <p:ph type="title"/>
+          </p:nvPr>
+        </p:nvSpPr>
+        <p:spPr/>
+        <p:txBody>
           <a:bodyPr/>
           <a:lstStyle/>
           <a:p>
@@ -8694,7 +12362,7 @@
 </p:sld>
 </file>
 
-<file path=ppt/slides/slide26.xml><?xml version="1.0" encoding="utf-8"?>
+<file path=ppt/slides/slide31.xml><?xml version="1.0" encoding="utf-8"?>
 <p:sld xmlns:a="http://schemas.openxmlformats.org/drawingml/2006/main" xmlns:r="http://schemas.openxmlformats.org/officeDocument/2006/relationships" xmlns:p="http://schemas.openxmlformats.org/presentationml/2006/main">
   <p:cSld>
     <p:spTree>
@@ -11123,63 +14791,63 @@
                 <a:gridCol w="903111">
                   <a:extLst>
                     <a:ext uri="{9D8B030D-6E8A-4147-A177-3AD203B41FA5}">
-                      <a16:colId xmlns:a16="http://schemas.microsoft.com/office/drawing/2014/main" xmlns="" val="3768515305"/>
+                      <a16:colId xmlns="" xmlns:a16="http://schemas.microsoft.com/office/drawing/2014/main" val="3768515305"/>
                     </a:ext>
                   </a:extLst>
                 </a:gridCol>
                 <a:gridCol w="903111">
                   <a:extLst>
                     <a:ext uri="{9D8B030D-6E8A-4147-A177-3AD203B41FA5}">
-                      <a16:colId xmlns:a16="http://schemas.microsoft.com/office/drawing/2014/main" xmlns="" val="1028584944"/>
+                      <a16:colId xmlns="" xmlns:a16="http://schemas.microsoft.com/office/drawing/2014/main" val="1028584944"/>
                     </a:ext>
                   </a:extLst>
                 </a:gridCol>
                 <a:gridCol w="903111">
                   <a:extLst>
                     <a:ext uri="{9D8B030D-6E8A-4147-A177-3AD203B41FA5}">
-                      <a16:colId xmlns:a16="http://schemas.microsoft.com/office/drawing/2014/main" xmlns="" val="1152933212"/>
+                      <a16:colId xmlns="" xmlns:a16="http://schemas.microsoft.com/office/drawing/2014/main" val="1152933212"/>
                     </a:ext>
                   </a:extLst>
                 </a:gridCol>
                 <a:gridCol w="903111">
                   <a:extLst>
                     <a:ext uri="{9D8B030D-6E8A-4147-A177-3AD203B41FA5}">
-                      <a16:colId xmlns:a16="http://schemas.microsoft.com/office/drawing/2014/main" xmlns="" val="3604353940"/>
+                      <a16:colId xmlns="" xmlns:a16="http://schemas.microsoft.com/office/drawing/2014/main" val="3604353940"/>
                     </a:ext>
                   </a:extLst>
                 </a:gridCol>
                 <a:gridCol w="903111">
                   <a:extLst>
                     <a:ext uri="{9D8B030D-6E8A-4147-A177-3AD203B41FA5}">
-                      <a16:colId xmlns:a16="http://schemas.microsoft.com/office/drawing/2014/main" xmlns="" val="2526786017"/>
+                      <a16:colId xmlns="" xmlns:a16="http://schemas.microsoft.com/office/drawing/2014/main" val="2526786017"/>
                     </a:ext>
                   </a:extLst>
                 </a:gridCol>
                 <a:gridCol w="903111">
                   <a:extLst>
                     <a:ext uri="{9D8B030D-6E8A-4147-A177-3AD203B41FA5}">
-                      <a16:colId xmlns:a16="http://schemas.microsoft.com/office/drawing/2014/main" xmlns="" val="572910680"/>
+                      <a16:colId xmlns="" xmlns:a16="http://schemas.microsoft.com/office/drawing/2014/main" val="572910680"/>
                     </a:ext>
                   </a:extLst>
                 </a:gridCol>
                 <a:gridCol w="903111">
                   <a:extLst>
                     <a:ext uri="{9D8B030D-6E8A-4147-A177-3AD203B41FA5}">
-                      <a16:colId xmlns:a16="http://schemas.microsoft.com/office/drawing/2014/main" xmlns="" val="312265865"/>
+                      <a16:colId xmlns="" xmlns:a16="http://schemas.microsoft.com/office/drawing/2014/main" val="312265865"/>
                     </a:ext>
                   </a:extLst>
                 </a:gridCol>
                 <a:gridCol w="903111">
                   <a:extLst>
                     <a:ext uri="{9D8B030D-6E8A-4147-A177-3AD203B41FA5}">
-                      <a16:colId xmlns:a16="http://schemas.microsoft.com/office/drawing/2014/main" xmlns="" val="2944465246"/>
+                      <a16:colId xmlns="" xmlns:a16="http://schemas.microsoft.com/office/drawing/2014/main" val="2944465246"/>
                     </a:ext>
                   </a:extLst>
                 </a:gridCol>
                 <a:gridCol w="903111">
                   <a:extLst>
                     <a:ext uri="{9D8B030D-6E8A-4147-A177-3AD203B41FA5}">
-                      <a16:colId xmlns:a16="http://schemas.microsoft.com/office/drawing/2014/main" xmlns="" val="330243223"/>
+                      <a16:colId xmlns="" xmlns:a16="http://schemas.microsoft.com/office/drawing/2014/main" val="330243223"/>
                     </a:ext>
                   </a:extLst>
                 </a:gridCol>
@@ -11322,7 +14990,7 @@
                 </a:tc>
                 <a:extLst>
                   <a:ext uri="{0D108BD9-81ED-4DB2-BD59-A6C34878D82A}">
-                    <a16:rowId xmlns:a16="http://schemas.microsoft.com/office/drawing/2014/main" xmlns="" val="3496744164"/>
+                    <a16:rowId xmlns="" xmlns:a16="http://schemas.microsoft.com/office/drawing/2014/main" val="3496744164"/>
                   </a:ext>
                 </a:extLst>
               </a:tr>
@@ -11354,63 +15022,63 @@
                 <a:gridCol w="903111">
                   <a:extLst>
                     <a:ext uri="{9D8B030D-6E8A-4147-A177-3AD203B41FA5}">
-                      <a16:colId xmlns:a16="http://schemas.microsoft.com/office/drawing/2014/main" xmlns="" val="4119996233"/>
+                      <a16:colId xmlns="" xmlns:a16="http://schemas.microsoft.com/office/drawing/2014/main" val="4119996233"/>
                     </a:ext>
                   </a:extLst>
                 </a:gridCol>
                 <a:gridCol w="903111">
                   <a:extLst>
                     <a:ext uri="{9D8B030D-6E8A-4147-A177-3AD203B41FA5}">
-                      <a16:colId xmlns:a16="http://schemas.microsoft.com/office/drawing/2014/main" xmlns="" val="1070340195"/>
+                      <a16:colId xmlns="" xmlns:a16="http://schemas.microsoft.com/office/drawing/2014/main" val="1070340195"/>
                     </a:ext>
                   </a:extLst>
                 </a:gridCol>
                 <a:gridCol w="903111">
                   <a:extLst>
                     <a:ext uri="{9D8B030D-6E8A-4147-A177-3AD203B41FA5}">
-                      <a16:colId xmlns:a16="http://schemas.microsoft.com/office/drawing/2014/main" xmlns="" val="3941907352"/>
+                      <a16:colId xmlns="" xmlns:a16="http://schemas.microsoft.com/office/drawing/2014/main" val="3941907352"/>
                     </a:ext>
                   </a:extLst>
                 </a:gridCol>
                 <a:gridCol w="903111">
                   <a:extLst>
                     <a:ext uri="{9D8B030D-6E8A-4147-A177-3AD203B41FA5}">
-                      <a16:colId xmlns:a16="http://schemas.microsoft.com/office/drawing/2014/main" xmlns="" val="2395333118"/>
+                      <a16:colId xmlns="" xmlns:a16="http://schemas.microsoft.com/office/drawing/2014/main" val="2395333118"/>
                     </a:ext>
                   </a:extLst>
                 </a:gridCol>
                 <a:gridCol w="903111">
                   <a:extLst>
                     <a:ext uri="{9D8B030D-6E8A-4147-A177-3AD203B41FA5}">
-                      <a16:colId xmlns:a16="http://schemas.microsoft.com/office/drawing/2014/main" xmlns="" val="1701410760"/>
+                      <a16:colId xmlns="" xmlns:a16="http://schemas.microsoft.com/office/drawing/2014/main" val="1701410760"/>
                     </a:ext>
                   </a:extLst>
                 </a:gridCol>
                 <a:gridCol w="903111">
                   <a:extLst>
                     <a:ext uri="{9D8B030D-6E8A-4147-A177-3AD203B41FA5}">
-                      <a16:colId xmlns:a16="http://schemas.microsoft.com/office/drawing/2014/main" xmlns="" val="156687452"/>
+                      <a16:colId xmlns="" xmlns:a16="http://schemas.microsoft.com/office/drawing/2014/main" val="156687452"/>
                     </a:ext>
                   </a:extLst>
                 </a:gridCol>
                 <a:gridCol w="903111">
                   <a:extLst>
                     <a:ext uri="{9D8B030D-6E8A-4147-A177-3AD203B41FA5}">
-                      <a16:colId xmlns:a16="http://schemas.microsoft.com/office/drawing/2014/main" xmlns="" val="1824856989"/>
+                      <a16:colId xmlns="" xmlns:a16="http://schemas.microsoft.com/office/drawing/2014/main" val="1824856989"/>
                     </a:ext>
                   </a:extLst>
                 </a:gridCol>
                 <a:gridCol w="903111">
                   <a:extLst>
                     <a:ext uri="{9D8B030D-6E8A-4147-A177-3AD203B41FA5}">
-                      <a16:colId xmlns:a16="http://schemas.microsoft.com/office/drawing/2014/main" xmlns="" val="938465116"/>
+                      <a16:colId xmlns="" xmlns:a16="http://schemas.microsoft.com/office/drawing/2014/main" val="938465116"/>
                     </a:ext>
                   </a:extLst>
                 </a:gridCol>
                 <a:gridCol w="903111">
                   <a:extLst>
                     <a:ext uri="{9D8B030D-6E8A-4147-A177-3AD203B41FA5}">
-                      <a16:colId xmlns:a16="http://schemas.microsoft.com/office/drawing/2014/main" xmlns="" val="2318553261"/>
+                      <a16:colId xmlns="" xmlns:a16="http://schemas.microsoft.com/office/drawing/2014/main" val="2318553261"/>
                     </a:ext>
                   </a:extLst>
                 </a:gridCol>
@@ -11553,7 +15221,7 @@
                 </a:tc>
                 <a:extLst>
                   <a:ext uri="{0D108BD9-81ED-4DB2-BD59-A6C34878D82A}">
-                    <a16:rowId xmlns:a16="http://schemas.microsoft.com/office/drawing/2014/main" xmlns="" val="2975690928"/>
+                    <a16:rowId xmlns="" xmlns:a16="http://schemas.microsoft.com/office/drawing/2014/main" val="2975690928"/>
                   </a:ext>
                 </a:extLst>
               </a:tr>
@@ -11992,165 +15660,6 @@
   <p:clrMapOvr>
     <a:masterClrMapping/>
   </p:clrMapOvr>
-</p:sld>
-</file>
-
-<file path=ppt/slides/slide3.xml><?xml version="1.0" encoding="utf-8"?>
-<p:sld xmlns:a="http://schemas.openxmlformats.org/drawingml/2006/main" xmlns:r="http://schemas.openxmlformats.org/officeDocument/2006/relationships" xmlns:p="http://schemas.openxmlformats.org/presentationml/2006/main">
-  <p:cSld>
-    <p:spTree>
-      <p:nvGrpSpPr>
-        <p:cNvPr id="1" name=""/>
-        <p:cNvGrpSpPr/>
-        <p:nvPr/>
-      </p:nvGrpSpPr>
-      <p:grpSpPr>
-        <a:xfrm>
-          <a:off x="0" y="0"/>
-          <a:ext cx="0" cy="0"/>
-          <a:chOff x="0" y="0"/>
-          <a:chExt cx="0" cy="0"/>
-        </a:xfrm>
-      </p:grpSpPr>
-      <p:sp>
-        <p:nvSpPr>
-          <p:cNvPr id="2" name="Title 1"/>
-          <p:cNvSpPr>
-            <a:spLocks noGrp="1"/>
-          </p:cNvSpPr>
-          <p:nvPr>
-            <p:ph type="title"/>
-          </p:nvPr>
-        </p:nvSpPr>
-        <p:spPr/>
-        <p:txBody>
-          <a:bodyPr>
-            <a:normAutofit/>
-          </a:bodyPr>
-          <a:lstStyle/>
-          <a:p>
-            <a:r>
-              <a:rPr lang="en-US" sz="5400" b="1" dirty="0" smtClean="0"/>
-              <a:t>Problem Statements</a:t>
-            </a:r>
-            <a:r>
-              <a:rPr lang="en-US" sz="5400" dirty="0" smtClean="0"/>
-              <a:t>	</a:t>
-            </a:r>
-            <a:endParaRPr lang="en-US" sz="5400" dirty="0"/>
-          </a:p>
-        </p:txBody>
-      </p:sp>
-      <p:sp>
-        <p:nvSpPr>
-          <p:cNvPr id="3" name="Content Placeholder 2"/>
-          <p:cNvSpPr>
-            <a:spLocks noGrp="1"/>
-          </p:cNvSpPr>
-          <p:nvPr>
-            <p:ph idx="1"/>
-          </p:nvPr>
-        </p:nvSpPr>
-        <p:spPr/>
-        <p:txBody>
-          <a:bodyPr>
-            <a:normAutofit/>
-          </a:bodyPr>
-          <a:lstStyle/>
-          <a:p>
-            <a:r>
-              <a:rPr lang="en-US" sz="3200" dirty="0" smtClean="0"/>
-              <a:t>Real-life examples of this algorithm:</a:t>
-            </a:r>
-          </a:p>
-          <a:p>
-            <a:pPr lvl="1"/>
-            <a:r>
-              <a:rPr lang="en-US" sz="3200" dirty="0" smtClean="0"/>
-              <a:t>Map routing</a:t>
-            </a:r>
-          </a:p>
-          <a:p>
-            <a:pPr lvl="1"/>
-            <a:r>
-              <a:rPr lang="en-US" sz="3200" dirty="0" smtClean="0"/>
-              <a:t>Networking</a:t>
-            </a:r>
-          </a:p>
-          <a:p>
-            <a:pPr lvl="1"/>
-            <a:r>
-              <a:rPr lang="en-US" sz="3200" dirty="0" smtClean="0"/>
-              <a:t>Currency Exchange</a:t>
-            </a:r>
-          </a:p>
-          <a:p>
-            <a:pPr lvl="1"/>
-            <a:r>
-              <a:rPr lang="en-US" sz="3200" dirty="0" smtClean="0"/>
-              <a:t>Flight Plans</a:t>
-            </a:r>
-          </a:p>
-        </p:txBody>
-      </p:sp>
-      <p:pic>
-        <p:nvPicPr>
-          <p:cNvPr id="1028" name="Picture 4" descr="dijkstra-map"/>
-          <p:cNvPicPr>
-            <a:picLocks noChangeAspect="1" noChangeArrowheads="1"/>
-          </p:cNvPicPr>
-          <p:nvPr/>
-        </p:nvPicPr>
-        <p:blipFill>
-          <a:blip r:embed="rId2">
-            <a:extLst>
-              <a:ext uri="{28A0092B-C50C-407E-A947-70E740481C1C}">
-                <a14:useLocalDpi xmlns:a14="http://schemas.microsoft.com/office/drawing/2010/main" val="0"/>
-              </a:ext>
-            </a:extLst>
-          </a:blip>
-          <a:srcRect/>
-          <a:stretch>
-            <a:fillRect/>
-          </a:stretch>
-        </p:blipFill>
-        <p:spPr bwMode="auto">
-          <a:xfrm>
-            <a:off x="6103294" y="2916195"/>
-            <a:ext cx="5172479" cy="3192466"/>
-          </a:xfrm>
-          <a:prstGeom prst="rect">
-            <a:avLst/>
-          </a:prstGeom>
-          <a:noFill/>
-          <a:extLst>
-            <a:ext uri="{909E8E84-426E-40DD-AFC4-6F175D3DCCD1}">
-              <a14:hiddenFill xmlns:a14="http://schemas.microsoft.com/office/drawing/2010/main">
-                <a:solidFill>
-                  <a:srgbClr val="FFFFFF"/>
-                </a:solidFill>
-              </a14:hiddenFill>
-            </a:ext>
-          </a:extLst>
-        </p:spPr>
-      </p:pic>
-    </p:spTree>
-    <p:extLst>
-      <p:ext uri="{BB962C8B-B14F-4D97-AF65-F5344CB8AC3E}">
-        <p14:creationId xmlns:p14="http://schemas.microsoft.com/office/powerpoint/2010/main" val="2668204972"/>
-      </p:ext>
-    </p:extLst>
-  </p:cSld>
-  <p:clrMapOvr>
-    <a:masterClrMapping/>
-  </p:clrMapOvr>
-  <p:timing>
-    <p:tnLst>
-      <p:par>
-        <p:cTn id="1" dur="indefinite" restart="never" nodeType="tmRoot"/>
-      </p:par>
-    </p:tnLst>
-  </p:timing>
 </p:sld>
 </file>
 
@@ -12675,35 +16184,35 @@
                 <a:gridCol w="548018">
                   <a:extLst>
                     <a:ext uri="{9D8B030D-6E8A-4147-A177-3AD203B41FA5}">
-                      <a16:colId xmlns:a16="http://schemas.microsoft.com/office/drawing/2014/main" xmlns="" val="1607120837"/>
+                      <a16:colId xmlns="" xmlns:a16="http://schemas.microsoft.com/office/drawing/2014/main" val="1607120837"/>
                     </a:ext>
                   </a:extLst>
                 </a:gridCol>
                 <a:gridCol w="1356667">
                   <a:extLst>
                     <a:ext uri="{9D8B030D-6E8A-4147-A177-3AD203B41FA5}">
-                      <a16:colId xmlns:a16="http://schemas.microsoft.com/office/drawing/2014/main" xmlns="" val="626144090"/>
+                      <a16:colId xmlns="" xmlns:a16="http://schemas.microsoft.com/office/drawing/2014/main" val="626144090"/>
                     </a:ext>
                   </a:extLst>
                 </a:gridCol>
                 <a:gridCol w="1325531">
                   <a:extLst>
                     <a:ext uri="{9D8B030D-6E8A-4147-A177-3AD203B41FA5}">
-                      <a16:colId xmlns:a16="http://schemas.microsoft.com/office/drawing/2014/main" xmlns="" val="2223628275"/>
+                      <a16:colId xmlns="" xmlns:a16="http://schemas.microsoft.com/office/drawing/2014/main" val="2223628275"/>
                     </a:ext>
                   </a:extLst>
                 </a:gridCol>
                 <a:gridCol w="1248195">
                   <a:extLst>
                     <a:ext uri="{9D8B030D-6E8A-4147-A177-3AD203B41FA5}">
-                      <a16:colId xmlns:a16="http://schemas.microsoft.com/office/drawing/2014/main" xmlns="" val="2482912693"/>
+                      <a16:colId xmlns="" xmlns:a16="http://schemas.microsoft.com/office/drawing/2014/main" val="2482912693"/>
                     </a:ext>
                   </a:extLst>
                 </a:gridCol>
                 <a:gridCol w="1455249">
                   <a:extLst>
                     <a:ext uri="{9D8B030D-6E8A-4147-A177-3AD203B41FA5}">
-                      <a16:colId xmlns:a16="http://schemas.microsoft.com/office/drawing/2014/main" xmlns="" val="3509293152"/>
+                      <a16:colId xmlns="" xmlns:a16="http://schemas.microsoft.com/office/drawing/2014/main" val="3509293152"/>
                     </a:ext>
                   </a:extLst>
                 </a:gridCol>
@@ -12799,7 +16308,7 @@
                 </a:tc>
                 <a:extLst>
                   <a:ext uri="{0D108BD9-81ED-4DB2-BD59-A6C34878D82A}">
-                    <a16:rowId xmlns:a16="http://schemas.microsoft.com/office/drawing/2014/main" xmlns="" val="401869647"/>
+                    <a16:rowId xmlns="" xmlns:a16="http://schemas.microsoft.com/office/drawing/2014/main" val="401869647"/>
                   </a:ext>
                 </a:extLst>
               </a:tr>
@@ -12905,7 +16414,7 @@
                 </a:tc>
                 <a:extLst>
                   <a:ext uri="{0D108BD9-81ED-4DB2-BD59-A6C34878D82A}">
-                    <a16:rowId xmlns:a16="http://schemas.microsoft.com/office/drawing/2014/main" xmlns="" val="4274244291"/>
+                    <a16:rowId xmlns="" xmlns:a16="http://schemas.microsoft.com/office/drawing/2014/main" val="4274244291"/>
                   </a:ext>
                 </a:extLst>
               </a:tr>
@@ -13006,7 +16515,7 @@
                 </a:tc>
                 <a:extLst>
                   <a:ext uri="{0D108BD9-81ED-4DB2-BD59-A6C34878D82A}">
-                    <a16:rowId xmlns:a16="http://schemas.microsoft.com/office/drawing/2014/main" xmlns="" val="327160521"/>
+                    <a16:rowId xmlns="" xmlns:a16="http://schemas.microsoft.com/office/drawing/2014/main" val="327160521"/>
                   </a:ext>
                 </a:extLst>
               </a:tr>
@@ -13113,7 +16622,7 @@
                 </a:tc>
                 <a:extLst>
                   <a:ext uri="{0D108BD9-81ED-4DB2-BD59-A6C34878D82A}">
-                    <a16:rowId xmlns:a16="http://schemas.microsoft.com/office/drawing/2014/main" xmlns="" val="3814862877"/>
+                    <a16:rowId xmlns="" xmlns:a16="http://schemas.microsoft.com/office/drawing/2014/main" val="3814862877"/>
                   </a:ext>
                 </a:extLst>
               </a:tr>
@@ -13214,7 +16723,7 @@
                 </a:tc>
                 <a:extLst>
                   <a:ext uri="{0D108BD9-81ED-4DB2-BD59-A6C34878D82A}">
-                    <a16:rowId xmlns:a16="http://schemas.microsoft.com/office/drawing/2014/main" xmlns="" val="3832375577"/>
+                    <a16:rowId xmlns="" xmlns:a16="http://schemas.microsoft.com/office/drawing/2014/main" val="3832375577"/>
                   </a:ext>
                 </a:extLst>
               </a:tr>
@@ -14128,6 +17637,14 @@
     </p:tnLst>
   </p:timing>
 </p:sld>
+</file>
+
+<file path=ppt/tags/tag1.xml><?xml version="1.0" encoding="utf-8"?>
+<p:tagLst xmlns:a="http://schemas.openxmlformats.org/drawingml/2006/main" xmlns:r="http://schemas.openxmlformats.org/officeDocument/2006/relationships" xmlns:p="http://schemas.openxmlformats.org/presentationml/2006/main">
+  <p:tag name="MMPROD_NEXTUNIQUEID" val="10010"/>
+  <p:tag name="MMPROD_UIDATA" val="&lt;database version=&quot;9.0&quot;&gt;&lt;object type=&quot;1&quot; unique_id=&quot;10001&quot;&gt;&lt;object type=&quot;2&quot; unique_id=&quot;10002&quot;&gt;&lt;object type=&quot;3&quot; unique_id=&quot;10003&quot;&gt;&lt;property id=&quot;20148&quot; value=&quot;5&quot;/&gt;&lt;property id=&quot;20300&quot; value=&quot;Slide 1 - &amp;quot;Dijkstra’s Algorithm&amp;quot;&quot;/&gt;&lt;property id=&quot;20307&quot; value=&quot;256&quot;/&gt;&lt;/object&gt;&lt;object type=&quot;3&quot; unique_id=&quot;10004&quot;&gt;&lt;property id=&quot;20148&quot; value=&quot;5&quot;/&gt;&lt;property id=&quot;20300&quot; value=&quot;Slide 2 - &amp;quot;History of Dijkstra’s Algorithm&amp;quot;&quot;/&gt;&lt;property id=&quot;20307&quot; value=&quot;257&quot;/&gt;&lt;/object&gt;&lt;object type=&quot;3&quot; unique_id=&quot;10005&quot;&gt;&lt;property id=&quot;20148&quot; value=&quot;5&quot;/&gt;&lt;property id=&quot;20300&quot; value=&quot;Slide 3 - &amp;quot;Problem Statements&amp;amp;#x09;&amp;quot;&quot;/&gt;&lt;property id=&quot;20307&quot; value=&quot;258&quot;/&gt;&lt;/object&gt;&lt;object type=&quot;3&quot; unique_id=&quot;10006&quot;&gt;&lt;property id=&quot;20148&quot; value=&quot;5&quot;/&gt;&lt;property id=&quot;20300&quot; value=&quot;Slide 4 - &amp;quot;The shortest distance between locations&amp;quot;&quot;/&gt;&lt;property id=&quot;20307&quot; value=&quot;283&quot;/&gt;&lt;/object&gt;&lt;object type=&quot;3&quot; unique_id=&quot;10007&quot;&gt;&lt;property id=&quot;20148&quot; value=&quot;5&quot;/&gt;&lt;property id=&quot;20300&quot; value=&quot;Slide 5 - &amp;quot;Networking&amp;quot;&quot;/&gt;&lt;property id=&quot;20307&quot; value=&quot;284&quot;/&gt;&lt;/object&gt;&lt;object type=&quot;3&quot; unique_id=&quot;10008&quot;&gt;&lt;property id=&quot;20148&quot; value=&quot;5&quot;/&gt;&lt;property id=&quot;20300&quot; value=&quot;Slide 6 - &amp;quot;Flight Plans&amp;quot;&quot;/&gt;&lt;property id=&quot;20307&quot; value=&quot;285&quot;/&gt;&lt;/object&gt;&lt;object type=&quot;3&quot; unique_id=&quot;10009&quot;&gt;&lt;property id=&quot;20148&quot; value=&quot;5&quot;/&gt;&lt;property id=&quot;20300&quot; value=&quot;Slide 7 - &amp;quot;Currency Exchange&amp;quot;&quot;/&gt;&lt;property id=&quot;20307&quot; value=&quot;286&quot;/&gt;&lt;/object&gt;&lt;object type=&quot;3&quot; unique_id=&quot;10010&quot;&gt;&lt;property id=&quot;20148&quot; value=&quot;5&quot;/&gt;&lt;property id=&quot;20300&quot; value=&quot;Slide 8 - &amp;quot;Algorithm Explanation&amp;quot;&quot;/&gt;&lt;property id=&quot;20307&quot; value=&quot;259&quot;/&gt;&lt;/object&gt;&lt;object type=&quot;3&quot; unique_id=&quot;10011&quot;&gt;&lt;property id=&quot;20148&quot; value=&quot;5&quot;/&gt;&lt;property id=&quot;20300&quot; value=&quot;Slide 9&quot;/&gt;&lt;property id=&quot;20307&quot; value=&quot;260&quot;/&gt;&lt;/object&gt;&lt;object type=&quot;3&quot; unique_id=&quot;10024&quot;&gt;&lt;property id=&quot;20148&quot; value=&quot;5&quot;/&gt;&lt;property id=&quot;20300&quot; value=&quot;Slide 27 - &amp;quot;Improvements&amp;quot;&quot;/&gt;&lt;property id=&quot;20307&quot; value=&quot;287&quot;/&gt;&lt;/object&gt;&lt;object type=&quot;3&quot; unique_id=&quot;10025&quot;&gt;&lt;property id=&quot;20148&quot; value=&quot;5&quot;/&gt;&lt;property id=&quot;20300&quot; value=&quot;Slide 28 - &amp;quot;Heaps&amp;quot;&quot;/&gt;&lt;property id=&quot;20307&quot; value=&quot;288&quot;/&gt;&lt;/object&gt;&lt;object type=&quot;3&quot; unique_id=&quot;10026&quot;&gt;&lt;property id=&quot;20148&quot; value=&quot;5&quot;/&gt;&lt;property id=&quot;20300&quot; value=&quot;Slide 29 - &amp;quot;Run-time comparison&amp;quot;&quot;/&gt;&lt;property id=&quot;20307&quot; value=&quot;290&quot;/&gt;&lt;/object&gt;&lt;object type=&quot;3&quot; unique_id=&quot;10027&quot;&gt;&lt;property id=&quot;20148&quot; value=&quot;5&quot;/&gt;&lt;property id=&quot;20300&quot; value=&quot;Slide 30 - &amp;quot;Path tracking&amp;quot;&quot;/&gt;&lt;property id=&quot;20307&quot; value=&quot;291&quot;/&gt;&lt;/object&gt;&lt;object type=&quot;3&quot; unique_id=&quot;10028&quot;&gt;&lt;property id=&quot;20148&quot; value=&quot;5&quot;/&gt;&lt;property id=&quot;20300&quot; value=&quot;Slide 31 - &amp;quot;Path tree&amp;quot;&quot;/&gt;&lt;property id=&quot;20307&quot; value=&quot;289&quot;/&gt;&lt;/object&gt;&lt;object type=&quot;3&quot; unique_id=&quot;10204&quot;&gt;&lt;property id=&quot;20148&quot; value=&quot;5&quot;/&gt;&lt;property id=&quot;20300&quot; value=&quot;Slide 10 - &amp;quot;C++ Code Sample – Problem Statement&amp;quot;&quot;/&gt;&lt;property id=&quot;20307&quot; value=&quot;292&quot;/&gt;&lt;/object&gt;&lt;object type=&quot;3&quot; unique_id=&quot;10205&quot;&gt;&lt;property id=&quot;20148&quot; value=&quot;5&quot;/&gt;&lt;property id=&quot;20300&quot; value=&quot;Slide 11 - &amp;quot;C++ Code Sample – Problem Statement&amp;quot;&quot;/&gt;&lt;property id=&quot;20307&quot; value=&quot;293&quot;/&gt;&lt;/object&gt;&lt;object type=&quot;3&quot; unique_id=&quot;10206&quot;&gt;&lt;property id=&quot;20148&quot; value=&quot;5&quot;/&gt;&lt;property id=&quot;20300&quot; value=&quot;Slide 12 - &amp;quot;C++ Code Sample – Step 1&amp;quot;&quot;/&gt;&lt;property id=&quot;20307&quot; value=&quot;294&quot;/&gt;&lt;/object&gt;&lt;object type=&quot;3&quot; unique_id=&quot;10207&quot;&gt;&lt;property id=&quot;20148&quot; value=&quot;5&quot;/&gt;&lt;property id=&quot;20300&quot; value=&quot;Slide 13 - &amp;quot;C++ Code Sample – Step 1&amp;quot;&quot;/&gt;&lt;property id=&quot;20307&quot; value=&quot;295&quot;/&gt;&lt;/object&gt;&lt;object type=&quot;3&quot; unique_id=&quot;10208&quot;&gt;&lt;property id=&quot;20148&quot; value=&quot;5&quot;/&gt;&lt;property id=&quot;20300&quot; value=&quot;Slide 14 - &amp;quot;C++ Code Sample – Step 1&amp;quot;&quot;/&gt;&lt;property id=&quot;20307&quot; value=&quot;296&quot;/&gt;&lt;/object&gt;&lt;object type=&quot;3&quot; unique_id=&quot;10209&quot;&gt;&lt;property id=&quot;20148&quot; value=&quot;5&quot;/&gt;&lt;property id=&quot;20300&quot; value=&quot;Slide 15 - &amp;quot;C++ Code Sample – Step 2&amp;quot;&quot;/&gt;&lt;property id=&quot;20307&quot; value=&quot;297&quot;/&gt;&lt;/object&gt;&lt;object type=&quot;3&quot; unique_id=&quot;10210&quot;&gt;&lt;property id=&quot;20148&quot; value=&quot;5&quot;/&gt;&lt;property id=&quot;20300&quot; value=&quot;Slide 16 - &amp;quot;C++ Code Sample – Step 2&amp;quot;&quot;/&gt;&lt;property id=&quot;20307&quot; value=&quot;298&quot;/&gt;&lt;/object&gt;&lt;object type=&quot;3&quot; unique_id=&quot;10211&quot;&gt;&lt;property id=&quot;20148&quot; value=&quot;5&quot;/&gt;&lt;property id=&quot;20300&quot; value=&quot;Slide 17 - &amp;quot;C++ Code Sample – Step 2&amp;quot;&quot;/&gt;&lt;property id=&quot;20307&quot; value=&quot;299&quot;/&gt;&lt;/object&gt;&lt;object type=&quot;3&quot; unique_id=&quot;10212&quot;&gt;&lt;property id=&quot;20148&quot; value=&quot;5&quot;/&gt;&lt;property id=&quot;20300&quot; value=&quot;Slide 18 - &amp;quot;C++ Code Sample – Step 3&amp;quot;&quot;/&gt;&lt;property id=&quot;20307&quot; value=&quot;300&quot;/&gt;&lt;/object&gt;&lt;object type=&quot;3&quot; unique_id=&quot;10213&quot;&gt;&lt;property id=&quot;20148&quot; value=&quot;5&quot;/&gt;&lt;property id=&quot;20300&quot; value=&quot;Slide 19 - &amp;quot;C++ Code Sample – Step 3&amp;quot;&quot;/&gt;&lt;property id=&quot;20307&quot; value=&quot;301&quot;/&gt;&lt;/object&gt;&lt;object type=&quot;3&quot; unique_id=&quot;10214&quot;&gt;&lt;property id=&quot;20148&quot; value=&quot;5&quot;/&gt;&lt;property id=&quot;20300&quot; value=&quot;Slide 20 - &amp;quot;C++ Code Sample – Step 3&amp;quot;&quot;/&gt;&lt;property id=&quot;20307&quot; value=&quot;302&quot;/&gt;&lt;/object&gt;&lt;object type=&quot;3&quot; unique_id=&quot;10215&quot;&gt;&lt;property id=&quot;20148&quot; value=&quot;5&quot;/&gt;&lt;property id=&quot;20300&quot; value=&quot;Slide 21 - &amp;quot;C++ Code Sample – Step 3&amp;quot;&quot;/&gt;&lt;property id=&quot;20307&quot; value=&quot;303&quot;/&gt;&lt;/object&gt;&lt;object type=&quot;3&quot; unique_id=&quot;10216&quot;&gt;&lt;property id=&quot;20148&quot; value=&quot;5&quot;/&gt;&lt;property id=&quot;20300&quot; value=&quot;Slide 22 - &amp;quot;C++ Code Sample – Step 3&amp;quot;&quot;/&gt;&lt;property id=&quot;20307&quot; value=&quot;304&quot;/&gt;&lt;/object&gt;&lt;object type=&quot;3&quot; unique_id=&quot;10217&quot;&gt;&lt;property id=&quot;20148&quot; value=&quot;5&quot;/&gt;&lt;property id=&quot;20300&quot; value=&quot;Slide 23 - &amp;quot;C++ Code Sample – Step 3&amp;quot;&quot;/&gt;&lt;property id=&quot;20307&quot; value=&quot;305&quot;/&gt;&lt;/object&gt;&lt;object type=&quot;3&quot; unique_id=&quot;10218&quot;&gt;&lt;property id=&quot;20148&quot; value=&quot;5&quot;/&gt;&lt;property id=&quot;20300&quot; value=&quot;Slide 24 - &amp;quot;C++ Code Sample – Step 3&amp;quot;&quot;/&gt;&lt;property id=&quot;20307&quot; value=&quot;306&quot;/&gt;&lt;/object&gt;&lt;object type=&quot;3&quot; unique_id=&quot;10219&quot;&gt;&lt;property id=&quot;20148&quot; value=&quot;5&quot;/&gt;&lt;property id=&quot;20300&quot; value=&quot;Slide 25 - &amp;quot;C++ Code Sample – Go Back to Step 2&amp;quot;&quot;/&gt;&lt;property id=&quot;20307&quot; value=&quot;307&quot;/&gt;&lt;/object&gt;&lt;object type=&quot;3&quot; unique_id=&quot;10220&quot;&gt;&lt;property id=&quot;20148&quot; value=&quot;5&quot;/&gt;&lt;property id=&quot;20300&quot; value=&quot;Slide 26 - &amp;quot;C++ Code Sample – Step 4 Print Solution&amp;quot;&quot;/&gt;&lt;property id=&quot;20307&quot; value=&quot;308&quot;/&gt;&lt;/object&gt;&lt;/object&gt;&lt;object type=&quot;8&quot; unique_id=&quot;10056&quot;&gt;&lt;/object&gt;&lt;/object&gt;&lt;/database&gt;"/>
+  <p:tag name="SECTOMILLISECCONVERTED" val="1"/>
+</p:tagLst>
 </file>
 
 <file path=ppt/theme/theme1.xml><?xml version="1.0" encoding="utf-8"?>
@@ -14385,7 +17902,7 @@
   <a:extraClrSchemeLst/>
   <a:extLst>
     <a:ext uri="{05A4C25C-085E-4340-85A3-A5531E510DB2}">
-      <thm15:themeFamily xmlns:thm15="http://schemas.microsoft.com/office/thememl/2012/main" name="Office Theme" id="{62F939B6-93AF-4DB8-9C6B-D6C7DFDC589F}" vid="{4A3C46E8-61CC-4603-A589-7422A47A8E4A}"/>
+      <thm15:themeFamily xmlns:thm15="http://schemas.microsoft.com/office/thememl/2012/main" xmlns="" name="Office Theme" id="{62F939B6-93AF-4DB8-9C6B-D6C7DFDC589F}" vid="{4A3C46E8-61CC-4603-A589-7422A47A8E4A}"/>
     </a:ext>
   </a:extLst>
 </a:theme>

--- a/Assignment3_DSA.pptx
+++ b/Assignment3_DSA.pptx
@@ -13,34 +13,33 @@
     <p:sldId id="285" r:id="rId7"/>
     <p:sldId id="286" r:id="rId8"/>
     <p:sldId id="259" r:id="rId9"/>
-    <p:sldId id="260" r:id="rId10"/>
-    <p:sldId id="292" r:id="rId11"/>
-    <p:sldId id="293" r:id="rId12"/>
-    <p:sldId id="294" r:id="rId13"/>
-    <p:sldId id="295" r:id="rId14"/>
-    <p:sldId id="296" r:id="rId15"/>
-    <p:sldId id="297" r:id="rId16"/>
-    <p:sldId id="298" r:id="rId17"/>
-    <p:sldId id="299" r:id="rId18"/>
-    <p:sldId id="300" r:id="rId19"/>
-    <p:sldId id="301" r:id="rId20"/>
-    <p:sldId id="302" r:id="rId21"/>
-    <p:sldId id="303" r:id="rId22"/>
-    <p:sldId id="304" r:id="rId23"/>
-    <p:sldId id="305" r:id="rId24"/>
-    <p:sldId id="306" r:id="rId25"/>
-    <p:sldId id="307" r:id="rId26"/>
-    <p:sldId id="308" r:id="rId27"/>
-    <p:sldId id="287" r:id="rId28"/>
-    <p:sldId id="288" r:id="rId29"/>
-    <p:sldId id="290" r:id="rId30"/>
-    <p:sldId id="291" r:id="rId31"/>
-    <p:sldId id="289" r:id="rId32"/>
+    <p:sldId id="292" r:id="rId10"/>
+    <p:sldId id="293" r:id="rId11"/>
+    <p:sldId id="294" r:id="rId12"/>
+    <p:sldId id="295" r:id="rId13"/>
+    <p:sldId id="296" r:id="rId14"/>
+    <p:sldId id="297" r:id="rId15"/>
+    <p:sldId id="298" r:id="rId16"/>
+    <p:sldId id="299" r:id="rId17"/>
+    <p:sldId id="300" r:id="rId18"/>
+    <p:sldId id="301" r:id="rId19"/>
+    <p:sldId id="302" r:id="rId20"/>
+    <p:sldId id="303" r:id="rId21"/>
+    <p:sldId id="304" r:id="rId22"/>
+    <p:sldId id="305" r:id="rId23"/>
+    <p:sldId id="306" r:id="rId24"/>
+    <p:sldId id="307" r:id="rId25"/>
+    <p:sldId id="308" r:id="rId26"/>
+    <p:sldId id="287" r:id="rId27"/>
+    <p:sldId id="288" r:id="rId28"/>
+    <p:sldId id="290" r:id="rId29"/>
+    <p:sldId id="291" r:id="rId30"/>
+    <p:sldId id="289" r:id="rId31"/>
   </p:sldIdLst>
   <p:sldSz cx="12192000" cy="6858000"/>
   <p:notesSz cx="6858000" cy="9144000"/>
   <p:custDataLst>
-    <p:tags r:id="rId33"/>
+    <p:tags r:id="rId32"/>
   </p:custDataLst>
   <p:defaultTextStyle>
     <a:defPPr>
@@ -3160,8 +3159,8 @@
         </p:nvSpPr>
         <p:spPr>
           <a:xfrm>
-            <a:off x="547486" y="1879840"/>
-            <a:ext cx="7166257" cy="646331"/>
+            <a:off x="407268" y="1648685"/>
+            <a:ext cx="4330104" cy="923330"/>
           </a:xfrm>
           <a:prstGeom prst="rect">
             <a:avLst/>
@@ -3169,22 +3168,14 @@
           <a:noFill/>
         </p:spPr>
         <p:txBody>
-          <a:bodyPr wrap="none" rtlCol="0">
+          <a:bodyPr wrap="square" rtlCol="0">
             <a:spAutoFit/>
           </a:bodyPr>
           <a:lstStyle/>
           <a:p>
             <a:r>
               <a:rPr lang="en-US" dirty="0" smtClean="0"/>
-              <a:t>Find the shortest path from source </a:t>
-            </a:r>
-            <a:r>
-              <a:rPr lang="en-US" dirty="0"/>
-              <a:t>node to every other node in </a:t>
-            </a:r>
-            <a:r>
-              <a:rPr lang="en-US" dirty="0" smtClean="0"/>
-              <a:t>this graph.</a:t>
+              <a:t>Node “0” is connected to node “1” and “7”, but not to any other node (2,8,7 etc..)</a:t>
             </a:r>
             <a:endParaRPr lang="en-US" dirty="0"/>
           </a:p>
@@ -3270,9 +3261,87 @@
           </a:p>
         </p:txBody>
       </p:sp>
+      <p:sp>
+        <p:nvSpPr>
+          <p:cNvPr id="13" name="Rectangle 12"/>
+          <p:cNvSpPr/>
+          <p:nvPr/>
+        </p:nvSpPr>
+        <p:spPr>
+          <a:xfrm>
+            <a:off x="5721079" y="3496325"/>
+            <a:ext cx="386644" cy="369332"/>
+          </a:xfrm>
+          <a:prstGeom prst="rect">
+            <a:avLst/>
+          </a:prstGeom>
+        </p:spPr>
+        <p:txBody>
+          <a:bodyPr wrap="none">
+            <a:spAutoFit/>
+          </a:bodyPr>
+          <a:lstStyle/>
+          <a:p>
+            <a:r>
+              <a:rPr lang="en-US" dirty="0">
+                <a:solidFill>
+                  <a:schemeClr val="tx1">
+                    <a:lumMod val="50000"/>
+                    <a:lumOff val="50000"/>
+                  </a:schemeClr>
+                </a:solidFill>
+              </a:rPr>
+              <a:t>or</a:t>
+            </a:r>
+          </a:p>
+        </p:txBody>
+      </p:sp>
+      <p:sp>
+        <p:nvSpPr>
+          <p:cNvPr id="9" name="Rectangle 8"/>
+          <p:cNvSpPr/>
+          <p:nvPr/>
+        </p:nvSpPr>
+        <p:spPr>
+          <a:xfrm>
+            <a:off x="7423420" y="1844741"/>
+            <a:ext cx="1814407" cy="369332"/>
+          </a:xfrm>
+          <a:prstGeom prst="rect">
+            <a:avLst/>
+          </a:prstGeom>
+        </p:spPr>
+        <p:txBody>
+          <a:bodyPr wrap="none">
+            <a:spAutoFit/>
+          </a:bodyPr>
+          <a:lstStyle/>
+          <a:p>
+            <a:r>
+              <a:rPr lang="en-US" dirty="0" smtClean="0">
+                <a:solidFill>
+                  <a:schemeClr val="tx1">
+                    <a:lumMod val="50000"/>
+                    <a:lumOff val="50000"/>
+                  </a:schemeClr>
+                </a:solidFill>
+              </a:rPr>
+              <a:t>Adjacency Matrix</a:t>
+            </a:r>
+            <a:endParaRPr lang="en-US" dirty="0">
+              <a:solidFill>
+                <a:schemeClr val="tx1">
+                  <a:lumMod val="50000"/>
+                  <a:lumOff val="50000"/>
+                </a:schemeClr>
+              </a:solidFill>
+            </a:endParaRPr>
+          </a:p>
+        </p:txBody>
+      </p:sp>
       <p:pic>
         <p:nvPicPr>
-          <p:cNvPr id="11" name="Picture 10"/>
+          <p:cNvPr id="12" name="Picture 11"/>
           <p:cNvPicPr>
             <a:picLocks noChangeAspect="1"/>
           </p:cNvPicPr>
@@ -3286,8 +3355,8 @@
         </p:blipFill>
         <p:spPr>
           <a:xfrm>
-            <a:off x="6713743" y="2715323"/>
-            <a:ext cx="3697238" cy="2291579"/>
+            <a:off x="6801646" y="2516816"/>
+            <a:ext cx="3587495" cy="2447543"/>
           </a:xfrm>
           <a:prstGeom prst="rect">
             <a:avLst/>
@@ -3296,43 +3365,108 @@
       </p:pic>
       <p:sp>
         <p:nvSpPr>
-          <p:cNvPr id="13" name="Rectangle 12"/>
+          <p:cNvPr id="14" name="Oval 13"/>
           <p:cNvSpPr/>
           <p:nvPr/>
         </p:nvSpPr>
         <p:spPr>
           <a:xfrm>
-            <a:off x="5721079" y="3496325"/>
-            <a:ext cx="386644" cy="369332"/>
-          </a:xfrm>
-          <a:prstGeom prst="rect">
-            <a:avLst/>
-          </a:prstGeom>
-        </p:spPr>
-        <p:txBody>
-          <a:bodyPr wrap="none">
-            <a:spAutoFit/>
-          </a:bodyPr>
-          <a:lstStyle/>
-          <a:p>
-            <a:r>
-              <a:rPr lang="en-US" dirty="0">
-                <a:solidFill>
-                  <a:schemeClr val="tx1">
-                    <a:lumMod val="50000"/>
-                    <a:lumOff val="50000"/>
-                  </a:schemeClr>
-                </a:solidFill>
-              </a:rPr>
-              <a:t>or</a:t>
-            </a:r>
+            <a:off x="7081737" y="3011248"/>
+            <a:ext cx="204280" cy="204280"/>
+          </a:xfrm>
+          <a:prstGeom prst="ellipse">
+            <a:avLst/>
+          </a:prstGeom>
+          <a:noFill/>
+          <a:ln>
+            <a:solidFill>
+              <a:schemeClr val="accent6"/>
+            </a:solidFill>
+          </a:ln>
+        </p:spPr>
+        <p:style>
+          <a:lnRef idx="2">
+            <a:schemeClr val="accent1">
+              <a:shade val="50000"/>
+            </a:schemeClr>
+          </a:lnRef>
+          <a:fillRef idx="1">
+            <a:schemeClr val="accent1"/>
+          </a:fillRef>
+          <a:effectRef idx="0">
+            <a:schemeClr val="accent1"/>
+          </a:effectRef>
+          <a:fontRef idx="minor">
+            <a:schemeClr val="lt1"/>
+          </a:fontRef>
+        </p:style>
+        <p:txBody>
+          <a:bodyPr rtlCol="0" anchor="ctr"/>
+          <a:lstStyle/>
+          <a:p>
+            <a:pPr algn="ctr"/>
+            <a:endParaRPr lang="en-US">
+              <a:solidFill>
+                <a:schemeClr val="accent6"/>
+              </a:solidFill>
+            </a:endParaRPr>
+          </a:p>
+        </p:txBody>
+      </p:sp>
+      <p:sp>
+        <p:nvSpPr>
+          <p:cNvPr id="16" name="Oval 15"/>
+          <p:cNvSpPr/>
+          <p:nvPr/>
+        </p:nvSpPr>
+        <p:spPr>
+          <a:xfrm>
+            <a:off x="1102659" y="3450481"/>
+            <a:ext cx="479897" cy="479897"/>
+          </a:xfrm>
+          <a:prstGeom prst="ellipse">
+            <a:avLst/>
+          </a:prstGeom>
+          <a:noFill/>
+          <a:ln>
+            <a:solidFill>
+              <a:schemeClr val="accent6"/>
+            </a:solidFill>
+          </a:ln>
+        </p:spPr>
+        <p:style>
+          <a:lnRef idx="2">
+            <a:schemeClr val="accent1">
+              <a:shade val="50000"/>
+            </a:schemeClr>
+          </a:lnRef>
+          <a:fillRef idx="1">
+            <a:schemeClr val="accent1"/>
+          </a:fillRef>
+          <a:effectRef idx="0">
+            <a:schemeClr val="accent1"/>
+          </a:effectRef>
+          <a:fontRef idx="minor">
+            <a:schemeClr val="lt1"/>
+          </a:fontRef>
+        </p:style>
+        <p:txBody>
+          <a:bodyPr rtlCol="0" anchor="ctr"/>
+          <a:lstStyle/>
+          <a:p>
+            <a:pPr algn="ctr"/>
+            <a:endParaRPr lang="en-US">
+              <a:solidFill>
+                <a:schemeClr val="accent6"/>
+              </a:solidFill>
+            </a:endParaRPr>
           </a:p>
         </p:txBody>
       </p:sp>
     </p:spTree>
     <p:extLst>
       <p:ext uri="{BB962C8B-B14F-4D97-AF65-F5344CB8AC3E}">
-        <p14:creationId xmlns:p14="http://schemas.microsoft.com/office/powerpoint/2010/main" val="2025064388"/>
+        <p14:creationId xmlns:p14="http://schemas.microsoft.com/office/powerpoint/2010/main" val="4169549037"/>
       </p:ext>
     </p:extLst>
   </p:cSld>
@@ -3366,6 +3500,30 @@
           <a:chExt cx="0" cy="0"/>
         </a:xfrm>
       </p:grpSpPr>
+      <p:pic>
+        <p:nvPicPr>
+          <p:cNvPr id="4" name="Picture 3"/>
+          <p:cNvPicPr>
+            <a:picLocks noChangeAspect="1"/>
+          </p:cNvPicPr>
+          <p:nvPr/>
+        </p:nvPicPr>
+        <p:blipFill>
+          <a:blip r:embed="rId2"/>
+          <a:stretch>
+            <a:fillRect/>
+          </a:stretch>
+        </p:blipFill>
+        <p:spPr>
+          <a:xfrm>
+            <a:off x="945212" y="1678496"/>
+            <a:ext cx="5377463" cy="4283392"/>
+          </a:xfrm>
+          <a:prstGeom prst="rect">
+            <a:avLst/>
+          </a:prstGeom>
+        </p:spPr>
+      </p:pic>
       <p:sp>
         <p:nvSpPr>
           <p:cNvPr id="2" name="Title 1"/>
@@ -3382,86 +3540,25 @@
           <a:lstStyle/>
           <a:p>
             <a:r>
-              <a:rPr lang="en-US" dirty="0"/>
-              <a:t>C++ Code Sample – </a:t>
-            </a:r>
-            <a:r>
               <a:rPr lang="en-US" dirty="0" smtClean="0"/>
-              <a:t>Problem Statement</a:t>
-            </a:r>
-            <a:endParaRPr lang="en-US" dirty="0"/>
-          </a:p>
-        </p:txBody>
-      </p:sp>
-      <p:pic>
-        <p:nvPicPr>
-          <p:cNvPr id="4" name="Content Placeholder 3"/>
-          <p:cNvPicPr>
-            <a:picLocks noGrp="1" noChangeAspect="1"/>
-          </p:cNvPicPr>
-          <p:nvPr>
-            <p:ph idx="1"/>
-          </p:nvPr>
-        </p:nvPicPr>
-        <p:blipFill>
-          <a:blip r:embed="rId2"/>
-          <a:stretch>
-            <a:fillRect/>
-          </a:stretch>
-        </p:blipFill>
-        <p:spPr>
-          <a:xfrm>
-            <a:off x="1104879" y="2715323"/>
-            <a:ext cx="4010180" cy="1891846"/>
-          </a:xfrm>
-          <a:prstGeom prst="rect">
-            <a:avLst/>
-          </a:prstGeom>
-        </p:spPr>
-      </p:pic>
-      <p:sp>
-        <p:nvSpPr>
-          <p:cNvPr id="5" name="TextBox 4"/>
-          <p:cNvSpPr txBox="1"/>
-          <p:nvPr/>
-        </p:nvSpPr>
-        <p:spPr>
-          <a:xfrm>
-            <a:off x="407268" y="1648685"/>
-            <a:ext cx="4330104" cy="923330"/>
-          </a:xfrm>
-          <a:prstGeom prst="rect">
-            <a:avLst/>
-          </a:prstGeom>
-          <a:noFill/>
-        </p:spPr>
-        <p:txBody>
-          <a:bodyPr wrap="square" rtlCol="0">
-            <a:spAutoFit/>
-          </a:bodyPr>
-          <a:lstStyle/>
-          <a:p>
-            <a:r>
-              <a:rPr lang="en-US" dirty="0" smtClean="0"/>
-              <a:t>Node “0” is connected to node “1” and “7”, but not to any other node (2,8,7 etc..)</a:t>
-            </a:r>
-            <a:endParaRPr lang="en-US" dirty="0"/>
-          </a:p>
-          <a:p>
+              <a:t>C++ Code Sample – Step 1</a:t>
+            </a:r>
             <a:endParaRPr lang="en-US" dirty="0"/>
           </a:p>
         </p:txBody>
       </p:sp>
       <p:cxnSp>
         <p:nvCxnSpPr>
-          <p:cNvPr id="7" name="Straight Arrow Connector 6"/>
-          <p:cNvCxnSpPr/>
+          <p:cNvPr id="8" name="Straight Arrow Connector 7"/>
+          <p:cNvCxnSpPr>
+            <a:stCxn id="10" idx="1"/>
+          </p:cNvCxnSpPr>
           <p:nvPr/>
         </p:nvCxnSpPr>
         <p:spPr>
-          <a:xfrm>
-            <a:off x="792489" y="3191525"/>
-            <a:ext cx="290714" cy="304800"/>
+          <a:xfrm flipH="1">
+            <a:off x="2377440" y="1929729"/>
+            <a:ext cx="3273083" cy="222624"/>
           </a:xfrm>
           <a:prstGeom prst="straightConnector1">
             <a:avLst/>
@@ -3493,8 +3590,8 @@
         </p:nvSpPr>
         <p:spPr>
           <a:xfrm>
-            <a:off x="280807" y="2826582"/>
-            <a:ext cx="824072" cy="369332"/>
+            <a:off x="5650523" y="1606563"/>
+            <a:ext cx="4757008" cy="646331"/>
           </a:xfrm>
           <a:prstGeom prst="rect">
             <a:avLst/>
@@ -3516,7 +3613,20 @@
                   </a:schemeClr>
                 </a:solidFill>
               </a:rPr>
-              <a:t>Source</a:t>
+              <a:t>Stores the shortest distance from source node to</a:t>
+            </a:r>
+          </a:p>
+          <a:p>
+            <a:r>
+              <a:rPr lang="en-US" dirty="0" smtClean="0">
+                <a:solidFill>
+                  <a:schemeClr val="tx1">
+                    <a:lumMod val="50000"/>
+                    <a:lumOff val="50000"/>
+                  </a:schemeClr>
+                </a:solidFill>
+              </a:rPr>
+              <a:t>destination</a:t>
             </a:r>
             <a:endParaRPr lang="en-US" dirty="0">
               <a:solidFill>
@@ -3529,63 +3639,124 @@
           </a:p>
         </p:txBody>
       </p:sp>
-      <p:sp>
-        <p:nvSpPr>
-          <p:cNvPr id="13" name="Rectangle 12"/>
+      <p:cxnSp>
+        <p:nvCxnSpPr>
+          <p:cNvPr id="15" name="Straight Arrow Connector 14"/>
+          <p:cNvCxnSpPr/>
+          <p:nvPr/>
+        </p:nvCxnSpPr>
+        <p:spPr>
+          <a:xfrm>
+            <a:off x="451339" y="2252894"/>
+            <a:ext cx="644769" cy="0"/>
+          </a:xfrm>
+          <a:prstGeom prst="straightConnector1">
+            <a:avLst/>
+          </a:prstGeom>
+          <a:ln>
+            <a:tailEnd type="triangle"/>
+          </a:ln>
+        </p:spPr>
+        <p:style>
+          <a:lnRef idx="1">
+            <a:schemeClr val="accent1"/>
+          </a:lnRef>
+          <a:fillRef idx="0">
+            <a:schemeClr val="accent1"/>
+          </a:fillRef>
+          <a:effectRef idx="0">
+            <a:schemeClr val="accent1"/>
+          </a:effectRef>
+          <a:fontRef idx="minor">
+            <a:schemeClr val="tx1"/>
+          </a:fontRef>
+        </p:style>
+      </p:cxnSp>
+      <p:cxnSp>
+        <p:nvCxnSpPr>
+          <p:cNvPr id="18" name="Straight Connector 17"/>
+          <p:cNvCxnSpPr/>
+          <p:nvPr/>
+        </p:nvCxnSpPr>
+        <p:spPr>
+          <a:xfrm>
+            <a:off x="1195754" y="2055110"/>
+            <a:ext cx="0" cy="395013"/>
+          </a:xfrm>
+          <a:prstGeom prst="line">
+            <a:avLst/>
+          </a:prstGeom>
+        </p:spPr>
+        <p:style>
+          <a:lnRef idx="1">
+            <a:schemeClr val="accent1"/>
+          </a:lnRef>
+          <a:fillRef idx="0">
+            <a:schemeClr val="accent1"/>
+          </a:fillRef>
+          <a:effectRef idx="0">
+            <a:schemeClr val="accent1"/>
+          </a:effectRef>
+          <a:fontRef idx="minor">
+            <a:schemeClr val="tx1"/>
+          </a:fontRef>
+        </p:style>
+      </p:cxnSp>
+      <p:cxnSp>
+        <p:nvCxnSpPr>
+          <p:cNvPr id="21" name="Straight Arrow Connector 20"/>
+          <p:cNvCxnSpPr/>
+          <p:nvPr/>
+        </p:nvCxnSpPr>
+        <p:spPr>
+          <a:xfrm flipH="1" flipV="1">
+            <a:off x="2766646" y="2388943"/>
+            <a:ext cx="1099413" cy="132742"/>
+          </a:xfrm>
+          <a:prstGeom prst="straightConnector1">
+            <a:avLst/>
+          </a:prstGeom>
+          <a:ln>
+            <a:tailEnd type="triangle"/>
+          </a:ln>
+        </p:spPr>
+        <p:style>
+          <a:lnRef idx="1">
+            <a:schemeClr val="accent1"/>
+          </a:lnRef>
+          <a:fillRef idx="0">
+            <a:schemeClr val="accent1"/>
+          </a:fillRef>
+          <a:effectRef idx="0">
+            <a:schemeClr val="accent1"/>
+          </a:effectRef>
+          <a:fontRef idx="minor">
+            <a:schemeClr val="tx1"/>
+          </a:fontRef>
+        </p:style>
+      </p:cxnSp>
+      <p:sp>
+        <p:nvSpPr>
+          <p:cNvPr id="26" name="Rectangle 25"/>
           <p:cNvSpPr/>
           <p:nvPr/>
         </p:nvSpPr>
         <p:spPr>
           <a:xfrm>
-            <a:off x="5721079" y="3496325"/>
-            <a:ext cx="386644" cy="369332"/>
+            <a:off x="3866059" y="2337019"/>
+            <a:ext cx="6096000" cy="369332"/>
           </a:xfrm>
           <a:prstGeom prst="rect">
             <a:avLst/>
           </a:prstGeom>
         </p:spPr>
         <p:txBody>
-          <a:bodyPr wrap="none">
+          <a:bodyPr>
             <a:spAutoFit/>
           </a:bodyPr>
           <a:lstStyle/>
           <a:p>
             <a:r>
-              <a:rPr lang="en-US" dirty="0">
-                <a:solidFill>
-                  <a:schemeClr val="tx1">
-                    <a:lumMod val="50000"/>
-                    <a:lumOff val="50000"/>
-                  </a:schemeClr>
-                </a:solidFill>
-              </a:rPr>
-              <a:t>or</a:t>
-            </a:r>
-          </a:p>
-        </p:txBody>
-      </p:sp>
-      <p:sp>
-        <p:nvSpPr>
-          <p:cNvPr id="9" name="Rectangle 8"/>
-          <p:cNvSpPr/>
-          <p:nvPr/>
-        </p:nvSpPr>
-        <p:spPr>
-          <a:xfrm>
-            <a:off x="7423420" y="1844741"/>
-            <a:ext cx="1814407" cy="369332"/>
-          </a:xfrm>
-          <a:prstGeom prst="rect">
-            <a:avLst/>
-          </a:prstGeom>
-        </p:spPr>
-        <p:txBody>
-          <a:bodyPr wrap="none">
-            <a:spAutoFit/>
-          </a:bodyPr>
-          <a:lstStyle/>
-          <a:p>
-            <a:r>
               <a:rPr lang="en-US" dirty="0" smtClean="0">
                 <a:solidFill>
                   <a:schemeClr val="tx1">
@@ -3594,7 +3765,7 @@
                   </a:schemeClr>
                 </a:solidFill>
               </a:rPr>
-              <a:t>Adjacency Matrix</a:t>
+              <a:t>Holds true if a node is already visited</a:t>
             </a:r>
             <a:endParaRPr lang="en-US" dirty="0">
               <a:solidFill>
@@ -3607,134 +3778,10 @@
           </a:p>
         </p:txBody>
       </p:sp>
-      <p:pic>
-        <p:nvPicPr>
-          <p:cNvPr id="12" name="Picture 11"/>
-          <p:cNvPicPr>
-            <a:picLocks noChangeAspect="1"/>
-          </p:cNvPicPr>
-          <p:nvPr/>
-        </p:nvPicPr>
-        <p:blipFill>
-          <a:blip r:embed="rId3"/>
-          <a:stretch>
-            <a:fillRect/>
-          </a:stretch>
-        </p:blipFill>
-        <p:spPr>
-          <a:xfrm>
-            <a:off x="6801646" y="2516816"/>
-            <a:ext cx="3587495" cy="2447543"/>
-          </a:xfrm>
-          <a:prstGeom prst="rect">
-            <a:avLst/>
-          </a:prstGeom>
-        </p:spPr>
-      </p:pic>
-      <p:sp>
-        <p:nvSpPr>
-          <p:cNvPr id="14" name="Oval 13"/>
-          <p:cNvSpPr/>
-          <p:nvPr/>
-        </p:nvSpPr>
-        <p:spPr>
-          <a:xfrm>
-            <a:off x="7081737" y="3011248"/>
-            <a:ext cx="204280" cy="204280"/>
-          </a:xfrm>
-          <a:prstGeom prst="ellipse">
-            <a:avLst/>
-          </a:prstGeom>
-          <a:noFill/>
-          <a:ln>
-            <a:solidFill>
-              <a:schemeClr val="accent6"/>
-            </a:solidFill>
-          </a:ln>
-        </p:spPr>
-        <p:style>
-          <a:lnRef idx="2">
-            <a:schemeClr val="accent1">
-              <a:shade val="50000"/>
-            </a:schemeClr>
-          </a:lnRef>
-          <a:fillRef idx="1">
-            <a:schemeClr val="accent1"/>
-          </a:fillRef>
-          <a:effectRef idx="0">
-            <a:schemeClr val="accent1"/>
-          </a:effectRef>
-          <a:fontRef idx="minor">
-            <a:schemeClr val="lt1"/>
-          </a:fontRef>
-        </p:style>
-        <p:txBody>
-          <a:bodyPr rtlCol="0" anchor="ctr"/>
-          <a:lstStyle/>
-          <a:p>
-            <a:pPr algn="ctr"/>
-            <a:endParaRPr lang="en-US">
-              <a:solidFill>
-                <a:schemeClr val="accent6"/>
-              </a:solidFill>
-            </a:endParaRPr>
-          </a:p>
-        </p:txBody>
-      </p:sp>
-      <p:sp>
-        <p:nvSpPr>
-          <p:cNvPr id="16" name="Oval 15"/>
-          <p:cNvSpPr/>
-          <p:nvPr/>
-        </p:nvSpPr>
-        <p:spPr>
-          <a:xfrm>
-            <a:off x="1102659" y="3450481"/>
-            <a:ext cx="479897" cy="479897"/>
-          </a:xfrm>
-          <a:prstGeom prst="ellipse">
-            <a:avLst/>
-          </a:prstGeom>
-          <a:noFill/>
-          <a:ln>
-            <a:solidFill>
-              <a:schemeClr val="accent6"/>
-            </a:solidFill>
-          </a:ln>
-        </p:spPr>
-        <p:style>
-          <a:lnRef idx="2">
-            <a:schemeClr val="accent1">
-              <a:shade val="50000"/>
-            </a:schemeClr>
-          </a:lnRef>
-          <a:fillRef idx="1">
-            <a:schemeClr val="accent1"/>
-          </a:fillRef>
-          <a:effectRef idx="0">
-            <a:schemeClr val="accent1"/>
-          </a:effectRef>
-          <a:fontRef idx="minor">
-            <a:schemeClr val="lt1"/>
-          </a:fontRef>
-        </p:style>
-        <p:txBody>
-          <a:bodyPr rtlCol="0" anchor="ctr"/>
-          <a:lstStyle/>
-          <a:p>
-            <a:pPr algn="ctr"/>
-            <a:endParaRPr lang="en-US">
-              <a:solidFill>
-                <a:schemeClr val="accent6"/>
-              </a:solidFill>
-            </a:endParaRPr>
-          </a:p>
-        </p:txBody>
-      </p:sp>
     </p:spTree>
     <p:extLst>
       <p:ext uri="{BB962C8B-B14F-4D97-AF65-F5344CB8AC3E}">
-        <p14:creationId xmlns:p14="http://schemas.microsoft.com/office/powerpoint/2010/main" val="4169549037"/>
+        <p14:creationId xmlns:p14="http://schemas.microsoft.com/office/powerpoint/2010/main" val="3342400803"/>
       </p:ext>
     </p:extLst>
   </p:cSld>
@@ -3825,8 +3872,8 @@
         </p:nvCxnSpPr>
         <p:spPr>
           <a:xfrm flipH="1">
-            <a:off x="2377440" y="1929729"/>
-            <a:ext cx="3273083" cy="222624"/>
+            <a:off x="5047488" y="2654953"/>
+            <a:ext cx="1041190" cy="184666"/>
           </a:xfrm>
           <a:prstGeom prst="straightConnector1">
             <a:avLst/>
@@ -3858,8 +3905,8 @@
         </p:nvSpPr>
         <p:spPr>
           <a:xfrm>
-            <a:off x="5650523" y="1606563"/>
-            <a:ext cx="4757008" cy="646331"/>
+            <a:off x="6088678" y="2470287"/>
+            <a:ext cx="3170355" cy="369332"/>
           </a:xfrm>
           <a:prstGeom prst="rect">
             <a:avLst/>
@@ -3873,37 +3920,16 @@
           <a:lstStyle/>
           <a:p>
             <a:r>
-              <a:rPr lang="en-US" dirty="0" smtClean="0">
-                <a:solidFill>
-                  <a:schemeClr val="tx1">
-                    <a:lumMod val="50000"/>
-                    <a:lumOff val="50000"/>
-                  </a:schemeClr>
-                </a:solidFill>
-              </a:rPr>
-              <a:t>Stores the shortest distance from source node to</a:t>
-            </a:r>
-          </a:p>
-          <a:p>
-            <a:r>
-              <a:rPr lang="en-US" dirty="0" smtClean="0">
-                <a:solidFill>
-                  <a:schemeClr val="tx1">
-                    <a:lumMod val="50000"/>
-                    <a:lumOff val="50000"/>
-                  </a:schemeClr>
-                </a:solidFill>
-              </a:rPr>
-              <a:t>destination</a:t>
-            </a:r>
-            <a:endParaRPr lang="en-US" dirty="0">
-              <a:solidFill>
-                <a:schemeClr val="tx1">
-                  <a:lumMod val="50000"/>
-                  <a:lumOff val="50000"/>
-                </a:schemeClr>
-              </a:solidFill>
-            </a:endParaRPr>
+              <a:rPr lang="en-US" dirty="0">
+                <a:solidFill>
+                  <a:schemeClr val="tx1">
+                    <a:lumMod val="50000"/>
+                    <a:lumOff val="50000"/>
+                  </a:schemeClr>
+                </a:solidFill>
+              </a:rPr>
+              <a:t>Initialize all distances as infinity </a:t>
+            </a:r>
           </a:p>
         </p:txBody>
       </p:sp>
@@ -3915,7 +3941,7 @@
         </p:nvCxnSpPr>
         <p:spPr>
           <a:xfrm>
-            <a:off x="451339" y="2252894"/>
+            <a:off x="451339" y="2911262"/>
             <a:ext cx="644769" cy="0"/>
           </a:xfrm>
           <a:prstGeom prst="straightConnector1">
@@ -3948,8 +3974,8 @@
         </p:nvCxnSpPr>
         <p:spPr>
           <a:xfrm>
-            <a:off x="1195754" y="2055110"/>
-            <a:ext cx="0" cy="395013"/>
+            <a:off x="1195754" y="2530325"/>
+            <a:ext cx="0" cy="700555"/>
           </a:xfrm>
           <a:prstGeom prst="line">
             <a:avLst/>
@@ -3977,9 +4003,9 @@
           <p:nvPr/>
         </p:nvCxnSpPr>
         <p:spPr>
-          <a:xfrm flipH="1" flipV="1">
-            <a:off x="2766646" y="2388943"/>
-            <a:ext cx="1099413" cy="132742"/>
+          <a:xfrm flipH="1">
+            <a:off x="2682240" y="3096768"/>
+            <a:ext cx="3060192" cy="20024"/>
           </a:xfrm>
           <a:prstGeom prst="straightConnector1">
             <a:avLst/>
@@ -4011,7 +4037,7 @@
         </p:nvSpPr>
         <p:spPr>
           <a:xfrm>
-            <a:off x="3866059" y="2337019"/>
+            <a:off x="5838135" y="2932126"/>
             <a:ext cx="6096000" cy="369332"/>
           </a:xfrm>
           <a:prstGeom prst="rect">
@@ -4025,31 +4051,23 @@
           <a:lstStyle/>
           <a:p>
             <a:r>
-              <a:rPr lang="en-US" dirty="0" smtClean="0">
-                <a:solidFill>
-                  <a:schemeClr val="tx1">
-                    <a:lumMod val="50000"/>
-                    <a:lumOff val="50000"/>
-                  </a:schemeClr>
-                </a:solidFill>
-              </a:rPr>
-              <a:t>Holds true if a node is already visited</a:t>
-            </a:r>
-            <a:endParaRPr lang="en-US" dirty="0">
-              <a:solidFill>
-                <a:schemeClr val="tx1">
-                  <a:lumMod val="50000"/>
-                  <a:lumOff val="50000"/>
-                </a:schemeClr>
-              </a:solidFill>
-            </a:endParaRPr>
+              <a:rPr lang="en-US" dirty="0">
+                <a:solidFill>
+                  <a:schemeClr val="tx1">
+                    <a:lumMod val="50000"/>
+                    <a:lumOff val="50000"/>
+                  </a:schemeClr>
+                </a:solidFill>
+              </a:rPr>
+              <a:t>Initialize source node with 0</a:t>
+            </a:r>
           </a:p>
         </p:txBody>
       </p:sp>
     </p:spTree>
     <p:extLst>
       <p:ext uri="{BB962C8B-B14F-4D97-AF65-F5344CB8AC3E}">
-        <p14:creationId xmlns:p14="http://schemas.microsoft.com/office/powerpoint/2010/main" val="3342400803"/>
+        <p14:creationId xmlns:p14="http://schemas.microsoft.com/office/powerpoint/2010/main" val="4271929995"/>
       </p:ext>
     </p:extLst>
   </p:cSld>
@@ -4332,10 +4350,34 @@
           </a:p>
         </p:txBody>
       </p:sp>
+      <p:pic>
+        <p:nvPicPr>
+          <p:cNvPr id="11" name="Picture 10"/>
+          <p:cNvPicPr>
+            <a:picLocks noChangeAspect="1"/>
+          </p:cNvPicPr>
+          <p:nvPr/>
+        </p:nvPicPr>
+        <p:blipFill>
+          <a:blip r:embed="rId3"/>
+          <a:stretch>
+            <a:fillRect/>
+          </a:stretch>
+        </p:blipFill>
+        <p:spPr>
+          <a:xfrm>
+            <a:off x="7233971" y="3938327"/>
+            <a:ext cx="3820058" cy="2133898"/>
+          </a:xfrm>
+          <a:prstGeom prst="rect">
+            <a:avLst/>
+          </a:prstGeom>
+        </p:spPr>
+      </p:pic>
     </p:spTree>
     <p:extLst>
       <p:ext uri="{BB962C8B-B14F-4D97-AF65-F5344CB8AC3E}">
-        <p14:creationId xmlns:p14="http://schemas.microsoft.com/office/powerpoint/2010/main" val="4271929995"/>
+        <p14:creationId xmlns:p14="http://schemas.microsoft.com/office/powerpoint/2010/main" val="1564232177"/>
       </p:ext>
     </p:extLst>
   </p:cSld>
@@ -4409,80 +4451,8 @@
           <a:lstStyle/>
           <a:p>
             <a:r>
-              <a:rPr lang="en-US" dirty="0" smtClean="0"/>
-              <a:t>C++ Code Sample – Step 1</a:t>
-            </a:r>
-            <a:endParaRPr lang="en-US" dirty="0"/>
-          </a:p>
-        </p:txBody>
-      </p:sp>
-      <p:cxnSp>
-        <p:nvCxnSpPr>
-          <p:cNvPr id="8" name="Straight Arrow Connector 7"/>
-          <p:cNvCxnSpPr>
-            <a:stCxn id="10" idx="1"/>
-          </p:cNvCxnSpPr>
-          <p:nvPr/>
-        </p:nvCxnSpPr>
-        <p:spPr>
-          <a:xfrm flipH="1">
-            <a:off x="5047488" y="2654953"/>
-            <a:ext cx="1041190" cy="184666"/>
-          </a:xfrm>
-          <a:prstGeom prst="straightConnector1">
-            <a:avLst/>
-          </a:prstGeom>
-          <a:ln>
-            <a:tailEnd type="triangle"/>
-          </a:ln>
-        </p:spPr>
-        <p:style>
-          <a:lnRef idx="1">
-            <a:schemeClr val="accent1"/>
-          </a:lnRef>
-          <a:fillRef idx="0">
-            <a:schemeClr val="accent1"/>
-          </a:fillRef>
-          <a:effectRef idx="0">
-            <a:schemeClr val="accent1"/>
-          </a:effectRef>
-          <a:fontRef idx="minor">
-            <a:schemeClr val="tx1"/>
-          </a:fontRef>
-        </p:style>
-      </p:cxnSp>
-      <p:sp>
-        <p:nvSpPr>
-          <p:cNvPr id="10" name="TextBox 9"/>
-          <p:cNvSpPr txBox="1"/>
-          <p:nvPr/>
-        </p:nvSpPr>
-        <p:spPr>
-          <a:xfrm>
-            <a:off x="6088678" y="2470287"/>
-            <a:ext cx="3170355" cy="369332"/>
-          </a:xfrm>
-          <a:prstGeom prst="rect">
-            <a:avLst/>
-          </a:prstGeom>
-          <a:noFill/>
-        </p:spPr>
-        <p:txBody>
-          <a:bodyPr wrap="none" rtlCol="0">
-            <a:spAutoFit/>
-          </a:bodyPr>
-          <a:lstStyle/>
-          <a:p>
-            <a:r>
-              <a:rPr lang="en-US" dirty="0">
-                <a:solidFill>
-                  <a:schemeClr val="tx1">
-                    <a:lumMod val="50000"/>
-                    <a:lumOff val="50000"/>
-                  </a:schemeClr>
-                </a:solidFill>
-              </a:rPr>
-              <a:t>Initialize all distances as infinity </a:t>
+              <a:rPr lang="en-US" dirty="0"/>
+              <a:t>C++ Code Sample – Step 2</a:t>
             </a:r>
           </a:p>
         </p:txBody>
@@ -4495,7 +4465,7 @@
         </p:nvCxnSpPr>
         <p:spPr>
           <a:xfrm>
-            <a:off x="451339" y="2911262"/>
+            <a:off x="451339" y="4459646"/>
             <a:ext cx="644769" cy="0"/>
           </a:xfrm>
           <a:prstGeom prst="straightConnector1">
@@ -4528,8 +4498,8 @@
         </p:nvCxnSpPr>
         <p:spPr>
           <a:xfrm>
-            <a:off x="1195754" y="2530325"/>
-            <a:ext cx="0" cy="700555"/>
+            <a:off x="1195754" y="3423125"/>
+            <a:ext cx="0" cy="1953547"/>
           </a:xfrm>
           <a:prstGeom prst="line">
             <a:avLst/>
@@ -4558,8 +4528,8 @@
         </p:nvCxnSpPr>
         <p:spPr>
           <a:xfrm flipH="1">
-            <a:off x="2682240" y="3096768"/>
-            <a:ext cx="3060192" cy="20024"/>
+            <a:off x="4846085" y="3816276"/>
+            <a:ext cx="1659841" cy="10861"/>
           </a:xfrm>
           <a:prstGeom prst="straightConnector1">
             <a:avLst/>
@@ -4591,8 +4561,8 @@
         </p:nvSpPr>
         <p:spPr>
           <a:xfrm>
-            <a:off x="5838135" y="2932126"/>
-            <a:ext cx="6096000" cy="369332"/>
+            <a:off x="6234615" y="2236261"/>
+            <a:ext cx="6096000" cy="923330"/>
           </a:xfrm>
           <a:prstGeom prst="rect">
             <a:avLst/>
@@ -4613,39 +4583,71 @@
                   </a:schemeClr>
                 </a:solidFill>
               </a:rPr>
-              <a:t>Initialize source node with 0</a:t>
-            </a:r>
-          </a:p>
-        </p:txBody>
-      </p:sp>
-      <p:pic>
-        <p:nvPicPr>
-          <p:cNvPr id="11" name="Picture 10"/>
-          <p:cNvPicPr>
-            <a:picLocks noChangeAspect="1"/>
-          </p:cNvPicPr>
-          <p:nvPr/>
-        </p:nvPicPr>
-        <p:blipFill>
-          <a:blip r:embed="rId3"/>
-          <a:stretch>
-            <a:fillRect/>
-          </a:stretch>
-        </p:blipFill>
-        <p:spPr>
-          <a:xfrm>
-            <a:off x="7233971" y="3938327"/>
-            <a:ext cx="3820058" cy="2133898"/>
-          </a:xfrm>
-          <a:prstGeom prst="rect">
-            <a:avLst/>
-          </a:prstGeom>
-        </p:spPr>
-      </p:pic>
+              <a:t>- Pick the node with the minimum distance  </a:t>
+            </a:r>
+          </a:p>
+          <a:p>
+            <a:r>
+              <a:rPr lang="en-US" dirty="0">
+                <a:solidFill>
+                  <a:schemeClr val="tx1">
+                    <a:lumMod val="50000"/>
+                    <a:lumOff val="50000"/>
+                  </a:schemeClr>
+                </a:solidFill>
+              </a:rPr>
+              <a:t>  That is not yet processed</a:t>
+            </a:r>
+          </a:p>
+          <a:p>
+            <a:r>
+              <a:rPr lang="en-US" dirty="0">
+                <a:solidFill>
+                  <a:schemeClr val="tx1">
+                    <a:lumMod val="50000"/>
+                    <a:lumOff val="50000"/>
+                  </a:schemeClr>
+                </a:solidFill>
+              </a:rPr>
+              <a:t>-  Mark it as visited vertex</a:t>
+            </a:r>
+          </a:p>
+        </p:txBody>
+      </p:sp>
+      <p:cxnSp>
+        <p:nvCxnSpPr>
+          <p:cNvPr id="7" name="Straight Connector 6"/>
+          <p:cNvCxnSpPr/>
+          <p:nvPr/>
+        </p:nvCxnSpPr>
+        <p:spPr>
+          <a:xfrm flipV="1">
+            <a:off x="6505926" y="3249038"/>
+            <a:ext cx="0" cy="567238"/>
+          </a:xfrm>
+          <a:prstGeom prst="line">
+            <a:avLst/>
+          </a:prstGeom>
+        </p:spPr>
+        <p:style>
+          <a:lnRef idx="1">
+            <a:schemeClr val="accent1"/>
+          </a:lnRef>
+          <a:fillRef idx="0">
+            <a:schemeClr val="accent1"/>
+          </a:fillRef>
+          <a:effectRef idx="0">
+            <a:schemeClr val="accent1"/>
+          </a:effectRef>
+          <a:fontRef idx="minor">
+            <a:schemeClr val="tx1"/>
+          </a:fontRef>
+        </p:style>
+      </p:cxnSp>
     </p:spTree>
     <p:extLst>
       <p:ext uri="{BB962C8B-B14F-4D97-AF65-F5344CB8AC3E}">
-        <p14:creationId xmlns:p14="http://schemas.microsoft.com/office/powerpoint/2010/main" val="1564232177"/>
+        <p14:creationId xmlns:p14="http://schemas.microsoft.com/office/powerpoint/2010/main" val="3235528033"/>
       </p:ext>
     </p:extLst>
   </p:cSld>
@@ -4912,10 +4914,34 @@
           </a:fontRef>
         </p:style>
       </p:cxnSp>
+      <p:pic>
+        <p:nvPicPr>
+          <p:cNvPr id="9" name="Picture 8"/>
+          <p:cNvPicPr>
+            <a:picLocks noChangeAspect="1"/>
+          </p:cNvPicPr>
+          <p:nvPr/>
+        </p:nvPicPr>
+        <p:blipFill>
+          <a:blip r:embed="rId3"/>
+          <a:stretch>
+            <a:fillRect/>
+          </a:stretch>
+        </p:blipFill>
+        <p:spPr>
+          <a:xfrm>
+            <a:off x="7145005" y="3997540"/>
+            <a:ext cx="4363280" cy="1900632"/>
+          </a:xfrm>
+          <a:prstGeom prst="rect">
+            <a:avLst/>
+          </a:prstGeom>
+        </p:spPr>
+      </p:pic>
     </p:spTree>
     <p:extLst>
       <p:ext uri="{BB962C8B-B14F-4D97-AF65-F5344CB8AC3E}">
-        <p14:creationId xmlns:p14="http://schemas.microsoft.com/office/powerpoint/2010/main" val="3235528033"/>
+        <p14:creationId xmlns:p14="http://schemas.microsoft.com/office/powerpoint/2010/main" val="1493622118"/>
       </p:ext>
     </p:extLst>
   </p:cSld>
@@ -5198,18 +5224,57 @@
         </p:blipFill>
         <p:spPr>
           <a:xfrm>
-            <a:off x="7145005" y="3997540"/>
-            <a:ext cx="4363280" cy="1900632"/>
+            <a:off x="7230332" y="3705164"/>
+            <a:ext cx="3820058" cy="2133898"/>
           </a:xfrm>
           <a:prstGeom prst="rect">
             <a:avLst/>
           </a:prstGeom>
         </p:spPr>
       </p:pic>
+      <p:sp>
+        <p:nvSpPr>
+          <p:cNvPr id="10" name="Oval 9"/>
+          <p:cNvSpPr/>
+          <p:nvPr/>
+        </p:nvSpPr>
+        <p:spPr>
+          <a:xfrm>
+            <a:off x="7163965" y="4507625"/>
+            <a:ext cx="603227" cy="548640"/>
+          </a:xfrm>
+          <a:prstGeom prst="ellipse">
+            <a:avLst/>
+          </a:prstGeom>
+          <a:noFill/>
+        </p:spPr>
+        <p:style>
+          <a:lnRef idx="2">
+            <a:schemeClr val="accent6"/>
+          </a:lnRef>
+          <a:fillRef idx="1">
+            <a:schemeClr val="lt1"/>
+          </a:fillRef>
+          <a:effectRef idx="0">
+            <a:schemeClr val="accent6"/>
+          </a:effectRef>
+          <a:fontRef idx="minor">
+            <a:schemeClr val="dk1"/>
+          </a:fontRef>
+        </p:style>
+        <p:txBody>
+          <a:bodyPr rtlCol="0" anchor="ctr"/>
+          <a:lstStyle/>
+          <a:p>
+            <a:pPr algn="ctr"/>
+            <a:endParaRPr lang="en-US"/>
+          </a:p>
+        </p:txBody>
+      </p:sp>
     </p:spTree>
     <p:extLst>
       <p:ext uri="{BB962C8B-B14F-4D97-AF65-F5344CB8AC3E}">
-        <p14:creationId xmlns:p14="http://schemas.microsoft.com/office/powerpoint/2010/main" val="1493622118"/>
+        <p14:creationId xmlns:p14="http://schemas.microsoft.com/office/powerpoint/2010/main" val="1920265812"/>
       </p:ext>
     </p:extLst>
   </p:cSld>
@@ -5284,44 +5349,11 @@
           <a:p>
             <a:r>
               <a:rPr lang="en-US" dirty="0"/>
-              <a:t>C++ Code Sample – Step 2</a:t>
-            </a:r>
-          </a:p>
-        </p:txBody>
-      </p:sp>
-      <p:cxnSp>
-        <p:nvCxnSpPr>
-          <p:cNvPr id="15" name="Straight Arrow Connector 14"/>
-          <p:cNvCxnSpPr/>
-          <p:nvPr/>
-        </p:nvCxnSpPr>
-        <p:spPr>
-          <a:xfrm>
-            <a:off x="451339" y="4459646"/>
-            <a:ext cx="644769" cy="0"/>
-          </a:xfrm>
-          <a:prstGeom prst="straightConnector1">
-            <a:avLst/>
-          </a:prstGeom>
-          <a:ln>
-            <a:tailEnd type="triangle"/>
-          </a:ln>
-        </p:spPr>
-        <p:style>
-          <a:lnRef idx="1">
-            <a:schemeClr val="accent1"/>
-          </a:lnRef>
-          <a:fillRef idx="0">
-            <a:schemeClr val="accent1"/>
-          </a:fillRef>
-          <a:effectRef idx="0">
-            <a:schemeClr val="accent1"/>
-          </a:effectRef>
-          <a:fontRef idx="minor">
-            <a:schemeClr val="tx1"/>
-          </a:fontRef>
-        </p:style>
-      </p:cxnSp>
+              <a:t>C++ Code Sample – Step 3</a:t>
+            </a:r>
+          </a:p>
+        </p:txBody>
+      </p:sp>
       <p:cxnSp>
         <p:nvCxnSpPr>
           <p:cNvPr id="18" name="Straight Connector 17"/>
@@ -5336,6 +5368,14 @@
           <a:prstGeom prst="line">
             <a:avLst/>
           </a:prstGeom>
+          <a:ln>
+            <a:solidFill>
+              <a:schemeClr val="accent1">
+                <a:lumMod val="20000"/>
+                <a:lumOff val="80000"/>
+              </a:schemeClr>
+            </a:solidFill>
+          </a:ln>
         </p:spPr>
         <p:style>
           <a:lnRef idx="1">
@@ -5360,8 +5400,8 @@
         </p:nvCxnSpPr>
         <p:spPr>
           <a:xfrm flipH="1">
-            <a:off x="4846085" y="3816276"/>
-            <a:ext cx="1659841" cy="10861"/>
+            <a:off x="4126239" y="4106066"/>
+            <a:ext cx="1570098" cy="184666"/>
           </a:xfrm>
           <a:prstGeom prst="straightConnector1">
             <a:avLst/>
@@ -5387,26 +5427,256 @@
       </p:cxnSp>
       <p:sp>
         <p:nvSpPr>
-          <p:cNvPr id="26" name="Rectangle 25"/>
+          <p:cNvPr id="12" name="Rectangle 11"/>
           <p:cNvSpPr/>
           <p:nvPr/>
         </p:nvSpPr>
         <p:spPr>
           <a:xfrm>
-            <a:off x="6234615" y="2236261"/>
-            <a:ext cx="6096000" cy="923330"/>
+            <a:off x="5923755" y="4279871"/>
+            <a:ext cx="6107791" cy="1661993"/>
           </a:xfrm>
           <a:prstGeom prst="rect">
             <a:avLst/>
           </a:prstGeom>
         </p:spPr>
         <p:txBody>
-          <a:bodyPr>
+          <a:bodyPr wrap="square">
             <a:spAutoFit/>
           </a:bodyPr>
           <a:lstStyle/>
           <a:p>
             <a:r>
+              <a:rPr lang="en-US" b="1" dirty="0">
+                <a:solidFill>
+                  <a:schemeClr val="tx1">
+                    <a:lumMod val="50000"/>
+                    <a:lumOff val="50000"/>
+                  </a:schemeClr>
+                </a:solidFill>
+              </a:rPr>
+              <a:t> </a:t>
+            </a:r>
+            <a:r>
+              <a:rPr lang="en-US" b="1" dirty="0" smtClean="0">
+                <a:solidFill>
+                  <a:schemeClr val="tx1">
+                    <a:lumMod val="50000"/>
+                    <a:lumOff val="50000"/>
+                  </a:schemeClr>
+                </a:solidFill>
+              </a:rPr>
+              <a:t>if</a:t>
+            </a:r>
+          </a:p>
+          <a:p>
+            <a:r>
+              <a:rPr lang="en-US" b="1" dirty="0" smtClean="0">
+                <a:solidFill>
+                  <a:schemeClr val="tx1">
+                    <a:lumMod val="50000"/>
+                    <a:lumOff val="50000"/>
+                  </a:schemeClr>
+                </a:solidFill>
+              </a:rPr>
+              <a:t>    </a:t>
+            </a:r>
+            <a:r>
+              <a:rPr lang="en-US" sz="1600" dirty="0" smtClean="0">
+                <a:solidFill>
+                  <a:schemeClr val="tx1">
+                    <a:lumMod val="50000"/>
+                    <a:lumOff val="50000"/>
+                  </a:schemeClr>
+                </a:solidFill>
+              </a:rPr>
+              <a:t>-</a:t>
+            </a:r>
+            <a:r>
+              <a:rPr lang="en-US" sz="1600" b="1" dirty="0">
+                <a:solidFill>
+                  <a:schemeClr val="tx1">
+                    <a:lumMod val="50000"/>
+                    <a:lumOff val="50000"/>
+                  </a:schemeClr>
+                </a:solidFill>
+              </a:rPr>
+              <a:t> </a:t>
+            </a:r>
+            <a:r>
+              <a:rPr lang="en-US" sz="1600" dirty="0" smtClean="0">
+                <a:solidFill>
+                  <a:schemeClr val="tx1">
+                    <a:lumMod val="50000"/>
+                    <a:lumOff val="50000"/>
+                  </a:schemeClr>
+                </a:solidFill>
+              </a:rPr>
+              <a:t>node</a:t>
+            </a:r>
+            <a:r>
+              <a:rPr lang="en-US" sz="1600" b="1" dirty="0" smtClean="0">
+                <a:solidFill>
+                  <a:schemeClr val="tx1">
+                    <a:lumMod val="50000"/>
+                    <a:lumOff val="50000"/>
+                  </a:schemeClr>
+                </a:solidFill>
+              </a:rPr>
+              <a:t> </a:t>
+            </a:r>
+            <a:r>
+              <a:rPr lang="en-US" sz="1600" dirty="0" smtClean="0">
+                <a:solidFill>
+                  <a:schemeClr val="tx1">
+                    <a:lumMod val="50000"/>
+                    <a:lumOff val="50000"/>
+                  </a:schemeClr>
+                </a:solidFill>
+              </a:rPr>
+              <a:t>is </a:t>
+            </a:r>
+            <a:r>
+              <a:rPr lang="en-US" sz="1600" dirty="0">
+                <a:solidFill>
+                  <a:schemeClr val="tx1">
+                    <a:lumMod val="50000"/>
+                    <a:lumOff val="50000"/>
+                  </a:schemeClr>
+                </a:solidFill>
+              </a:rPr>
+              <a:t>not yet </a:t>
+            </a:r>
+            <a:r>
+              <a:rPr lang="en-US" sz="1600" dirty="0" smtClean="0">
+                <a:solidFill>
+                  <a:schemeClr val="tx1">
+                    <a:lumMod val="50000"/>
+                    <a:lumOff val="50000"/>
+                  </a:schemeClr>
+                </a:solidFill>
+              </a:rPr>
+              <a:t>visited</a:t>
+            </a:r>
+          </a:p>
+          <a:p>
+            <a:r>
+              <a:rPr lang="en-US" sz="1600" dirty="0">
+                <a:solidFill>
+                  <a:schemeClr val="tx1">
+                    <a:lumMod val="50000"/>
+                    <a:lumOff val="50000"/>
+                  </a:schemeClr>
+                </a:solidFill>
+              </a:rPr>
+              <a:t> </a:t>
+            </a:r>
+            <a:r>
+              <a:rPr lang="en-US" sz="1600" dirty="0" smtClean="0">
+                <a:solidFill>
+                  <a:schemeClr val="tx1">
+                    <a:lumMod val="50000"/>
+                    <a:lumOff val="50000"/>
+                  </a:schemeClr>
+                </a:solidFill>
+              </a:rPr>
+              <a:t>    - node is connected to another node (there is an edge from u to v )</a:t>
+            </a:r>
+          </a:p>
+          <a:p>
+            <a:r>
+              <a:rPr lang="en-US" sz="1600" dirty="0">
+                <a:solidFill>
+                  <a:schemeClr val="tx1">
+                    <a:lumMod val="50000"/>
+                    <a:lumOff val="50000"/>
+                  </a:schemeClr>
+                </a:solidFill>
+              </a:rPr>
+              <a:t> </a:t>
+            </a:r>
+            <a:r>
+              <a:rPr lang="en-US" sz="1600" dirty="0" smtClean="0">
+                <a:solidFill>
+                  <a:schemeClr val="tx1">
+                    <a:lumMod val="50000"/>
+                    <a:lumOff val="50000"/>
+                  </a:schemeClr>
+                </a:solidFill>
+              </a:rPr>
+              <a:t>    - the total weight of path from </a:t>
+            </a:r>
+            <a:r>
+              <a:rPr lang="en-US" sz="1600" dirty="0" err="1" smtClean="0">
+                <a:solidFill>
+                  <a:schemeClr val="tx1">
+                    <a:lumMod val="50000"/>
+                    <a:lumOff val="50000"/>
+                  </a:schemeClr>
+                </a:solidFill>
+              </a:rPr>
+              <a:t>src</a:t>
+            </a:r>
+            <a:r>
+              <a:rPr lang="en-US" sz="1600" dirty="0" smtClean="0">
+                <a:solidFill>
+                  <a:schemeClr val="tx1">
+                    <a:lumMod val="50000"/>
+                    <a:lumOff val="50000"/>
+                  </a:schemeClr>
+                </a:solidFill>
+              </a:rPr>
+              <a:t> to v through u is smaller that     </a:t>
+            </a:r>
+          </a:p>
+          <a:p>
+            <a:r>
+              <a:rPr lang="en-US" sz="1600" dirty="0">
+                <a:solidFill>
+                  <a:schemeClr val="tx1">
+                    <a:lumMod val="50000"/>
+                    <a:lumOff val="50000"/>
+                  </a:schemeClr>
+                </a:solidFill>
+              </a:rPr>
+              <a:t> </a:t>
+            </a:r>
+            <a:r>
+              <a:rPr lang="en-US" sz="1600" dirty="0" smtClean="0">
+                <a:solidFill>
+                  <a:schemeClr val="tx1">
+                    <a:lumMod val="50000"/>
+                    <a:lumOff val="50000"/>
+                  </a:schemeClr>
+                </a:solidFill>
+              </a:rPr>
+              <a:t>      current value of </a:t>
+            </a:r>
+            <a:r>
+              <a:rPr lang="en-US" sz="1600" dirty="0" err="1" smtClean="0">
+                <a:solidFill>
+                  <a:schemeClr val="tx1">
+                    <a:lumMod val="50000"/>
+                    <a:lumOff val="50000"/>
+                  </a:schemeClr>
+                </a:solidFill>
+              </a:rPr>
+              <a:t>dist</a:t>
+            </a:r>
+            <a:r>
+              <a:rPr lang="en-US" sz="1600" dirty="0" smtClean="0">
+                <a:solidFill>
+                  <a:schemeClr val="tx1">
+                    <a:lumMod val="50000"/>
+                    <a:lumOff val="50000"/>
+                  </a:schemeClr>
+                </a:solidFill>
+              </a:rPr>
+              <a:t>[v]</a:t>
+            </a:r>
+          </a:p>
+          <a:p>
+            <a:r>
               <a:rPr lang="en-US" dirty="0">
                 <a:solidFill>
                   <a:schemeClr val="tx1">
@@ -5415,9 +5685,43 @@
                   </a:schemeClr>
                 </a:solidFill>
               </a:rPr>
-              <a:t>- Pick the node with the minimum distance  </a:t>
-            </a:r>
-          </a:p>
+              <a:t> </a:t>
+            </a:r>
+            <a:r>
+              <a:rPr lang="en-US" dirty="0" smtClean="0">
+                <a:solidFill>
+                  <a:schemeClr val="tx1">
+                    <a:lumMod val="50000"/>
+                    <a:lumOff val="50000"/>
+                  </a:schemeClr>
+                </a:solidFill>
+              </a:rPr>
+              <a:t>    </a:t>
+            </a:r>
+            <a:endParaRPr lang="en-US" dirty="0"/>
+          </a:p>
+        </p:txBody>
+      </p:sp>
+      <p:sp>
+        <p:nvSpPr>
+          <p:cNvPr id="5" name="Rectangle 4"/>
+          <p:cNvSpPr/>
+          <p:nvPr/>
+        </p:nvSpPr>
+        <p:spPr>
+          <a:xfrm>
+            <a:off x="5696337" y="3921400"/>
+            <a:ext cx="5980676" cy="369332"/>
+          </a:xfrm>
+          <a:prstGeom prst="rect">
+            <a:avLst/>
+          </a:prstGeom>
+        </p:spPr>
+        <p:txBody>
+          <a:bodyPr wrap="none">
+            <a:spAutoFit/>
+          </a:bodyPr>
+          <a:lstStyle/>
           <a:p>
             <a:r>
               <a:rPr lang="en-US" dirty="0">
@@ -5428,10 +5732,19 @@
                   </a:schemeClr>
                 </a:solidFill>
               </a:rPr>
-              <a:t>  That is not yet processed</a:t>
-            </a:r>
-          </a:p>
-          <a:p>
+              <a:t>In this loop, we need to update </a:t>
+            </a:r>
+            <a:r>
+              <a:rPr lang="en-US" b="1" dirty="0" err="1">
+                <a:solidFill>
+                  <a:schemeClr val="tx1">
+                    <a:lumMod val="50000"/>
+                    <a:lumOff val="50000"/>
+                  </a:schemeClr>
+                </a:solidFill>
+              </a:rPr>
+              <a:t>dist</a:t>
+            </a:r>
             <a:r>
               <a:rPr lang="en-US" dirty="0">
                 <a:solidFill>
@@ -5441,21 +5754,21 @@
                   </a:schemeClr>
                 </a:solidFill>
               </a:rPr>
-              <a:t>-  Mark it as visited vertex</a:t>
+              <a:t> ( array of shortest paths ) </a:t>
             </a:r>
           </a:p>
         </p:txBody>
       </p:sp>
       <p:cxnSp>
         <p:nvCxnSpPr>
-          <p:cNvPr id="7" name="Straight Connector 6"/>
+          <p:cNvPr id="17" name="Straight Connector 16"/>
           <p:cNvCxnSpPr/>
           <p:nvPr/>
         </p:nvCxnSpPr>
         <p:spPr>
-          <a:xfrm flipV="1">
-            <a:off x="6505926" y="3249038"/>
-            <a:ext cx="0" cy="567238"/>
+          <a:xfrm>
+            <a:off x="1562162" y="4279871"/>
+            <a:ext cx="0" cy="1096801"/>
           </a:xfrm>
           <a:prstGeom prst="line">
             <a:avLst/>
@@ -5476,73 +5789,43 @@
           </a:fontRef>
         </p:style>
       </p:cxnSp>
-      <p:pic>
-        <p:nvPicPr>
-          <p:cNvPr id="9" name="Picture 8"/>
-          <p:cNvPicPr>
-            <a:picLocks noChangeAspect="1"/>
-          </p:cNvPicPr>
-          <p:nvPr/>
-        </p:nvPicPr>
-        <p:blipFill>
-          <a:blip r:embed="rId3"/>
-          <a:stretch>
-            <a:fillRect/>
-          </a:stretch>
-        </p:blipFill>
-        <p:spPr>
-          <a:xfrm>
-            <a:off x="7230332" y="3705164"/>
-            <a:ext cx="3820058" cy="2133898"/>
-          </a:xfrm>
-          <a:prstGeom prst="rect">
-            <a:avLst/>
-          </a:prstGeom>
-        </p:spPr>
-      </p:pic>
-      <p:sp>
-        <p:nvSpPr>
-          <p:cNvPr id="10" name="Oval 9"/>
-          <p:cNvSpPr/>
-          <p:nvPr/>
-        </p:nvSpPr>
-        <p:spPr>
-          <a:xfrm>
-            <a:off x="7163965" y="4507625"/>
-            <a:ext cx="603227" cy="548640"/>
-          </a:xfrm>
-          <a:prstGeom prst="ellipse">
-            <a:avLst/>
-          </a:prstGeom>
-          <a:noFill/>
+      <p:cxnSp>
+        <p:nvCxnSpPr>
+          <p:cNvPr id="15" name="Straight Arrow Connector 14"/>
+          <p:cNvCxnSpPr/>
+          <p:nvPr/>
+        </p:nvCxnSpPr>
+        <p:spPr>
+          <a:xfrm>
+            <a:off x="451339" y="4459646"/>
+            <a:ext cx="1036993" cy="0"/>
+          </a:xfrm>
+          <a:prstGeom prst="straightConnector1">
+            <a:avLst/>
+          </a:prstGeom>
+          <a:ln>
+            <a:tailEnd type="triangle"/>
+          </a:ln>
         </p:spPr>
         <p:style>
-          <a:lnRef idx="2">
-            <a:schemeClr val="accent6"/>
+          <a:lnRef idx="1">
+            <a:schemeClr val="accent1"/>
           </a:lnRef>
-          <a:fillRef idx="1">
-            <a:schemeClr val="lt1"/>
+          <a:fillRef idx="0">
+            <a:schemeClr val="accent1"/>
           </a:fillRef>
           <a:effectRef idx="0">
-            <a:schemeClr val="accent6"/>
+            <a:schemeClr val="accent1"/>
           </a:effectRef>
           <a:fontRef idx="minor">
-            <a:schemeClr val="dk1"/>
+            <a:schemeClr val="tx1"/>
           </a:fontRef>
         </p:style>
-        <p:txBody>
-          <a:bodyPr rtlCol="0" anchor="ctr"/>
-          <a:lstStyle/>
-          <a:p>
-            <a:pPr algn="ctr"/>
-            <a:endParaRPr lang="en-US"/>
-          </a:p>
-        </p:txBody>
-      </p:sp>
+      </p:cxnSp>
     </p:spTree>
     <p:extLst>
       <p:ext uri="{BB962C8B-B14F-4D97-AF65-F5344CB8AC3E}">
-        <p14:creationId xmlns:p14="http://schemas.microsoft.com/office/powerpoint/2010/main" val="1920265812"/>
+        <p14:creationId xmlns:p14="http://schemas.microsoft.com/office/powerpoint/2010/main" val="355197929"/>
       </p:ext>
     </p:extLst>
   </p:cSld>
@@ -5761,6 +6044,28 @@
               <a:t>-</a:t>
             </a:r>
             <a:r>
+              <a:rPr lang="en-US" sz="1600" b="1" dirty="0" smtClean="0">
+                <a:solidFill>
+                  <a:schemeClr val="tx1">
+                    <a:lumMod val="50000"/>
+                    <a:lumOff val="50000"/>
+                  </a:schemeClr>
+                </a:solidFill>
+              </a:rPr>
+              <a:t> </a:t>
+            </a:r>
+            <a:r>
+              <a:rPr lang="en-US" sz="1600" dirty="0">
+                <a:solidFill>
+                  <a:schemeClr val="tx1">
+                    <a:lumMod val="50000"/>
+                    <a:lumOff val="50000"/>
+                  </a:schemeClr>
+                </a:solidFill>
+              </a:rPr>
+              <a:t>node</a:t>
+            </a:r>
+            <a:r>
               <a:rPr lang="en-US" sz="1600" b="1" dirty="0">
                 <a:solidFill>
                   <a:schemeClr val="tx1">
@@ -5772,6 +6077,19 @@
               <a:t> </a:t>
             </a:r>
             <a:r>
+              <a:rPr lang="en-US" sz="1600" dirty="0">
+                <a:solidFill>
+                  <a:schemeClr val="tx1">
+                    <a:lumMod val="50000"/>
+                    <a:lumOff val="50000"/>
+                  </a:schemeClr>
+                </a:solidFill>
+              </a:rPr>
+              <a:t>is not yet visited</a:t>
+            </a:r>
+          </a:p>
+          <a:p>
+            <a:r>
               <a:rPr lang="en-US" sz="1600" dirty="0" smtClean="0">
                 <a:solidFill>
                   <a:schemeClr val="tx1">
@@ -5780,75 +6098,7 @@
                   </a:schemeClr>
                 </a:solidFill>
               </a:rPr>
-              <a:t>node</a:t>
-            </a:r>
-            <a:r>
-              <a:rPr lang="en-US" sz="1600" b="1" dirty="0" smtClean="0">
-                <a:solidFill>
-                  <a:schemeClr val="tx1">
-                    <a:lumMod val="50000"/>
-                    <a:lumOff val="50000"/>
-                  </a:schemeClr>
-                </a:solidFill>
-              </a:rPr>
-              <a:t> </a:t>
-            </a:r>
-            <a:r>
-              <a:rPr lang="en-US" sz="1600" dirty="0" smtClean="0">
-                <a:solidFill>
-                  <a:schemeClr val="tx1">
-                    <a:lumMod val="50000"/>
-                    <a:lumOff val="50000"/>
-                  </a:schemeClr>
-                </a:solidFill>
-              </a:rPr>
-              <a:t>is </a:t>
-            </a:r>
-            <a:r>
-              <a:rPr lang="en-US" sz="1600" dirty="0">
-                <a:solidFill>
-                  <a:schemeClr val="tx1">
-                    <a:lumMod val="50000"/>
-                    <a:lumOff val="50000"/>
-                  </a:schemeClr>
-                </a:solidFill>
-              </a:rPr>
-              <a:t>not yet </a:t>
-            </a:r>
-            <a:r>
-              <a:rPr lang="en-US" sz="1600" dirty="0" smtClean="0">
-                <a:solidFill>
-                  <a:schemeClr val="tx1">
-                    <a:lumMod val="50000"/>
-                    <a:lumOff val="50000"/>
-                  </a:schemeClr>
-                </a:solidFill>
-              </a:rPr>
-              <a:t>visited</a:t>
-            </a:r>
-          </a:p>
-          <a:p>
-            <a:r>
-              <a:rPr lang="en-US" sz="1600" dirty="0">
-                <a:solidFill>
-                  <a:schemeClr val="tx1">
-                    <a:lumMod val="50000"/>
-                    <a:lumOff val="50000"/>
-                  </a:schemeClr>
-                </a:solidFill>
-              </a:rPr>
-              <a:t> </a:t>
-            </a:r>
-            <a:r>
-              <a:rPr lang="en-US" sz="1600" dirty="0" smtClean="0">
-                <a:solidFill>
-                  <a:schemeClr val="tx1">
-                    <a:lumMod val="50000"/>
-                    <a:lumOff val="50000"/>
-                  </a:schemeClr>
-                </a:solidFill>
-              </a:rPr>
-              <a:t>    - node is connected to another node (there is an edge from u to v )</a:t>
+              <a:t>     - node is connected to another node (there is an edge from u to v )</a:t>
             </a:r>
           </a:p>
           <a:p>
@@ -6090,10 +6340,73 @@
           </a:fontRef>
         </p:style>
       </p:cxnSp>
+      <p:pic>
+        <p:nvPicPr>
+          <p:cNvPr id="10" name="Picture 9"/>
+          <p:cNvPicPr>
+            <a:picLocks noChangeAspect="1"/>
+          </p:cNvPicPr>
+          <p:nvPr/>
+        </p:nvPicPr>
+        <p:blipFill>
+          <a:blip r:embed="rId3"/>
+          <a:stretch>
+            <a:fillRect/>
+          </a:stretch>
+        </p:blipFill>
+        <p:spPr>
+          <a:xfrm>
+            <a:off x="6108580" y="1374972"/>
+            <a:ext cx="4058216" cy="2248214"/>
+          </a:xfrm>
+          <a:prstGeom prst="rect">
+            <a:avLst/>
+          </a:prstGeom>
+        </p:spPr>
+      </p:pic>
+      <p:sp>
+        <p:nvSpPr>
+          <p:cNvPr id="11" name="Oval 10"/>
+          <p:cNvSpPr/>
+          <p:nvPr/>
+        </p:nvSpPr>
+        <p:spPr>
+          <a:xfrm>
+            <a:off x="6226059" y="2298017"/>
+            <a:ext cx="603227" cy="548640"/>
+          </a:xfrm>
+          <a:prstGeom prst="ellipse">
+            <a:avLst/>
+          </a:prstGeom>
+          <a:noFill/>
+        </p:spPr>
+        <p:style>
+          <a:lnRef idx="2">
+            <a:schemeClr val="accent6"/>
+          </a:lnRef>
+          <a:fillRef idx="1">
+            <a:schemeClr val="lt1"/>
+          </a:fillRef>
+          <a:effectRef idx="0">
+            <a:schemeClr val="accent6"/>
+          </a:effectRef>
+          <a:fontRef idx="minor">
+            <a:schemeClr val="dk1"/>
+          </a:fontRef>
+        </p:style>
+        <p:txBody>
+          <a:bodyPr rtlCol="0" anchor="ctr"/>
+          <a:lstStyle/>
+          <a:p>
+            <a:pPr algn="ctr"/>
+            <a:endParaRPr lang="en-US"/>
+          </a:p>
+        </p:txBody>
+      </p:sp>
     </p:spTree>
     <p:extLst>
       <p:ext uri="{BB962C8B-B14F-4D97-AF65-F5344CB8AC3E}">
-        <p14:creationId xmlns:p14="http://schemas.microsoft.com/office/powerpoint/2010/main" val="355197929"/>
+        <p14:creationId xmlns:p14="http://schemas.microsoft.com/office/powerpoint/2010/main" val="3133505481"/>
       </p:ext>
     </p:extLst>
   </p:cSld>
@@ -6671,10 +6984,54 @@
           </a:p>
         </p:txBody>
       </p:sp>
+      <p:sp>
+        <p:nvSpPr>
+          <p:cNvPr id="13" name="Oval 12"/>
+          <p:cNvSpPr/>
+          <p:nvPr/>
+        </p:nvSpPr>
+        <p:spPr>
+          <a:xfrm>
+            <a:off x="6933630" y="1608495"/>
+            <a:ext cx="603227" cy="548640"/>
+          </a:xfrm>
+          <a:prstGeom prst="ellipse">
+            <a:avLst/>
+          </a:prstGeom>
+          <a:noFill/>
+          <a:ln>
+            <a:solidFill>
+              <a:schemeClr val="accent4"/>
+            </a:solidFill>
+          </a:ln>
+        </p:spPr>
+        <p:style>
+          <a:lnRef idx="2">
+            <a:schemeClr val="accent6"/>
+          </a:lnRef>
+          <a:fillRef idx="1">
+            <a:schemeClr val="lt1"/>
+          </a:fillRef>
+          <a:effectRef idx="0">
+            <a:schemeClr val="accent6"/>
+          </a:effectRef>
+          <a:fontRef idx="minor">
+            <a:schemeClr val="dk1"/>
+          </a:fontRef>
+        </p:style>
+        <p:txBody>
+          <a:bodyPr rtlCol="0" anchor="ctr"/>
+          <a:lstStyle/>
+          <a:p>
+            <a:pPr algn="ctr"/>
+            <a:endParaRPr lang="en-US"/>
+          </a:p>
+        </p:txBody>
+      </p:sp>
     </p:spTree>
     <p:extLst>
       <p:ext uri="{BB962C8B-B14F-4D97-AF65-F5344CB8AC3E}">
-        <p14:creationId xmlns:p14="http://schemas.microsoft.com/office/powerpoint/2010/main" val="3133505481"/>
+        <p14:creationId xmlns:p14="http://schemas.microsoft.com/office/powerpoint/2010/main" val="1753778989"/>
       </p:ext>
     </p:extLst>
   </p:cSld>
@@ -7421,10 +7778,120 @@
           </a:p>
         </p:txBody>
       </p:sp>
+      <p:sp>
+        <p:nvSpPr>
+          <p:cNvPr id="14" name="Oval 13"/>
+          <p:cNvSpPr/>
+          <p:nvPr/>
+        </p:nvSpPr>
+        <p:spPr>
+          <a:xfrm>
+            <a:off x="7903521" y="1598493"/>
+            <a:ext cx="603227" cy="548640"/>
+          </a:xfrm>
+          <a:prstGeom prst="ellipse">
+            <a:avLst/>
+          </a:prstGeom>
+          <a:noFill/>
+          <a:ln>
+            <a:solidFill>
+              <a:srgbClr val="FF0000"/>
+            </a:solidFill>
+          </a:ln>
+        </p:spPr>
+        <p:style>
+          <a:lnRef idx="2">
+            <a:schemeClr val="accent6"/>
+          </a:lnRef>
+          <a:fillRef idx="1">
+            <a:schemeClr val="lt1"/>
+          </a:fillRef>
+          <a:effectRef idx="0">
+            <a:schemeClr val="accent6"/>
+          </a:effectRef>
+          <a:fontRef idx="minor">
+            <a:schemeClr val="dk1"/>
+          </a:fontRef>
+        </p:style>
+        <p:txBody>
+          <a:bodyPr rtlCol="0" anchor="ctr"/>
+          <a:lstStyle/>
+          <a:p>
+            <a:pPr algn="ctr"/>
+            <a:endParaRPr lang="en-US"/>
+          </a:p>
+        </p:txBody>
+      </p:sp>
+      <p:sp>
+        <p:nvSpPr>
+          <p:cNvPr id="3" name="TextBox 2"/>
+          <p:cNvSpPr txBox="1"/>
+          <p:nvPr/>
+        </p:nvSpPr>
+        <p:spPr>
+          <a:xfrm>
+            <a:off x="8506748" y="1132046"/>
+            <a:ext cx="2129109" cy="276999"/>
+          </a:xfrm>
+          <a:prstGeom prst="rect">
+            <a:avLst/>
+          </a:prstGeom>
+          <a:noFill/>
+        </p:spPr>
+        <p:txBody>
+          <a:bodyPr wrap="none" rtlCol="0">
+            <a:spAutoFit/>
+          </a:bodyPr>
+          <a:lstStyle/>
+          <a:p>
+            <a:r>
+              <a:rPr lang="en-US" sz="1200" dirty="0" smtClean="0"/>
+              <a:t>No direct connection to node 2</a:t>
+            </a:r>
+            <a:endParaRPr lang="en-US" sz="1200" dirty="0"/>
+          </a:p>
+        </p:txBody>
+      </p:sp>
+      <p:cxnSp>
+        <p:nvCxnSpPr>
+          <p:cNvPr id="7" name="Straight Arrow Connector 6"/>
+          <p:cNvCxnSpPr/>
+          <p:nvPr/>
+        </p:nvCxnSpPr>
+        <p:spPr>
+          <a:xfrm flipH="1">
+            <a:off x="8338457" y="1409045"/>
+            <a:ext cx="168291" cy="189448"/>
+          </a:xfrm>
+          <a:prstGeom prst="straightConnector1">
+            <a:avLst/>
+          </a:prstGeom>
+          <a:ln>
+            <a:solidFill>
+              <a:srgbClr val="FF0000"/>
+            </a:solidFill>
+            <a:tailEnd type="triangle"/>
+          </a:ln>
+        </p:spPr>
+        <p:style>
+          <a:lnRef idx="1">
+            <a:schemeClr val="accent1"/>
+          </a:lnRef>
+          <a:fillRef idx="0">
+            <a:schemeClr val="accent1"/>
+          </a:fillRef>
+          <a:effectRef idx="0">
+            <a:schemeClr val="accent1"/>
+          </a:effectRef>
+          <a:fontRef idx="minor">
+            <a:schemeClr val="tx1"/>
+          </a:fontRef>
+        </p:style>
+      </p:cxnSp>
     </p:spTree>
     <p:extLst>
       <p:ext uri="{BB962C8B-B14F-4D97-AF65-F5344CB8AC3E}">
-        <p14:creationId xmlns:p14="http://schemas.microsoft.com/office/powerpoint/2010/main" val="1753778989"/>
+        <p14:creationId xmlns:p14="http://schemas.microsoft.com/office/powerpoint/2010/main" val="3376386468"/>
       </p:ext>
     </p:extLst>
   </p:cSld>
@@ -8054,7 +8521,7 @@
         </p:nvSpPr>
         <p:spPr>
           <a:xfrm>
-            <a:off x="7903521" y="1598493"/>
+            <a:off x="8733544" y="1598493"/>
             <a:ext cx="603227" cy="548640"/>
           </a:xfrm>
           <a:prstGeom prst="ellipse">
@@ -8098,7 +8565,7 @@
         </p:nvSpPr>
         <p:spPr>
           <a:xfrm>
-            <a:off x="8506748" y="1132046"/>
+            <a:off x="9265170" y="1163751"/>
             <a:ext cx="2129109" cy="276999"/>
           </a:xfrm>
           <a:prstGeom prst="rect">
@@ -8114,7 +8581,7 @@
           <a:p>
             <a:r>
               <a:rPr lang="en-US" sz="1200" dirty="0" smtClean="0"/>
-              <a:t>No direct connection to node 2</a:t>
+              <a:t>No direct connection to node 3</a:t>
             </a:r>
             <a:endParaRPr lang="en-US" sz="1200" dirty="0"/>
           </a:p>
@@ -8128,7 +8595,7 @@
         </p:nvCxnSpPr>
         <p:spPr>
           <a:xfrm flipH="1">
-            <a:off x="8338457" y="1409045"/>
+            <a:off x="9336771" y="1450647"/>
             <a:ext cx="168291" cy="189448"/>
           </a:xfrm>
           <a:prstGeom prst="straightConnector1">
@@ -8159,7 +8626,7 @@
     </p:spTree>
     <p:extLst>
       <p:ext uri="{BB962C8B-B14F-4D97-AF65-F5344CB8AC3E}">
-        <p14:creationId xmlns:p14="http://schemas.microsoft.com/office/powerpoint/2010/main" val="3376386468"/>
+        <p14:creationId xmlns:p14="http://schemas.microsoft.com/office/powerpoint/2010/main" val="3154085716"/>
       </p:ext>
     </p:extLst>
   </p:cSld>
@@ -8789,7 +9256,7 @@
         </p:nvSpPr>
         <p:spPr>
           <a:xfrm>
-            <a:off x="8733544" y="1598493"/>
+            <a:off x="9505062" y="2224759"/>
             <a:ext cx="603227" cy="548640"/>
           </a:xfrm>
           <a:prstGeom prst="ellipse">
@@ -8833,7 +9300,7 @@
         </p:nvSpPr>
         <p:spPr>
           <a:xfrm>
-            <a:off x="9265170" y="1163751"/>
+            <a:off x="9669432" y="1641881"/>
             <a:ext cx="2129109" cy="276999"/>
           </a:xfrm>
           <a:prstGeom prst="rect">
@@ -8849,7 +9316,7 @@
           <a:p>
             <a:r>
               <a:rPr lang="en-US" sz="1200" dirty="0" smtClean="0"/>
-              <a:t>No direct connection to node 3</a:t>
+              <a:t>No direct connection to node 4</a:t>
             </a:r>
             <a:endParaRPr lang="en-US" sz="1200" dirty="0"/>
           </a:p>
@@ -8863,7 +9330,7 @@
         </p:nvCxnSpPr>
         <p:spPr>
           <a:xfrm flipH="1">
-            <a:off x="9336771" y="1450647"/>
+            <a:off x="10024143" y="2015287"/>
             <a:ext cx="168291" cy="189448"/>
           </a:xfrm>
           <a:prstGeom prst="straightConnector1">
@@ -8894,7 +9361,7 @@
     </p:spTree>
     <p:extLst>
       <p:ext uri="{BB962C8B-B14F-4D97-AF65-F5344CB8AC3E}">
-        <p14:creationId xmlns:p14="http://schemas.microsoft.com/office/powerpoint/2010/main" val="3154085716"/>
+        <p14:creationId xmlns:p14="http://schemas.microsoft.com/office/powerpoint/2010/main" val="2970755993"/>
       </p:ext>
     </p:extLst>
   </p:cSld>
@@ -8930,6 +9397,30 @@
       </p:grpSpPr>
       <p:pic>
         <p:nvPicPr>
+          <p:cNvPr id="14" name="Picture 13"/>
+          <p:cNvPicPr>
+            <a:picLocks noChangeAspect="1"/>
+          </p:cNvPicPr>
+          <p:nvPr/>
+        </p:nvPicPr>
+        <p:blipFill>
+          <a:blip r:embed="rId2"/>
+          <a:stretch>
+            <a:fillRect/>
+          </a:stretch>
+        </p:blipFill>
+        <p:spPr>
+          <a:xfrm>
+            <a:off x="5989071" y="1273580"/>
+            <a:ext cx="4391638" cy="2457793"/>
+          </a:xfrm>
+          <a:prstGeom prst="rect">
+            <a:avLst/>
+          </a:prstGeom>
+        </p:spPr>
+      </p:pic>
+      <p:pic>
+        <p:nvPicPr>
           <p:cNvPr id="4" name="Picture 3"/>
           <p:cNvPicPr>
             <a:picLocks noChangeAspect="1"/>
@@ -8937,7 +9428,7 @@
           <p:nvPr/>
         </p:nvPicPr>
         <p:blipFill>
-          <a:blip r:embed="rId2"/>
+          <a:blip r:embed="rId3"/>
           <a:stretch>
             <a:fillRect/>
           </a:stretch>
@@ -9409,30 +9900,6 @@
           </a:fontRef>
         </p:style>
       </p:cxnSp>
-      <p:pic>
-        <p:nvPicPr>
-          <p:cNvPr id="10" name="Picture 9"/>
-          <p:cNvPicPr>
-            <a:picLocks noChangeAspect="1"/>
-          </p:cNvPicPr>
-          <p:nvPr/>
-        </p:nvPicPr>
-        <p:blipFill>
-          <a:blip r:embed="rId3"/>
-          <a:stretch>
-            <a:fillRect/>
-          </a:stretch>
-        </p:blipFill>
-        <p:spPr>
-          <a:xfrm>
-            <a:off x="6108580" y="1374972"/>
-            <a:ext cx="4058216" cy="2248214"/>
-          </a:xfrm>
-          <a:prstGeom prst="rect">
-            <a:avLst/>
-          </a:prstGeom>
-        </p:spPr>
-      </p:pic>
       <p:sp>
         <p:nvSpPr>
           <p:cNvPr id="11" name="Oval 10"/>
@@ -9518,13 +9985,13 @@
       </p:sp>
       <p:sp>
         <p:nvSpPr>
-          <p:cNvPr id="14" name="Oval 13"/>
+          <p:cNvPr id="16" name="Oval 15"/>
           <p:cNvSpPr/>
           <p:nvPr/>
         </p:nvSpPr>
         <p:spPr>
           <a:xfrm>
-            <a:off x="9505062" y="2224759"/>
+            <a:off x="6933630" y="2930353"/>
             <a:ext cx="603227" cy="548640"/>
           </a:xfrm>
           <a:prstGeom prst="ellipse">
@@ -9533,7 +10000,7 @@
           <a:noFill/>
           <a:ln>
             <a:solidFill>
-              <a:srgbClr val="FF0000"/>
+              <a:schemeClr val="accent4"/>
             </a:solidFill>
           </a:ln>
         </p:spPr>
@@ -9560,76 +10027,10 @@
           </a:p>
         </p:txBody>
       </p:sp>
-      <p:sp>
-        <p:nvSpPr>
-          <p:cNvPr id="3" name="TextBox 2"/>
-          <p:cNvSpPr txBox="1"/>
-          <p:nvPr/>
-        </p:nvSpPr>
-        <p:spPr>
-          <a:xfrm>
-            <a:off x="9669432" y="1641881"/>
-            <a:ext cx="2129109" cy="276999"/>
-          </a:xfrm>
-          <a:prstGeom prst="rect">
-            <a:avLst/>
-          </a:prstGeom>
-          <a:noFill/>
-        </p:spPr>
-        <p:txBody>
-          <a:bodyPr wrap="none" rtlCol="0">
-            <a:spAutoFit/>
-          </a:bodyPr>
-          <a:lstStyle/>
-          <a:p>
-            <a:r>
-              <a:rPr lang="en-US" sz="1200" dirty="0" smtClean="0"/>
-              <a:t>No direct connection to node 4</a:t>
-            </a:r>
-            <a:endParaRPr lang="en-US" sz="1200" dirty="0"/>
-          </a:p>
-        </p:txBody>
-      </p:sp>
-      <p:cxnSp>
-        <p:nvCxnSpPr>
-          <p:cNvPr id="7" name="Straight Arrow Connector 6"/>
-          <p:cNvCxnSpPr/>
-          <p:nvPr/>
-        </p:nvCxnSpPr>
-        <p:spPr>
-          <a:xfrm flipH="1">
-            <a:off x="10024143" y="2015287"/>
-            <a:ext cx="168291" cy="189448"/>
-          </a:xfrm>
-          <a:prstGeom prst="straightConnector1">
-            <a:avLst/>
-          </a:prstGeom>
-          <a:ln>
-            <a:solidFill>
-              <a:srgbClr val="FF0000"/>
-            </a:solidFill>
-            <a:tailEnd type="triangle"/>
-          </a:ln>
-        </p:spPr>
-        <p:style>
-          <a:lnRef idx="1">
-            <a:schemeClr val="accent1"/>
-          </a:lnRef>
-          <a:fillRef idx="0">
-            <a:schemeClr val="accent1"/>
-          </a:fillRef>
-          <a:effectRef idx="0">
-            <a:schemeClr val="accent1"/>
-          </a:effectRef>
-          <a:fontRef idx="minor">
-            <a:schemeClr val="tx1"/>
-          </a:fontRef>
-        </p:style>
-      </p:cxnSp>
     </p:spTree>
     <p:extLst>
       <p:ext uri="{BB962C8B-B14F-4D97-AF65-F5344CB8AC3E}">
-        <p14:creationId xmlns:p14="http://schemas.microsoft.com/office/powerpoint/2010/main" val="2970755993"/>
+        <p14:creationId xmlns:p14="http://schemas.microsoft.com/office/powerpoint/2010/main" val="450450057"/>
       </p:ext>
     </p:extLst>
   </p:cSld>
@@ -9665,7 +10066,7 @@
       </p:grpSpPr>
       <p:pic>
         <p:nvPicPr>
-          <p:cNvPr id="14" name="Picture 13"/>
+          <p:cNvPr id="3" name="Picture 2"/>
           <p:cNvPicPr>
             <a:picLocks noChangeAspect="1"/>
           </p:cNvPicPr>
@@ -9679,7 +10080,7 @@
         </p:blipFill>
         <p:spPr>
           <a:xfrm>
-            <a:off x="5989071" y="1273580"/>
+            <a:off x="6642418" y="1942105"/>
             <a:ext cx="4391638" cy="2457793"/>
           </a:xfrm>
           <a:prstGeom prst="rect">
@@ -9728,11 +10129,52 @@
           <a:p>
             <a:r>
               <a:rPr lang="en-US" dirty="0"/>
-              <a:t>C++ Code Sample – Step 3</a:t>
-            </a:r>
-          </a:p>
-        </p:txBody>
-      </p:sp>
+              <a:t>C++ Code Sample – </a:t>
+            </a:r>
+            <a:r>
+              <a:rPr lang="en-US" dirty="0" smtClean="0"/>
+              <a:t>Go Back to Step </a:t>
+            </a:r>
+            <a:r>
+              <a:rPr lang="en-US" dirty="0"/>
+              <a:t>2</a:t>
+            </a:r>
+          </a:p>
+        </p:txBody>
+      </p:sp>
+      <p:cxnSp>
+        <p:nvCxnSpPr>
+          <p:cNvPr id="15" name="Straight Arrow Connector 14"/>
+          <p:cNvCxnSpPr/>
+          <p:nvPr/>
+        </p:nvCxnSpPr>
+        <p:spPr>
+          <a:xfrm>
+            <a:off x="451339" y="4459646"/>
+            <a:ext cx="644769" cy="0"/>
+          </a:xfrm>
+          <a:prstGeom prst="straightConnector1">
+            <a:avLst/>
+          </a:prstGeom>
+          <a:ln>
+            <a:tailEnd type="triangle"/>
+          </a:ln>
+        </p:spPr>
+        <p:style>
+          <a:lnRef idx="1">
+            <a:schemeClr val="accent1"/>
+          </a:lnRef>
+          <a:fillRef idx="0">
+            <a:schemeClr val="accent1"/>
+          </a:fillRef>
+          <a:effectRef idx="0">
+            <a:schemeClr val="accent1"/>
+          </a:effectRef>
+          <a:fontRef idx="minor">
+            <a:schemeClr val="tx1"/>
+          </a:fontRef>
+        </p:style>
+      </p:cxnSp>
       <p:cxnSp>
         <p:nvCxnSpPr>
           <p:cNvPr id="18" name="Straight Connector 17"/>
@@ -9747,14 +10189,6 @@
           <a:prstGeom prst="line">
             <a:avLst/>
           </a:prstGeom>
-          <a:ln>
-            <a:solidFill>
-              <a:schemeClr val="accent1">
-                <a:lumMod val="20000"/>
-                <a:lumOff val="80000"/>
-              </a:schemeClr>
-            </a:solidFill>
-          </a:ln>
         </p:spPr>
         <p:style>
           <a:lnRef idx="1">
@@ -9779,8 +10213,8 @@
         </p:nvCxnSpPr>
         <p:spPr>
           <a:xfrm flipH="1">
-            <a:off x="4126239" y="4106066"/>
-            <a:ext cx="1570098" cy="184666"/>
+            <a:off x="4846085" y="3816276"/>
+            <a:ext cx="1659841" cy="10861"/>
           </a:xfrm>
           <a:prstGeom prst="straightConnector1">
             <a:avLst/>
@@ -9806,377 +10240,13 @@
       </p:cxnSp>
       <p:sp>
         <p:nvSpPr>
-          <p:cNvPr id="12" name="Rectangle 11"/>
+          <p:cNvPr id="10" name="Oval 9"/>
           <p:cNvSpPr/>
           <p:nvPr/>
         </p:nvSpPr>
         <p:spPr>
           <a:xfrm>
-            <a:off x="5923755" y="4279871"/>
-            <a:ext cx="6107791" cy="1661993"/>
-          </a:xfrm>
-          <a:prstGeom prst="rect">
-            <a:avLst/>
-          </a:prstGeom>
-        </p:spPr>
-        <p:txBody>
-          <a:bodyPr wrap="square">
-            <a:spAutoFit/>
-          </a:bodyPr>
-          <a:lstStyle/>
-          <a:p>
-            <a:r>
-              <a:rPr lang="en-US" b="1" dirty="0">
-                <a:solidFill>
-                  <a:schemeClr val="tx1">
-                    <a:lumMod val="50000"/>
-                    <a:lumOff val="50000"/>
-                  </a:schemeClr>
-                </a:solidFill>
-              </a:rPr>
-              <a:t> </a:t>
-            </a:r>
-            <a:r>
-              <a:rPr lang="en-US" b="1" dirty="0" smtClean="0">
-                <a:solidFill>
-                  <a:schemeClr val="tx1">
-                    <a:lumMod val="50000"/>
-                    <a:lumOff val="50000"/>
-                  </a:schemeClr>
-                </a:solidFill>
-              </a:rPr>
-              <a:t>if</a:t>
-            </a:r>
-          </a:p>
-          <a:p>
-            <a:r>
-              <a:rPr lang="en-US" b="1" dirty="0" smtClean="0">
-                <a:solidFill>
-                  <a:schemeClr val="tx1">
-                    <a:lumMod val="50000"/>
-                    <a:lumOff val="50000"/>
-                  </a:schemeClr>
-                </a:solidFill>
-              </a:rPr>
-              <a:t>    </a:t>
-            </a:r>
-            <a:r>
-              <a:rPr lang="en-US" sz="1600" dirty="0" smtClean="0">
-                <a:solidFill>
-                  <a:schemeClr val="tx1">
-                    <a:lumMod val="50000"/>
-                    <a:lumOff val="50000"/>
-                  </a:schemeClr>
-                </a:solidFill>
-              </a:rPr>
-              <a:t>-</a:t>
-            </a:r>
-            <a:r>
-              <a:rPr lang="en-US" sz="1600" b="1" dirty="0" smtClean="0">
-                <a:solidFill>
-                  <a:schemeClr val="tx1">
-                    <a:lumMod val="50000"/>
-                    <a:lumOff val="50000"/>
-                  </a:schemeClr>
-                </a:solidFill>
-              </a:rPr>
-              <a:t> </a:t>
-            </a:r>
-            <a:r>
-              <a:rPr lang="en-US" sz="1600" dirty="0">
-                <a:solidFill>
-                  <a:schemeClr val="tx1">
-                    <a:lumMod val="50000"/>
-                    <a:lumOff val="50000"/>
-                  </a:schemeClr>
-                </a:solidFill>
-              </a:rPr>
-              <a:t>node</a:t>
-            </a:r>
-            <a:r>
-              <a:rPr lang="en-US" sz="1600" b="1" dirty="0">
-                <a:solidFill>
-                  <a:schemeClr val="tx1">
-                    <a:lumMod val="50000"/>
-                    <a:lumOff val="50000"/>
-                  </a:schemeClr>
-                </a:solidFill>
-              </a:rPr>
-              <a:t> </a:t>
-            </a:r>
-            <a:r>
-              <a:rPr lang="en-US" sz="1600" dirty="0">
-                <a:solidFill>
-                  <a:schemeClr val="tx1">
-                    <a:lumMod val="50000"/>
-                    <a:lumOff val="50000"/>
-                  </a:schemeClr>
-                </a:solidFill>
-              </a:rPr>
-              <a:t>is not yet visited</a:t>
-            </a:r>
-          </a:p>
-          <a:p>
-            <a:r>
-              <a:rPr lang="en-US" sz="1600" dirty="0" smtClean="0">
-                <a:solidFill>
-                  <a:schemeClr val="tx1">
-                    <a:lumMod val="50000"/>
-                    <a:lumOff val="50000"/>
-                  </a:schemeClr>
-                </a:solidFill>
-              </a:rPr>
-              <a:t>     - node is connected to another node (there is an edge from u to v )</a:t>
-            </a:r>
-          </a:p>
-          <a:p>
-            <a:r>
-              <a:rPr lang="en-US" sz="1600" dirty="0">
-                <a:solidFill>
-                  <a:schemeClr val="tx1">
-                    <a:lumMod val="50000"/>
-                    <a:lumOff val="50000"/>
-                  </a:schemeClr>
-                </a:solidFill>
-              </a:rPr>
-              <a:t> </a:t>
-            </a:r>
-            <a:r>
-              <a:rPr lang="en-US" sz="1600" dirty="0" smtClean="0">
-                <a:solidFill>
-                  <a:schemeClr val="tx1">
-                    <a:lumMod val="50000"/>
-                    <a:lumOff val="50000"/>
-                  </a:schemeClr>
-                </a:solidFill>
-              </a:rPr>
-              <a:t>    - the total weight of path from </a:t>
-            </a:r>
-            <a:r>
-              <a:rPr lang="en-US" sz="1600" dirty="0" err="1" smtClean="0">
-                <a:solidFill>
-                  <a:schemeClr val="tx1">
-                    <a:lumMod val="50000"/>
-                    <a:lumOff val="50000"/>
-                  </a:schemeClr>
-                </a:solidFill>
-              </a:rPr>
-              <a:t>src</a:t>
-            </a:r>
-            <a:r>
-              <a:rPr lang="en-US" sz="1600" dirty="0" smtClean="0">
-                <a:solidFill>
-                  <a:schemeClr val="tx1">
-                    <a:lumMod val="50000"/>
-                    <a:lumOff val="50000"/>
-                  </a:schemeClr>
-                </a:solidFill>
-              </a:rPr>
-              <a:t> to v through u is smaller that     </a:t>
-            </a:r>
-          </a:p>
-          <a:p>
-            <a:r>
-              <a:rPr lang="en-US" sz="1600" dirty="0">
-                <a:solidFill>
-                  <a:schemeClr val="tx1">
-                    <a:lumMod val="50000"/>
-                    <a:lumOff val="50000"/>
-                  </a:schemeClr>
-                </a:solidFill>
-              </a:rPr>
-              <a:t> </a:t>
-            </a:r>
-            <a:r>
-              <a:rPr lang="en-US" sz="1600" dirty="0" smtClean="0">
-                <a:solidFill>
-                  <a:schemeClr val="tx1">
-                    <a:lumMod val="50000"/>
-                    <a:lumOff val="50000"/>
-                  </a:schemeClr>
-                </a:solidFill>
-              </a:rPr>
-              <a:t>      current value of </a:t>
-            </a:r>
-            <a:r>
-              <a:rPr lang="en-US" sz="1600" dirty="0" err="1" smtClean="0">
-                <a:solidFill>
-                  <a:schemeClr val="tx1">
-                    <a:lumMod val="50000"/>
-                    <a:lumOff val="50000"/>
-                  </a:schemeClr>
-                </a:solidFill>
-              </a:rPr>
-              <a:t>dist</a:t>
-            </a:r>
-            <a:r>
-              <a:rPr lang="en-US" sz="1600" dirty="0" smtClean="0">
-                <a:solidFill>
-                  <a:schemeClr val="tx1">
-                    <a:lumMod val="50000"/>
-                    <a:lumOff val="50000"/>
-                  </a:schemeClr>
-                </a:solidFill>
-              </a:rPr>
-              <a:t>[v]</a:t>
-            </a:r>
-          </a:p>
-          <a:p>
-            <a:r>
-              <a:rPr lang="en-US" dirty="0">
-                <a:solidFill>
-                  <a:schemeClr val="tx1">
-                    <a:lumMod val="50000"/>
-                    <a:lumOff val="50000"/>
-                  </a:schemeClr>
-                </a:solidFill>
-              </a:rPr>
-              <a:t> </a:t>
-            </a:r>
-            <a:r>
-              <a:rPr lang="en-US" dirty="0" smtClean="0">
-                <a:solidFill>
-                  <a:schemeClr val="tx1">
-                    <a:lumMod val="50000"/>
-                    <a:lumOff val="50000"/>
-                  </a:schemeClr>
-                </a:solidFill>
-              </a:rPr>
-              <a:t>    </a:t>
-            </a:r>
-            <a:endParaRPr lang="en-US" dirty="0"/>
-          </a:p>
-        </p:txBody>
-      </p:sp>
-      <p:sp>
-        <p:nvSpPr>
-          <p:cNvPr id="5" name="Rectangle 4"/>
-          <p:cNvSpPr/>
-          <p:nvPr/>
-        </p:nvSpPr>
-        <p:spPr>
-          <a:xfrm>
-            <a:off x="5696337" y="3921400"/>
-            <a:ext cx="5980676" cy="369332"/>
-          </a:xfrm>
-          <a:prstGeom prst="rect">
-            <a:avLst/>
-          </a:prstGeom>
-        </p:spPr>
-        <p:txBody>
-          <a:bodyPr wrap="none">
-            <a:spAutoFit/>
-          </a:bodyPr>
-          <a:lstStyle/>
-          <a:p>
-            <a:r>
-              <a:rPr lang="en-US" dirty="0">
-                <a:solidFill>
-                  <a:schemeClr val="tx1">
-                    <a:lumMod val="50000"/>
-                    <a:lumOff val="50000"/>
-                  </a:schemeClr>
-                </a:solidFill>
-              </a:rPr>
-              <a:t>In this loop, we need to update </a:t>
-            </a:r>
-            <a:r>
-              <a:rPr lang="en-US" b="1" dirty="0" err="1">
-                <a:solidFill>
-                  <a:schemeClr val="tx1">
-                    <a:lumMod val="50000"/>
-                    <a:lumOff val="50000"/>
-                  </a:schemeClr>
-                </a:solidFill>
-              </a:rPr>
-              <a:t>dist</a:t>
-            </a:r>
-            <a:r>
-              <a:rPr lang="en-US" dirty="0">
-                <a:solidFill>
-                  <a:schemeClr val="tx1">
-                    <a:lumMod val="50000"/>
-                    <a:lumOff val="50000"/>
-                  </a:schemeClr>
-                </a:solidFill>
-              </a:rPr>
-              <a:t> ( array of shortest paths ) </a:t>
-            </a:r>
-          </a:p>
-        </p:txBody>
-      </p:sp>
-      <p:cxnSp>
-        <p:nvCxnSpPr>
-          <p:cNvPr id="17" name="Straight Connector 16"/>
-          <p:cNvCxnSpPr/>
-          <p:nvPr/>
-        </p:nvCxnSpPr>
-        <p:spPr>
-          <a:xfrm>
-            <a:off x="1562162" y="4279871"/>
-            <a:ext cx="0" cy="1096801"/>
-          </a:xfrm>
-          <a:prstGeom prst="line">
-            <a:avLst/>
-          </a:prstGeom>
-        </p:spPr>
-        <p:style>
-          <a:lnRef idx="1">
-            <a:schemeClr val="accent1"/>
-          </a:lnRef>
-          <a:fillRef idx="0">
-            <a:schemeClr val="accent1"/>
-          </a:fillRef>
-          <a:effectRef idx="0">
-            <a:schemeClr val="accent1"/>
-          </a:effectRef>
-          <a:fontRef idx="minor">
-            <a:schemeClr val="tx1"/>
-          </a:fontRef>
-        </p:style>
-      </p:cxnSp>
-      <p:cxnSp>
-        <p:nvCxnSpPr>
-          <p:cNvPr id="15" name="Straight Arrow Connector 14"/>
-          <p:cNvCxnSpPr/>
-          <p:nvPr/>
-        </p:nvCxnSpPr>
-        <p:spPr>
-          <a:xfrm>
-            <a:off x="451339" y="4459646"/>
-            <a:ext cx="1036993" cy="0"/>
-          </a:xfrm>
-          <a:prstGeom prst="straightConnector1">
-            <a:avLst/>
-          </a:prstGeom>
-          <a:ln>
-            <a:tailEnd type="triangle"/>
-          </a:ln>
-        </p:spPr>
-        <p:style>
-          <a:lnRef idx="1">
-            <a:schemeClr val="accent1"/>
-          </a:lnRef>
-          <a:fillRef idx="0">
-            <a:schemeClr val="accent1"/>
-          </a:fillRef>
-          <a:effectRef idx="0">
-            <a:schemeClr val="accent1"/>
-          </a:effectRef>
-          <a:fontRef idx="minor">
-            <a:schemeClr val="tx1"/>
-          </a:fontRef>
-        </p:style>
-      </p:cxnSp>
-      <p:sp>
-        <p:nvSpPr>
-          <p:cNvPr id="11" name="Oval 10"/>
-          <p:cNvSpPr/>
-          <p:nvPr/>
-        </p:nvSpPr>
-        <p:spPr>
-          <a:xfrm>
-            <a:off x="6226059" y="2298017"/>
+            <a:off x="6901318" y="2974718"/>
             <a:ext cx="603227" cy="548640"/>
           </a:xfrm>
           <a:prstGeom prst="ellipse">
@@ -10215,18 +10285,13 @@
         </p:nvSpPr>
         <p:spPr>
           <a:xfrm>
-            <a:off x="6933630" y="1608495"/>
+            <a:off x="7598467" y="2312294"/>
             <a:ext cx="603227" cy="548640"/>
           </a:xfrm>
           <a:prstGeom prst="ellipse">
             <a:avLst/>
           </a:prstGeom>
           <a:noFill/>
-          <a:ln>
-            <a:solidFill>
-              <a:schemeClr val="accent4"/>
-            </a:solidFill>
-          </a:ln>
         </p:spPr>
         <p:style>
           <a:lnRef idx="2">
@@ -10251,54 +10316,10 @@
           </a:p>
         </p:txBody>
       </p:sp>
-      <p:sp>
-        <p:nvSpPr>
-          <p:cNvPr id="16" name="Oval 15"/>
-          <p:cNvSpPr/>
-          <p:nvPr/>
-        </p:nvSpPr>
-        <p:spPr>
-          <a:xfrm>
-            <a:off x="6933630" y="2930353"/>
-            <a:ext cx="603227" cy="548640"/>
-          </a:xfrm>
-          <a:prstGeom prst="ellipse">
-            <a:avLst/>
-          </a:prstGeom>
-          <a:noFill/>
-          <a:ln>
-            <a:solidFill>
-              <a:schemeClr val="accent4"/>
-            </a:solidFill>
-          </a:ln>
-        </p:spPr>
-        <p:style>
-          <a:lnRef idx="2">
-            <a:schemeClr val="accent6"/>
-          </a:lnRef>
-          <a:fillRef idx="1">
-            <a:schemeClr val="lt1"/>
-          </a:fillRef>
-          <a:effectRef idx="0">
-            <a:schemeClr val="accent6"/>
-          </a:effectRef>
-          <a:fontRef idx="minor">
-            <a:schemeClr val="dk1"/>
-          </a:fontRef>
-        </p:style>
-        <p:txBody>
-          <a:bodyPr rtlCol="0" anchor="ctr"/>
-          <a:lstStyle/>
-          <a:p>
-            <a:pPr algn="ctr"/>
-            <a:endParaRPr lang="en-US"/>
-          </a:p>
-        </p:txBody>
-      </p:sp>
     </p:spTree>
     <p:extLst>
       <p:ext uri="{BB962C8B-B14F-4D97-AF65-F5344CB8AC3E}">
-        <p14:creationId xmlns:p14="http://schemas.microsoft.com/office/powerpoint/2010/main" val="450450057"/>
+        <p14:creationId xmlns:p14="http://schemas.microsoft.com/office/powerpoint/2010/main" val="1963095501"/>
       </p:ext>
     </p:extLst>
   </p:cSld>
@@ -10332,9 +10353,36 @@
           <a:chExt cx="0" cy="0"/>
         </a:xfrm>
       </p:grpSpPr>
+      <p:sp>
+        <p:nvSpPr>
+          <p:cNvPr id="2" name="Title 1"/>
+          <p:cNvSpPr>
+            <a:spLocks noGrp="1"/>
+          </p:cNvSpPr>
+          <p:nvPr>
+            <p:ph type="title"/>
+          </p:nvPr>
+        </p:nvSpPr>
+        <p:spPr/>
+        <p:txBody>
+          <a:bodyPr/>
+          <a:lstStyle/>
+          <a:p>
+            <a:r>
+              <a:rPr lang="en-US" dirty="0"/>
+              <a:t>C++ Code Sample – </a:t>
+            </a:r>
+            <a:r>
+              <a:rPr lang="en-US" dirty="0" smtClean="0"/>
+              <a:t>Step 4 Print Solution</a:t>
+            </a:r>
+            <a:endParaRPr lang="en-US" dirty="0"/>
+          </a:p>
+        </p:txBody>
+      </p:sp>
       <p:pic>
         <p:nvPicPr>
-          <p:cNvPr id="3" name="Picture 2"/>
+          <p:cNvPr id="9" name="Picture 8"/>
           <p:cNvPicPr>
             <a:picLocks noChangeAspect="1"/>
           </p:cNvPicPr>
@@ -10348,8 +10396,8 @@
         </p:blipFill>
         <p:spPr>
           <a:xfrm>
-            <a:off x="6642418" y="1942105"/>
-            <a:ext cx="4391638" cy="2457793"/>
+            <a:off x="8424038" y="1640250"/>
+            <a:ext cx="2291762" cy="2080540"/>
           </a:xfrm>
           <a:prstGeom prst="rect">
             <a:avLst/>
@@ -10358,236 +10406,304 @@
       </p:pic>
       <p:pic>
         <p:nvPicPr>
-          <p:cNvPr id="4" name="Picture 3"/>
+          <p:cNvPr id="1028" name="Picture 4" descr="http://d1gjlxt8vb0knt.cloudfront.net//wp-content/uploads/DIJ5.jpg"/>
           <p:cNvPicPr>
-            <a:picLocks noChangeAspect="1"/>
+            <a:picLocks noChangeAspect="1" noChangeArrowheads="1"/>
           </p:cNvPicPr>
           <p:nvPr/>
         </p:nvPicPr>
         <p:blipFill>
-          <a:blip r:embed="rId3"/>
+          <a:blip r:embed="rId3">
+            <a:extLst>
+              <a:ext uri="{28A0092B-C50C-407E-A947-70E740481C1C}">
+                <a14:useLocalDpi xmlns:a14="http://schemas.microsoft.com/office/drawing/2010/main" val="0"/>
+              </a:ext>
+            </a:extLst>
+          </a:blip>
+          <a:srcRect/>
           <a:stretch>
             <a:fillRect/>
           </a:stretch>
         </p:blipFill>
-        <p:spPr>
-          <a:xfrm>
-            <a:off x="945212" y="1678496"/>
-            <a:ext cx="5377463" cy="4283392"/>
+        <p:spPr bwMode="auto">
+          <a:xfrm>
+            <a:off x="8696413" y="4672986"/>
+            <a:ext cx="2746956" cy="1468565"/>
           </a:xfrm>
           <a:prstGeom prst="rect">
             <a:avLst/>
           </a:prstGeom>
+          <a:noFill/>
+          <a:extLst>
+            <a:ext uri="{909E8E84-426E-40DD-AFC4-6F175D3DCCD1}">
+              <a14:hiddenFill xmlns:a14="http://schemas.microsoft.com/office/drawing/2010/main">
+                <a:solidFill>
+                  <a:srgbClr val="FFFFFF"/>
+                </a:solidFill>
+              </a14:hiddenFill>
+            </a:ext>
+          </a:extLst>
         </p:spPr>
       </p:pic>
-      <p:sp>
-        <p:nvSpPr>
-          <p:cNvPr id="2" name="Title 1"/>
-          <p:cNvSpPr>
-            <a:spLocks noGrp="1"/>
-          </p:cNvSpPr>
-          <p:nvPr>
-            <p:ph type="title"/>
-          </p:nvPr>
-        </p:nvSpPr>
-        <p:spPr/>
-        <p:txBody>
-          <a:bodyPr/>
-          <a:lstStyle/>
-          <a:p>
-            <a:r>
-              <a:rPr lang="en-US" dirty="0"/>
-              <a:t>C++ Code Sample – </a:t>
-            </a:r>
-            <a:r>
-              <a:rPr lang="en-US" dirty="0" smtClean="0"/>
-              <a:t>Go Back to Step </a:t>
-            </a:r>
-            <a:r>
-              <a:rPr lang="en-US" dirty="0"/>
-              <a:t>2</a:t>
-            </a:r>
-          </a:p>
-        </p:txBody>
-      </p:sp>
-      <p:cxnSp>
-        <p:nvCxnSpPr>
-          <p:cNvPr id="15" name="Straight Arrow Connector 14"/>
-          <p:cNvCxnSpPr/>
-          <p:nvPr/>
-        </p:nvCxnSpPr>
-        <p:spPr>
-          <a:xfrm>
-            <a:off x="451339" y="4459646"/>
-            <a:ext cx="644769" cy="0"/>
-          </a:xfrm>
-          <a:prstGeom prst="straightConnector1">
-            <a:avLst/>
-          </a:prstGeom>
-          <a:ln>
-            <a:tailEnd type="triangle"/>
-          </a:ln>
-        </p:spPr>
-        <p:style>
-          <a:lnRef idx="1">
-            <a:schemeClr val="accent1"/>
-          </a:lnRef>
-          <a:fillRef idx="0">
-            <a:schemeClr val="accent1"/>
-          </a:fillRef>
-          <a:effectRef idx="0">
-            <a:schemeClr val="accent1"/>
-          </a:effectRef>
-          <a:fontRef idx="minor">
-            <a:schemeClr val="tx1"/>
-          </a:fontRef>
-        </p:style>
-      </p:cxnSp>
-      <p:cxnSp>
-        <p:nvCxnSpPr>
-          <p:cNvPr id="18" name="Straight Connector 17"/>
-          <p:cNvCxnSpPr/>
-          <p:nvPr/>
-        </p:nvCxnSpPr>
-        <p:spPr>
-          <a:xfrm>
-            <a:off x="1195754" y="3423125"/>
-            <a:ext cx="0" cy="1953547"/>
-          </a:xfrm>
-          <a:prstGeom prst="line">
-            <a:avLst/>
-          </a:prstGeom>
-        </p:spPr>
-        <p:style>
-          <a:lnRef idx="1">
-            <a:schemeClr val="accent1"/>
-          </a:lnRef>
-          <a:fillRef idx="0">
-            <a:schemeClr val="accent1"/>
-          </a:fillRef>
-          <a:effectRef idx="0">
-            <a:schemeClr val="accent1"/>
-          </a:effectRef>
-          <a:fontRef idx="minor">
-            <a:schemeClr val="tx1"/>
-          </a:fontRef>
-        </p:style>
-      </p:cxnSp>
-      <p:cxnSp>
-        <p:nvCxnSpPr>
-          <p:cNvPr id="21" name="Straight Arrow Connector 20"/>
-          <p:cNvCxnSpPr/>
-          <p:nvPr/>
-        </p:nvCxnSpPr>
-        <p:spPr>
-          <a:xfrm flipH="1">
-            <a:off x="4846085" y="3816276"/>
-            <a:ext cx="1659841" cy="10861"/>
-          </a:xfrm>
-          <a:prstGeom prst="straightConnector1">
-            <a:avLst/>
-          </a:prstGeom>
-          <a:ln>
-            <a:tailEnd type="triangle"/>
-          </a:ln>
-        </p:spPr>
-        <p:style>
-          <a:lnRef idx="1">
-            <a:schemeClr val="accent1"/>
-          </a:lnRef>
-          <a:fillRef idx="0">
-            <a:schemeClr val="accent1"/>
-          </a:fillRef>
-          <a:effectRef idx="0">
-            <a:schemeClr val="accent1"/>
-          </a:effectRef>
-          <a:fontRef idx="minor">
-            <a:schemeClr val="tx1"/>
-          </a:fontRef>
-        </p:style>
-      </p:cxnSp>
-      <p:sp>
-        <p:nvSpPr>
-          <p:cNvPr id="10" name="Oval 9"/>
+      <p:pic>
+        <p:nvPicPr>
+          <p:cNvPr id="1030" name="Picture 6" descr="http://d1gjlxt8vb0knt.cloudfront.net//wp-content/uploads/Fig-11.jpg"/>
+          <p:cNvPicPr>
+            <a:picLocks noChangeAspect="1" noChangeArrowheads="1"/>
+          </p:cNvPicPr>
+          <p:nvPr/>
+        </p:nvPicPr>
+        <p:blipFill>
+          <a:blip r:embed="rId4" cstate="print">
+            <a:extLst>
+              <a:ext uri="{28A0092B-C50C-407E-A947-70E740481C1C}">
+                <a14:useLocalDpi xmlns:a14="http://schemas.microsoft.com/office/drawing/2010/main" val="0"/>
+              </a:ext>
+            </a:extLst>
+          </a:blip>
+          <a:srcRect/>
+          <a:stretch>
+            <a:fillRect/>
+          </a:stretch>
+        </p:blipFill>
+        <p:spPr bwMode="auto">
+          <a:xfrm>
+            <a:off x="5585245" y="4817576"/>
+            <a:ext cx="2838793" cy="1323975"/>
+          </a:xfrm>
+          <a:prstGeom prst="rect">
+            <a:avLst/>
+          </a:prstGeom>
+          <a:noFill/>
+          <a:extLst>
+            <a:ext uri="{909E8E84-426E-40DD-AFC4-6F175D3DCCD1}">
+              <a14:hiddenFill xmlns:a14="http://schemas.microsoft.com/office/drawing/2010/main">
+                <a:solidFill>
+                  <a:srgbClr val="FFFFFF"/>
+                </a:solidFill>
+              </a14:hiddenFill>
+            </a:ext>
+          </a:extLst>
+        </p:spPr>
+      </p:pic>
+      <p:sp>
+        <p:nvSpPr>
+          <p:cNvPr id="17" name="Rectangle 16"/>
           <p:cNvSpPr/>
           <p:nvPr/>
         </p:nvSpPr>
         <p:spPr>
           <a:xfrm>
-            <a:off x="6901318" y="2974718"/>
-            <a:ext cx="603227" cy="548640"/>
-          </a:xfrm>
-          <a:prstGeom prst="ellipse">
-            <a:avLst/>
-          </a:prstGeom>
-          <a:noFill/>
-        </p:spPr>
-        <p:style>
-          <a:lnRef idx="2">
-            <a:schemeClr val="accent6"/>
-          </a:lnRef>
-          <a:fillRef idx="1">
-            <a:schemeClr val="lt1"/>
-          </a:fillRef>
-          <a:effectRef idx="0">
-            <a:schemeClr val="accent6"/>
-          </a:effectRef>
-          <a:fontRef idx="minor">
-            <a:schemeClr val="dk1"/>
-          </a:fontRef>
-        </p:style>
-        <p:txBody>
-          <a:bodyPr rtlCol="0" anchor="ctr"/>
-          <a:lstStyle/>
-          <a:p>
-            <a:pPr algn="ctr"/>
-            <a:endParaRPr lang="en-US"/>
-          </a:p>
-        </p:txBody>
-      </p:sp>
-      <p:sp>
-        <p:nvSpPr>
-          <p:cNvPr id="13" name="Oval 12"/>
+            <a:off x="6266317" y="4310388"/>
+            <a:ext cx="1338893" cy="369332"/>
+          </a:xfrm>
+          <a:prstGeom prst="rect">
+            <a:avLst/>
+          </a:prstGeom>
+        </p:spPr>
+        <p:txBody>
+          <a:bodyPr wrap="none">
+            <a:spAutoFit/>
+          </a:bodyPr>
+          <a:lstStyle/>
+          <a:p>
+            <a:r>
+              <a:rPr lang="en-US" dirty="0" smtClean="0">
+                <a:solidFill>
+                  <a:schemeClr val="tx1">
+                    <a:lumMod val="50000"/>
+                    <a:lumOff val="50000"/>
+                  </a:schemeClr>
+                </a:solidFill>
+              </a:rPr>
+              <a:t>Initial Graph</a:t>
+            </a:r>
+            <a:endParaRPr lang="en-US" dirty="0">
+              <a:solidFill>
+                <a:schemeClr val="tx1">
+                  <a:lumMod val="50000"/>
+                  <a:lumOff val="50000"/>
+                </a:schemeClr>
+              </a:solidFill>
+            </a:endParaRPr>
+          </a:p>
+        </p:txBody>
+      </p:sp>
+      <p:sp>
+        <p:nvSpPr>
+          <p:cNvPr id="19" name="Rectangle 18"/>
           <p:cNvSpPr/>
           <p:nvPr/>
         </p:nvSpPr>
         <p:spPr>
           <a:xfrm>
-            <a:off x="7598467" y="2312294"/>
-            <a:ext cx="603227" cy="548640"/>
-          </a:xfrm>
-          <a:prstGeom prst="ellipse">
-            <a:avLst/>
-          </a:prstGeom>
-          <a:noFill/>
-        </p:spPr>
-        <p:style>
-          <a:lnRef idx="2">
-            <a:schemeClr val="accent6"/>
-          </a:lnRef>
-          <a:fillRef idx="1">
-            <a:schemeClr val="lt1"/>
-          </a:fillRef>
-          <a:effectRef idx="0">
-            <a:schemeClr val="accent6"/>
-          </a:effectRef>
-          <a:fontRef idx="minor">
-            <a:schemeClr val="dk1"/>
-          </a:fontRef>
-        </p:style>
-        <p:txBody>
-          <a:bodyPr rtlCol="0" anchor="ctr"/>
-          <a:lstStyle/>
-          <a:p>
-            <a:pPr algn="ctr"/>
-            <a:endParaRPr lang="en-US"/>
+            <a:off x="9183906" y="4179900"/>
+            <a:ext cx="1913473" cy="369332"/>
+          </a:xfrm>
+          <a:prstGeom prst="rect">
+            <a:avLst/>
+          </a:prstGeom>
+        </p:spPr>
+        <p:txBody>
+          <a:bodyPr wrap="none">
+            <a:spAutoFit/>
+          </a:bodyPr>
+          <a:lstStyle/>
+          <a:p>
+            <a:r>
+              <a:rPr lang="en-US" dirty="0" smtClean="0">
+                <a:solidFill>
+                  <a:schemeClr val="tx1">
+                    <a:lumMod val="50000"/>
+                    <a:lumOff val="50000"/>
+                  </a:schemeClr>
+                </a:solidFill>
+              </a:rPr>
+              <a:t>Shortest Distances</a:t>
+            </a:r>
+            <a:endParaRPr lang="en-US" dirty="0">
+              <a:solidFill>
+                <a:schemeClr val="tx1">
+                  <a:lumMod val="50000"/>
+                  <a:lumOff val="50000"/>
+                </a:schemeClr>
+              </a:solidFill>
+            </a:endParaRPr>
+          </a:p>
+        </p:txBody>
+      </p:sp>
+      <p:sp>
+        <p:nvSpPr>
+          <p:cNvPr id="20" name="Rectangle 19"/>
+          <p:cNvSpPr/>
+          <p:nvPr/>
+        </p:nvSpPr>
+        <p:spPr>
+          <a:xfrm>
+            <a:off x="130425" y="1533665"/>
+            <a:ext cx="5920179" cy="3139321"/>
+          </a:xfrm>
+          <a:prstGeom prst="rect">
+            <a:avLst/>
+          </a:prstGeom>
+        </p:spPr>
+        <p:txBody>
+          <a:bodyPr wrap="square">
+            <a:spAutoFit/>
+          </a:bodyPr>
+          <a:lstStyle/>
+          <a:p>
+            <a:r>
+              <a:rPr lang="en-US" dirty="0" smtClean="0">
+                <a:solidFill>
+                  <a:schemeClr val="tx1">
+                    <a:lumMod val="50000"/>
+                    <a:lumOff val="50000"/>
+                  </a:schemeClr>
+                </a:solidFill>
+              </a:rPr>
+              <a:t>1) The </a:t>
+            </a:r>
+            <a:r>
+              <a:rPr lang="en-US" dirty="0">
+                <a:solidFill>
+                  <a:schemeClr val="tx1">
+                    <a:lumMod val="50000"/>
+                    <a:lumOff val="50000"/>
+                  </a:schemeClr>
+                </a:solidFill>
+              </a:rPr>
+              <a:t>code calculates shortest distance, but doesn’t calculate the path information. We can create a parent array, update the parent array when distance is </a:t>
+            </a:r>
+            <a:r>
+              <a:rPr lang="en-US" dirty="0" smtClean="0">
+                <a:solidFill>
+                  <a:schemeClr val="tx1">
+                    <a:lumMod val="50000"/>
+                    <a:lumOff val="50000"/>
+                  </a:schemeClr>
+                </a:solidFill>
+              </a:rPr>
+              <a:t>updated.</a:t>
+            </a:r>
+          </a:p>
+          <a:p>
+            <a:pPr marL="342900" indent="-342900">
+              <a:buAutoNum type="arabicParenR"/>
+            </a:pPr>
+            <a:endParaRPr lang="en-US" dirty="0">
+              <a:solidFill>
+                <a:schemeClr val="tx1">
+                  <a:lumMod val="50000"/>
+                  <a:lumOff val="50000"/>
+                </a:schemeClr>
+              </a:solidFill>
+            </a:endParaRPr>
+          </a:p>
+          <a:p>
+            <a:r>
+              <a:rPr lang="en-US" dirty="0">
+                <a:solidFill>
+                  <a:schemeClr val="tx1">
+                    <a:lumMod val="50000"/>
+                    <a:lumOff val="50000"/>
+                  </a:schemeClr>
+                </a:solidFill>
+              </a:rPr>
+              <a:t>2) The code is for undirected graph, same </a:t>
+            </a:r>
+            <a:r>
+              <a:rPr lang="en-US" dirty="0" err="1">
+                <a:solidFill>
+                  <a:schemeClr val="tx1">
+                    <a:lumMod val="50000"/>
+                    <a:lumOff val="50000"/>
+                  </a:schemeClr>
+                </a:solidFill>
+              </a:rPr>
+              <a:t>dijekstra</a:t>
+            </a:r>
+            <a:r>
+              <a:rPr lang="en-US" dirty="0">
+                <a:solidFill>
+                  <a:schemeClr val="tx1">
+                    <a:lumMod val="50000"/>
+                    <a:lumOff val="50000"/>
+                  </a:schemeClr>
+                </a:solidFill>
+              </a:rPr>
+              <a:t> function can be used for directed graphs also.</a:t>
+            </a:r>
+          </a:p>
+          <a:p>
+            <a:endParaRPr lang="en-US" dirty="0">
+              <a:solidFill>
+                <a:schemeClr val="tx1">
+                  <a:lumMod val="50000"/>
+                  <a:lumOff val="50000"/>
+                </a:schemeClr>
+              </a:solidFill>
+            </a:endParaRPr>
+          </a:p>
+          <a:p>
+            <a:r>
+              <a:rPr lang="en-US" dirty="0">
+                <a:solidFill>
+                  <a:schemeClr val="tx1">
+                    <a:lumMod val="50000"/>
+                    <a:lumOff val="50000"/>
+                  </a:schemeClr>
+                </a:solidFill>
+              </a:rPr>
+              <a:t>3) The code finds shortest distances from source to all vertices. If we are interested only in shortest distance from source to a single target, we can break the for loop when the picked minimum distance vertex is equal to target</a:t>
+            </a:r>
           </a:p>
         </p:txBody>
       </p:sp>
     </p:spTree>
     <p:extLst>
       <p:ext uri="{BB962C8B-B14F-4D97-AF65-F5344CB8AC3E}">
-        <p14:creationId xmlns:p14="http://schemas.microsoft.com/office/powerpoint/2010/main" val="1963095501"/>
+        <p14:creationId xmlns:p14="http://schemas.microsoft.com/office/powerpoint/2010/main" val="3892477625"/>
       </p:ext>
     </p:extLst>
   </p:cSld>
@@ -10631,57 +10747,68 @@
             <p:ph type="title"/>
           </p:nvPr>
         </p:nvSpPr>
-        <p:spPr/>
+        <p:spPr>
+          <a:xfrm>
+            <a:off x="838200" y="365126"/>
+            <a:ext cx="10515600" cy="996180"/>
+          </a:xfrm>
+        </p:spPr>
         <p:txBody>
           <a:bodyPr/>
           <a:lstStyle/>
           <a:p>
             <a:r>
-              <a:rPr lang="en-US" dirty="0"/>
-              <a:t>C++ Code Sample – </a:t>
-            </a:r>
-            <a:r>
               <a:rPr lang="en-US" dirty="0" smtClean="0"/>
-              <a:t>Step 4 Print Solution</a:t>
+              <a:t>Improvements</a:t>
             </a:r>
             <a:endParaRPr lang="en-US" dirty="0"/>
+          </a:p>
+        </p:txBody>
+      </p:sp>
+      <p:sp>
+        <p:nvSpPr>
+          <p:cNvPr id="12" name="TextBox 11"/>
+          <p:cNvSpPr txBox="1"/>
+          <p:nvPr/>
+        </p:nvSpPr>
+        <p:spPr>
+          <a:xfrm>
+            <a:off x="6910068" y="3539610"/>
+            <a:ext cx="4851456" cy="400110"/>
+          </a:xfrm>
+          <a:prstGeom prst="rect">
+            <a:avLst/>
+          </a:prstGeom>
+          <a:noFill/>
+        </p:spPr>
+        <p:txBody>
+          <a:bodyPr wrap="none" rtlCol="0">
+            <a:spAutoFit/>
+          </a:bodyPr>
+          <a:lstStyle/>
+          <a:p>
+            <a:r>
+              <a:rPr lang="en-US" sz="2000" dirty="0" smtClean="0"/>
+              <a:t>Using the priority queue to </a:t>
+            </a:r>
+            <a:r>
+              <a:rPr lang="en-US" sz="2000" dirty="0" smtClean="0"/>
+              <a:t>get the minimum</a:t>
+            </a:r>
+            <a:endParaRPr lang="en-US" sz="2000" dirty="0"/>
           </a:p>
         </p:txBody>
       </p:sp>
       <p:pic>
         <p:nvPicPr>
-          <p:cNvPr id="9" name="Picture 8"/>
-          <p:cNvPicPr>
-            <a:picLocks noChangeAspect="1"/>
-          </p:cNvPicPr>
-          <p:nvPr/>
-        </p:nvPicPr>
-        <p:blipFill>
-          <a:blip r:embed="rId2"/>
-          <a:stretch>
-            <a:fillRect/>
-          </a:stretch>
-        </p:blipFill>
-        <p:spPr>
-          <a:xfrm>
-            <a:off x="8424038" y="1640250"/>
-            <a:ext cx="2291762" cy="2080540"/>
-          </a:xfrm>
-          <a:prstGeom prst="rect">
-            <a:avLst/>
-          </a:prstGeom>
-        </p:spPr>
-      </p:pic>
-      <p:pic>
-        <p:nvPicPr>
-          <p:cNvPr id="1028" name="Picture 4" descr="http://d1gjlxt8vb0knt.cloudfront.net//wp-content/uploads/DIJ5.jpg"/>
+          <p:cNvPr id="3" name="Picture 2"/>
           <p:cNvPicPr>
             <a:picLocks noChangeAspect="1" noChangeArrowheads="1"/>
           </p:cNvPicPr>
           <p:nvPr/>
         </p:nvPicPr>
         <p:blipFill>
-          <a:blip r:embed="rId3">
+          <a:blip r:embed="rId2">
             <a:extLst>
               <a:ext uri="{28A0092B-C50C-407E-A947-70E740481C1C}">
                 <a14:useLocalDpi xmlns:a14="http://schemas.microsoft.com/office/drawing/2010/main" val="0"/>
@@ -10695,283 +10822,206 @@
         </p:blipFill>
         <p:spPr bwMode="auto">
           <a:xfrm>
-            <a:off x="8696413" y="4672986"/>
-            <a:ext cx="2746956" cy="1468565"/>
+            <a:off x="726371" y="1169960"/>
+            <a:ext cx="6183697" cy="5481563"/>
           </a:xfrm>
           <a:prstGeom prst="rect">
             <a:avLst/>
           </a:prstGeom>
           <a:noFill/>
+          <a:ln>
+            <a:noFill/>
+          </a:ln>
           <a:extLst>
             <a:ext uri="{909E8E84-426E-40DD-AFC4-6F175D3DCCD1}">
               <a14:hiddenFill xmlns:a14="http://schemas.microsoft.com/office/drawing/2010/main">
                 <a:solidFill>
-                  <a:srgbClr val="FFFFFF"/>
+                  <a:schemeClr val="accent1"/>
                 </a:solidFill>
               </a14:hiddenFill>
             </a:ext>
-          </a:extLst>
-        </p:spPr>
-      </p:pic>
-      <p:pic>
-        <p:nvPicPr>
-          <p:cNvPr id="1030" name="Picture 6" descr="http://d1gjlxt8vb0knt.cloudfront.net//wp-content/uploads/Fig-11.jpg"/>
-          <p:cNvPicPr>
-            <a:picLocks noChangeAspect="1" noChangeArrowheads="1"/>
-          </p:cNvPicPr>
-          <p:nvPr/>
-        </p:nvPicPr>
-        <p:blipFill>
-          <a:blip r:embed="rId4" cstate="print">
-            <a:extLst>
-              <a:ext uri="{28A0092B-C50C-407E-A947-70E740481C1C}">
-                <a14:useLocalDpi xmlns:a14="http://schemas.microsoft.com/office/drawing/2010/main" val="0"/>
-              </a:ext>
-            </a:extLst>
-          </a:blip>
-          <a:srcRect/>
-          <a:stretch>
-            <a:fillRect/>
-          </a:stretch>
-        </p:blipFill>
-        <p:spPr bwMode="auto">
-          <a:xfrm>
-            <a:off x="5585245" y="4817576"/>
-            <a:ext cx="2838793" cy="1323975"/>
-          </a:xfrm>
-          <a:prstGeom prst="rect">
-            <a:avLst/>
-          </a:prstGeom>
-          <a:noFill/>
-          <a:extLst>
-            <a:ext uri="{909E8E84-426E-40DD-AFC4-6F175D3DCCD1}">
-              <a14:hiddenFill xmlns:a14="http://schemas.microsoft.com/office/drawing/2010/main">
-                <a:solidFill>
-                  <a:srgbClr val="FFFFFF"/>
-                </a:solidFill>
-              </a14:hiddenFill>
+            <a:ext uri="{91240B29-F687-4F45-9708-019B960494DF}">
+              <a14:hiddenLine xmlns:a14="http://schemas.microsoft.com/office/drawing/2010/main" w="9525">
+                <a:solidFill>
+                  <a:schemeClr val="tx1"/>
+                </a:solidFill>
+                <a:miter lim="800000"/>
+                <a:headEnd/>
+                <a:tailEnd/>
+              </a14:hiddenLine>
             </a:ext>
           </a:extLst>
         </p:spPr>
       </p:pic>
-      <p:sp>
-        <p:nvSpPr>
-          <p:cNvPr id="17" name="Rectangle 16"/>
-          <p:cNvSpPr/>
-          <p:nvPr/>
-        </p:nvSpPr>
-        <p:spPr>
-          <a:xfrm>
-            <a:off x="6266317" y="4310388"/>
-            <a:ext cx="1338893" cy="369332"/>
+      <p:cxnSp>
+        <p:nvCxnSpPr>
+          <p:cNvPr id="11" name="Straight Arrow Connector 10"/>
+          <p:cNvCxnSpPr/>
+          <p:nvPr/>
+        </p:nvCxnSpPr>
+        <p:spPr>
+          <a:xfrm flipH="1">
+            <a:off x="5014452" y="3767578"/>
+            <a:ext cx="1895616" cy="143163"/>
+          </a:xfrm>
+          <a:prstGeom prst="straightConnector1">
+            <a:avLst/>
+          </a:prstGeom>
+          <a:ln w="25400">
+            <a:tailEnd type="triangle" w="lg" len="lg"/>
+          </a:ln>
+        </p:spPr>
+        <p:style>
+          <a:lnRef idx="1">
+            <a:schemeClr val="accent1"/>
+          </a:lnRef>
+          <a:fillRef idx="0">
+            <a:schemeClr val="accent1"/>
+          </a:fillRef>
+          <a:effectRef idx="0">
+            <a:schemeClr val="accent1"/>
+          </a:effectRef>
+          <a:fontRef idx="minor">
+            <a:schemeClr val="tx1"/>
+          </a:fontRef>
+        </p:style>
+      </p:cxnSp>
+      <p:sp>
+        <p:nvSpPr>
+          <p:cNvPr id="13" name="TextBox 12"/>
+          <p:cNvSpPr txBox="1"/>
+          <p:nvPr/>
+        </p:nvSpPr>
+        <p:spPr>
+          <a:xfrm>
+            <a:off x="6910068" y="2746604"/>
+            <a:ext cx="1728358" cy="400110"/>
           </a:xfrm>
           <a:prstGeom prst="rect">
             <a:avLst/>
           </a:prstGeom>
-        </p:spPr>
-        <p:txBody>
-          <a:bodyPr wrap="none">
+          <a:noFill/>
+        </p:spPr>
+        <p:txBody>
+          <a:bodyPr wrap="none" rtlCol="0">
             <a:spAutoFit/>
           </a:bodyPr>
           <a:lstStyle/>
           <a:p>
             <a:r>
-              <a:rPr lang="en-US" dirty="0" smtClean="0">
-                <a:solidFill>
-                  <a:schemeClr val="tx1">
-                    <a:lumMod val="50000"/>
-                    <a:lumOff val="50000"/>
-                  </a:schemeClr>
-                </a:solidFill>
-              </a:rPr>
-              <a:t>Initial Graph</a:t>
-            </a:r>
-            <a:endParaRPr lang="en-US" dirty="0">
-              <a:solidFill>
-                <a:schemeClr val="tx1">
-                  <a:lumMod val="50000"/>
-                  <a:lumOff val="50000"/>
-                </a:schemeClr>
-              </a:solidFill>
-            </a:endParaRPr>
-          </a:p>
-        </p:txBody>
-      </p:sp>
-      <p:sp>
-        <p:nvSpPr>
-          <p:cNvPr id="19" name="Rectangle 18"/>
-          <p:cNvSpPr/>
-          <p:nvPr/>
-        </p:nvSpPr>
-        <p:spPr>
-          <a:xfrm>
-            <a:off x="9183906" y="4179900"/>
-            <a:ext cx="1913473" cy="369332"/>
+              <a:rPr lang="en-US" sz="2000" dirty="0"/>
+              <a:t>P</a:t>
+            </a:r>
+            <a:r>
+              <a:rPr lang="en-US" sz="2000" dirty="0" smtClean="0"/>
+              <a:t>riority queue</a:t>
+            </a:r>
+            <a:endParaRPr lang="en-US" sz="2000" dirty="0"/>
+          </a:p>
+        </p:txBody>
+      </p:sp>
+      <p:cxnSp>
+        <p:nvCxnSpPr>
+          <p:cNvPr id="14" name="Straight Arrow Connector 13"/>
+          <p:cNvCxnSpPr/>
+          <p:nvPr/>
+        </p:nvCxnSpPr>
+        <p:spPr>
+          <a:xfrm flipH="1" flipV="1">
+            <a:off x="4660490" y="2841185"/>
+            <a:ext cx="2249578" cy="100561"/>
+          </a:xfrm>
+          <a:prstGeom prst="straightConnector1">
+            <a:avLst/>
+          </a:prstGeom>
+          <a:ln w="25400">
+            <a:tailEnd type="triangle" w="lg" len="lg"/>
+          </a:ln>
+        </p:spPr>
+        <p:style>
+          <a:lnRef idx="1">
+            <a:schemeClr val="accent1"/>
+          </a:lnRef>
+          <a:fillRef idx="0">
+            <a:schemeClr val="accent1"/>
+          </a:fillRef>
+          <a:effectRef idx="0">
+            <a:schemeClr val="accent1"/>
+          </a:effectRef>
+          <a:fontRef idx="minor">
+            <a:schemeClr val="tx1"/>
+          </a:fontRef>
+        </p:style>
+      </p:cxnSp>
+      <p:sp>
+        <p:nvSpPr>
+          <p:cNvPr id="15" name="TextBox 14"/>
+          <p:cNvSpPr txBox="1"/>
+          <p:nvPr/>
+        </p:nvSpPr>
+        <p:spPr>
+          <a:xfrm>
+            <a:off x="7809820" y="5264576"/>
+            <a:ext cx="3648563" cy="400110"/>
           </a:xfrm>
           <a:prstGeom prst="rect">
             <a:avLst/>
           </a:prstGeom>
-        </p:spPr>
-        <p:txBody>
-          <a:bodyPr wrap="none">
+          <a:noFill/>
+        </p:spPr>
+        <p:txBody>
+          <a:bodyPr wrap="none" rtlCol="0">
             <a:spAutoFit/>
           </a:bodyPr>
           <a:lstStyle/>
           <a:p>
             <a:r>
-              <a:rPr lang="en-US" dirty="0" smtClean="0">
-                <a:solidFill>
-                  <a:schemeClr val="tx1">
-                    <a:lumMod val="50000"/>
-                    <a:lumOff val="50000"/>
-                  </a:schemeClr>
-                </a:solidFill>
-              </a:rPr>
-              <a:t>Shortest Distances</a:t>
-            </a:r>
-            <a:endParaRPr lang="en-US" dirty="0">
-              <a:solidFill>
-                <a:schemeClr val="tx1">
-                  <a:lumMod val="50000"/>
-                  <a:lumOff val="50000"/>
-                </a:schemeClr>
-              </a:solidFill>
-            </a:endParaRPr>
-          </a:p>
-        </p:txBody>
-      </p:sp>
-      <p:sp>
-        <p:nvSpPr>
-          <p:cNvPr id="20" name="Rectangle 19"/>
-          <p:cNvSpPr/>
-          <p:nvPr/>
-        </p:nvSpPr>
-        <p:spPr>
-          <a:xfrm>
-            <a:off x="130425" y="1533665"/>
-            <a:ext cx="5920179" cy="3139321"/>
-          </a:xfrm>
-          <a:prstGeom prst="rect">
-            <a:avLst/>
-          </a:prstGeom>
-        </p:spPr>
-        <p:txBody>
-          <a:bodyPr wrap="square">
-            <a:spAutoFit/>
-          </a:bodyPr>
-          <a:lstStyle/>
-          <a:p>
-            <a:r>
-              <a:rPr lang="en-US" dirty="0" smtClean="0">
-                <a:solidFill>
-                  <a:schemeClr val="tx1">
-                    <a:lumMod val="50000"/>
-                    <a:lumOff val="50000"/>
-                  </a:schemeClr>
-                </a:solidFill>
-              </a:rPr>
-              <a:t>1) The </a:t>
-            </a:r>
-            <a:r>
-              <a:rPr lang="en-US" dirty="0">
-                <a:solidFill>
-                  <a:schemeClr val="tx1">
-                    <a:lumMod val="50000"/>
-                    <a:lumOff val="50000"/>
-                  </a:schemeClr>
-                </a:solidFill>
-              </a:rPr>
-              <a:t>code calculates shortest distance, but doesn’t calculate the path information. We can create a parent array, update the parent array when distance is </a:t>
-            </a:r>
-            <a:r>
-              <a:rPr lang="en-US" dirty="0" smtClean="0">
-                <a:solidFill>
-                  <a:schemeClr val="tx1">
-                    <a:lumMod val="50000"/>
-                    <a:lumOff val="50000"/>
-                  </a:schemeClr>
-                </a:solidFill>
-              </a:rPr>
-              <a:t>updated.</a:t>
-            </a:r>
-          </a:p>
-          <a:p>
-            <a:pPr marL="342900" indent="-342900">
-              <a:buAutoNum type="arabicParenR"/>
-            </a:pPr>
-            <a:endParaRPr lang="en-US" dirty="0">
-              <a:solidFill>
-                <a:schemeClr val="tx1">
-                  <a:lumMod val="50000"/>
-                  <a:lumOff val="50000"/>
-                </a:schemeClr>
-              </a:solidFill>
-            </a:endParaRPr>
-          </a:p>
-          <a:p>
-            <a:r>
-              <a:rPr lang="en-US" dirty="0">
-                <a:solidFill>
-                  <a:schemeClr val="tx1">
-                    <a:lumMod val="50000"/>
-                    <a:lumOff val="50000"/>
-                  </a:schemeClr>
-                </a:solidFill>
-              </a:rPr>
-              <a:t>2) The code is for undirected graph, same </a:t>
-            </a:r>
-            <a:r>
-              <a:rPr lang="en-US" dirty="0" err="1">
-                <a:solidFill>
-                  <a:schemeClr val="tx1">
-                    <a:lumMod val="50000"/>
-                    <a:lumOff val="50000"/>
-                  </a:schemeClr>
-                </a:solidFill>
-              </a:rPr>
-              <a:t>dijekstra</a:t>
-            </a:r>
-            <a:r>
-              <a:rPr lang="en-US" dirty="0">
-                <a:solidFill>
-                  <a:schemeClr val="tx1">
-                    <a:lumMod val="50000"/>
-                    <a:lumOff val="50000"/>
-                  </a:schemeClr>
-                </a:solidFill>
-              </a:rPr>
-              <a:t> function can be used for directed graphs also.</a:t>
-            </a:r>
-          </a:p>
-          <a:p>
-            <a:endParaRPr lang="en-US" dirty="0">
-              <a:solidFill>
-                <a:schemeClr val="tx1">
-                  <a:lumMod val="50000"/>
-                  <a:lumOff val="50000"/>
-                </a:schemeClr>
-              </a:solidFill>
-            </a:endParaRPr>
-          </a:p>
-          <a:p>
-            <a:r>
-              <a:rPr lang="en-US" dirty="0">
-                <a:solidFill>
-                  <a:schemeClr val="tx1">
-                    <a:lumMod val="50000"/>
-                    <a:lumOff val="50000"/>
-                  </a:schemeClr>
-                </a:solidFill>
-              </a:rPr>
-              <a:t>3) The code finds shortest distances from source to all vertices. If we are interested only in shortest distance from source to a single target, we can break the for loop when the picked minimum distance vertex is equal to target</a:t>
-            </a:r>
-          </a:p>
-        </p:txBody>
-      </p:sp>
+              <a:rPr lang="en-US" sz="2000" dirty="0" smtClean="0"/>
+              <a:t>Decrease the priority of the node</a:t>
+            </a:r>
+            <a:endParaRPr lang="en-US" sz="2000" dirty="0"/>
+          </a:p>
+        </p:txBody>
+      </p:sp>
+      <p:cxnSp>
+        <p:nvCxnSpPr>
+          <p:cNvPr id="16" name="Straight Arrow Connector 15"/>
+          <p:cNvCxnSpPr>
+            <a:stCxn id="15" idx="1"/>
+          </p:cNvCxnSpPr>
+          <p:nvPr/>
+        </p:nvCxnSpPr>
+        <p:spPr>
+          <a:xfrm flipH="1">
+            <a:off x="6910068" y="5464631"/>
+            <a:ext cx="899752" cy="200055"/>
+          </a:xfrm>
+          <a:prstGeom prst="straightConnector1">
+            <a:avLst/>
+          </a:prstGeom>
+          <a:ln w="25400">
+            <a:tailEnd type="triangle" w="lg" len="lg"/>
+          </a:ln>
+        </p:spPr>
+        <p:style>
+          <a:lnRef idx="1">
+            <a:schemeClr val="accent1"/>
+          </a:lnRef>
+          <a:fillRef idx="0">
+            <a:schemeClr val="accent1"/>
+          </a:fillRef>
+          <a:effectRef idx="0">
+            <a:schemeClr val="accent1"/>
+          </a:effectRef>
+          <a:fontRef idx="minor">
+            <a:schemeClr val="tx1"/>
+          </a:fontRef>
+        </p:style>
+      </p:cxnSp>
     </p:spTree>
     <p:extLst>
       <p:ext uri="{BB962C8B-B14F-4D97-AF65-F5344CB8AC3E}">
-        <p14:creationId xmlns:p14="http://schemas.microsoft.com/office/powerpoint/2010/main" val="3892477625"/>
+        <p14:creationId xmlns:p14="http://schemas.microsoft.com/office/powerpoint/2010/main" val="398534640"/>
       </p:ext>
     </p:extLst>
   </p:cSld>
@@ -10989,80 +11039,6 @@
 </file>
 
 <file path=ppt/slides/slide27.xml><?xml version="1.0" encoding="utf-8"?>
-<p:sld xmlns:a="http://schemas.openxmlformats.org/drawingml/2006/main" xmlns:r="http://schemas.openxmlformats.org/officeDocument/2006/relationships" xmlns:p="http://schemas.openxmlformats.org/presentationml/2006/main">
-  <p:cSld>
-    <p:spTree>
-      <p:nvGrpSpPr>
-        <p:cNvPr id="1" name=""/>
-        <p:cNvGrpSpPr/>
-        <p:nvPr/>
-      </p:nvGrpSpPr>
-      <p:grpSpPr>
-        <a:xfrm>
-          <a:off x="0" y="0"/>
-          <a:ext cx="0" cy="0"/>
-          <a:chOff x="0" y="0"/>
-          <a:chExt cx="0" cy="0"/>
-        </a:xfrm>
-      </p:grpSpPr>
-      <p:sp>
-        <p:nvSpPr>
-          <p:cNvPr id="2" name="Title 1"/>
-          <p:cNvSpPr>
-            <a:spLocks noGrp="1"/>
-          </p:cNvSpPr>
-          <p:nvPr>
-            <p:ph type="title"/>
-          </p:nvPr>
-        </p:nvSpPr>
-        <p:spPr/>
-        <p:txBody>
-          <a:bodyPr/>
-          <a:lstStyle/>
-          <a:p>
-            <a:r>
-              <a:rPr lang="en-US" dirty="0" smtClean="0"/>
-              <a:t>Improvements</a:t>
-            </a:r>
-            <a:endParaRPr lang="en-US" dirty="0"/>
-          </a:p>
-        </p:txBody>
-      </p:sp>
-      <p:sp>
-        <p:nvSpPr>
-          <p:cNvPr id="3" name="Content Placeholder 2"/>
-          <p:cNvSpPr>
-            <a:spLocks noGrp="1"/>
-          </p:cNvSpPr>
-          <p:nvPr>
-            <p:ph idx="1"/>
-          </p:nvPr>
-        </p:nvSpPr>
-        <p:spPr/>
-        <p:txBody>
-          <a:bodyPr>
-            <a:normAutofit/>
-          </a:bodyPr>
-          <a:lstStyle/>
-          <a:p>
-            <a:endParaRPr lang="en-US" dirty="0"/>
-          </a:p>
-        </p:txBody>
-      </p:sp>
-    </p:spTree>
-    <p:extLst>
-      <p:ext uri="{BB962C8B-B14F-4D97-AF65-F5344CB8AC3E}">
-        <p14:creationId xmlns:p14="http://schemas.microsoft.com/office/powerpoint/2010/main" val="398534640"/>
-      </p:ext>
-    </p:extLst>
-  </p:cSld>
-  <p:clrMapOvr>
-    <a:masterClrMapping/>
-  </p:clrMapOvr>
-</p:sld>
-</file>
-
-<file path=ppt/slides/slide28.xml><?xml version="1.0" encoding="utf-8"?>
 <p:sld xmlns:a="http://schemas.openxmlformats.org/drawingml/2006/main" xmlns:r="http://schemas.openxmlformats.org/officeDocument/2006/relationships" xmlns:p="http://schemas.openxmlformats.org/presentationml/2006/main">
   <p:cSld>
     <p:spTree>
@@ -11586,10 +11562,17 @@
   <p:clrMapOvr>
     <a:masterClrMapping/>
   </p:clrMapOvr>
+  <p:timing>
+    <p:tnLst>
+      <p:par>
+        <p:cTn id="1" dur="indefinite" restart="never" nodeType="tmRoot"/>
+      </p:par>
+    </p:tnLst>
+  </p:timing>
 </p:sld>
 </file>
 
-<file path=ppt/slides/slide29.xml><?xml version="1.0" encoding="utf-8"?>
+<file path=ppt/slides/slide28.xml><?xml version="1.0" encoding="utf-8"?>
 <p:sld xmlns:a="http://schemas.openxmlformats.org/drawingml/2006/main" xmlns:r="http://schemas.openxmlformats.org/officeDocument/2006/relationships" xmlns:p="http://schemas.openxmlformats.org/presentationml/2006/main">
   <p:cSld>
     <p:spTree>
@@ -11645,7 +11628,7 @@
           <p:nvPr>
             <p:extLst>
               <p:ext uri="{D42A27DB-BD31-4B8C-83A1-F6EECF244321}">
-                <p14:modId xmlns:p14="http://schemas.microsoft.com/office/powerpoint/2010/main" val="2992916384"/>
+                <p14:modId xmlns:p14="http://schemas.microsoft.com/office/powerpoint/2010/main" val="3662034226"/>
               </p:ext>
             </p:extLst>
           </p:nvPr>
@@ -11768,10 +11751,9 @@
                     <a:lstStyle/>
                     <a:p>
                       <a:r>
-                        <a:rPr lang="en-US" sz="2000" u="none" dirty="0"/>
+                        <a:rPr lang="en-US" sz="2000" b="1" u="none" dirty="0"/>
                         <a:t>O(VE)</a:t>
                       </a:r>
-                      <a:endParaRPr lang="en-US" sz="2000" b="1" u="none" dirty="0"/>
                     </a:p>
                   </a:txBody>
                   <a:tcPr anchor="ctr"/>
@@ -12019,10 +12001,9 @@
                     <a:lstStyle/>
                     <a:p>
                       <a:r>
-                        <a:rPr lang="en-US" sz="2400" u="none" dirty="0"/>
+                        <a:rPr lang="en-US" sz="2400" b="1" u="none" dirty="0"/>
                         <a:t>O(E + V log V)</a:t>
                       </a:r>
-                      <a:endParaRPr lang="en-US" sz="2400" b="1" u="none" dirty="0"/>
                     </a:p>
                   </a:txBody>
                   <a:tcPr anchor="ctr"/>
@@ -12064,10 +12045,9 @@
                     <a:lstStyle/>
                     <a:p>
                       <a:r>
-                        <a:rPr lang="pt-BR" sz="2400" u="none" dirty="0"/>
+                        <a:rPr lang="pt-BR" sz="2400" b="1" u="none" dirty="0"/>
                         <a:t>O(E + V log log V)</a:t>
                       </a:r>
-                      <a:endParaRPr lang="pt-BR" sz="2400" b="0" u="none" dirty="0"/>
                     </a:p>
                   </a:txBody>
                   <a:tcPr anchor="ctr"/>
@@ -12128,6 +12108,253 @@
   <p:clrMapOvr>
     <a:masterClrMapping/>
   </p:clrMapOvr>
+  <p:timing>
+    <p:tnLst>
+      <p:par>
+        <p:cTn id="1" dur="indefinite" restart="never" nodeType="tmRoot"/>
+      </p:par>
+    </p:tnLst>
+  </p:timing>
+</p:sld>
+</file>
+
+<file path=ppt/slides/slide29.xml><?xml version="1.0" encoding="utf-8"?>
+<p:sld xmlns:a="http://schemas.openxmlformats.org/drawingml/2006/main" xmlns:r="http://schemas.openxmlformats.org/officeDocument/2006/relationships" xmlns:p="http://schemas.openxmlformats.org/presentationml/2006/main">
+  <p:cSld>
+    <p:spTree>
+      <p:nvGrpSpPr>
+        <p:cNvPr id="1" name=""/>
+        <p:cNvGrpSpPr/>
+        <p:nvPr/>
+      </p:nvGrpSpPr>
+      <p:grpSpPr>
+        <a:xfrm>
+          <a:off x="0" y="0"/>
+          <a:ext cx="0" cy="0"/>
+          <a:chOff x="0" y="0"/>
+          <a:chExt cx="0" cy="0"/>
+        </a:xfrm>
+      </p:grpSpPr>
+      <p:sp>
+        <p:nvSpPr>
+          <p:cNvPr id="2" name="Title 1"/>
+          <p:cNvSpPr>
+            <a:spLocks noGrp="1"/>
+          </p:cNvSpPr>
+          <p:nvPr>
+            <p:ph type="title"/>
+          </p:nvPr>
+        </p:nvSpPr>
+        <p:spPr/>
+        <p:txBody>
+          <a:bodyPr/>
+          <a:lstStyle/>
+          <a:p>
+            <a:r>
+              <a:rPr lang="en-US" dirty="0" smtClean="0"/>
+              <a:t>Path tracking</a:t>
+            </a:r>
+            <a:endParaRPr lang="en-US" dirty="0"/>
+          </a:p>
+        </p:txBody>
+      </p:sp>
+      <p:sp>
+        <p:nvSpPr>
+          <p:cNvPr id="6" name="TextBox 5"/>
+          <p:cNvSpPr txBox="1"/>
+          <p:nvPr/>
+        </p:nvSpPr>
+        <p:spPr>
+          <a:xfrm>
+            <a:off x="6843252" y="1916338"/>
+            <a:ext cx="3865866" cy="400110"/>
+          </a:xfrm>
+          <a:prstGeom prst="rect">
+            <a:avLst/>
+          </a:prstGeom>
+          <a:noFill/>
+        </p:spPr>
+        <p:txBody>
+          <a:bodyPr wrap="none" rtlCol="0">
+            <a:spAutoFit/>
+          </a:bodyPr>
+          <a:lstStyle/>
+          <a:p>
+            <a:r>
+              <a:rPr lang="en-US" sz="2000" dirty="0" smtClean="0"/>
+              <a:t>This array is used to track the paths</a:t>
+            </a:r>
+            <a:endParaRPr lang="en-US" sz="2000" dirty="0"/>
+          </a:p>
+        </p:txBody>
+      </p:sp>
+      <p:sp>
+        <p:nvSpPr>
+          <p:cNvPr id="8" name="TextBox 7"/>
+          <p:cNvSpPr txBox="1"/>
+          <p:nvPr/>
+        </p:nvSpPr>
+        <p:spPr>
+          <a:xfrm>
+            <a:off x="7375088" y="5016408"/>
+            <a:ext cx="2816048" cy="707886"/>
+          </a:xfrm>
+          <a:prstGeom prst="rect">
+            <a:avLst/>
+          </a:prstGeom>
+          <a:noFill/>
+        </p:spPr>
+        <p:txBody>
+          <a:bodyPr wrap="square" rtlCol="0">
+            <a:spAutoFit/>
+          </a:bodyPr>
+          <a:lstStyle/>
+          <a:p>
+            <a:r>
+              <a:rPr lang="en-US" sz="2000" dirty="0" smtClean="0"/>
+              <a:t>Save the number of the node we came from</a:t>
+            </a:r>
+            <a:endParaRPr lang="en-US" sz="2000" dirty="0"/>
+          </a:p>
+        </p:txBody>
+      </p:sp>
+      <p:pic>
+        <p:nvPicPr>
+          <p:cNvPr id="2050" name="Picture 2"/>
+          <p:cNvPicPr>
+            <a:picLocks noChangeAspect="1" noChangeArrowheads="1"/>
+          </p:cNvPicPr>
+          <p:nvPr/>
+        </p:nvPicPr>
+        <p:blipFill>
+          <a:blip r:embed="rId2">
+            <a:extLst>
+              <a:ext uri="{28A0092B-C50C-407E-A947-70E740481C1C}">
+                <a14:useLocalDpi xmlns:a14="http://schemas.microsoft.com/office/drawing/2010/main" val="0"/>
+              </a:ext>
+            </a:extLst>
+          </a:blip>
+          <a:srcRect/>
+          <a:stretch>
+            <a:fillRect/>
+          </a:stretch>
+        </p:blipFill>
+        <p:spPr bwMode="auto">
+          <a:xfrm>
+            <a:off x="470412" y="1309688"/>
+            <a:ext cx="6026070" cy="5341835"/>
+          </a:xfrm>
+          <a:prstGeom prst="rect">
+            <a:avLst/>
+          </a:prstGeom>
+          <a:noFill/>
+          <a:ln>
+            <a:noFill/>
+          </a:ln>
+          <a:extLst>
+            <a:ext uri="{909E8E84-426E-40DD-AFC4-6F175D3DCCD1}">
+              <a14:hiddenFill xmlns:a14="http://schemas.microsoft.com/office/drawing/2010/main">
+                <a:solidFill>
+                  <a:schemeClr val="accent1"/>
+                </a:solidFill>
+              </a14:hiddenFill>
+            </a:ext>
+            <a:ext uri="{91240B29-F687-4F45-9708-019B960494DF}">
+              <a14:hiddenLine xmlns:a14="http://schemas.microsoft.com/office/drawing/2010/main" w="9525">
+                <a:solidFill>
+                  <a:schemeClr val="tx1"/>
+                </a:solidFill>
+                <a:miter lim="800000"/>
+                <a:headEnd/>
+                <a:tailEnd/>
+              </a14:hiddenLine>
+            </a:ext>
+          </a:extLst>
+        </p:spPr>
+      </p:pic>
+      <p:cxnSp>
+        <p:nvCxnSpPr>
+          <p:cNvPr id="5" name="Straight Arrow Connector 4"/>
+          <p:cNvCxnSpPr/>
+          <p:nvPr/>
+        </p:nvCxnSpPr>
+        <p:spPr>
+          <a:xfrm flipH="1">
+            <a:off x="2227006" y="2116393"/>
+            <a:ext cx="4616246" cy="200055"/>
+          </a:xfrm>
+          <a:prstGeom prst="straightConnector1">
+            <a:avLst/>
+          </a:prstGeom>
+          <a:ln w="25400">
+            <a:tailEnd type="triangle" w="lg" len="lg"/>
+          </a:ln>
+        </p:spPr>
+        <p:style>
+          <a:lnRef idx="1">
+            <a:schemeClr val="accent1"/>
+          </a:lnRef>
+          <a:fillRef idx="0">
+            <a:schemeClr val="accent1"/>
+          </a:fillRef>
+          <a:effectRef idx="0">
+            <a:schemeClr val="accent1"/>
+          </a:effectRef>
+          <a:fontRef idx="minor">
+            <a:schemeClr val="tx1"/>
+          </a:fontRef>
+        </p:style>
+      </p:cxnSp>
+      <p:cxnSp>
+        <p:nvCxnSpPr>
+          <p:cNvPr id="7" name="Straight Arrow Connector 6"/>
+          <p:cNvCxnSpPr/>
+          <p:nvPr/>
+        </p:nvCxnSpPr>
+        <p:spPr>
+          <a:xfrm flipH="1">
+            <a:off x="4218039" y="5390535"/>
+            <a:ext cx="3007469" cy="199104"/>
+          </a:xfrm>
+          <a:prstGeom prst="straightConnector1">
+            <a:avLst/>
+          </a:prstGeom>
+          <a:ln w="25400">
+            <a:tailEnd type="triangle" w="lg" len="lg"/>
+          </a:ln>
+        </p:spPr>
+        <p:style>
+          <a:lnRef idx="1">
+            <a:schemeClr val="accent1"/>
+          </a:lnRef>
+          <a:fillRef idx="0">
+            <a:schemeClr val="accent1"/>
+          </a:fillRef>
+          <a:effectRef idx="0">
+            <a:schemeClr val="accent1"/>
+          </a:effectRef>
+          <a:fontRef idx="minor">
+            <a:schemeClr val="tx1"/>
+          </a:fontRef>
+        </p:style>
+      </p:cxnSp>
+    </p:spTree>
+    <p:extLst>
+      <p:ext uri="{BB962C8B-B14F-4D97-AF65-F5344CB8AC3E}">
+        <p14:creationId xmlns:p14="http://schemas.microsoft.com/office/powerpoint/2010/main" val="3083546433"/>
+      </p:ext>
+    </p:extLst>
+  </p:cSld>
+  <p:clrMapOvr>
+    <a:masterClrMapping/>
+  </p:clrMapOvr>
+  <p:timing>
+    <p:tnLst>
+      <p:par>
+        <p:cTn id="1" dur="indefinite" restart="never" nodeType="tmRoot"/>
+      </p:par>
+    </p:tnLst>
+  </p:timing>
 </p:sld>
 </file>
 
@@ -12291,78 +12518,6 @@
 </file>
 
 <file path=ppt/slides/slide30.xml><?xml version="1.0" encoding="utf-8"?>
-<p:sld xmlns:a="http://schemas.openxmlformats.org/drawingml/2006/main" xmlns:r="http://schemas.openxmlformats.org/officeDocument/2006/relationships" xmlns:p="http://schemas.openxmlformats.org/presentationml/2006/main">
-  <p:cSld>
-    <p:spTree>
-      <p:nvGrpSpPr>
-        <p:cNvPr id="1" name=""/>
-        <p:cNvGrpSpPr/>
-        <p:nvPr/>
-      </p:nvGrpSpPr>
-      <p:grpSpPr>
-        <a:xfrm>
-          <a:off x="0" y="0"/>
-          <a:ext cx="0" cy="0"/>
-          <a:chOff x="0" y="0"/>
-          <a:chExt cx="0" cy="0"/>
-        </a:xfrm>
-      </p:grpSpPr>
-      <p:sp>
-        <p:nvSpPr>
-          <p:cNvPr id="2" name="Title 1"/>
-          <p:cNvSpPr>
-            <a:spLocks noGrp="1"/>
-          </p:cNvSpPr>
-          <p:nvPr>
-            <p:ph type="title"/>
-          </p:nvPr>
-        </p:nvSpPr>
-        <p:spPr/>
-        <p:txBody>
-          <a:bodyPr/>
-          <a:lstStyle/>
-          <a:p>
-            <a:r>
-              <a:rPr lang="en-US" dirty="0" smtClean="0"/>
-              <a:t>Path tracking</a:t>
-            </a:r>
-            <a:endParaRPr lang="en-US" dirty="0"/>
-          </a:p>
-        </p:txBody>
-      </p:sp>
-      <p:sp>
-        <p:nvSpPr>
-          <p:cNvPr id="3" name="Content Placeholder 2"/>
-          <p:cNvSpPr>
-            <a:spLocks noGrp="1"/>
-          </p:cNvSpPr>
-          <p:nvPr>
-            <p:ph idx="1"/>
-          </p:nvPr>
-        </p:nvSpPr>
-        <p:spPr/>
-        <p:txBody>
-          <a:bodyPr/>
-          <a:lstStyle/>
-          <a:p>
-            <a:endParaRPr lang="en-US" dirty="0"/>
-          </a:p>
-        </p:txBody>
-      </p:sp>
-    </p:spTree>
-    <p:extLst>
-      <p:ext uri="{BB962C8B-B14F-4D97-AF65-F5344CB8AC3E}">
-        <p14:creationId xmlns:p14="http://schemas.microsoft.com/office/powerpoint/2010/main" val="3083546433"/>
-      </p:ext>
-    </p:extLst>
-  </p:cSld>
-  <p:clrMapOvr>
-    <a:masterClrMapping/>
-  </p:clrMapOvr>
-</p:sld>
-</file>
-
-<file path=ppt/slides/slide31.xml><?xml version="1.0" encoding="utf-8"?>
 <p:sld xmlns:a="http://schemas.openxmlformats.org/drawingml/2006/main" xmlns:r="http://schemas.openxmlformats.org/officeDocument/2006/relationships" xmlns:p="http://schemas.openxmlformats.org/presentationml/2006/main">
   <p:cSld>
     <p:spTree>
@@ -15660,6 +15815,13 @@
   <p:clrMapOvr>
     <a:masterClrMapping/>
   </p:clrMapOvr>
+  <p:timing>
+    <p:tnLst>
+      <p:par>
+        <p:cTn id="1" dur="indefinite" restart="never" nodeType="tmRoot"/>
+      </p:par>
+    </p:tnLst>
+  </p:timing>
 </p:sld>
 </file>
 
@@ -15818,6 +15980,13 @@
   <p:clrMapOvr>
     <a:masterClrMapping/>
   </p:clrMapOvr>
+  <p:timing>
+    <p:tnLst>
+      <p:par>
+        <p:cTn id="1" dur="indefinite" restart="never" nodeType="tmRoot"/>
+      </p:par>
+    </p:tnLst>
+  </p:timing>
 </p:sld>
 </file>
 
@@ -15931,6 +16100,13 @@
   <p:clrMapOvr>
     <a:masterClrMapping/>
   </p:clrMapOvr>
+  <p:timing>
+    <p:tnLst>
+      <p:par>
+        <p:cTn id="1" dur="indefinite" restart="never" nodeType="tmRoot"/>
+      </p:par>
+    </p:tnLst>
+  </p:timing>
 </p:sld>
 </file>
 
@@ -16074,6 +16250,13 @@
   <p:clrMapOvr>
     <a:masterClrMapping/>
   </p:clrMapOvr>
+  <p:timing>
+    <p:tnLst>
+      <p:par>
+        <p:cTn id="1" dur="indefinite" restart="never" nodeType="tmRoot"/>
+      </p:par>
+    </p:tnLst>
+  </p:timing>
 </p:sld>
 </file>
 
@@ -17426,6 +17609,13 @@
   <p:clrMapOvr>
     <a:masterClrMapping/>
   </p:clrMapOvr>
+  <p:timing>
+    <p:tnLst>
+      <p:par>
+        <p:cTn id="1" dur="indefinite" restart="never" nodeType="tmRoot"/>
+      </p:par>
+    </p:tnLst>
+  </p:timing>
 </p:sld>
 </file>
 
@@ -17590,39 +17780,225 @@
           <a:bodyPr/>
           <a:lstStyle/>
           <a:p>
-            <a:endParaRPr lang="en-US"/>
-          </a:p>
-        </p:txBody>
-      </p:sp>
-      <p:sp>
-        <p:nvSpPr>
-          <p:cNvPr id="3" name="Content Placeholder 2"/>
-          <p:cNvSpPr>
-            <a:spLocks noGrp="1"/>
-          </p:cNvSpPr>
+            <a:r>
+              <a:rPr lang="en-US" dirty="0"/>
+              <a:t>C++ Code Sample – </a:t>
+            </a:r>
+            <a:r>
+              <a:rPr lang="en-US" dirty="0" smtClean="0"/>
+              <a:t>Problem Statement</a:t>
+            </a:r>
+            <a:endParaRPr lang="en-US" dirty="0"/>
+          </a:p>
+        </p:txBody>
+      </p:sp>
+      <p:pic>
+        <p:nvPicPr>
+          <p:cNvPr id="4" name="Content Placeholder 3"/>
+          <p:cNvPicPr>
+            <a:picLocks noGrp="1" noChangeAspect="1"/>
+          </p:cNvPicPr>
           <p:nvPr>
             <p:ph idx="1"/>
           </p:nvPr>
-        </p:nvSpPr>
-        <p:spPr/>
-        <p:txBody>
-          <a:bodyPr/>
+        </p:nvPicPr>
+        <p:blipFill>
+          <a:blip r:embed="rId2"/>
+          <a:stretch>
+            <a:fillRect/>
+          </a:stretch>
+        </p:blipFill>
+        <p:spPr>
+          <a:xfrm>
+            <a:off x="1104879" y="2715323"/>
+            <a:ext cx="4010180" cy="1891846"/>
+          </a:xfrm>
+          <a:prstGeom prst="rect">
+            <a:avLst/>
+          </a:prstGeom>
+        </p:spPr>
+      </p:pic>
+      <p:sp>
+        <p:nvSpPr>
+          <p:cNvPr id="5" name="TextBox 4"/>
+          <p:cNvSpPr txBox="1"/>
+          <p:nvPr/>
+        </p:nvSpPr>
+        <p:spPr>
+          <a:xfrm>
+            <a:off x="547486" y="1879840"/>
+            <a:ext cx="7166257" cy="646331"/>
+          </a:xfrm>
+          <a:prstGeom prst="rect">
+            <a:avLst/>
+          </a:prstGeom>
+          <a:noFill/>
+        </p:spPr>
+        <p:txBody>
+          <a:bodyPr wrap="none" rtlCol="0">
+            <a:spAutoFit/>
+          </a:bodyPr>
           <a:lstStyle/>
           <a:p>
             <a:r>
               <a:rPr lang="en-US" dirty="0" smtClean="0"/>
-              <a:t>Works with digraphs with positive edge weights and a distinct source vertex.</a:t>
-            </a:r>
-          </a:p>
-          <a:p>
+              <a:t>Find the shortest path from source </a:t>
+            </a:r>
+            <a:r>
+              <a:rPr lang="en-US" dirty="0"/>
+              <a:t>node to every other node in </a:t>
+            </a:r>
+            <a:r>
+              <a:rPr lang="en-US" dirty="0" smtClean="0"/>
+              <a:t>this graph.</a:t>
+            </a:r>
             <a:endParaRPr lang="en-US" dirty="0"/>
+          </a:p>
+          <a:p>
+            <a:endParaRPr lang="en-US" dirty="0"/>
+          </a:p>
+        </p:txBody>
+      </p:sp>
+      <p:cxnSp>
+        <p:nvCxnSpPr>
+          <p:cNvPr id="7" name="Straight Arrow Connector 6"/>
+          <p:cNvCxnSpPr/>
+          <p:nvPr/>
+        </p:nvCxnSpPr>
+        <p:spPr>
+          <a:xfrm>
+            <a:off x="792489" y="3191525"/>
+            <a:ext cx="290714" cy="304800"/>
+          </a:xfrm>
+          <a:prstGeom prst="straightConnector1">
+            <a:avLst/>
+          </a:prstGeom>
+          <a:ln>
+            <a:tailEnd type="triangle"/>
+          </a:ln>
+        </p:spPr>
+        <p:style>
+          <a:lnRef idx="1">
+            <a:schemeClr val="accent1"/>
+          </a:lnRef>
+          <a:fillRef idx="0">
+            <a:schemeClr val="accent1"/>
+          </a:fillRef>
+          <a:effectRef idx="0">
+            <a:schemeClr val="accent1"/>
+          </a:effectRef>
+          <a:fontRef idx="minor">
+            <a:schemeClr val="tx1"/>
+          </a:fontRef>
+        </p:style>
+      </p:cxnSp>
+      <p:sp>
+        <p:nvSpPr>
+          <p:cNvPr id="10" name="TextBox 9"/>
+          <p:cNvSpPr txBox="1"/>
+          <p:nvPr/>
+        </p:nvSpPr>
+        <p:spPr>
+          <a:xfrm>
+            <a:off x="280807" y="2826582"/>
+            <a:ext cx="824072" cy="369332"/>
+          </a:xfrm>
+          <a:prstGeom prst="rect">
+            <a:avLst/>
+          </a:prstGeom>
+          <a:noFill/>
+        </p:spPr>
+        <p:txBody>
+          <a:bodyPr wrap="none" rtlCol="0">
+            <a:spAutoFit/>
+          </a:bodyPr>
+          <a:lstStyle/>
+          <a:p>
+            <a:r>
+              <a:rPr lang="en-US" dirty="0" smtClean="0">
+                <a:solidFill>
+                  <a:schemeClr val="tx1">
+                    <a:lumMod val="50000"/>
+                    <a:lumOff val="50000"/>
+                  </a:schemeClr>
+                </a:solidFill>
+              </a:rPr>
+              <a:t>Source</a:t>
+            </a:r>
+            <a:endParaRPr lang="en-US" dirty="0">
+              <a:solidFill>
+                <a:schemeClr val="tx1">
+                  <a:lumMod val="50000"/>
+                  <a:lumOff val="50000"/>
+                </a:schemeClr>
+              </a:solidFill>
+            </a:endParaRPr>
+          </a:p>
+        </p:txBody>
+      </p:sp>
+      <p:pic>
+        <p:nvPicPr>
+          <p:cNvPr id="11" name="Picture 10"/>
+          <p:cNvPicPr>
+            <a:picLocks noChangeAspect="1"/>
+          </p:cNvPicPr>
+          <p:nvPr/>
+        </p:nvPicPr>
+        <p:blipFill>
+          <a:blip r:embed="rId3"/>
+          <a:stretch>
+            <a:fillRect/>
+          </a:stretch>
+        </p:blipFill>
+        <p:spPr>
+          <a:xfrm>
+            <a:off x="6713743" y="2715323"/>
+            <a:ext cx="3697238" cy="2291579"/>
+          </a:xfrm>
+          <a:prstGeom prst="rect">
+            <a:avLst/>
+          </a:prstGeom>
+        </p:spPr>
+      </p:pic>
+      <p:sp>
+        <p:nvSpPr>
+          <p:cNvPr id="13" name="Rectangle 12"/>
+          <p:cNvSpPr/>
+          <p:nvPr/>
+        </p:nvSpPr>
+        <p:spPr>
+          <a:xfrm>
+            <a:off x="5721079" y="3496325"/>
+            <a:ext cx="386644" cy="369332"/>
+          </a:xfrm>
+          <a:prstGeom prst="rect">
+            <a:avLst/>
+          </a:prstGeom>
+        </p:spPr>
+        <p:txBody>
+          <a:bodyPr wrap="none">
+            <a:spAutoFit/>
+          </a:bodyPr>
+          <a:lstStyle/>
+          <a:p>
+            <a:r>
+              <a:rPr lang="en-US" dirty="0">
+                <a:solidFill>
+                  <a:schemeClr val="tx1">
+                    <a:lumMod val="50000"/>
+                    <a:lumOff val="50000"/>
+                  </a:schemeClr>
+                </a:solidFill>
+              </a:rPr>
+              <a:t>or</a:t>
+            </a:r>
           </a:p>
         </p:txBody>
       </p:sp>
     </p:spTree>
     <p:extLst>
       <p:ext uri="{BB962C8B-B14F-4D97-AF65-F5344CB8AC3E}">
-        <p14:creationId xmlns:p14="http://schemas.microsoft.com/office/powerpoint/2010/main" val="880126787"/>
+        <p14:creationId xmlns:p14="http://schemas.microsoft.com/office/powerpoint/2010/main" val="2025064388"/>
       </p:ext>
     </p:extLst>
   </p:cSld>
@@ -17642,7 +18018,7 @@
 <file path=ppt/tags/tag1.xml><?xml version="1.0" encoding="utf-8"?>
 <p:tagLst xmlns:a="http://schemas.openxmlformats.org/drawingml/2006/main" xmlns:r="http://schemas.openxmlformats.org/officeDocument/2006/relationships" xmlns:p="http://schemas.openxmlformats.org/presentationml/2006/main">
   <p:tag name="MMPROD_NEXTUNIQUEID" val="10010"/>
-  <p:tag name="MMPROD_UIDATA" val="&lt;database version=&quot;9.0&quot;&gt;&lt;object type=&quot;1&quot; unique_id=&quot;10001&quot;&gt;&lt;object type=&quot;2&quot; unique_id=&quot;10002&quot;&gt;&lt;object type=&quot;3&quot; unique_id=&quot;10003&quot;&gt;&lt;property id=&quot;20148&quot; value=&quot;5&quot;/&gt;&lt;property id=&quot;20300&quot; value=&quot;Slide 1 - &amp;quot;Dijkstra’s Algorithm&amp;quot;&quot;/&gt;&lt;property id=&quot;20307&quot; value=&quot;256&quot;/&gt;&lt;/object&gt;&lt;object type=&quot;3&quot; unique_id=&quot;10004&quot;&gt;&lt;property id=&quot;20148&quot; value=&quot;5&quot;/&gt;&lt;property id=&quot;20300&quot; value=&quot;Slide 2 - &amp;quot;History of Dijkstra’s Algorithm&amp;quot;&quot;/&gt;&lt;property id=&quot;20307&quot; value=&quot;257&quot;/&gt;&lt;/object&gt;&lt;object type=&quot;3&quot; unique_id=&quot;10005&quot;&gt;&lt;property id=&quot;20148&quot; value=&quot;5&quot;/&gt;&lt;property id=&quot;20300&quot; value=&quot;Slide 3 - &amp;quot;Problem Statements&amp;amp;#x09;&amp;quot;&quot;/&gt;&lt;property id=&quot;20307&quot; value=&quot;258&quot;/&gt;&lt;/object&gt;&lt;object type=&quot;3&quot; unique_id=&quot;10006&quot;&gt;&lt;property id=&quot;20148&quot; value=&quot;5&quot;/&gt;&lt;property id=&quot;20300&quot; value=&quot;Slide 4 - &amp;quot;The shortest distance between locations&amp;quot;&quot;/&gt;&lt;property id=&quot;20307&quot; value=&quot;283&quot;/&gt;&lt;/object&gt;&lt;object type=&quot;3&quot; unique_id=&quot;10007&quot;&gt;&lt;property id=&quot;20148&quot; value=&quot;5&quot;/&gt;&lt;property id=&quot;20300&quot; value=&quot;Slide 5 - &amp;quot;Networking&amp;quot;&quot;/&gt;&lt;property id=&quot;20307&quot; value=&quot;284&quot;/&gt;&lt;/object&gt;&lt;object type=&quot;3&quot; unique_id=&quot;10008&quot;&gt;&lt;property id=&quot;20148&quot; value=&quot;5&quot;/&gt;&lt;property id=&quot;20300&quot; value=&quot;Slide 6 - &amp;quot;Flight Plans&amp;quot;&quot;/&gt;&lt;property id=&quot;20307&quot; value=&quot;285&quot;/&gt;&lt;/object&gt;&lt;object type=&quot;3&quot; unique_id=&quot;10009&quot;&gt;&lt;property id=&quot;20148&quot; value=&quot;5&quot;/&gt;&lt;property id=&quot;20300&quot; value=&quot;Slide 7 - &amp;quot;Currency Exchange&amp;quot;&quot;/&gt;&lt;property id=&quot;20307&quot; value=&quot;286&quot;/&gt;&lt;/object&gt;&lt;object type=&quot;3&quot; unique_id=&quot;10010&quot;&gt;&lt;property id=&quot;20148&quot; value=&quot;5&quot;/&gt;&lt;property id=&quot;20300&quot; value=&quot;Slide 8 - &amp;quot;Algorithm Explanation&amp;quot;&quot;/&gt;&lt;property id=&quot;20307&quot; value=&quot;259&quot;/&gt;&lt;/object&gt;&lt;object type=&quot;3&quot; unique_id=&quot;10011&quot;&gt;&lt;property id=&quot;20148&quot; value=&quot;5&quot;/&gt;&lt;property id=&quot;20300&quot; value=&quot;Slide 9&quot;/&gt;&lt;property id=&quot;20307&quot; value=&quot;260&quot;/&gt;&lt;/object&gt;&lt;object type=&quot;3&quot; unique_id=&quot;10024&quot;&gt;&lt;property id=&quot;20148&quot; value=&quot;5&quot;/&gt;&lt;property id=&quot;20300&quot; value=&quot;Slide 27 - &amp;quot;Improvements&amp;quot;&quot;/&gt;&lt;property id=&quot;20307&quot; value=&quot;287&quot;/&gt;&lt;/object&gt;&lt;object type=&quot;3&quot; unique_id=&quot;10025&quot;&gt;&lt;property id=&quot;20148&quot; value=&quot;5&quot;/&gt;&lt;property id=&quot;20300&quot; value=&quot;Slide 28 - &amp;quot;Heaps&amp;quot;&quot;/&gt;&lt;property id=&quot;20307&quot; value=&quot;288&quot;/&gt;&lt;/object&gt;&lt;object type=&quot;3&quot; unique_id=&quot;10026&quot;&gt;&lt;property id=&quot;20148&quot; value=&quot;5&quot;/&gt;&lt;property id=&quot;20300&quot; value=&quot;Slide 29 - &amp;quot;Run-time comparison&amp;quot;&quot;/&gt;&lt;property id=&quot;20307&quot; value=&quot;290&quot;/&gt;&lt;/object&gt;&lt;object type=&quot;3&quot; unique_id=&quot;10027&quot;&gt;&lt;property id=&quot;20148&quot; value=&quot;5&quot;/&gt;&lt;property id=&quot;20300&quot; value=&quot;Slide 30 - &amp;quot;Path tracking&amp;quot;&quot;/&gt;&lt;property id=&quot;20307&quot; value=&quot;291&quot;/&gt;&lt;/object&gt;&lt;object type=&quot;3&quot; unique_id=&quot;10028&quot;&gt;&lt;property id=&quot;20148&quot; value=&quot;5&quot;/&gt;&lt;property id=&quot;20300&quot; value=&quot;Slide 31 - &amp;quot;Path tree&amp;quot;&quot;/&gt;&lt;property id=&quot;20307&quot; value=&quot;289&quot;/&gt;&lt;/object&gt;&lt;object type=&quot;3&quot; unique_id=&quot;10204&quot;&gt;&lt;property id=&quot;20148&quot; value=&quot;5&quot;/&gt;&lt;property id=&quot;20300&quot; value=&quot;Slide 10 - &amp;quot;C++ Code Sample – Problem Statement&amp;quot;&quot;/&gt;&lt;property id=&quot;20307&quot; value=&quot;292&quot;/&gt;&lt;/object&gt;&lt;object type=&quot;3&quot; unique_id=&quot;10205&quot;&gt;&lt;property id=&quot;20148&quot; value=&quot;5&quot;/&gt;&lt;property id=&quot;20300&quot; value=&quot;Slide 11 - &amp;quot;C++ Code Sample – Problem Statement&amp;quot;&quot;/&gt;&lt;property id=&quot;20307&quot; value=&quot;293&quot;/&gt;&lt;/object&gt;&lt;object type=&quot;3&quot; unique_id=&quot;10206&quot;&gt;&lt;property id=&quot;20148&quot; value=&quot;5&quot;/&gt;&lt;property id=&quot;20300&quot; value=&quot;Slide 12 - &amp;quot;C++ Code Sample – Step 1&amp;quot;&quot;/&gt;&lt;property id=&quot;20307&quot; value=&quot;294&quot;/&gt;&lt;/object&gt;&lt;object type=&quot;3&quot; unique_id=&quot;10207&quot;&gt;&lt;property id=&quot;20148&quot; value=&quot;5&quot;/&gt;&lt;property id=&quot;20300&quot; value=&quot;Slide 13 - &amp;quot;C++ Code Sample – Step 1&amp;quot;&quot;/&gt;&lt;property id=&quot;20307&quot; value=&quot;295&quot;/&gt;&lt;/object&gt;&lt;object type=&quot;3&quot; unique_id=&quot;10208&quot;&gt;&lt;property id=&quot;20148&quot; value=&quot;5&quot;/&gt;&lt;property id=&quot;20300&quot; value=&quot;Slide 14 - &amp;quot;C++ Code Sample – Step 1&amp;quot;&quot;/&gt;&lt;property id=&quot;20307&quot; value=&quot;296&quot;/&gt;&lt;/object&gt;&lt;object type=&quot;3&quot; unique_id=&quot;10209&quot;&gt;&lt;property id=&quot;20148&quot; value=&quot;5&quot;/&gt;&lt;property id=&quot;20300&quot; value=&quot;Slide 15 - &amp;quot;C++ Code Sample – Step 2&amp;quot;&quot;/&gt;&lt;property id=&quot;20307&quot; value=&quot;297&quot;/&gt;&lt;/object&gt;&lt;object type=&quot;3&quot; unique_id=&quot;10210&quot;&gt;&lt;property id=&quot;20148&quot; value=&quot;5&quot;/&gt;&lt;property id=&quot;20300&quot; value=&quot;Slide 16 - &amp;quot;C++ Code Sample – Step 2&amp;quot;&quot;/&gt;&lt;property id=&quot;20307&quot; value=&quot;298&quot;/&gt;&lt;/object&gt;&lt;object type=&quot;3&quot; unique_id=&quot;10211&quot;&gt;&lt;property id=&quot;20148&quot; value=&quot;5&quot;/&gt;&lt;property id=&quot;20300&quot; value=&quot;Slide 17 - &amp;quot;C++ Code Sample – Step 2&amp;quot;&quot;/&gt;&lt;property id=&quot;20307&quot; value=&quot;299&quot;/&gt;&lt;/object&gt;&lt;object type=&quot;3&quot; unique_id=&quot;10212&quot;&gt;&lt;property id=&quot;20148&quot; value=&quot;5&quot;/&gt;&lt;property id=&quot;20300&quot; value=&quot;Slide 18 - &amp;quot;C++ Code Sample – Step 3&amp;quot;&quot;/&gt;&lt;property id=&quot;20307&quot; value=&quot;300&quot;/&gt;&lt;/object&gt;&lt;object type=&quot;3&quot; unique_id=&quot;10213&quot;&gt;&lt;property id=&quot;20148&quot; value=&quot;5&quot;/&gt;&lt;property id=&quot;20300&quot; value=&quot;Slide 19 - &amp;quot;C++ Code Sample – Step 3&amp;quot;&quot;/&gt;&lt;property id=&quot;20307&quot; value=&quot;301&quot;/&gt;&lt;/object&gt;&lt;object type=&quot;3&quot; unique_id=&quot;10214&quot;&gt;&lt;property id=&quot;20148&quot; value=&quot;5&quot;/&gt;&lt;property id=&quot;20300&quot; value=&quot;Slide 20 - &amp;quot;C++ Code Sample – Step 3&amp;quot;&quot;/&gt;&lt;property id=&quot;20307&quot; value=&quot;302&quot;/&gt;&lt;/object&gt;&lt;object type=&quot;3&quot; unique_id=&quot;10215&quot;&gt;&lt;property id=&quot;20148&quot; value=&quot;5&quot;/&gt;&lt;property id=&quot;20300&quot; value=&quot;Slide 21 - &amp;quot;C++ Code Sample – Step 3&amp;quot;&quot;/&gt;&lt;property id=&quot;20307&quot; value=&quot;303&quot;/&gt;&lt;/object&gt;&lt;object type=&quot;3&quot; unique_id=&quot;10216&quot;&gt;&lt;property id=&quot;20148&quot; value=&quot;5&quot;/&gt;&lt;property id=&quot;20300&quot; value=&quot;Slide 22 - &amp;quot;C++ Code Sample – Step 3&amp;quot;&quot;/&gt;&lt;property id=&quot;20307&quot; value=&quot;304&quot;/&gt;&lt;/object&gt;&lt;object type=&quot;3&quot; unique_id=&quot;10217&quot;&gt;&lt;property id=&quot;20148&quot; value=&quot;5&quot;/&gt;&lt;property id=&quot;20300&quot; value=&quot;Slide 23 - &amp;quot;C++ Code Sample – Step 3&amp;quot;&quot;/&gt;&lt;property id=&quot;20307&quot; value=&quot;305&quot;/&gt;&lt;/object&gt;&lt;object type=&quot;3&quot; unique_id=&quot;10218&quot;&gt;&lt;property id=&quot;20148&quot; value=&quot;5&quot;/&gt;&lt;property id=&quot;20300&quot; value=&quot;Slide 24 - &amp;quot;C++ Code Sample – Step 3&amp;quot;&quot;/&gt;&lt;property id=&quot;20307&quot; value=&quot;306&quot;/&gt;&lt;/object&gt;&lt;object type=&quot;3&quot; unique_id=&quot;10219&quot;&gt;&lt;property id=&quot;20148&quot; value=&quot;5&quot;/&gt;&lt;property id=&quot;20300&quot; value=&quot;Slide 25 - &amp;quot;C++ Code Sample – Go Back to Step 2&amp;quot;&quot;/&gt;&lt;property id=&quot;20307&quot; value=&quot;307&quot;/&gt;&lt;/object&gt;&lt;object type=&quot;3&quot; unique_id=&quot;10220&quot;&gt;&lt;property id=&quot;20148&quot; value=&quot;5&quot;/&gt;&lt;property id=&quot;20300&quot; value=&quot;Slide 26 - &amp;quot;C++ Code Sample – Step 4 Print Solution&amp;quot;&quot;/&gt;&lt;property id=&quot;20307&quot; value=&quot;308&quot;/&gt;&lt;/object&gt;&lt;/object&gt;&lt;object type=&quot;8&quot; unique_id=&quot;10056&quot;&gt;&lt;/object&gt;&lt;/object&gt;&lt;/database&gt;"/>
+  <p:tag name="MMPROD_UIDATA" val="&lt;database version=&quot;9.0&quot;&gt;&lt;object type=&quot;1&quot; unique_id=&quot;10001&quot;&gt;&lt;object type=&quot;2&quot; unique_id=&quot;10002&quot;&gt;&lt;object type=&quot;3&quot; unique_id=&quot;10003&quot;&gt;&lt;property id=&quot;20148&quot; value=&quot;5&quot;/&gt;&lt;property id=&quot;20300&quot; value=&quot;Slide 1 - &amp;quot;Dijkstra’s Algorithm&amp;quot;&quot;/&gt;&lt;property id=&quot;20307&quot; value=&quot;256&quot;/&gt;&lt;/object&gt;&lt;object type=&quot;3&quot; unique_id=&quot;10004&quot;&gt;&lt;property id=&quot;20148&quot; value=&quot;5&quot;/&gt;&lt;property id=&quot;20300&quot; value=&quot;Slide 2 - &amp;quot;History of Dijkstra’s Algorithm&amp;quot;&quot;/&gt;&lt;property id=&quot;20307&quot; value=&quot;257&quot;/&gt;&lt;/object&gt;&lt;object type=&quot;3&quot; unique_id=&quot;10005&quot;&gt;&lt;property id=&quot;20148&quot; value=&quot;5&quot;/&gt;&lt;property id=&quot;20300&quot; value=&quot;Slide 3 - &amp;quot;Problem Statements&amp;amp;#x09;&amp;quot;&quot;/&gt;&lt;property id=&quot;20307&quot; value=&quot;258&quot;/&gt;&lt;/object&gt;&lt;object type=&quot;3&quot; unique_id=&quot;10006&quot;&gt;&lt;property id=&quot;20148&quot; value=&quot;5&quot;/&gt;&lt;property id=&quot;20300&quot; value=&quot;Slide 4 - &amp;quot;The shortest distance between locations&amp;quot;&quot;/&gt;&lt;property id=&quot;20307&quot; value=&quot;283&quot;/&gt;&lt;/object&gt;&lt;object type=&quot;3&quot; unique_id=&quot;10007&quot;&gt;&lt;property id=&quot;20148&quot; value=&quot;5&quot;/&gt;&lt;property id=&quot;20300&quot; value=&quot;Slide 5 - &amp;quot;Networking&amp;quot;&quot;/&gt;&lt;property id=&quot;20307&quot; value=&quot;284&quot;/&gt;&lt;/object&gt;&lt;object type=&quot;3&quot; unique_id=&quot;10008&quot;&gt;&lt;property id=&quot;20148&quot; value=&quot;5&quot;/&gt;&lt;property id=&quot;20300&quot; value=&quot;Slide 6 - &amp;quot;Flight Plans&amp;quot;&quot;/&gt;&lt;property id=&quot;20307&quot; value=&quot;285&quot;/&gt;&lt;/object&gt;&lt;object type=&quot;3&quot; unique_id=&quot;10009&quot;&gt;&lt;property id=&quot;20148&quot; value=&quot;5&quot;/&gt;&lt;property id=&quot;20300&quot; value=&quot;Slide 7 - &amp;quot;Currency Exchange&amp;quot;&quot;/&gt;&lt;property id=&quot;20307&quot; value=&quot;286&quot;/&gt;&lt;/object&gt;&lt;object type=&quot;3&quot; unique_id=&quot;10010&quot;&gt;&lt;property id=&quot;20148&quot; value=&quot;5&quot;/&gt;&lt;property id=&quot;20300&quot; value=&quot;Slide 8 - &amp;quot;Algorithm Explanation&amp;quot;&quot;/&gt;&lt;property id=&quot;20307&quot; value=&quot;259&quot;/&gt;&lt;/object&gt;&lt;object type=&quot;3&quot; unique_id=&quot;10024&quot;&gt;&lt;property id=&quot;20148&quot; value=&quot;5&quot;/&gt;&lt;property id=&quot;20300&quot; value=&quot;Slide 26 - &amp;quot;Improvements&amp;quot;&quot;/&gt;&lt;property id=&quot;20307&quot; value=&quot;287&quot;/&gt;&lt;/object&gt;&lt;object type=&quot;3&quot; unique_id=&quot;10025&quot;&gt;&lt;property id=&quot;20148&quot; value=&quot;5&quot;/&gt;&lt;property id=&quot;20300&quot; value=&quot;Slide 27 - &amp;quot;Heaps&amp;quot;&quot;/&gt;&lt;property id=&quot;20307&quot; value=&quot;288&quot;/&gt;&lt;/object&gt;&lt;object type=&quot;3&quot; unique_id=&quot;10026&quot;&gt;&lt;property id=&quot;20148&quot; value=&quot;5&quot;/&gt;&lt;property id=&quot;20300&quot; value=&quot;Slide 28 - &amp;quot;Run-time comparison&amp;quot;&quot;/&gt;&lt;property id=&quot;20307&quot; value=&quot;290&quot;/&gt;&lt;/object&gt;&lt;object type=&quot;3&quot; unique_id=&quot;10027&quot;&gt;&lt;property id=&quot;20148&quot; value=&quot;5&quot;/&gt;&lt;property id=&quot;20300&quot; value=&quot;Slide 29 - &amp;quot;Path tracking&amp;quot;&quot;/&gt;&lt;property id=&quot;20307&quot; value=&quot;291&quot;/&gt;&lt;/object&gt;&lt;object type=&quot;3&quot; unique_id=&quot;10028&quot;&gt;&lt;property id=&quot;20148&quot; value=&quot;5&quot;/&gt;&lt;property id=&quot;20300&quot; value=&quot;Slide 30 - &amp;quot;Path tree&amp;quot;&quot;/&gt;&lt;property id=&quot;20307&quot; value=&quot;289&quot;/&gt;&lt;/object&gt;&lt;object type=&quot;3&quot; unique_id=&quot;10204&quot;&gt;&lt;property id=&quot;20148&quot; value=&quot;5&quot;/&gt;&lt;property id=&quot;20300&quot; value=&quot;Slide 9 - &amp;quot;C++ Code Sample – Problem Statement&amp;quot;&quot;/&gt;&lt;property id=&quot;20307&quot; value=&quot;292&quot;/&gt;&lt;/object&gt;&lt;object type=&quot;3&quot; unique_id=&quot;10205&quot;&gt;&lt;property id=&quot;20148&quot; value=&quot;5&quot;/&gt;&lt;property id=&quot;20300&quot; value=&quot;Slide 10 - &amp;quot;C++ Code Sample – Problem Statement&amp;quot;&quot;/&gt;&lt;property id=&quot;20307&quot; value=&quot;293&quot;/&gt;&lt;/object&gt;&lt;object type=&quot;3&quot; unique_id=&quot;10206&quot;&gt;&lt;property id=&quot;20148&quot; value=&quot;5&quot;/&gt;&lt;property id=&quot;20300&quot; value=&quot;Slide 11 - &amp;quot;C++ Code Sample – Step 1&amp;quot;&quot;/&gt;&lt;property id=&quot;20307&quot; value=&quot;294&quot;/&gt;&lt;/object&gt;&lt;object type=&quot;3&quot; unique_id=&quot;10207&quot;&gt;&lt;property id=&quot;20148&quot; value=&quot;5&quot;/&gt;&lt;property id=&quot;20300&quot; value=&quot;Slide 12 - &amp;quot;C++ Code Sample – Step 1&amp;quot;&quot;/&gt;&lt;property id=&quot;20307&quot; value=&quot;295&quot;/&gt;&lt;/object&gt;&lt;object type=&quot;3&quot; unique_id=&quot;10208&quot;&gt;&lt;property id=&quot;20148&quot; value=&quot;5&quot;/&gt;&lt;property id=&quot;20300&quot; value=&quot;Slide 13 - &amp;quot;C++ Code Sample – Step 1&amp;quot;&quot;/&gt;&lt;property id=&quot;20307&quot; value=&quot;296&quot;/&gt;&lt;/object&gt;&lt;object type=&quot;3&quot; unique_id=&quot;10209&quot;&gt;&lt;property id=&quot;20148&quot; value=&quot;5&quot;/&gt;&lt;property id=&quot;20300&quot; value=&quot;Slide 14 - &amp;quot;C++ Code Sample – Step 2&amp;quot;&quot;/&gt;&lt;property id=&quot;20307&quot; value=&quot;297&quot;/&gt;&lt;/object&gt;&lt;object type=&quot;3&quot; unique_id=&quot;10210&quot;&gt;&lt;property id=&quot;20148&quot; value=&quot;5&quot;/&gt;&lt;property id=&quot;20300&quot; value=&quot;Slide 15 - &amp;quot;C++ Code Sample – Step 2&amp;quot;&quot;/&gt;&lt;property id=&quot;20307&quot; value=&quot;298&quot;/&gt;&lt;/object&gt;&lt;object type=&quot;3&quot; unique_id=&quot;10211&quot;&gt;&lt;property id=&quot;20148&quot; value=&quot;5&quot;/&gt;&lt;property id=&quot;20300&quot; value=&quot;Slide 16 - &amp;quot;C++ Code Sample – Step 2&amp;quot;&quot;/&gt;&lt;property id=&quot;20307&quot; value=&quot;299&quot;/&gt;&lt;/object&gt;&lt;object type=&quot;3&quot; unique_id=&quot;10212&quot;&gt;&lt;property id=&quot;20148&quot; value=&quot;5&quot;/&gt;&lt;property id=&quot;20300&quot; value=&quot;Slide 17 - &amp;quot;C++ Code Sample – Step 3&amp;quot;&quot;/&gt;&lt;property id=&quot;20307&quot; value=&quot;300&quot;/&gt;&lt;/object&gt;&lt;object type=&quot;3&quot; unique_id=&quot;10213&quot;&gt;&lt;property id=&quot;20148&quot; value=&quot;5&quot;/&gt;&lt;property id=&quot;20300&quot; value=&quot;Slide 18 - &amp;quot;C++ Code Sample – Step 3&amp;quot;&quot;/&gt;&lt;property id=&quot;20307&quot; value=&quot;301&quot;/&gt;&lt;/object&gt;&lt;object type=&quot;3&quot; unique_id=&quot;10214&quot;&gt;&lt;property id=&quot;20148&quot; value=&quot;5&quot;/&gt;&lt;property id=&quot;20300&quot; value=&quot;Slide 19 - &amp;quot;C++ Code Sample – Step 3&amp;quot;&quot;/&gt;&lt;property id=&quot;20307&quot; value=&quot;302&quot;/&gt;&lt;/object&gt;&lt;object type=&quot;3&quot; unique_id=&quot;10215&quot;&gt;&lt;property id=&quot;20148&quot; value=&quot;5&quot;/&gt;&lt;property id=&quot;20300&quot; value=&quot;Slide 20 - &amp;quot;C++ Code Sample – Step 3&amp;quot;&quot;/&gt;&lt;property id=&quot;20307&quot; value=&quot;303&quot;/&gt;&lt;/object&gt;&lt;object type=&quot;3&quot; unique_id=&quot;10216&quot;&gt;&lt;property id=&quot;20148&quot; value=&quot;5&quot;/&gt;&lt;property id=&quot;20300&quot; value=&quot;Slide 21 - &amp;quot;C++ Code Sample – Step 3&amp;quot;&quot;/&gt;&lt;property id=&quot;20307&quot; value=&quot;304&quot;/&gt;&lt;/object&gt;&lt;object type=&quot;3&quot; unique_id=&quot;10217&quot;&gt;&lt;property id=&quot;20148&quot; value=&quot;5&quot;/&gt;&lt;property id=&quot;20300&quot; value=&quot;Slide 22 - &amp;quot;C++ Code Sample – Step 3&amp;quot;&quot;/&gt;&lt;property id=&quot;20307&quot; value=&quot;305&quot;/&gt;&lt;/object&gt;&lt;object type=&quot;3&quot; unique_id=&quot;10218&quot;&gt;&lt;property id=&quot;20148&quot; value=&quot;5&quot;/&gt;&lt;property id=&quot;20300&quot; value=&quot;Slide 23 - &amp;quot;C++ Code Sample – Step 3&amp;quot;&quot;/&gt;&lt;property id=&quot;20307&quot; value=&quot;306&quot;/&gt;&lt;/object&gt;&lt;object type=&quot;3&quot; unique_id=&quot;10219&quot;&gt;&lt;property id=&quot;20148&quot; value=&quot;5&quot;/&gt;&lt;property id=&quot;20300&quot; value=&quot;Slide 24 - &amp;quot;C++ Code Sample – Go Back to Step 2&amp;quot;&quot;/&gt;&lt;property id=&quot;20307&quot; value=&quot;307&quot;/&gt;&lt;/object&gt;&lt;object type=&quot;3&quot; unique_id=&quot;10220&quot;&gt;&lt;property id=&quot;20148&quot; value=&quot;5&quot;/&gt;&lt;property id=&quot;20300&quot; value=&quot;Slide 25 - &amp;quot;C++ Code Sample – Step 4 Print Solution&amp;quot;&quot;/&gt;&lt;property id=&quot;20307&quot; value=&quot;308&quot;/&gt;&lt;/object&gt;&lt;/object&gt;&lt;object type=&quot;8&quot; unique_id=&quot;10056&quot;&gt;&lt;/object&gt;&lt;/object&gt;&lt;/database&gt;"/>
   <p:tag name="SECTOMILLISECCONVERTED" val="1"/>
 </p:tagLst>
 </file>
